--- a/Lectures/Lecture 03 - Machine Learning Process.pptx
+++ b/Lectures/Lecture 03 - Machine Learning Process.pptx
@@ -5,20 +5,21 @@
     <p:sldMasterId id="2147483648" r:id="rId1"/>
   </p:sldMasterIdLst>
   <p:notesMasterIdLst>
-    <p:notesMasterId r:id="rId13"/>
+    <p:notesMasterId r:id="rId14"/>
   </p:notesMasterIdLst>
   <p:sldIdLst>
     <p:sldId id="272" r:id="rId2"/>
     <p:sldId id="273" r:id="rId3"/>
     <p:sldId id="364" r:id="rId4"/>
-    <p:sldId id="356" r:id="rId5"/>
-    <p:sldId id="357" r:id="rId6"/>
-    <p:sldId id="358" r:id="rId7"/>
-    <p:sldId id="359" r:id="rId8"/>
-    <p:sldId id="360" r:id="rId9"/>
-    <p:sldId id="361" r:id="rId10"/>
-    <p:sldId id="362" r:id="rId11"/>
-    <p:sldId id="363" r:id="rId12"/>
+    <p:sldId id="417" r:id="rId5"/>
+    <p:sldId id="356" r:id="rId6"/>
+    <p:sldId id="357" r:id="rId7"/>
+    <p:sldId id="358" r:id="rId8"/>
+    <p:sldId id="359" r:id="rId9"/>
+    <p:sldId id="360" r:id="rId10"/>
+    <p:sldId id="361" r:id="rId11"/>
+    <p:sldId id="362" r:id="rId12"/>
+    <p:sldId id="363" r:id="rId13"/>
   </p:sldIdLst>
   <p:sldSz cx="9144000" cy="6858000" type="screen4x3"/>
   <p:notesSz cx="6858000" cy="9144000"/>
@@ -136,6 +137,4352 @@
 </p:presentation>
 </file>
 
+<file path=ppt/diagrams/colors1.xml><?xml version="1.0" encoding="utf-8"?>
+<dgm:colorsDef xmlns:dgm="http://schemas.openxmlformats.org/drawingml/2006/diagram" xmlns:a="http://schemas.openxmlformats.org/drawingml/2006/main" uniqueId="urn:microsoft.com/office/officeart/2005/8/colors/colorful3">
+  <dgm:title val=""/>
+  <dgm:desc val=""/>
+  <dgm:catLst>
+    <dgm:cat type="colorful" pri="10300"/>
+  </dgm:catLst>
+  <dgm:styleLbl name="node0">
+    <dgm:fillClrLst meth="repeat">
+      <a:schemeClr val="accent2"/>
+    </dgm:fillClrLst>
+    <dgm:linClrLst meth="repeat">
+      <a:schemeClr val="lt1"/>
+    </dgm:linClrLst>
+    <dgm:effectClrLst/>
+    <dgm:txLinClrLst/>
+    <dgm:txFillClrLst/>
+    <dgm:txEffectClrLst/>
+  </dgm:styleLbl>
+  <dgm:styleLbl name="node1">
+    <dgm:fillClrLst>
+      <a:schemeClr val="accent3"/>
+      <a:schemeClr val="accent4"/>
+    </dgm:fillClrLst>
+    <dgm:linClrLst meth="repeat">
+      <a:schemeClr val="lt1"/>
+    </dgm:linClrLst>
+    <dgm:effectClrLst/>
+    <dgm:txLinClrLst/>
+    <dgm:txFillClrLst/>
+    <dgm:txEffectClrLst/>
+  </dgm:styleLbl>
+  <dgm:styleLbl name="alignNode1">
+    <dgm:fillClrLst>
+      <a:schemeClr val="accent3"/>
+      <a:schemeClr val="accent4"/>
+    </dgm:fillClrLst>
+    <dgm:linClrLst>
+      <a:schemeClr val="accent3"/>
+      <a:schemeClr val="accent4"/>
+    </dgm:linClrLst>
+    <dgm:effectClrLst/>
+    <dgm:txLinClrLst/>
+    <dgm:txFillClrLst/>
+    <dgm:txEffectClrLst/>
+  </dgm:styleLbl>
+  <dgm:styleLbl name="lnNode1">
+    <dgm:fillClrLst>
+      <a:schemeClr val="accent3"/>
+      <a:schemeClr val="accent4"/>
+    </dgm:fillClrLst>
+    <dgm:linClrLst meth="repeat">
+      <a:schemeClr val="lt1"/>
+    </dgm:linClrLst>
+    <dgm:effectClrLst/>
+    <dgm:txLinClrLst/>
+    <dgm:txFillClrLst/>
+    <dgm:txEffectClrLst/>
+  </dgm:styleLbl>
+  <dgm:styleLbl name="vennNode1">
+    <dgm:fillClrLst>
+      <a:schemeClr val="accent3">
+        <a:alpha val="50000"/>
+      </a:schemeClr>
+      <a:schemeClr val="accent4">
+        <a:alpha val="50000"/>
+      </a:schemeClr>
+    </dgm:fillClrLst>
+    <dgm:linClrLst meth="repeat">
+      <a:schemeClr val="lt1"/>
+    </dgm:linClrLst>
+    <dgm:effectClrLst/>
+    <dgm:txLinClrLst/>
+    <dgm:txFillClrLst/>
+    <dgm:txEffectClrLst/>
+  </dgm:styleLbl>
+  <dgm:styleLbl name="node2">
+    <dgm:fillClrLst>
+      <a:schemeClr val="accent4"/>
+    </dgm:fillClrLst>
+    <dgm:linClrLst meth="repeat">
+      <a:schemeClr val="lt1"/>
+    </dgm:linClrLst>
+    <dgm:effectClrLst/>
+    <dgm:txLinClrLst/>
+    <dgm:txFillClrLst/>
+    <dgm:txEffectClrLst/>
+  </dgm:styleLbl>
+  <dgm:styleLbl name="node3">
+    <dgm:fillClrLst>
+      <a:schemeClr val="accent5"/>
+    </dgm:fillClrLst>
+    <dgm:linClrLst meth="repeat">
+      <a:schemeClr val="lt1"/>
+    </dgm:linClrLst>
+    <dgm:effectClrLst/>
+    <dgm:txLinClrLst/>
+    <dgm:txFillClrLst/>
+    <dgm:txEffectClrLst/>
+  </dgm:styleLbl>
+  <dgm:styleLbl name="node4">
+    <dgm:fillClrLst>
+      <a:schemeClr val="accent6"/>
+    </dgm:fillClrLst>
+    <dgm:linClrLst meth="repeat">
+      <a:schemeClr val="lt1"/>
+    </dgm:linClrLst>
+    <dgm:effectClrLst/>
+    <dgm:txLinClrLst/>
+    <dgm:txFillClrLst/>
+    <dgm:txEffectClrLst/>
+  </dgm:styleLbl>
+  <dgm:styleLbl name="fgImgPlace1">
+    <dgm:fillClrLst>
+      <a:schemeClr val="accent3">
+        <a:tint val="50000"/>
+      </a:schemeClr>
+      <a:schemeClr val="accent4">
+        <a:tint val="50000"/>
+      </a:schemeClr>
+    </dgm:fillClrLst>
+    <dgm:linClrLst meth="repeat">
+      <a:schemeClr val="lt1"/>
+    </dgm:linClrLst>
+    <dgm:effectClrLst/>
+    <dgm:txLinClrLst/>
+    <dgm:txFillClrLst meth="repeat">
+      <a:schemeClr val="lt1"/>
+    </dgm:txFillClrLst>
+    <dgm:txEffectClrLst/>
+  </dgm:styleLbl>
+  <dgm:styleLbl name="alignImgPlace1">
+    <dgm:fillClrLst>
+      <a:schemeClr val="accent3">
+        <a:tint val="50000"/>
+      </a:schemeClr>
+      <a:schemeClr val="accent4">
+        <a:tint val="20000"/>
+      </a:schemeClr>
+    </dgm:fillClrLst>
+    <dgm:linClrLst meth="repeat">
+      <a:schemeClr val="lt1"/>
+    </dgm:linClrLst>
+    <dgm:effectClrLst/>
+    <dgm:txLinClrLst/>
+    <dgm:txFillClrLst meth="repeat">
+      <a:schemeClr val="lt1"/>
+    </dgm:txFillClrLst>
+    <dgm:txEffectClrLst/>
+  </dgm:styleLbl>
+  <dgm:styleLbl name="bgImgPlace1">
+    <dgm:fillClrLst>
+      <a:schemeClr val="accent3">
+        <a:tint val="50000"/>
+      </a:schemeClr>
+      <a:schemeClr val="accent4">
+        <a:tint val="20000"/>
+      </a:schemeClr>
+    </dgm:fillClrLst>
+    <dgm:linClrLst meth="repeat">
+      <a:schemeClr val="lt1"/>
+    </dgm:linClrLst>
+    <dgm:effectClrLst/>
+    <dgm:txLinClrLst/>
+    <dgm:txFillClrLst meth="repeat">
+      <a:schemeClr val="lt1"/>
+    </dgm:txFillClrLst>
+    <dgm:txEffectClrLst/>
+  </dgm:styleLbl>
+  <dgm:styleLbl name="sibTrans2D1">
+    <dgm:fillClrLst>
+      <a:schemeClr val="accent3"/>
+      <a:schemeClr val="accent4"/>
+    </dgm:fillClrLst>
+    <dgm:linClrLst meth="repeat">
+      <a:schemeClr val="lt1"/>
+    </dgm:linClrLst>
+    <dgm:effectClrLst/>
+    <dgm:txLinClrLst/>
+    <dgm:txFillClrLst/>
+    <dgm:txEffectClrLst/>
+  </dgm:styleLbl>
+  <dgm:styleLbl name="fgSibTrans2D1">
+    <dgm:fillClrLst>
+      <a:schemeClr val="accent3"/>
+      <a:schemeClr val="accent4"/>
+    </dgm:fillClrLst>
+    <dgm:linClrLst meth="repeat">
+      <a:schemeClr val="lt1"/>
+    </dgm:linClrLst>
+    <dgm:effectClrLst/>
+    <dgm:txLinClrLst/>
+    <dgm:txFillClrLst meth="repeat">
+      <a:schemeClr val="lt1"/>
+    </dgm:txFillClrLst>
+    <dgm:txEffectClrLst/>
+  </dgm:styleLbl>
+  <dgm:styleLbl name="bgSibTrans2D1">
+    <dgm:fillClrLst>
+      <a:schemeClr val="accent3"/>
+      <a:schemeClr val="accent4"/>
+    </dgm:fillClrLst>
+    <dgm:linClrLst meth="repeat">
+      <a:schemeClr val="lt1"/>
+    </dgm:linClrLst>
+    <dgm:effectClrLst/>
+    <dgm:txLinClrLst/>
+    <dgm:txFillClrLst meth="repeat">
+      <a:schemeClr val="lt1"/>
+    </dgm:txFillClrLst>
+    <dgm:txEffectClrLst/>
+  </dgm:styleLbl>
+  <dgm:styleLbl name="sibTrans1D1">
+    <dgm:fillClrLst/>
+    <dgm:linClrLst>
+      <a:schemeClr val="accent3"/>
+      <a:schemeClr val="accent4"/>
+    </dgm:linClrLst>
+    <dgm:effectClrLst/>
+    <dgm:txLinClrLst/>
+    <dgm:txFillClrLst meth="repeat">
+      <a:schemeClr val="tx1"/>
+    </dgm:txFillClrLst>
+    <dgm:txEffectClrLst/>
+  </dgm:styleLbl>
+  <dgm:styleLbl name="callout">
+    <dgm:fillClrLst meth="repeat">
+      <a:schemeClr val="accent3"/>
+    </dgm:fillClrLst>
+    <dgm:linClrLst meth="repeat">
+      <a:schemeClr val="accent3">
+        <a:tint val="50000"/>
+      </a:schemeClr>
+    </dgm:linClrLst>
+    <dgm:effectClrLst/>
+    <dgm:txLinClrLst/>
+    <dgm:txFillClrLst meth="repeat">
+      <a:schemeClr val="tx1"/>
+    </dgm:txFillClrLst>
+    <dgm:txEffectClrLst/>
+  </dgm:styleLbl>
+  <dgm:styleLbl name="asst0">
+    <dgm:fillClrLst meth="repeat">
+      <a:schemeClr val="accent3"/>
+    </dgm:fillClrLst>
+    <dgm:linClrLst meth="repeat">
+      <a:schemeClr val="lt1">
+        <a:shade val="80000"/>
+      </a:schemeClr>
+    </dgm:linClrLst>
+    <dgm:effectClrLst/>
+    <dgm:txLinClrLst/>
+    <dgm:txFillClrLst/>
+    <dgm:txEffectClrLst/>
+  </dgm:styleLbl>
+  <dgm:styleLbl name="asst1">
+    <dgm:fillClrLst meth="repeat">
+      <a:schemeClr val="accent4"/>
+    </dgm:fillClrLst>
+    <dgm:linClrLst meth="repeat">
+      <a:schemeClr val="lt1">
+        <a:shade val="80000"/>
+      </a:schemeClr>
+    </dgm:linClrLst>
+    <dgm:effectClrLst/>
+    <dgm:txLinClrLst/>
+    <dgm:txFillClrLst/>
+    <dgm:txEffectClrLst/>
+  </dgm:styleLbl>
+  <dgm:styleLbl name="asst2">
+    <dgm:fillClrLst>
+      <a:schemeClr val="accent5"/>
+    </dgm:fillClrLst>
+    <dgm:linClrLst meth="repeat">
+      <a:schemeClr val="lt1"/>
+    </dgm:linClrLst>
+    <dgm:effectClrLst/>
+    <dgm:txLinClrLst/>
+    <dgm:txFillClrLst/>
+    <dgm:txEffectClrLst/>
+  </dgm:styleLbl>
+  <dgm:styleLbl name="asst3">
+    <dgm:fillClrLst>
+      <a:schemeClr val="accent6"/>
+    </dgm:fillClrLst>
+    <dgm:linClrLst meth="repeat">
+      <a:schemeClr val="lt1"/>
+    </dgm:linClrLst>
+    <dgm:effectClrLst/>
+    <dgm:txLinClrLst/>
+    <dgm:txFillClrLst/>
+    <dgm:txEffectClrLst/>
+  </dgm:styleLbl>
+  <dgm:styleLbl name="asst4">
+    <dgm:fillClrLst>
+      <a:schemeClr val="accent1"/>
+    </dgm:fillClrLst>
+    <dgm:linClrLst meth="repeat">
+      <a:schemeClr val="lt1"/>
+    </dgm:linClrLst>
+    <dgm:effectClrLst/>
+    <dgm:txLinClrLst/>
+    <dgm:txFillClrLst/>
+    <dgm:txEffectClrLst/>
+  </dgm:styleLbl>
+  <dgm:styleLbl name="parChTrans2D1">
+    <dgm:fillClrLst meth="repeat">
+      <a:schemeClr val="accent2"/>
+    </dgm:fillClrLst>
+    <dgm:linClrLst meth="repeat">
+      <a:schemeClr val="lt1"/>
+    </dgm:linClrLst>
+    <dgm:effectClrLst/>
+    <dgm:txLinClrLst/>
+    <dgm:txFillClrLst meth="repeat">
+      <a:schemeClr val="lt1"/>
+    </dgm:txFillClrLst>
+    <dgm:txEffectClrLst/>
+  </dgm:styleLbl>
+  <dgm:styleLbl name="parChTrans2D2">
+    <dgm:fillClrLst meth="repeat">
+      <a:schemeClr val="accent3"/>
+    </dgm:fillClrLst>
+    <dgm:linClrLst meth="repeat">
+      <a:schemeClr val="lt1"/>
+    </dgm:linClrLst>
+    <dgm:effectClrLst/>
+    <dgm:txLinClrLst/>
+    <dgm:txFillClrLst/>
+    <dgm:txEffectClrLst/>
+  </dgm:styleLbl>
+  <dgm:styleLbl name="parChTrans2D3">
+    <dgm:fillClrLst meth="repeat">
+      <a:schemeClr val="accent4"/>
+    </dgm:fillClrLst>
+    <dgm:linClrLst meth="repeat">
+      <a:schemeClr val="lt1"/>
+    </dgm:linClrLst>
+    <dgm:effectClrLst/>
+    <dgm:txLinClrLst/>
+    <dgm:txFillClrLst/>
+    <dgm:txEffectClrLst/>
+  </dgm:styleLbl>
+  <dgm:styleLbl name="parChTrans2D4">
+    <dgm:fillClrLst meth="repeat">
+      <a:schemeClr val="accent5"/>
+    </dgm:fillClrLst>
+    <dgm:linClrLst meth="repeat">
+      <a:schemeClr val="lt1"/>
+    </dgm:linClrLst>
+    <dgm:effectClrLst/>
+    <dgm:txLinClrLst/>
+    <dgm:txFillClrLst meth="repeat">
+      <a:schemeClr val="lt1"/>
+    </dgm:txFillClrLst>
+    <dgm:txEffectClrLst/>
+  </dgm:styleLbl>
+  <dgm:styleLbl name="parChTrans1D1">
+    <dgm:fillClrLst meth="repeat">
+      <a:schemeClr val="accent3"/>
+    </dgm:fillClrLst>
+    <dgm:linClrLst meth="repeat">
+      <a:schemeClr val="accent3"/>
+    </dgm:linClrLst>
+    <dgm:effectClrLst/>
+    <dgm:txLinClrLst/>
+    <dgm:txFillClrLst meth="repeat">
+      <a:schemeClr val="tx1"/>
+    </dgm:txFillClrLst>
+    <dgm:txEffectClrLst/>
+  </dgm:styleLbl>
+  <dgm:styleLbl name="parChTrans1D2">
+    <dgm:fillClrLst meth="repeat">
+      <a:schemeClr val="accent2">
+        <a:tint val="90000"/>
+      </a:schemeClr>
+    </dgm:fillClrLst>
+    <dgm:linClrLst meth="repeat">
+      <a:schemeClr val="accent4"/>
+    </dgm:linClrLst>
+    <dgm:effectClrLst/>
+    <dgm:txLinClrLst/>
+    <dgm:txFillClrLst meth="repeat">
+      <a:schemeClr val="tx1"/>
+    </dgm:txFillClrLst>
+    <dgm:txEffectClrLst/>
+  </dgm:styleLbl>
+  <dgm:styleLbl name="parChTrans1D3">
+    <dgm:fillClrLst meth="repeat">
+      <a:schemeClr val="accent2">
+        <a:tint val="70000"/>
+      </a:schemeClr>
+    </dgm:fillClrLst>
+    <dgm:linClrLst meth="repeat">
+      <a:schemeClr val="accent5"/>
+    </dgm:linClrLst>
+    <dgm:effectClrLst/>
+    <dgm:txLinClrLst/>
+    <dgm:txFillClrLst meth="repeat">
+      <a:schemeClr val="tx1"/>
+    </dgm:txFillClrLst>
+    <dgm:txEffectClrLst/>
+  </dgm:styleLbl>
+  <dgm:styleLbl name="parChTrans1D4">
+    <dgm:fillClrLst meth="repeat">
+      <a:schemeClr val="accent6">
+        <a:tint val="50000"/>
+      </a:schemeClr>
+    </dgm:fillClrLst>
+    <dgm:linClrLst meth="repeat">
+      <a:schemeClr val="accent6"/>
+    </dgm:linClrLst>
+    <dgm:effectClrLst/>
+    <dgm:txLinClrLst/>
+    <dgm:txFillClrLst meth="repeat">
+      <a:schemeClr val="tx1"/>
+    </dgm:txFillClrLst>
+    <dgm:txEffectClrLst/>
+  </dgm:styleLbl>
+  <dgm:styleLbl name="fgAcc1">
+    <dgm:fillClrLst meth="repeat">
+      <a:schemeClr val="lt1">
+        <a:alpha val="90000"/>
+      </a:schemeClr>
+    </dgm:fillClrLst>
+    <dgm:linClrLst>
+      <a:schemeClr val="accent3"/>
+      <a:schemeClr val="accent4"/>
+    </dgm:linClrLst>
+    <dgm:effectClrLst/>
+    <dgm:txLinClrLst/>
+    <dgm:txFillClrLst meth="repeat">
+      <a:schemeClr val="dk1"/>
+    </dgm:txFillClrLst>
+    <dgm:txEffectClrLst/>
+  </dgm:styleLbl>
+  <dgm:styleLbl name="conFgAcc1">
+    <dgm:fillClrLst meth="repeat">
+      <a:schemeClr val="lt1">
+        <a:alpha val="90000"/>
+      </a:schemeClr>
+    </dgm:fillClrLst>
+    <dgm:linClrLst>
+      <a:schemeClr val="accent3"/>
+      <a:schemeClr val="accent4"/>
+    </dgm:linClrLst>
+    <dgm:effectClrLst/>
+    <dgm:txLinClrLst/>
+    <dgm:txFillClrLst meth="repeat">
+      <a:schemeClr val="dk1"/>
+    </dgm:txFillClrLst>
+    <dgm:txEffectClrLst/>
+  </dgm:styleLbl>
+  <dgm:styleLbl name="alignAcc1">
+    <dgm:fillClrLst meth="repeat">
+      <a:schemeClr val="lt1">
+        <a:alpha val="90000"/>
+      </a:schemeClr>
+    </dgm:fillClrLst>
+    <dgm:linClrLst>
+      <a:schemeClr val="accent3"/>
+      <a:schemeClr val="accent4"/>
+    </dgm:linClrLst>
+    <dgm:effectClrLst/>
+    <dgm:txLinClrLst/>
+    <dgm:txFillClrLst meth="repeat">
+      <a:schemeClr val="dk1"/>
+    </dgm:txFillClrLst>
+    <dgm:txEffectClrLst/>
+  </dgm:styleLbl>
+  <dgm:styleLbl name="trAlignAcc1">
+    <dgm:fillClrLst meth="repeat">
+      <a:schemeClr val="lt1">
+        <a:alpha val="40000"/>
+      </a:schemeClr>
+    </dgm:fillClrLst>
+    <dgm:linClrLst meth="repeat">
+      <a:schemeClr val="accent2"/>
+    </dgm:linClrLst>
+    <dgm:effectClrLst/>
+    <dgm:txLinClrLst/>
+    <dgm:txFillClrLst meth="repeat">
+      <a:schemeClr val="dk1"/>
+    </dgm:txFillClrLst>
+    <dgm:txEffectClrLst/>
+  </dgm:styleLbl>
+  <dgm:styleLbl name="bgAcc1">
+    <dgm:fillClrLst meth="repeat">
+      <a:schemeClr val="lt1">
+        <a:alpha val="90000"/>
+      </a:schemeClr>
+    </dgm:fillClrLst>
+    <dgm:linClrLst>
+      <a:schemeClr val="accent3"/>
+      <a:schemeClr val="accent4"/>
+    </dgm:linClrLst>
+    <dgm:effectClrLst/>
+    <dgm:txLinClrLst/>
+    <dgm:txFillClrLst meth="repeat">
+      <a:schemeClr val="dk1"/>
+    </dgm:txFillClrLst>
+    <dgm:txEffectClrLst/>
+  </dgm:styleLbl>
+  <dgm:styleLbl name="solidFgAcc1">
+    <dgm:fillClrLst meth="repeat">
+      <a:schemeClr val="lt1"/>
+    </dgm:fillClrLst>
+    <dgm:linClrLst>
+      <a:schemeClr val="accent3"/>
+      <a:schemeClr val="accent4"/>
+    </dgm:linClrLst>
+    <dgm:effectClrLst/>
+    <dgm:txLinClrLst/>
+    <dgm:txFillClrLst meth="repeat">
+      <a:schemeClr val="dk1"/>
+    </dgm:txFillClrLst>
+    <dgm:txEffectClrLst/>
+  </dgm:styleLbl>
+  <dgm:styleLbl name="solidAlignAcc1">
+    <dgm:fillClrLst meth="repeat">
+      <a:schemeClr val="lt1"/>
+    </dgm:fillClrLst>
+    <dgm:linClrLst>
+      <a:schemeClr val="accent3"/>
+      <a:schemeClr val="accent4"/>
+    </dgm:linClrLst>
+    <dgm:effectClrLst/>
+    <dgm:txLinClrLst/>
+    <dgm:txFillClrLst meth="repeat">
+      <a:schemeClr val="dk1"/>
+    </dgm:txFillClrLst>
+    <dgm:txEffectClrLst/>
+  </dgm:styleLbl>
+  <dgm:styleLbl name="solidBgAcc1">
+    <dgm:fillClrLst meth="repeat">
+      <a:schemeClr val="lt1"/>
+    </dgm:fillClrLst>
+    <dgm:linClrLst>
+      <a:schemeClr val="accent3"/>
+      <a:schemeClr val="accent4"/>
+    </dgm:linClrLst>
+    <dgm:effectClrLst/>
+    <dgm:txLinClrLst/>
+    <dgm:txFillClrLst meth="repeat">
+      <a:schemeClr val="dk1"/>
+    </dgm:txFillClrLst>
+    <dgm:txEffectClrLst/>
+  </dgm:styleLbl>
+  <dgm:styleLbl name="fgAccFollowNode1">
+    <dgm:fillClrLst>
+      <a:schemeClr val="accent3">
+        <a:tint val="40000"/>
+        <a:alpha val="90000"/>
+      </a:schemeClr>
+      <a:schemeClr val="accent4">
+        <a:tint val="40000"/>
+        <a:alpha val="90000"/>
+      </a:schemeClr>
+    </dgm:fillClrLst>
+    <dgm:linClrLst>
+      <a:schemeClr val="accent3">
+        <a:tint val="40000"/>
+        <a:alpha val="90000"/>
+      </a:schemeClr>
+      <a:schemeClr val="accent4">
+        <a:tint val="40000"/>
+        <a:alpha val="90000"/>
+      </a:schemeClr>
+    </dgm:linClrLst>
+    <dgm:effectClrLst/>
+    <dgm:txLinClrLst/>
+    <dgm:txFillClrLst meth="repeat">
+      <a:schemeClr val="dk1"/>
+    </dgm:txFillClrLst>
+    <dgm:txEffectClrLst/>
+  </dgm:styleLbl>
+  <dgm:styleLbl name="alignAccFollowNode1">
+    <dgm:fillClrLst>
+      <a:schemeClr val="accent3">
+        <a:tint val="40000"/>
+        <a:alpha val="90000"/>
+      </a:schemeClr>
+      <a:schemeClr val="accent4">
+        <a:tint val="40000"/>
+        <a:alpha val="90000"/>
+      </a:schemeClr>
+    </dgm:fillClrLst>
+    <dgm:linClrLst>
+      <a:schemeClr val="accent3">
+        <a:tint val="40000"/>
+        <a:alpha val="90000"/>
+      </a:schemeClr>
+      <a:schemeClr val="accent4">
+        <a:tint val="40000"/>
+        <a:alpha val="90000"/>
+      </a:schemeClr>
+    </dgm:linClrLst>
+    <dgm:effectClrLst/>
+    <dgm:txLinClrLst/>
+    <dgm:txFillClrLst meth="repeat">
+      <a:schemeClr val="dk1"/>
+    </dgm:txFillClrLst>
+    <dgm:txEffectClrLst/>
+  </dgm:styleLbl>
+  <dgm:styleLbl name="bgAccFollowNode1">
+    <dgm:fillClrLst>
+      <a:schemeClr val="accent3">
+        <a:tint val="40000"/>
+        <a:alpha val="90000"/>
+      </a:schemeClr>
+      <a:schemeClr val="accent4">
+        <a:tint val="40000"/>
+        <a:alpha val="90000"/>
+      </a:schemeClr>
+    </dgm:fillClrLst>
+    <dgm:linClrLst>
+      <a:schemeClr val="accent3">
+        <a:tint val="40000"/>
+        <a:alpha val="90000"/>
+      </a:schemeClr>
+      <a:schemeClr val="accent4">
+        <a:tint val="40000"/>
+        <a:alpha val="90000"/>
+      </a:schemeClr>
+    </dgm:linClrLst>
+    <dgm:effectClrLst/>
+    <dgm:txLinClrLst/>
+    <dgm:txFillClrLst meth="repeat">
+      <a:schemeClr val="dk1"/>
+    </dgm:txFillClrLst>
+    <dgm:txEffectClrLst/>
+  </dgm:styleLbl>
+  <dgm:styleLbl name="fgAcc0">
+    <dgm:fillClrLst meth="repeat">
+      <a:schemeClr val="lt1">
+        <a:alpha val="90000"/>
+      </a:schemeClr>
+    </dgm:fillClrLst>
+    <dgm:linClrLst>
+      <a:schemeClr val="accent2"/>
+    </dgm:linClrLst>
+    <dgm:effectClrLst/>
+    <dgm:txLinClrLst/>
+    <dgm:txFillClrLst meth="repeat">
+      <a:schemeClr val="dk1"/>
+    </dgm:txFillClrLst>
+    <dgm:txEffectClrLst/>
+  </dgm:styleLbl>
+  <dgm:styleLbl name="fgAcc2">
+    <dgm:fillClrLst meth="repeat">
+      <a:schemeClr val="lt1">
+        <a:alpha val="90000"/>
+      </a:schemeClr>
+    </dgm:fillClrLst>
+    <dgm:linClrLst>
+      <a:schemeClr val="accent4"/>
+    </dgm:linClrLst>
+    <dgm:effectClrLst/>
+    <dgm:txLinClrLst/>
+    <dgm:txFillClrLst meth="repeat">
+      <a:schemeClr val="dk1"/>
+    </dgm:txFillClrLst>
+    <dgm:txEffectClrLst/>
+  </dgm:styleLbl>
+  <dgm:styleLbl name="fgAcc3">
+    <dgm:fillClrLst meth="repeat">
+      <a:schemeClr val="lt1">
+        <a:alpha val="90000"/>
+      </a:schemeClr>
+    </dgm:fillClrLst>
+    <dgm:linClrLst>
+      <a:schemeClr val="accent5"/>
+    </dgm:linClrLst>
+    <dgm:effectClrLst/>
+    <dgm:txLinClrLst/>
+    <dgm:txFillClrLst meth="repeat">
+      <a:schemeClr val="dk1"/>
+    </dgm:txFillClrLst>
+    <dgm:txEffectClrLst/>
+  </dgm:styleLbl>
+  <dgm:styleLbl name="fgAcc4">
+    <dgm:fillClrLst meth="repeat">
+      <a:schemeClr val="lt1">
+        <a:alpha val="90000"/>
+      </a:schemeClr>
+    </dgm:fillClrLst>
+    <dgm:linClrLst>
+      <a:schemeClr val="accent6"/>
+    </dgm:linClrLst>
+    <dgm:effectClrLst/>
+    <dgm:txLinClrLst/>
+    <dgm:txFillClrLst meth="repeat">
+      <a:schemeClr val="dk1"/>
+    </dgm:txFillClrLst>
+    <dgm:txEffectClrLst/>
+  </dgm:styleLbl>
+  <dgm:styleLbl name="bgShp">
+    <dgm:fillClrLst meth="repeat">
+      <a:schemeClr val="accent3">
+        <a:tint val="40000"/>
+      </a:schemeClr>
+    </dgm:fillClrLst>
+    <dgm:linClrLst meth="repeat">
+      <a:schemeClr val="dk1"/>
+    </dgm:linClrLst>
+    <dgm:effectClrLst/>
+    <dgm:txLinClrLst/>
+    <dgm:txFillClrLst meth="repeat">
+      <a:schemeClr val="dk1"/>
+    </dgm:txFillClrLst>
+    <dgm:txEffectClrLst/>
+  </dgm:styleLbl>
+  <dgm:styleLbl name="dkBgShp">
+    <dgm:fillClrLst meth="repeat">
+      <a:schemeClr val="accent3">
+        <a:shade val="90000"/>
+      </a:schemeClr>
+    </dgm:fillClrLst>
+    <dgm:linClrLst meth="repeat">
+      <a:schemeClr val="dk1"/>
+    </dgm:linClrLst>
+    <dgm:effectClrLst/>
+    <dgm:txLinClrLst/>
+    <dgm:txFillClrLst meth="repeat">
+      <a:schemeClr val="lt1"/>
+    </dgm:txFillClrLst>
+    <dgm:txEffectClrLst/>
+  </dgm:styleLbl>
+  <dgm:styleLbl name="trBgShp">
+    <dgm:fillClrLst meth="repeat">
+      <a:schemeClr val="accent2">
+        <a:tint val="50000"/>
+        <a:alpha val="40000"/>
+      </a:schemeClr>
+    </dgm:fillClrLst>
+    <dgm:linClrLst meth="repeat">
+      <a:schemeClr val="accent3"/>
+    </dgm:linClrLst>
+    <dgm:effectClrLst/>
+    <dgm:txLinClrLst/>
+    <dgm:txFillClrLst meth="repeat">
+      <a:schemeClr val="lt1"/>
+    </dgm:txFillClrLst>
+    <dgm:txEffectClrLst/>
+  </dgm:styleLbl>
+  <dgm:styleLbl name="fgShp">
+    <dgm:fillClrLst meth="repeat">
+      <a:schemeClr val="accent3">
+        <a:tint val="40000"/>
+      </a:schemeClr>
+    </dgm:fillClrLst>
+    <dgm:linClrLst meth="repeat">
+      <a:schemeClr val="lt1"/>
+    </dgm:linClrLst>
+    <dgm:effectClrLst/>
+    <dgm:txLinClrLst/>
+    <dgm:txFillClrLst meth="repeat">
+      <a:schemeClr val="dk1"/>
+    </dgm:txFillClrLst>
+    <dgm:txEffectClrLst/>
+  </dgm:styleLbl>
+  <dgm:styleLbl name="revTx">
+    <dgm:fillClrLst meth="repeat">
+      <a:schemeClr val="lt1">
+        <a:alpha val="0"/>
+      </a:schemeClr>
+    </dgm:fillClrLst>
+    <dgm:linClrLst meth="repeat">
+      <a:schemeClr val="dk1">
+        <a:alpha val="0"/>
+      </a:schemeClr>
+    </dgm:linClrLst>
+    <dgm:effectClrLst/>
+    <dgm:txLinClrLst/>
+    <dgm:txFillClrLst meth="repeat">
+      <a:schemeClr val="tx1"/>
+    </dgm:txFillClrLst>
+    <dgm:txEffectClrLst/>
+  </dgm:styleLbl>
+</dgm:colorsDef>
+</file>
+
+<file path=ppt/diagrams/data1.xml><?xml version="1.0" encoding="utf-8"?>
+<dgm:dataModel xmlns:dgm="http://schemas.openxmlformats.org/drawingml/2006/diagram" xmlns:a="http://schemas.openxmlformats.org/drawingml/2006/main">
+  <dgm:ptLst>
+    <dgm:pt modelId="{3B8973F0-2F0B-BE4F-A039-5173CBF8CE26}" type="doc">
+      <dgm:prSet loTypeId="urn:microsoft.com/office/officeart/2005/8/layout/process5" loCatId="" qsTypeId="urn:microsoft.com/office/officeart/2005/8/quickstyle/simple1" qsCatId="simple" csTypeId="urn:microsoft.com/office/officeart/2005/8/colors/colorful3" csCatId="colorful" phldr="1"/>
+      <dgm:spPr/>
+      <dgm:t>
+        <a:bodyPr/>
+        <a:lstStyle/>
+        <a:p>
+          <a:endParaRPr lang="en-US"/>
+        </a:p>
+      </dgm:t>
+    </dgm:pt>
+    <dgm:pt modelId="{F02C9AE6-FE41-AD46-8274-AAD635B45771}">
+      <dgm:prSet phldrT="[Text]" custT="1"/>
+      <dgm:spPr/>
+      <dgm:t>
+        <a:bodyPr/>
+        <a:lstStyle/>
+        <a:p>
+          <a:r>
+            <a:rPr lang="en-US" sz="1600" b="1" dirty="0"/>
+            <a:t>Problem Formulation</a:t>
+          </a:r>
+        </a:p>
+      </dgm:t>
+    </dgm:pt>
+    <dgm:pt modelId="{BA2E8464-F1B1-BE4D-9B09-CF722FF0A2D7}" type="parTrans" cxnId="{6D0E5A49-B85E-6E4C-B9CE-3521B479909C}">
+      <dgm:prSet/>
+      <dgm:spPr/>
+      <dgm:t>
+        <a:bodyPr/>
+        <a:lstStyle/>
+        <a:p>
+          <a:endParaRPr lang="en-US" sz="2000" b="1">
+            <a:solidFill>
+              <a:schemeClr val="tx1"/>
+            </a:solidFill>
+          </a:endParaRPr>
+        </a:p>
+      </dgm:t>
+    </dgm:pt>
+    <dgm:pt modelId="{73CF9643-22CD-B24D-B3E1-E2E387316194}" type="sibTrans" cxnId="{6D0E5A49-B85E-6E4C-B9CE-3521B479909C}">
+      <dgm:prSet custT="1"/>
+      <dgm:spPr/>
+      <dgm:t>
+        <a:bodyPr/>
+        <a:lstStyle/>
+        <a:p>
+          <a:endParaRPr lang="en-US" sz="1050" b="1">
+            <a:solidFill>
+              <a:schemeClr val="tx1"/>
+            </a:solidFill>
+          </a:endParaRPr>
+        </a:p>
+      </dgm:t>
+    </dgm:pt>
+    <dgm:pt modelId="{C34689EB-E9B9-9540-A093-2ED3E7D6DF16}">
+      <dgm:prSet phldrT="[Text]" custT="1"/>
+      <dgm:spPr/>
+      <dgm:t>
+        <a:bodyPr/>
+        <a:lstStyle/>
+        <a:p>
+          <a:r>
+            <a:rPr lang="en-US" sz="1600" b="1"/>
+            <a:t>Process Data</a:t>
+          </a:r>
+          <a:endParaRPr lang="en-US" sz="1600" b="1" dirty="0"/>
+        </a:p>
+      </dgm:t>
+    </dgm:pt>
+    <dgm:pt modelId="{167FCDF6-8131-DD45-ABB7-BAA5DD600B35}" type="parTrans" cxnId="{0E08F0CE-A5DB-234E-80F3-A58775EFF243}">
+      <dgm:prSet/>
+      <dgm:spPr/>
+      <dgm:t>
+        <a:bodyPr/>
+        <a:lstStyle/>
+        <a:p>
+          <a:endParaRPr lang="en-US" sz="2000" b="1">
+            <a:solidFill>
+              <a:schemeClr val="tx1"/>
+            </a:solidFill>
+          </a:endParaRPr>
+        </a:p>
+      </dgm:t>
+    </dgm:pt>
+    <dgm:pt modelId="{55015449-EBAE-1446-AA8E-CFF3DB5FFBC6}" type="sibTrans" cxnId="{0E08F0CE-A5DB-234E-80F3-A58775EFF243}">
+      <dgm:prSet custT="1"/>
+      <dgm:spPr/>
+      <dgm:t>
+        <a:bodyPr/>
+        <a:lstStyle/>
+        <a:p>
+          <a:endParaRPr lang="en-US" sz="1050" b="1">
+            <a:solidFill>
+              <a:schemeClr val="tx1"/>
+            </a:solidFill>
+          </a:endParaRPr>
+        </a:p>
+      </dgm:t>
+    </dgm:pt>
+    <dgm:pt modelId="{56EB3C6C-64A0-7F44-BD01-1020ACDDF527}">
+      <dgm:prSet phldrT="[Text]" custT="1"/>
+      <dgm:spPr/>
+      <dgm:t>
+        <a:bodyPr/>
+        <a:lstStyle/>
+        <a:p>
+          <a:r>
+            <a:rPr lang="en-US" sz="1600" b="1"/>
+            <a:t>Explore Data</a:t>
+          </a:r>
+          <a:endParaRPr lang="en-US" sz="1600" b="1" dirty="0"/>
+        </a:p>
+      </dgm:t>
+    </dgm:pt>
+    <dgm:pt modelId="{5A1EF3E3-ED6C-4C49-A7AC-384F17A11658}" type="parTrans" cxnId="{ABD98B53-DA1A-5D4D-91F1-8B3B98B9CF12}">
+      <dgm:prSet/>
+      <dgm:spPr/>
+      <dgm:t>
+        <a:bodyPr/>
+        <a:lstStyle/>
+        <a:p>
+          <a:endParaRPr lang="en-US" sz="2000" b="1">
+            <a:solidFill>
+              <a:schemeClr val="tx1"/>
+            </a:solidFill>
+          </a:endParaRPr>
+        </a:p>
+      </dgm:t>
+    </dgm:pt>
+    <dgm:pt modelId="{566B3B7C-D474-9F48-9F3B-D6F4419EBCF1}" type="sibTrans" cxnId="{ABD98B53-DA1A-5D4D-91F1-8B3B98B9CF12}">
+      <dgm:prSet custT="1"/>
+      <dgm:spPr/>
+      <dgm:t>
+        <a:bodyPr/>
+        <a:lstStyle/>
+        <a:p>
+          <a:endParaRPr lang="en-US" sz="1050" b="1">
+            <a:solidFill>
+              <a:schemeClr val="tx1"/>
+            </a:solidFill>
+          </a:endParaRPr>
+        </a:p>
+      </dgm:t>
+    </dgm:pt>
+    <dgm:pt modelId="{965EAA66-3902-B443-AEBB-8519BBB9CA01}">
+      <dgm:prSet phldrT="[Text]" custT="1"/>
+      <dgm:spPr/>
+      <dgm:t>
+        <a:bodyPr/>
+        <a:lstStyle/>
+        <a:p>
+          <a:r>
+            <a:rPr lang="en-US" sz="1600" b="1" dirty="0"/>
+            <a:t>Deeper Analysis (Modeling)</a:t>
+          </a:r>
+        </a:p>
+      </dgm:t>
+    </dgm:pt>
+    <dgm:pt modelId="{F0C760C3-3889-5140-8C1A-1634AFB32EF8}" type="parTrans" cxnId="{00B309A2-09A0-7A4F-9F38-697668BF20F3}">
+      <dgm:prSet/>
+      <dgm:spPr/>
+      <dgm:t>
+        <a:bodyPr/>
+        <a:lstStyle/>
+        <a:p>
+          <a:endParaRPr lang="en-US" sz="2000" b="1">
+            <a:solidFill>
+              <a:schemeClr val="tx1"/>
+            </a:solidFill>
+          </a:endParaRPr>
+        </a:p>
+      </dgm:t>
+    </dgm:pt>
+    <dgm:pt modelId="{99E6C032-361E-F24E-8D4C-3E317A554C40}" type="sibTrans" cxnId="{00B309A2-09A0-7A4F-9F38-697668BF20F3}">
+      <dgm:prSet custT="1"/>
+      <dgm:spPr/>
+      <dgm:t>
+        <a:bodyPr/>
+        <a:lstStyle/>
+        <a:p>
+          <a:endParaRPr lang="en-US" sz="1050" b="1">
+            <a:solidFill>
+              <a:schemeClr val="tx1"/>
+            </a:solidFill>
+          </a:endParaRPr>
+        </a:p>
+      </dgm:t>
+    </dgm:pt>
+    <dgm:pt modelId="{D6C2ACD1-A7D7-1D4A-82CE-6042782E6300}">
+      <dgm:prSet phldrT="[Text]" custT="1"/>
+      <dgm:spPr/>
+      <dgm:t>
+        <a:bodyPr/>
+        <a:lstStyle/>
+        <a:p>
+          <a:r>
+            <a:rPr lang="en-US" sz="1400" b="1" dirty="0"/>
+            <a:t>Communicate</a:t>
+          </a:r>
+        </a:p>
+      </dgm:t>
+    </dgm:pt>
+    <dgm:pt modelId="{8922CE11-293C-4146-BAB4-57D99669C679}" type="parTrans" cxnId="{38E4BB8D-F075-B24C-BDF6-DD795FF1B675}">
+      <dgm:prSet/>
+      <dgm:spPr/>
+      <dgm:t>
+        <a:bodyPr/>
+        <a:lstStyle/>
+        <a:p>
+          <a:endParaRPr lang="en-US" sz="2000" b="1">
+            <a:solidFill>
+              <a:schemeClr val="tx1"/>
+            </a:solidFill>
+          </a:endParaRPr>
+        </a:p>
+      </dgm:t>
+    </dgm:pt>
+    <dgm:pt modelId="{F9543D28-7F0D-CE42-94B6-DD5856434C94}" type="sibTrans" cxnId="{38E4BB8D-F075-B24C-BDF6-DD795FF1B675}">
+      <dgm:prSet/>
+      <dgm:spPr/>
+      <dgm:t>
+        <a:bodyPr/>
+        <a:lstStyle/>
+        <a:p>
+          <a:endParaRPr lang="en-US" sz="2000" b="1">
+            <a:solidFill>
+              <a:schemeClr val="tx1"/>
+            </a:solidFill>
+          </a:endParaRPr>
+        </a:p>
+      </dgm:t>
+    </dgm:pt>
+    <dgm:pt modelId="{D5AF8D00-30FD-9C4E-A2FB-6BA0BCECA016}">
+      <dgm:prSet phldrT="[Text]" custT="1"/>
+      <dgm:spPr/>
+      <dgm:t>
+        <a:bodyPr/>
+        <a:lstStyle/>
+        <a:p>
+          <a:r>
+            <a:rPr lang="en-US" sz="1600" b="1" dirty="0"/>
+            <a:t>Store Data</a:t>
+          </a:r>
+        </a:p>
+      </dgm:t>
+    </dgm:pt>
+    <dgm:pt modelId="{7000CB73-6A58-DB4B-8262-76D11653CA23}" type="parTrans" cxnId="{12CA12E0-9515-8E47-98AE-CC8EF39E411C}">
+      <dgm:prSet/>
+      <dgm:spPr/>
+      <dgm:t>
+        <a:bodyPr/>
+        <a:lstStyle/>
+        <a:p>
+          <a:endParaRPr lang="en-US" sz="2000" b="1">
+            <a:solidFill>
+              <a:schemeClr val="tx1"/>
+            </a:solidFill>
+          </a:endParaRPr>
+        </a:p>
+      </dgm:t>
+    </dgm:pt>
+    <dgm:pt modelId="{C4725F26-C68B-4E48-9E1E-9D9205123D7A}" type="sibTrans" cxnId="{12CA12E0-9515-8E47-98AE-CC8EF39E411C}">
+      <dgm:prSet custT="1"/>
+      <dgm:spPr/>
+      <dgm:t>
+        <a:bodyPr/>
+        <a:lstStyle/>
+        <a:p>
+          <a:endParaRPr lang="en-US" sz="1050" b="1">
+            <a:solidFill>
+              <a:schemeClr val="tx1"/>
+            </a:solidFill>
+          </a:endParaRPr>
+        </a:p>
+      </dgm:t>
+    </dgm:pt>
+    <dgm:pt modelId="{DCCF28E0-FA5B-564B-973C-F3DD103F36A8}">
+      <dgm:prSet phldrT="[Text]" custT="1"/>
+      <dgm:spPr/>
+      <dgm:t>
+        <a:bodyPr/>
+        <a:lstStyle/>
+        <a:p>
+          <a:r>
+            <a:rPr lang="en-US" sz="1600" b="1"/>
+            <a:t>Evaluate</a:t>
+          </a:r>
+          <a:endParaRPr lang="en-US" sz="1600" b="1" dirty="0"/>
+        </a:p>
+      </dgm:t>
+    </dgm:pt>
+    <dgm:pt modelId="{56DCF930-E9B8-2C41-9BEB-14EDEAFFF6F5}" type="parTrans" cxnId="{6E887075-3309-3149-924D-ACB7C4AD719D}">
+      <dgm:prSet/>
+      <dgm:spPr/>
+      <dgm:t>
+        <a:bodyPr/>
+        <a:lstStyle/>
+        <a:p>
+          <a:endParaRPr lang="en-US" sz="2400" b="1">
+            <a:solidFill>
+              <a:schemeClr val="tx1"/>
+            </a:solidFill>
+          </a:endParaRPr>
+        </a:p>
+      </dgm:t>
+    </dgm:pt>
+    <dgm:pt modelId="{55BF5C1E-1BB8-CD44-8ED8-F795DE29FE4C}" type="sibTrans" cxnId="{6E887075-3309-3149-924D-ACB7C4AD719D}">
+      <dgm:prSet custT="1"/>
+      <dgm:spPr/>
+      <dgm:t>
+        <a:bodyPr/>
+        <a:lstStyle/>
+        <a:p>
+          <a:endParaRPr lang="en-US" sz="700" b="1">
+            <a:solidFill>
+              <a:schemeClr val="tx1"/>
+            </a:solidFill>
+          </a:endParaRPr>
+        </a:p>
+      </dgm:t>
+    </dgm:pt>
+    <dgm:pt modelId="{FE84B306-EEA9-4A49-94B6-54B3023CCD35}">
+      <dgm:prSet phldrT="[Text]" custT="1"/>
+      <dgm:spPr/>
+      <dgm:t>
+        <a:bodyPr/>
+        <a:lstStyle/>
+        <a:p>
+          <a:r>
+            <a:rPr lang="en-US" sz="1600" b="1"/>
+            <a:t>Deploy</a:t>
+          </a:r>
+          <a:endParaRPr lang="en-US" sz="1600" b="1" dirty="0"/>
+        </a:p>
+      </dgm:t>
+    </dgm:pt>
+    <dgm:pt modelId="{C01C1DC4-0089-C044-8702-1E919C719C89}" type="parTrans" cxnId="{94F10477-4663-334A-A5D7-44221ECD3D73}">
+      <dgm:prSet/>
+      <dgm:spPr/>
+      <dgm:t>
+        <a:bodyPr/>
+        <a:lstStyle/>
+        <a:p>
+          <a:endParaRPr lang="en-US" sz="2400" b="1">
+            <a:solidFill>
+              <a:schemeClr val="tx1"/>
+            </a:solidFill>
+          </a:endParaRPr>
+        </a:p>
+      </dgm:t>
+    </dgm:pt>
+    <dgm:pt modelId="{43240E9F-F30D-E44A-8418-2A2174F86CC6}" type="sibTrans" cxnId="{94F10477-4663-334A-A5D7-44221ECD3D73}">
+      <dgm:prSet custT="1"/>
+      <dgm:spPr/>
+      <dgm:t>
+        <a:bodyPr/>
+        <a:lstStyle/>
+        <a:p>
+          <a:endParaRPr lang="en-US" sz="700" b="1">
+            <a:solidFill>
+              <a:schemeClr val="tx1"/>
+            </a:solidFill>
+          </a:endParaRPr>
+        </a:p>
+      </dgm:t>
+    </dgm:pt>
+    <dgm:pt modelId="{D2129B30-FF35-C84D-B432-5F41F7087B7F}">
+      <dgm:prSet phldrT="[Text]" custT="1"/>
+      <dgm:spPr/>
+      <dgm:t>
+        <a:bodyPr/>
+        <a:lstStyle/>
+        <a:p>
+          <a:r>
+            <a:rPr lang="en-US" sz="1600" b="1"/>
+            <a:t>Maintain</a:t>
+          </a:r>
+          <a:endParaRPr lang="en-US" sz="1600" b="1" dirty="0"/>
+        </a:p>
+      </dgm:t>
+    </dgm:pt>
+    <dgm:pt modelId="{4DFBE44A-A449-F44C-8211-0707D1C2FFE4}" type="parTrans" cxnId="{922D7778-CCE9-DA4B-A2EF-C9C80217A546}">
+      <dgm:prSet/>
+      <dgm:spPr/>
+      <dgm:t>
+        <a:bodyPr/>
+        <a:lstStyle/>
+        <a:p>
+          <a:endParaRPr lang="en-US" sz="2400" b="1">
+            <a:solidFill>
+              <a:schemeClr val="tx1"/>
+            </a:solidFill>
+          </a:endParaRPr>
+        </a:p>
+      </dgm:t>
+    </dgm:pt>
+    <dgm:pt modelId="{C93A218F-28B0-FC43-A6AB-594A177FB5F1}" type="sibTrans" cxnId="{922D7778-CCE9-DA4B-A2EF-C9C80217A546}">
+      <dgm:prSet custT="1"/>
+      <dgm:spPr/>
+      <dgm:t>
+        <a:bodyPr/>
+        <a:lstStyle/>
+        <a:p>
+          <a:endParaRPr lang="en-US" sz="700" b="1">
+            <a:solidFill>
+              <a:schemeClr val="tx1"/>
+            </a:solidFill>
+          </a:endParaRPr>
+        </a:p>
+      </dgm:t>
+    </dgm:pt>
+    <dgm:pt modelId="{88AD9256-4394-7B42-833F-432DDA0A4531}">
+      <dgm:prSet phldrT="[Text]" custT="1"/>
+      <dgm:spPr/>
+      <dgm:t>
+        <a:bodyPr/>
+        <a:lstStyle/>
+        <a:p>
+          <a:r>
+            <a:rPr lang="en-US" sz="1600" b="1" dirty="0"/>
+            <a:t>Get Data</a:t>
+          </a:r>
+        </a:p>
+      </dgm:t>
+    </dgm:pt>
+    <dgm:pt modelId="{72DC1036-A61A-9E48-81D2-BC4308A7A654}" type="parTrans" cxnId="{235DB43E-5868-904F-A0C6-CE8A2914E9B3}">
+      <dgm:prSet/>
+      <dgm:spPr/>
+      <dgm:t>
+        <a:bodyPr/>
+        <a:lstStyle/>
+        <a:p>
+          <a:endParaRPr lang="en-US"/>
+        </a:p>
+      </dgm:t>
+    </dgm:pt>
+    <dgm:pt modelId="{CC4A3A8C-9DD7-8D44-A4CC-CF2675A60505}" type="sibTrans" cxnId="{235DB43E-5868-904F-A0C6-CE8A2914E9B3}">
+      <dgm:prSet/>
+      <dgm:spPr/>
+      <dgm:t>
+        <a:bodyPr/>
+        <a:lstStyle/>
+        <a:p>
+          <a:endParaRPr lang="en-US"/>
+        </a:p>
+      </dgm:t>
+    </dgm:pt>
+    <dgm:pt modelId="{D8D524DD-8F0E-854E-8AE2-5B8C96ED5A61}">
+      <dgm:prSet phldrT="[Text]" custT="1"/>
+      <dgm:spPr/>
+      <dgm:t>
+        <a:bodyPr/>
+        <a:lstStyle/>
+        <a:p>
+          <a:r>
+            <a:rPr lang="en-US" sz="1600" b="1" dirty="0"/>
+            <a:t>Link Data</a:t>
+          </a:r>
+        </a:p>
+      </dgm:t>
+    </dgm:pt>
+    <dgm:pt modelId="{28BB04B6-C00E-9F42-8D20-779612D6A59E}" type="parTrans" cxnId="{BEA2FE15-2054-E04E-8CC2-696EAA3ABA92}">
+      <dgm:prSet/>
+      <dgm:spPr/>
+      <dgm:t>
+        <a:bodyPr/>
+        <a:lstStyle/>
+        <a:p>
+          <a:endParaRPr lang="en-US"/>
+        </a:p>
+      </dgm:t>
+    </dgm:pt>
+    <dgm:pt modelId="{D8450E3D-95C8-774B-92A8-EC77307134CA}" type="sibTrans" cxnId="{BEA2FE15-2054-E04E-8CC2-696EAA3ABA92}">
+      <dgm:prSet/>
+      <dgm:spPr/>
+      <dgm:t>
+        <a:bodyPr/>
+        <a:lstStyle/>
+        <a:p>
+          <a:endParaRPr lang="en-US"/>
+        </a:p>
+      </dgm:t>
+    </dgm:pt>
+    <dgm:pt modelId="{0429EBDF-F314-0B41-859B-E587807266B9}" type="pres">
+      <dgm:prSet presAssocID="{3B8973F0-2F0B-BE4F-A039-5173CBF8CE26}" presName="diagram" presStyleCnt="0">
+        <dgm:presLayoutVars>
+          <dgm:dir/>
+          <dgm:resizeHandles val="exact"/>
+        </dgm:presLayoutVars>
+      </dgm:prSet>
+      <dgm:spPr/>
+    </dgm:pt>
+    <dgm:pt modelId="{543313F2-7CF7-DE45-B6E2-030DFD0DEDC6}" type="pres">
+      <dgm:prSet presAssocID="{F02C9AE6-FE41-AD46-8274-AAD635B45771}" presName="node" presStyleLbl="node1" presStyleIdx="0" presStyleCnt="11">
+        <dgm:presLayoutVars>
+          <dgm:bulletEnabled val="1"/>
+        </dgm:presLayoutVars>
+      </dgm:prSet>
+      <dgm:spPr/>
+    </dgm:pt>
+    <dgm:pt modelId="{155F34C5-B90A-3E4F-96CC-BBF53DB31BFA}" type="pres">
+      <dgm:prSet presAssocID="{73CF9643-22CD-B24D-B3E1-E2E387316194}" presName="sibTrans" presStyleLbl="sibTrans2D1" presStyleIdx="0" presStyleCnt="10"/>
+      <dgm:spPr/>
+    </dgm:pt>
+    <dgm:pt modelId="{0FE9000C-1FFD-3D4B-A417-ACD6FB87E309}" type="pres">
+      <dgm:prSet presAssocID="{73CF9643-22CD-B24D-B3E1-E2E387316194}" presName="connectorText" presStyleLbl="sibTrans2D1" presStyleIdx="0" presStyleCnt="10"/>
+      <dgm:spPr/>
+    </dgm:pt>
+    <dgm:pt modelId="{88323E7E-DF1F-C64B-AD64-134DC0ABA8FC}" type="pres">
+      <dgm:prSet presAssocID="{88AD9256-4394-7B42-833F-432DDA0A4531}" presName="node" presStyleLbl="node1" presStyleIdx="1" presStyleCnt="11">
+        <dgm:presLayoutVars>
+          <dgm:bulletEnabled val="1"/>
+        </dgm:presLayoutVars>
+      </dgm:prSet>
+      <dgm:spPr/>
+    </dgm:pt>
+    <dgm:pt modelId="{A4B3E483-E6AF-A041-8907-5DB134563E21}" type="pres">
+      <dgm:prSet presAssocID="{CC4A3A8C-9DD7-8D44-A4CC-CF2675A60505}" presName="sibTrans" presStyleLbl="sibTrans2D1" presStyleIdx="1" presStyleCnt="10"/>
+      <dgm:spPr/>
+    </dgm:pt>
+    <dgm:pt modelId="{67D403F1-AF94-9B4A-B8FC-1DEDFDFD0C8E}" type="pres">
+      <dgm:prSet presAssocID="{CC4A3A8C-9DD7-8D44-A4CC-CF2675A60505}" presName="connectorText" presStyleLbl="sibTrans2D1" presStyleIdx="1" presStyleCnt="10"/>
+      <dgm:spPr/>
+    </dgm:pt>
+    <dgm:pt modelId="{BE3CE8E3-B154-0A45-8DD6-44C4897BE7A1}" type="pres">
+      <dgm:prSet presAssocID="{D5AF8D00-30FD-9C4E-A2FB-6BA0BCECA016}" presName="node" presStyleLbl="node1" presStyleIdx="2" presStyleCnt="11">
+        <dgm:presLayoutVars>
+          <dgm:bulletEnabled val="1"/>
+        </dgm:presLayoutVars>
+      </dgm:prSet>
+      <dgm:spPr/>
+    </dgm:pt>
+    <dgm:pt modelId="{4BDDE39C-CCAF-DB45-B5E9-A3D9F1227FF1}" type="pres">
+      <dgm:prSet presAssocID="{C4725F26-C68B-4E48-9E1E-9D9205123D7A}" presName="sibTrans" presStyleLbl="sibTrans2D1" presStyleIdx="2" presStyleCnt="10"/>
+      <dgm:spPr/>
+    </dgm:pt>
+    <dgm:pt modelId="{C78F1AA9-F8E3-4B44-A4E9-53365C265856}" type="pres">
+      <dgm:prSet presAssocID="{C4725F26-C68B-4E48-9E1E-9D9205123D7A}" presName="connectorText" presStyleLbl="sibTrans2D1" presStyleIdx="2" presStyleCnt="10"/>
+      <dgm:spPr/>
+    </dgm:pt>
+    <dgm:pt modelId="{2D0009B4-CAE1-F645-AEBA-FA58B87B7C42}" type="pres">
+      <dgm:prSet presAssocID="{D8D524DD-8F0E-854E-8AE2-5B8C96ED5A61}" presName="node" presStyleLbl="node1" presStyleIdx="3" presStyleCnt="11">
+        <dgm:presLayoutVars>
+          <dgm:bulletEnabled val="1"/>
+        </dgm:presLayoutVars>
+      </dgm:prSet>
+      <dgm:spPr/>
+    </dgm:pt>
+    <dgm:pt modelId="{EC73A64E-1706-734E-A035-23C2D3C70124}" type="pres">
+      <dgm:prSet presAssocID="{D8450E3D-95C8-774B-92A8-EC77307134CA}" presName="sibTrans" presStyleLbl="sibTrans2D1" presStyleIdx="3" presStyleCnt="10"/>
+      <dgm:spPr/>
+    </dgm:pt>
+    <dgm:pt modelId="{940489C5-416A-774F-B0D1-275A33301DF7}" type="pres">
+      <dgm:prSet presAssocID="{D8450E3D-95C8-774B-92A8-EC77307134CA}" presName="connectorText" presStyleLbl="sibTrans2D1" presStyleIdx="3" presStyleCnt="10"/>
+      <dgm:spPr/>
+    </dgm:pt>
+    <dgm:pt modelId="{14F5D202-1C34-034F-AA68-F7898D5FBEB3}" type="pres">
+      <dgm:prSet presAssocID="{C34689EB-E9B9-9540-A093-2ED3E7D6DF16}" presName="node" presStyleLbl="node1" presStyleIdx="4" presStyleCnt="11">
+        <dgm:presLayoutVars>
+          <dgm:bulletEnabled val="1"/>
+        </dgm:presLayoutVars>
+      </dgm:prSet>
+      <dgm:spPr/>
+    </dgm:pt>
+    <dgm:pt modelId="{F1F8502D-CBF9-0447-A23A-94F318C7BC4C}" type="pres">
+      <dgm:prSet presAssocID="{55015449-EBAE-1446-AA8E-CFF3DB5FFBC6}" presName="sibTrans" presStyleLbl="sibTrans2D1" presStyleIdx="4" presStyleCnt="10"/>
+      <dgm:spPr/>
+    </dgm:pt>
+    <dgm:pt modelId="{D55316DD-A6A4-EB49-9E4D-0180A2CE67D0}" type="pres">
+      <dgm:prSet presAssocID="{55015449-EBAE-1446-AA8E-CFF3DB5FFBC6}" presName="connectorText" presStyleLbl="sibTrans2D1" presStyleIdx="4" presStyleCnt="10"/>
+      <dgm:spPr/>
+    </dgm:pt>
+    <dgm:pt modelId="{98FE28C1-4158-1B47-8E40-D50CA0F02DA5}" type="pres">
+      <dgm:prSet presAssocID="{56EB3C6C-64A0-7F44-BD01-1020ACDDF527}" presName="node" presStyleLbl="node1" presStyleIdx="5" presStyleCnt="11">
+        <dgm:presLayoutVars>
+          <dgm:bulletEnabled val="1"/>
+        </dgm:presLayoutVars>
+      </dgm:prSet>
+      <dgm:spPr/>
+    </dgm:pt>
+    <dgm:pt modelId="{3D3EB6BB-F80A-3549-9395-3786070686C4}" type="pres">
+      <dgm:prSet presAssocID="{566B3B7C-D474-9F48-9F3B-D6F4419EBCF1}" presName="sibTrans" presStyleLbl="sibTrans2D1" presStyleIdx="5" presStyleCnt="10"/>
+      <dgm:spPr/>
+    </dgm:pt>
+    <dgm:pt modelId="{8DD2532D-BEE3-9D4A-A1AE-E254DEB63A77}" type="pres">
+      <dgm:prSet presAssocID="{566B3B7C-D474-9F48-9F3B-D6F4419EBCF1}" presName="connectorText" presStyleLbl="sibTrans2D1" presStyleIdx="5" presStyleCnt="10"/>
+      <dgm:spPr/>
+    </dgm:pt>
+    <dgm:pt modelId="{3E62C04F-1FAA-3847-B99F-F53435CF3D9A}" type="pres">
+      <dgm:prSet presAssocID="{965EAA66-3902-B443-AEBB-8519BBB9CA01}" presName="node" presStyleLbl="node1" presStyleIdx="6" presStyleCnt="11">
+        <dgm:presLayoutVars>
+          <dgm:bulletEnabled val="1"/>
+        </dgm:presLayoutVars>
+      </dgm:prSet>
+      <dgm:spPr/>
+    </dgm:pt>
+    <dgm:pt modelId="{38898BEA-9284-D947-BAF2-42236F10A395}" type="pres">
+      <dgm:prSet presAssocID="{99E6C032-361E-F24E-8D4C-3E317A554C40}" presName="sibTrans" presStyleLbl="sibTrans2D1" presStyleIdx="6" presStyleCnt="10"/>
+      <dgm:spPr/>
+    </dgm:pt>
+    <dgm:pt modelId="{A99D6A02-DFD4-A848-AC74-B4368D4635C0}" type="pres">
+      <dgm:prSet presAssocID="{99E6C032-361E-F24E-8D4C-3E317A554C40}" presName="connectorText" presStyleLbl="sibTrans2D1" presStyleIdx="6" presStyleCnt="10"/>
+      <dgm:spPr/>
+    </dgm:pt>
+    <dgm:pt modelId="{BEE184A5-D4FD-5F44-93C1-4F56BB80C141}" type="pres">
+      <dgm:prSet presAssocID="{DCCF28E0-FA5B-564B-973C-F3DD103F36A8}" presName="node" presStyleLbl="node1" presStyleIdx="7" presStyleCnt="11">
+        <dgm:presLayoutVars>
+          <dgm:bulletEnabled val="1"/>
+        </dgm:presLayoutVars>
+      </dgm:prSet>
+      <dgm:spPr/>
+    </dgm:pt>
+    <dgm:pt modelId="{6F791A14-DB04-2746-9DD6-E691C3C2D70C}" type="pres">
+      <dgm:prSet presAssocID="{55BF5C1E-1BB8-CD44-8ED8-F795DE29FE4C}" presName="sibTrans" presStyleLbl="sibTrans2D1" presStyleIdx="7" presStyleCnt="10"/>
+      <dgm:spPr/>
+    </dgm:pt>
+    <dgm:pt modelId="{AD72E87E-DF55-F243-8CAE-F3E3516107AC}" type="pres">
+      <dgm:prSet presAssocID="{55BF5C1E-1BB8-CD44-8ED8-F795DE29FE4C}" presName="connectorText" presStyleLbl="sibTrans2D1" presStyleIdx="7" presStyleCnt="10"/>
+      <dgm:spPr/>
+    </dgm:pt>
+    <dgm:pt modelId="{E71CBCA6-0380-3144-839B-6CBA1C09AC61}" type="pres">
+      <dgm:prSet presAssocID="{FE84B306-EEA9-4A49-94B6-54B3023CCD35}" presName="node" presStyleLbl="node1" presStyleIdx="8" presStyleCnt="11">
+        <dgm:presLayoutVars>
+          <dgm:bulletEnabled val="1"/>
+        </dgm:presLayoutVars>
+      </dgm:prSet>
+      <dgm:spPr/>
+    </dgm:pt>
+    <dgm:pt modelId="{5C188913-A575-3545-A34C-B6145483AA04}" type="pres">
+      <dgm:prSet presAssocID="{43240E9F-F30D-E44A-8418-2A2174F86CC6}" presName="sibTrans" presStyleLbl="sibTrans2D1" presStyleIdx="8" presStyleCnt="10"/>
+      <dgm:spPr/>
+    </dgm:pt>
+    <dgm:pt modelId="{E92CC04D-C239-5A49-846A-04375645195D}" type="pres">
+      <dgm:prSet presAssocID="{43240E9F-F30D-E44A-8418-2A2174F86CC6}" presName="connectorText" presStyleLbl="sibTrans2D1" presStyleIdx="8" presStyleCnt="10"/>
+      <dgm:spPr/>
+    </dgm:pt>
+    <dgm:pt modelId="{A2377AC9-AA87-BC42-9FF4-12525AAFA1A4}" type="pres">
+      <dgm:prSet presAssocID="{D2129B30-FF35-C84D-B432-5F41F7087B7F}" presName="node" presStyleLbl="node1" presStyleIdx="9" presStyleCnt="11">
+        <dgm:presLayoutVars>
+          <dgm:bulletEnabled val="1"/>
+        </dgm:presLayoutVars>
+      </dgm:prSet>
+      <dgm:spPr/>
+    </dgm:pt>
+    <dgm:pt modelId="{D4645FDA-B217-A842-9A48-E7F13C54665D}" type="pres">
+      <dgm:prSet presAssocID="{C93A218F-28B0-FC43-A6AB-594A177FB5F1}" presName="sibTrans" presStyleLbl="sibTrans2D1" presStyleIdx="9" presStyleCnt="10"/>
+      <dgm:spPr/>
+    </dgm:pt>
+    <dgm:pt modelId="{AA62C145-A72A-6F4B-901F-D6D0DB97273D}" type="pres">
+      <dgm:prSet presAssocID="{C93A218F-28B0-FC43-A6AB-594A177FB5F1}" presName="connectorText" presStyleLbl="sibTrans2D1" presStyleIdx="9" presStyleCnt="10"/>
+      <dgm:spPr/>
+    </dgm:pt>
+    <dgm:pt modelId="{D72B0A0C-FB32-F641-A263-966E6A1F4BE9}" type="pres">
+      <dgm:prSet presAssocID="{D6C2ACD1-A7D7-1D4A-82CE-6042782E6300}" presName="node" presStyleLbl="node1" presStyleIdx="10" presStyleCnt="11">
+        <dgm:presLayoutVars>
+          <dgm:bulletEnabled val="1"/>
+        </dgm:presLayoutVars>
+      </dgm:prSet>
+      <dgm:spPr/>
+    </dgm:pt>
+  </dgm:ptLst>
+  <dgm:cxnLst>
+    <dgm:cxn modelId="{D4345C06-F5C6-0A44-9906-DD5FA9968438}" type="presOf" srcId="{3B8973F0-2F0B-BE4F-A039-5173CBF8CE26}" destId="{0429EBDF-F314-0B41-859B-E587807266B9}" srcOrd="0" destOrd="0" presId="urn:microsoft.com/office/officeart/2005/8/layout/process5"/>
+    <dgm:cxn modelId="{8357C70F-F527-C44E-821B-98E5C1DC41E9}" type="presOf" srcId="{55BF5C1E-1BB8-CD44-8ED8-F795DE29FE4C}" destId="{AD72E87E-DF55-F243-8CAE-F3E3516107AC}" srcOrd="1" destOrd="0" presId="urn:microsoft.com/office/officeart/2005/8/layout/process5"/>
+    <dgm:cxn modelId="{EA13C311-7112-1C4D-8FB3-B974CA2E2CE1}" type="presOf" srcId="{73CF9643-22CD-B24D-B3E1-E2E387316194}" destId="{155F34C5-B90A-3E4F-96CC-BBF53DB31BFA}" srcOrd="0" destOrd="0" presId="urn:microsoft.com/office/officeart/2005/8/layout/process5"/>
+    <dgm:cxn modelId="{E6171315-1E00-C244-8135-BE9FBF8879A6}" type="presOf" srcId="{73CF9643-22CD-B24D-B3E1-E2E387316194}" destId="{0FE9000C-1FFD-3D4B-A417-ACD6FB87E309}" srcOrd="1" destOrd="0" presId="urn:microsoft.com/office/officeart/2005/8/layout/process5"/>
+    <dgm:cxn modelId="{BEA2FE15-2054-E04E-8CC2-696EAA3ABA92}" srcId="{3B8973F0-2F0B-BE4F-A039-5173CBF8CE26}" destId="{D8D524DD-8F0E-854E-8AE2-5B8C96ED5A61}" srcOrd="3" destOrd="0" parTransId="{28BB04B6-C00E-9F42-8D20-779612D6A59E}" sibTransId="{D8450E3D-95C8-774B-92A8-EC77307134CA}"/>
+    <dgm:cxn modelId="{93BB2B22-F644-844F-8242-CDD5D27413DA}" type="presOf" srcId="{D8D524DD-8F0E-854E-8AE2-5B8C96ED5A61}" destId="{2D0009B4-CAE1-F645-AEBA-FA58B87B7C42}" srcOrd="0" destOrd="0" presId="urn:microsoft.com/office/officeart/2005/8/layout/process5"/>
+    <dgm:cxn modelId="{2D99352F-4862-5E42-9FA5-20856D5AEA47}" type="presOf" srcId="{C4725F26-C68B-4E48-9E1E-9D9205123D7A}" destId="{C78F1AA9-F8E3-4B44-A4E9-53365C265856}" srcOrd="1" destOrd="0" presId="urn:microsoft.com/office/officeart/2005/8/layout/process5"/>
+    <dgm:cxn modelId="{38D6AB3C-5BB4-1D4F-836C-24531D1662EE}" type="presOf" srcId="{55015449-EBAE-1446-AA8E-CFF3DB5FFBC6}" destId="{F1F8502D-CBF9-0447-A23A-94F318C7BC4C}" srcOrd="0" destOrd="0" presId="urn:microsoft.com/office/officeart/2005/8/layout/process5"/>
+    <dgm:cxn modelId="{235DB43E-5868-904F-A0C6-CE8A2914E9B3}" srcId="{3B8973F0-2F0B-BE4F-A039-5173CBF8CE26}" destId="{88AD9256-4394-7B42-833F-432DDA0A4531}" srcOrd="1" destOrd="0" parTransId="{72DC1036-A61A-9E48-81D2-BC4308A7A654}" sibTransId="{CC4A3A8C-9DD7-8D44-A4CC-CF2675A60505}"/>
+    <dgm:cxn modelId="{A62B1044-277B-6342-AF07-5BA53BEEDF98}" type="presOf" srcId="{D6C2ACD1-A7D7-1D4A-82CE-6042782E6300}" destId="{D72B0A0C-FB32-F641-A263-966E6A1F4BE9}" srcOrd="0" destOrd="0" presId="urn:microsoft.com/office/officeart/2005/8/layout/process5"/>
+    <dgm:cxn modelId="{E931B048-7E41-E441-B797-A5E19E166189}" type="presOf" srcId="{C93A218F-28B0-FC43-A6AB-594A177FB5F1}" destId="{AA62C145-A72A-6F4B-901F-D6D0DB97273D}" srcOrd="1" destOrd="0" presId="urn:microsoft.com/office/officeart/2005/8/layout/process5"/>
+    <dgm:cxn modelId="{6D0E5A49-B85E-6E4C-B9CE-3521B479909C}" srcId="{3B8973F0-2F0B-BE4F-A039-5173CBF8CE26}" destId="{F02C9AE6-FE41-AD46-8274-AAD635B45771}" srcOrd="0" destOrd="0" parTransId="{BA2E8464-F1B1-BE4D-9B09-CF722FF0A2D7}" sibTransId="{73CF9643-22CD-B24D-B3E1-E2E387316194}"/>
+    <dgm:cxn modelId="{ABD98B53-DA1A-5D4D-91F1-8B3B98B9CF12}" srcId="{3B8973F0-2F0B-BE4F-A039-5173CBF8CE26}" destId="{56EB3C6C-64A0-7F44-BD01-1020ACDDF527}" srcOrd="5" destOrd="0" parTransId="{5A1EF3E3-ED6C-4C49-A7AC-384F17A11658}" sibTransId="{566B3B7C-D474-9F48-9F3B-D6F4419EBCF1}"/>
+    <dgm:cxn modelId="{E0507E55-E3E4-8046-88AA-2A06597EA124}" type="presOf" srcId="{DCCF28E0-FA5B-564B-973C-F3DD103F36A8}" destId="{BEE184A5-D4FD-5F44-93C1-4F56BB80C141}" srcOrd="0" destOrd="0" presId="urn:microsoft.com/office/officeart/2005/8/layout/process5"/>
+    <dgm:cxn modelId="{385CB05B-9504-0147-8A4F-8B01DAA03047}" type="presOf" srcId="{88AD9256-4394-7B42-833F-432DDA0A4531}" destId="{88323E7E-DF1F-C64B-AD64-134DC0ABA8FC}" srcOrd="0" destOrd="0" presId="urn:microsoft.com/office/officeart/2005/8/layout/process5"/>
+    <dgm:cxn modelId="{DAC0A75F-7CDB-3D48-BA9D-D08F10E749B1}" type="presOf" srcId="{D8450E3D-95C8-774B-92A8-EC77307134CA}" destId="{EC73A64E-1706-734E-A035-23C2D3C70124}" srcOrd="0" destOrd="0" presId="urn:microsoft.com/office/officeart/2005/8/layout/process5"/>
+    <dgm:cxn modelId="{651DBC6A-646B-9742-BF18-E09081722F55}" type="presOf" srcId="{99E6C032-361E-F24E-8D4C-3E317A554C40}" destId="{A99D6A02-DFD4-A848-AC74-B4368D4635C0}" srcOrd="1" destOrd="0" presId="urn:microsoft.com/office/officeart/2005/8/layout/process5"/>
+    <dgm:cxn modelId="{C4E03C6D-B2EA-484D-9FA2-AA3B562D5C1B}" type="presOf" srcId="{566B3B7C-D474-9F48-9F3B-D6F4419EBCF1}" destId="{3D3EB6BB-F80A-3549-9395-3786070686C4}" srcOrd="0" destOrd="0" presId="urn:microsoft.com/office/officeart/2005/8/layout/process5"/>
+    <dgm:cxn modelId="{1426D96F-FBF8-604C-9BC9-91385F8D8583}" type="presOf" srcId="{CC4A3A8C-9DD7-8D44-A4CC-CF2675A60505}" destId="{67D403F1-AF94-9B4A-B8FC-1DEDFDFD0C8E}" srcOrd="1" destOrd="0" presId="urn:microsoft.com/office/officeart/2005/8/layout/process5"/>
+    <dgm:cxn modelId="{6E887075-3309-3149-924D-ACB7C4AD719D}" srcId="{3B8973F0-2F0B-BE4F-A039-5173CBF8CE26}" destId="{DCCF28E0-FA5B-564B-973C-F3DD103F36A8}" srcOrd="7" destOrd="0" parTransId="{56DCF930-E9B8-2C41-9BEB-14EDEAFFF6F5}" sibTransId="{55BF5C1E-1BB8-CD44-8ED8-F795DE29FE4C}"/>
+    <dgm:cxn modelId="{94F10477-4663-334A-A5D7-44221ECD3D73}" srcId="{3B8973F0-2F0B-BE4F-A039-5173CBF8CE26}" destId="{FE84B306-EEA9-4A49-94B6-54B3023CCD35}" srcOrd="8" destOrd="0" parTransId="{C01C1DC4-0089-C044-8702-1E919C719C89}" sibTransId="{43240E9F-F30D-E44A-8418-2A2174F86CC6}"/>
+    <dgm:cxn modelId="{922D7778-CCE9-DA4B-A2EF-C9C80217A546}" srcId="{3B8973F0-2F0B-BE4F-A039-5173CBF8CE26}" destId="{D2129B30-FF35-C84D-B432-5F41F7087B7F}" srcOrd="9" destOrd="0" parTransId="{4DFBE44A-A449-F44C-8211-0707D1C2FFE4}" sibTransId="{C93A218F-28B0-FC43-A6AB-594A177FB5F1}"/>
+    <dgm:cxn modelId="{38E4BB8D-F075-B24C-BDF6-DD795FF1B675}" srcId="{3B8973F0-2F0B-BE4F-A039-5173CBF8CE26}" destId="{D6C2ACD1-A7D7-1D4A-82CE-6042782E6300}" srcOrd="10" destOrd="0" parTransId="{8922CE11-293C-4146-BAB4-57D99669C679}" sibTransId="{F9543D28-7F0D-CE42-94B6-DD5856434C94}"/>
+    <dgm:cxn modelId="{ACBFD090-BF9B-8540-82D0-E54299C7EC6E}" type="presOf" srcId="{D5AF8D00-30FD-9C4E-A2FB-6BA0BCECA016}" destId="{BE3CE8E3-B154-0A45-8DD6-44C4897BE7A1}" srcOrd="0" destOrd="0" presId="urn:microsoft.com/office/officeart/2005/8/layout/process5"/>
+    <dgm:cxn modelId="{0AF0F592-D0A5-2448-8934-C5F73F4AB2EB}" type="presOf" srcId="{99E6C032-361E-F24E-8D4C-3E317A554C40}" destId="{38898BEA-9284-D947-BAF2-42236F10A395}" srcOrd="0" destOrd="0" presId="urn:microsoft.com/office/officeart/2005/8/layout/process5"/>
+    <dgm:cxn modelId="{9CE60393-377C-B546-B450-4646CA194821}" type="presOf" srcId="{C34689EB-E9B9-9540-A093-2ED3E7D6DF16}" destId="{14F5D202-1C34-034F-AA68-F7898D5FBEB3}" srcOrd="0" destOrd="0" presId="urn:microsoft.com/office/officeart/2005/8/layout/process5"/>
+    <dgm:cxn modelId="{483BD39D-4FCF-B849-A878-ED1570F71284}" type="presOf" srcId="{965EAA66-3902-B443-AEBB-8519BBB9CA01}" destId="{3E62C04F-1FAA-3847-B99F-F53435CF3D9A}" srcOrd="0" destOrd="0" presId="urn:microsoft.com/office/officeart/2005/8/layout/process5"/>
+    <dgm:cxn modelId="{00B309A2-09A0-7A4F-9F38-697668BF20F3}" srcId="{3B8973F0-2F0B-BE4F-A039-5173CBF8CE26}" destId="{965EAA66-3902-B443-AEBB-8519BBB9CA01}" srcOrd="6" destOrd="0" parTransId="{F0C760C3-3889-5140-8C1A-1634AFB32EF8}" sibTransId="{99E6C032-361E-F24E-8D4C-3E317A554C40}"/>
+    <dgm:cxn modelId="{85AA7DA2-5194-B740-BE9B-6534E70F8A1D}" type="presOf" srcId="{D2129B30-FF35-C84D-B432-5F41F7087B7F}" destId="{A2377AC9-AA87-BC42-9FF4-12525AAFA1A4}" srcOrd="0" destOrd="0" presId="urn:microsoft.com/office/officeart/2005/8/layout/process5"/>
+    <dgm:cxn modelId="{D684B3A6-FDA2-E841-B542-F29BB762108D}" type="presOf" srcId="{56EB3C6C-64A0-7F44-BD01-1020ACDDF527}" destId="{98FE28C1-4158-1B47-8E40-D50CA0F02DA5}" srcOrd="0" destOrd="0" presId="urn:microsoft.com/office/officeart/2005/8/layout/process5"/>
+    <dgm:cxn modelId="{CE4480B1-5F23-4446-BE1B-592DE97A9099}" type="presOf" srcId="{43240E9F-F30D-E44A-8418-2A2174F86CC6}" destId="{5C188913-A575-3545-A34C-B6145483AA04}" srcOrd="0" destOrd="0" presId="urn:microsoft.com/office/officeart/2005/8/layout/process5"/>
+    <dgm:cxn modelId="{9FA004C4-A796-BE4E-8955-43E51398C177}" type="presOf" srcId="{F02C9AE6-FE41-AD46-8274-AAD635B45771}" destId="{543313F2-7CF7-DE45-B6E2-030DFD0DEDC6}" srcOrd="0" destOrd="0" presId="urn:microsoft.com/office/officeart/2005/8/layout/process5"/>
+    <dgm:cxn modelId="{1B00C4C4-AFBB-B44B-8243-892DF1B7AEEB}" type="presOf" srcId="{FE84B306-EEA9-4A49-94B6-54B3023CCD35}" destId="{E71CBCA6-0380-3144-839B-6CBA1C09AC61}" srcOrd="0" destOrd="0" presId="urn:microsoft.com/office/officeart/2005/8/layout/process5"/>
+    <dgm:cxn modelId="{13311AC8-76A0-A647-83DA-10D9C74255E6}" type="presOf" srcId="{CC4A3A8C-9DD7-8D44-A4CC-CF2675A60505}" destId="{A4B3E483-E6AF-A041-8907-5DB134563E21}" srcOrd="0" destOrd="0" presId="urn:microsoft.com/office/officeart/2005/8/layout/process5"/>
+    <dgm:cxn modelId="{0E08F0CE-A5DB-234E-80F3-A58775EFF243}" srcId="{3B8973F0-2F0B-BE4F-A039-5173CBF8CE26}" destId="{C34689EB-E9B9-9540-A093-2ED3E7D6DF16}" srcOrd="4" destOrd="0" parTransId="{167FCDF6-8131-DD45-ABB7-BAA5DD600B35}" sibTransId="{55015449-EBAE-1446-AA8E-CFF3DB5FFBC6}"/>
+    <dgm:cxn modelId="{99C9B6D3-8C9C-7941-B08B-E27DE3DCCA40}" type="presOf" srcId="{566B3B7C-D474-9F48-9F3B-D6F4419EBCF1}" destId="{8DD2532D-BEE3-9D4A-A1AE-E254DEB63A77}" srcOrd="1" destOrd="0" presId="urn:microsoft.com/office/officeart/2005/8/layout/process5"/>
+    <dgm:cxn modelId="{6ED712D9-1A13-4F43-9970-39015709A872}" type="presOf" srcId="{D8450E3D-95C8-774B-92A8-EC77307134CA}" destId="{940489C5-416A-774F-B0D1-275A33301DF7}" srcOrd="1" destOrd="0" presId="urn:microsoft.com/office/officeart/2005/8/layout/process5"/>
+    <dgm:cxn modelId="{7A5E9FDC-6699-654C-9170-E4616B0E2B15}" type="presOf" srcId="{55015449-EBAE-1446-AA8E-CFF3DB5FFBC6}" destId="{D55316DD-A6A4-EB49-9E4D-0180A2CE67D0}" srcOrd="1" destOrd="0" presId="urn:microsoft.com/office/officeart/2005/8/layout/process5"/>
+    <dgm:cxn modelId="{E62AEFDC-FD47-8D4F-881D-D1E6A1788EE5}" type="presOf" srcId="{C4725F26-C68B-4E48-9E1E-9D9205123D7A}" destId="{4BDDE39C-CCAF-DB45-B5E9-A3D9F1227FF1}" srcOrd="0" destOrd="0" presId="urn:microsoft.com/office/officeart/2005/8/layout/process5"/>
+    <dgm:cxn modelId="{12CA12E0-9515-8E47-98AE-CC8EF39E411C}" srcId="{3B8973F0-2F0B-BE4F-A039-5173CBF8CE26}" destId="{D5AF8D00-30FD-9C4E-A2FB-6BA0BCECA016}" srcOrd="2" destOrd="0" parTransId="{7000CB73-6A58-DB4B-8262-76D11653CA23}" sibTransId="{C4725F26-C68B-4E48-9E1E-9D9205123D7A}"/>
+    <dgm:cxn modelId="{B719DEEC-F3ED-EA48-B32D-7D5EDAC27AC7}" type="presOf" srcId="{43240E9F-F30D-E44A-8418-2A2174F86CC6}" destId="{E92CC04D-C239-5A49-846A-04375645195D}" srcOrd="1" destOrd="0" presId="urn:microsoft.com/office/officeart/2005/8/layout/process5"/>
+    <dgm:cxn modelId="{3162EDEE-3622-584C-81E9-6B4132A9AFD9}" type="presOf" srcId="{55BF5C1E-1BB8-CD44-8ED8-F795DE29FE4C}" destId="{6F791A14-DB04-2746-9DD6-E691C3C2D70C}" srcOrd="0" destOrd="0" presId="urn:microsoft.com/office/officeart/2005/8/layout/process5"/>
+    <dgm:cxn modelId="{E48425FC-7096-064B-89AB-9299E2611C3E}" type="presOf" srcId="{C93A218F-28B0-FC43-A6AB-594A177FB5F1}" destId="{D4645FDA-B217-A842-9A48-E7F13C54665D}" srcOrd="0" destOrd="0" presId="urn:microsoft.com/office/officeart/2005/8/layout/process5"/>
+    <dgm:cxn modelId="{64672FAE-EDB4-F140-9EAA-8003F2AACFFA}" type="presParOf" srcId="{0429EBDF-F314-0B41-859B-E587807266B9}" destId="{543313F2-7CF7-DE45-B6E2-030DFD0DEDC6}" srcOrd="0" destOrd="0" presId="urn:microsoft.com/office/officeart/2005/8/layout/process5"/>
+    <dgm:cxn modelId="{99C804C7-4D94-F04B-B4D8-91E99E384FB5}" type="presParOf" srcId="{0429EBDF-F314-0B41-859B-E587807266B9}" destId="{155F34C5-B90A-3E4F-96CC-BBF53DB31BFA}" srcOrd="1" destOrd="0" presId="urn:microsoft.com/office/officeart/2005/8/layout/process5"/>
+    <dgm:cxn modelId="{BB961FA0-8884-7C4F-97E0-6A0FFFA4A476}" type="presParOf" srcId="{155F34C5-B90A-3E4F-96CC-BBF53DB31BFA}" destId="{0FE9000C-1FFD-3D4B-A417-ACD6FB87E309}" srcOrd="0" destOrd="0" presId="urn:microsoft.com/office/officeart/2005/8/layout/process5"/>
+    <dgm:cxn modelId="{89237C29-8A6D-7A44-A0D9-B9FFE2B97590}" type="presParOf" srcId="{0429EBDF-F314-0B41-859B-E587807266B9}" destId="{88323E7E-DF1F-C64B-AD64-134DC0ABA8FC}" srcOrd="2" destOrd="0" presId="urn:microsoft.com/office/officeart/2005/8/layout/process5"/>
+    <dgm:cxn modelId="{27D1DC46-418F-E948-888A-8449361B180C}" type="presParOf" srcId="{0429EBDF-F314-0B41-859B-E587807266B9}" destId="{A4B3E483-E6AF-A041-8907-5DB134563E21}" srcOrd="3" destOrd="0" presId="urn:microsoft.com/office/officeart/2005/8/layout/process5"/>
+    <dgm:cxn modelId="{59CCE9C8-A0D5-644C-80C4-FDDEDAF523F2}" type="presParOf" srcId="{A4B3E483-E6AF-A041-8907-5DB134563E21}" destId="{67D403F1-AF94-9B4A-B8FC-1DEDFDFD0C8E}" srcOrd="0" destOrd="0" presId="urn:microsoft.com/office/officeart/2005/8/layout/process5"/>
+    <dgm:cxn modelId="{2C51609C-0BE8-0048-9A31-E43D84C40B0B}" type="presParOf" srcId="{0429EBDF-F314-0B41-859B-E587807266B9}" destId="{BE3CE8E3-B154-0A45-8DD6-44C4897BE7A1}" srcOrd="4" destOrd="0" presId="urn:microsoft.com/office/officeart/2005/8/layout/process5"/>
+    <dgm:cxn modelId="{844E1907-9195-D041-BC1D-FD22CB28A0B2}" type="presParOf" srcId="{0429EBDF-F314-0B41-859B-E587807266B9}" destId="{4BDDE39C-CCAF-DB45-B5E9-A3D9F1227FF1}" srcOrd="5" destOrd="0" presId="urn:microsoft.com/office/officeart/2005/8/layout/process5"/>
+    <dgm:cxn modelId="{487210C6-A652-4548-8582-1CB085CCD01E}" type="presParOf" srcId="{4BDDE39C-CCAF-DB45-B5E9-A3D9F1227FF1}" destId="{C78F1AA9-F8E3-4B44-A4E9-53365C265856}" srcOrd="0" destOrd="0" presId="urn:microsoft.com/office/officeart/2005/8/layout/process5"/>
+    <dgm:cxn modelId="{9DDF9F00-6560-9041-B907-3C51495F825B}" type="presParOf" srcId="{0429EBDF-F314-0B41-859B-E587807266B9}" destId="{2D0009B4-CAE1-F645-AEBA-FA58B87B7C42}" srcOrd="6" destOrd="0" presId="urn:microsoft.com/office/officeart/2005/8/layout/process5"/>
+    <dgm:cxn modelId="{047297D7-99B6-C04D-9EDA-4618D1FC42FB}" type="presParOf" srcId="{0429EBDF-F314-0B41-859B-E587807266B9}" destId="{EC73A64E-1706-734E-A035-23C2D3C70124}" srcOrd="7" destOrd="0" presId="urn:microsoft.com/office/officeart/2005/8/layout/process5"/>
+    <dgm:cxn modelId="{34FD3CA9-4E2B-644E-B5B9-8750DFF0F3A3}" type="presParOf" srcId="{EC73A64E-1706-734E-A035-23C2D3C70124}" destId="{940489C5-416A-774F-B0D1-275A33301DF7}" srcOrd="0" destOrd="0" presId="urn:microsoft.com/office/officeart/2005/8/layout/process5"/>
+    <dgm:cxn modelId="{B5521430-30EE-0140-9FF3-0177F8A291EF}" type="presParOf" srcId="{0429EBDF-F314-0B41-859B-E587807266B9}" destId="{14F5D202-1C34-034F-AA68-F7898D5FBEB3}" srcOrd="8" destOrd="0" presId="urn:microsoft.com/office/officeart/2005/8/layout/process5"/>
+    <dgm:cxn modelId="{EBBB1848-3086-774F-B546-9905B0848604}" type="presParOf" srcId="{0429EBDF-F314-0B41-859B-E587807266B9}" destId="{F1F8502D-CBF9-0447-A23A-94F318C7BC4C}" srcOrd="9" destOrd="0" presId="urn:microsoft.com/office/officeart/2005/8/layout/process5"/>
+    <dgm:cxn modelId="{7F6AA124-CA90-CD4D-AAFF-BE53F460C24C}" type="presParOf" srcId="{F1F8502D-CBF9-0447-A23A-94F318C7BC4C}" destId="{D55316DD-A6A4-EB49-9E4D-0180A2CE67D0}" srcOrd="0" destOrd="0" presId="urn:microsoft.com/office/officeart/2005/8/layout/process5"/>
+    <dgm:cxn modelId="{307FCE46-2468-4F47-AFD5-7FB261A07F42}" type="presParOf" srcId="{0429EBDF-F314-0B41-859B-E587807266B9}" destId="{98FE28C1-4158-1B47-8E40-D50CA0F02DA5}" srcOrd="10" destOrd="0" presId="urn:microsoft.com/office/officeart/2005/8/layout/process5"/>
+    <dgm:cxn modelId="{3F4A398A-06E5-094F-8AF5-0602777209FC}" type="presParOf" srcId="{0429EBDF-F314-0B41-859B-E587807266B9}" destId="{3D3EB6BB-F80A-3549-9395-3786070686C4}" srcOrd="11" destOrd="0" presId="urn:microsoft.com/office/officeart/2005/8/layout/process5"/>
+    <dgm:cxn modelId="{9F44C424-F71A-2540-942F-E07E054072E4}" type="presParOf" srcId="{3D3EB6BB-F80A-3549-9395-3786070686C4}" destId="{8DD2532D-BEE3-9D4A-A1AE-E254DEB63A77}" srcOrd="0" destOrd="0" presId="urn:microsoft.com/office/officeart/2005/8/layout/process5"/>
+    <dgm:cxn modelId="{AA1E62A0-C8F5-3F4C-9CEB-BE7EB38B53C5}" type="presParOf" srcId="{0429EBDF-F314-0B41-859B-E587807266B9}" destId="{3E62C04F-1FAA-3847-B99F-F53435CF3D9A}" srcOrd="12" destOrd="0" presId="urn:microsoft.com/office/officeart/2005/8/layout/process5"/>
+    <dgm:cxn modelId="{75EF91B7-0EBC-4442-9699-7935483BFD82}" type="presParOf" srcId="{0429EBDF-F314-0B41-859B-E587807266B9}" destId="{38898BEA-9284-D947-BAF2-42236F10A395}" srcOrd="13" destOrd="0" presId="urn:microsoft.com/office/officeart/2005/8/layout/process5"/>
+    <dgm:cxn modelId="{1AA78138-BD87-104E-A25F-A008BC25EBBF}" type="presParOf" srcId="{38898BEA-9284-D947-BAF2-42236F10A395}" destId="{A99D6A02-DFD4-A848-AC74-B4368D4635C0}" srcOrd="0" destOrd="0" presId="urn:microsoft.com/office/officeart/2005/8/layout/process5"/>
+    <dgm:cxn modelId="{682D041E-4BDB-1840-B38C-FE72A82ADF67}" type="presParOf" srcId="{0429EBDF-F314-0B41-859B-E587807266B9}" destId="{BEE184A5-D4FD-5F44-93C1-4F56BB80C141}" srcOrd="14" destOrd="0" presId="urn:microsoft.com/office/officeart/2005/8/layout/process5"/>
+    <dgm:cxn modelId="{AD24CFB4-FEE8-2C43-B197-A95C938FA609}" type="presParOf" srcId="{0429EBDF-F314-0B41-859B-E587807266B9}" destId="{6F791A14-DB04-2746-9DD6-E691C3C2D70C}" srcOrd="15" destOrd="0" presId="urn:microsoft.com/office/officeart/2005/8/layout/process5"/>
+    <dgm:cxn modelId="{2D31D908-08E8-534A-86DF-CF3523686C4C}" type="presParOf" srcId="{6F791A14-DB04-2746-9DD6-E691C3C2D70C}" destId="{AD72E87E-DF55-F243-8CAE-F3E3516107AC}" srcOrd="0" destOrd="0" presId="urn:microsoft.com/office/officeart/2005/8/layout/process5"/>
+    <dgm:cxn modelId="{75859789-C3AF-9146-8118-B46D203B17DC}" type="presParOf" srcId="{0429EBDF-F314-0B41-859B-E587807266B9}" destId="{E71CBCA6-0380-3144-839B-6CBA1C09AC61}" srcOrd="16" destOrd="0" presId="urn:microsoft.com/office/officeart/2005/8/layout/process5"/>
+    <dgm:cxn modelId="{F37E8B8F-719C-8C49-819D-E5543124F58E}" type="presParOf" srcId="{0429EBDF-F314-0B41-859B-E587807266B9}" destId="{5C188913-A575-3545-A34C-B6145483AA04}" srcOrd="17" destOrd="0" presId="urn:microsoft.com/office/officeart/2005/8/layout/process5"/>
+    <dgm:cxn modelId="{8770AF0E-2707-E64F-B4FC-79F88ED5C072}" type="presParOf" srcId="{5C188913-A575-3545-A34C-B6145483AA04}" destId="{E92CC04D-C239-5A49-846A-04375645195D}" srcOrd="0" destOrd="0" presId="urn:microsoft.com/office/officeart/2005/8/layout/process5"/>
+    <dgm:cxn modelId="{756D72E8-89F5-1A4F-BC11-F18CB08935E8}" type="presParOf" srcId="{0429EBDF-F314-0B41-859B-E587807266B9}" destId="{A2377AC9-AA87-BC42-9FF4-12525AAFA1A4}" srcOrd="18" destOrd="0" presId="urn:microsoft.com/office/officeart/2005/8/layout/process5"/>
+    <dgm:cxn modelId="{CA4B5617-2D2D-CF44-B59B-384AE6A68244}" type="presParOf" srcId="{0429EBDF-F314-0B41-859B-E587807266B9}" destId="{D4645FDA-B217-A842-9A48-E7F13C54665D}" srcOrd="19" destOrd="0" presId="urn:microsoft.com/office/officeart/2005/8/layout/process5"/>
+    <dgm:cxn modelId="{3AE76142-AA27-424F-A74F-BE57F3292224}" type="presParOf" srcId="{D4645FDA-B217-A842-9A48-E7F13C54665D}" destId="{AA62C145-A72A-6F4B-901F-D6D0DB97273D}" srcOrd="0" destOrd="0" presId="urn:microsoft.com/office/officeart/2005/8/layout/process5"/>
+    <dgm:cxn modelId="{CC92777E-D3A1-A348-8BFA-3F96D751CC59}" type="presParOf" srcId="{0429EBDF-F314-0B41-859B-E587807266B9}" destId="{D72B0A0C-FB32-F641-A263-966E6A1F4BE9}" srcOrd="20" destOrd="0" presId="urn:microsoft.com/office/officeart/2005/8/layout/process5"/>
+  </dgm:cxnLst>
+  <dgm:bg/>
+  <dgm:whole/>
+  <dgm:extLst>
+    <a:ext uri="http://schemas.microsoft.com/office/drawing/2008/diagram">
+      <dsp:dataModelExt xmlns:dsp="http://schemas.microsoft.com/office/drawing/2008/diagram" relId="rId6" minVer="http://schemas.openxmlformats.org/drawingml/2006/diagram"/>
+    </a:ext>
+  </dgm:extLst>
+</dgm:dataModel>
+</file>
+
+<file path=ppt/diagrams/drawing1.xml><?xml version="1.0" encoding="utf-8"?>
+<dsp:drawing xmlns:dgm="http://schemas.openxmlformats.org/drawingml/2006/diagram" xmlns:dsp="http://schemas.microsoft.com/office/drawing/2008/diagram" xmlns:a="http://schemas.openxmlformats.org/drawingml/2006/main">
+  <dsp:spTree>
+    <dsp:nvGrpSpPr>
+      <dsp:cNvPr id="0" name=""/>
+      <dsp:cNvGrpSpPr/>
+    </dsp:nvGrpSpPr>
+    <dsp:grpSpPr/>
+    <dsp:sp modelId="{543313F2-7CF7-DE45-B6E2-030DFD0DEDC6}">
+      <dsp:nvSpPr>
+        <dsp:cNvPr id="0" name=""/>
+        <dsp:cNvSpPr/>
+      </dsp:nvSpPr>
+      <dsp:spPr>
+        <a:xfrm>
+          <a:off x="194932" y="1752"/>
+          <a:ext cx="1534535" cy="920721"/>
+        </a:xfrm>
+        <a:prstGeom prst="roundRect">
+          <a:avLst>
+            <a:gd name="adj" fmla="val 10000"/>
+          </a:avLst>
+        </a:prstGeom>
+        <a:solidFill>
+          <a:schemeClr val="accent3">
+            <a:hueOff val="0"/>
+            <a:satOff val="0"/>
+            <a:lumOff val="0"/>
+            <a:alphaOff val="0"/>
+          </a:schemeClr>
+        </a:solidFill>
+        <a:ln w="25400" cap="flat" cmpd="sng" algn="ctr">
+          <a:solidFill>
+            <a:schemeClr val="lt1">
+              <a:hueOff val="0"/>
+              <a:satOff val="0"/>
+              <a:lumOff val="0"/>
+              <a:alphaOff val="0"/>
+            </a:schemeClr>
+          </a:solidFill>
+          <a:prstDash val="solid"/>
+        </a:ln>
+        <a:effectLst/>
+      </dsp:spPr>
+      <dsp:style>
+        <a:lnRef idx="2">
+          <a:scrgbClr r="0" g="0" b="0"/>
+        </a:lnRef>
+        <a:fillRef idx="1">
+          <a:scrgbClr r="0" g="0" b="0"/>
+        </a:fillRef>
+        <a:effectRef idx="0">
+          <a:scrgbClr r="0" g="0" b="0"/>
+        </a:effectRef>
+        <a:fontRef idx="minor">
+          <a:schemeClr val="lt1"/>
+        </a:fontRef>
+      </dsp:style>
+      <dsp:txBody>
+        <a:bodyPr spcFirstLastPara="0" vert="horz" wrap="square" lIns="60960" tIns="60960" rIns="60960" bIns="60960" numCol="1" spcCol="1270" anchor="ctr" anchorCtr="0">
+          <a:noAutofit/>
+        </a:bodyPr>
+        <a:lstStyle/>
+        <a:p>
+          <a:pPr marL="0" lvl="0" indent="0" algn="ctr" defTabSz="711200">
+            <a:lnSpc>
+              <a:spcPct val="90000"/>
+            </a:lnSpc>
+            <a:spcBef>
+              <a:spcPct val="0"/>
+            </a:spcBef>
+            <a:spcAft>
+              <a:spcPct val="35000"/>
+            </a:spcAft>
+            <a:buNone/>
+          </a:pPr>
+          <a:r>
+            <a:rPr lang="en-US" sz="1600" b="1" kern="1200" dirty="0"/>
+            <a:t>Problem Formulation</a:t>
+          </a:r>
+        </a:p>
+      </dsp:txBody>
+      <dsp:txXfrm>
+        <a:off x="221899" y="28719"/>
+        <a:ext cx="1480601" cy="866787"/>
+      </dsp:txXfrm>
+    </dsp:sp>
+    <dsp:sp modelId="{155F34C5-B90A-3E4F-96CC-BBF53DB31BFA}">
+      <dsp:nvSpPr>
+        <dsp:cNvPr id="0" name=""/>
+        <dsp:cNvSpPr/>
+      </dsp:nvSpPr>
+      <dsp:spPr>
+        <a:xfrm>
+          <a:off x="1864507" y="271830"/>
+          <a:ext cx="325321" cy="380564"/>
+        </a:xfrm>
+        <a:prstGeom prst="rightArrow">
+          <a:avLst>
+            <a:gd name="adj1" fmla="val 60000"/>
+            <a:gd name="adj2" fmla="val 50000"/>
+          </a:avLst>
+        </a:prstGeom>
+        <a:solidFill>
+          <a:schemeClr val="accent3">
+            <a:hueOff val="0"/>
+            <a:satOff val="0"/>
+            <a:lumOff val="0"/>
+            <a:alphaOff val="0"/>
+          </a:schemeClr>
+        </a:solidFill>
+        <a:ln>
+          <a:noFill/>
+        </a:ln>
+        <a:effectLst/>
+      </dsp:spPr>
+      <dsp:style>
+        <a:lnRef idx="0">
+          <a:scrgbClr r="0" g="0" b="0"/>
+        </a:lnRef>
+        <a:fillRef idx="1">
+          <a:scrgbClr r="0" g="0" b="0"/>
+        </a:fillRef>
+        <a:effectRef idx="0">
+          <a:scrgbClr r="0" g="0" b="0"/>
+        </a:effectRef>
+        <a:fontRef idx="minor">
+          <a:schemeClr val="lt1"/>
+        </a:fontRef>
+      </dsp:style>
+      <dsp:txBody>
+        <a:bodyPr spcFirstLastPara="0" vert="horz" wrap="square" lIns="0" tIns="0" rIns="0" bIns="0" numCol="1" spcCol="1270" anchor="ctr" anchorCtr="0">
+          <a:noAutofit/>
+        </a:bodyPr>
+        <a:lstStyle/>
+        <a:p>
+          <a:pPr marL="0" lvl="0" indent="0" algn="ctr" defTabSz="466725">
+            <a:lnSpc>
+              <a:spcPct val="90000"/>
+            </a:lnSpc>
+            <a:spcBef>
+              <a:spcPct val="0"/>
+            </a:spcBef>
+            <a:spcAft>
+              <a:spcPct val="35000"/>
+            </a:spcAft>
+            <a:buNone/>
+          </a:pPr>
+          <a:endParaRPr lang="en-US" sz="1050" b="1" kern="1200">
+            <a:solidFill>
+              <a:schemeClr val="tx1"/>
+            </a:solidFill>
+          </a:endParaRPr>
+        </a:p>
+      </dsp:txBody>
+      <dsp:txXfrm>
+        <a:off x="1864507" y="347943"/>
+        <a:ext cx="227725" cy="228338"/>
+      </dsp:txXfrm>
+    </dsp:sp>
+    <dsp:sp modelId="{88323E7E-DF1F-C64B-AD64-134DC0ABA8FC}">
+      <dsp:nvSpPr>
+        <dsp:cNvPr id="0" name=""/>
+        <dsp:cNvSpPr/>
+      </dsp:nvSpPr>
+      <dsp:spPr>
+        <a:xfrm>
+          <a:off x="2343282" y="1752"/>
+          <a:ext cx="1534535" cy="920721"/>
+        </a:xfrm>
+        <a:prstGeom prst="roundRect">
+          <a:avLst>
+            <a:gd name="adj" fmla="val 10000"/>
+          </a:avLst>
+        </a:prstGeom>
+        <a:solidFill>
+          <a:schemeClr val="accent3">
+            <a:hueOff val="1125026"/>
+            <a:satOff val="-1688"/>
+            <a:lumOff val="-275"/>
+            <a:alphaOff val="0"/>
+          </a:schemeClr>
+        </a:solidFill>
+        <a:ln w="25400" cap="flat" cmpd="sng" algn="ctr">
+          <a:solidFill>
+            <a:schemeClr val="lt1">
+              <a:hueOff val="0"/>
+              <a:satOff val="0"/>
+              <a:lumOff val="0"/>
+              <a:alphaOff val="0"/>
+            </a:schemeClr>
+          </a:solidFill>
+          <a:prstDash val="solid"/>
+        </a:ln>
+        <a:effectLst/>
+      </dsp:spPr>
+      <dsp:style>
+        <a:lnRef idx="2">
+          <a:scrgbClr r="0" g="0" b="0"/>
+        </a:lnRef>
+        <a:fillRef idx="1">
+          <a:scrgbClr r="0" g="0" b="0"/>
+        </a:fillRef>
+        <a:effectRef idx="0">
+          <a:scrgbClr r="0" g="0" b="0"/>
+        </a:effectRef>
+        <a:fontRef idx="minor">
+          <a:schemeClr val="lt1"/>
+        </a:fontRef>
+      </dsp:style>
+      <dsp:txBody>
+        <a:bodyPr spcFirstLastPara="0" vert="horz" wrap="square" lIns="60960" tIns="60960" rIns="60960" bIns="60960" numCol="1" spcCol="1270" anchor="ctr" anchorCtr="0">
+          <a:noAutofit/>
+        </a:bodyPr>
+        <a:lstStyle/>
+        <a:p>
+          <a:pPr marL="0" lvl="0" indent="0" algn="ctr" defTabSz="711200">
+            <a:lnSpc>
+              <a:spcPct val="90000"/>
+            </a:lnSpc>
+            <a:spcBef>
+              <a:spcPct val="0"/>
+            </a:spcBef>
+            <a:spcAft>
+              <a:spcPct val="35000"/>
+            </a:spcAft>
+            <a:buNone/>
+          </a:pPr>
+          <a:r>
+            <a:rPr lang="en-US" sz="1600" b="1" kern="1200" dirty="0"/>
+            <a:t>Get Data</a:t>
+          </a:r>
+        </a:p>
+      </dsp:txBody>
+      <dsp:txXfrm>
+        <a:off x="2370249" y="28719"/>
+        <a:ext cx="1480601" cy="866787"/>
+      </dsp:txXfrm>
+    </dsp:sp>
+    <dsp:sp modelId="{A4B3E483-E6AF-A041-8907-5DB134563E21}">
+      <dsp:nvSpPr>
+        <dsp:cNvPr id="0" name=""/>
+        <dsp:cNvSpPr/>
+      </dsp:nvSpPr>
+      <dsp:spPr>
+        <a:xfrm>
+          <a:off x="4012856" y="271830"/>
+          <a:ext cx="325321" cy="380564"/>
+        </a:xfrm>
+        <a:prstGeom prst="rightArrow">
+          <a:avLst>
+            <a:gd name="adj1" fmla="val 60000"/>
+            <a:gd name="adj2" fmla="val 50000"/>
+          </a:avLst>
+        </a:prstGeom>
+        <a:solidFill>
+          <a:schemeClr val="accent3">
+            <a:hueOff val="1250029"/>
+            <a:satOff val="-1876"/>
+            <a:lumOff val="-305"/>
+            <a:alphaOff val="0"/>
+          </a:schemeClr>
+        </a:solidFill>
+        <a:ln>
+          <a:noFill/>
+        </a:ln>
+        <a:effectLst/>
+      </dsp:spPr>
+      <dsp:style>
+        <a:lnRef idx="0">
+          <a:scrgbClr r="0" g="0" b="0"/>
+        </a:lnRef>
+        <a:fillRef idx="1">
+          <a:scrgbClr r="0" g="0" b="0"/>
+        </a:fillRef>
+        <a:effectRef idx="0">
+          <a:scrgbClr r="0" g="0" b="0"/>
+        </a:effectRef>
+        <a:fontRef idx="minor">
+          <a:schemeClr val="lt1"/>
+        </a:fontRef>
+      </dsp:style>
+      <dsp:txBody>
+        <a:bodyPr spcFirstLastPara="0" vert="horz" wrap="square" lIns="0" tIns="0" rIns="0" bIns="0" numCol="1" spcCol="1270" anchor="ctr" anchorCtr="0">
+          <a:noAutofit/>
+        </a:bodyPr>
+        <a:lstStyle/>
+        <a:p>
+          <a:pPr marL="0" lvl="0" indent="0" algn="ctr" defTabSz="711200">
+            <a:lnSpc>
+              <a:spcPct val="90000"/>
+            </a:lnSpc>
+            <a:spcBef>
+              <a:spcPct val="0"/>
+            </a:spcBef>
+            <a:spcAft>
+              <a:spcPct val="35000"/>
+            </a:spcAft>
+            <a:buNone/>
+          </a:pPr>
+          <a:endParaRPr lang="en-US" sz="1600" kern="1200"/>
+        </a:p>
+      </dsp:txBody>
+      <dsp:txXfrm>
+        <a:off x="4012856" y="347943"/>
+        <a:ext cx="227725" cy="228338"/>
+      </dsp:txXfrm>
+    </dsp:sp>
+    <dsp:sp modelId="{BE3CE8E3-B154-0A45-8DD6-44C4897BE7A1}">
+      <dsp:nvSpPr>
+        <dsp:cNvPr id="0" name=""/>
+        <dsp:cNvSpPr/>
+      </dsp:nvSpPr>
+      <dsp:spPr>
+        <a:xfrm>
+          <a:off x="4491631" y="1752"/>
+          <a:ext cx="1534535" cy="920721"/>
+        </a:xfrm>
+        <a:prstGeom prst="roundRect">
+          <a:avLst>
+            <a:gd name="adj" fmla="val 10000"/>
+          </a:avLst>
+        </a:prstGeom>
+        <a:solidFill>
+          <a:schemeClr val="accent3">
+            <a:hueOff val="2250053"/>
+            <a:satOff val="-3376"/>
+            <a:lumOff val="-549"/>
+            <a:alphaOff val="0"/>
+          </a:schemeClr>
+        </a:solidFill>
+        <a:ln w="25400" cap="flat" cmpd="sng" algn="ctr">
+          <a:solidFill>
+            <a:schemeClr val="lt1">
+              <a:hueOff val="0"/>
+              <a:satOff val="0"/>
+              <a:lumOff val="0"/>
+              <a:alphaOff val="0"/>
+            </a:schemeClr>
+          </a:solidFill>
+          <a:prstDash val="solid"/>
+        </a:ln>
+        <a:effectLst/>
+      </dsp:spPr>
+      <dsp:style>
+        <a:lnRef idx="2">
+          <a:scrgbClr r="0" g="0" b="0"/>
+        </a:lnRef>
+        <a:fillRef idx="1">
+          <a:scrgbClr r="0" g="0" b="0"/>
+        </a:fillRef>
+        <a:effectRef idx="0">
+          <a:scrgbClr r="0" g="0" b="0"/>
+        </a:effectRef>
+        <a:fontRef idx="minor">
+          <a:schemeClr val="lt1"/>
+        </a:fontRef>
+      </dsp:style>
+      <dsp:txBody>
+        <a:bodyPr spcFirstLastPara="0" vert="horz" wrap="square" lIns="60960" tIns="60960" rIns="60960" bIns="60960" numCol="1" spcCol="1270" anchor="ctr" anchorCtr="0">
+          <a:noAutofit/>
+        </a:bodyPr>
+        <a:lstStyle/>
+        <a:p>
+          <a:pPr marL="0" lvl="0" indent="0" algn="ctr" defTabSz="711200">
+            <a:lnSpc>
+              <a:spcPct val="90000"/>
+            </a:lnSpc>
+            <a:spcBef>
+              <a:spcPct val="0"/>
+            </a:spcBef>
+            <a:spcAft>
+              <a:spcPct val="35000"/>
+            </a:spcAft>
+            <a:buNone/>
+          </a:pPr>
+          <a:r>
+            <a:rPr lang="en-US" sz="1600" b="1" kern="1200" dirty="0"/>
+            <a:t>Store Data</a:t>
+          </a:r>
+        </a:p>
+      </dsp:txBody>
+      <dsp:txXfrm>
+        <a:off x="4518598" y="28719"/>
+        <a:ext cx="1480601" cy="866787"/>
+      </dsp:txXfrm>
+    </dsp:sp>
+    <dsp:sp modelId="{4BDDE39C-CCAF-DB45-B5E9-A3D9F1227FF1}">
+      <dsp:nvSpPr>
+        <dsp:cNvPr id="0" name=""/>
+        <dsp:cNvSpPr/>
+      </dsp:nvSpPr>
+      <dsp:spPr>
+        <a:xfrm>
+          <a:off x="6161205" y="271830"/>
+          <a:ext cx="325321" cy="380564"/>
+        </a:xfrm>
+        <a:prstGeom prst="rightArrow">
+          <a:avLst>
+            <a:gd name="adj1" fmla="val 60000"/>
+            <a:gd name="adj2" fmla="val 50000"/>
+          </a:avLst>
+        </a:prstGeom>
+        <a:solidFill>
+          <a:schemeClr val="accent3">
+            <a:hueOff val="2500059"/>
+            <a:satOff val="-3751"/>
+            <a:lumOff val="-610"/>
+            <a:alphaOff val="0"/>
+          </a:schemeClr>
+        </a:solidFill>
+        <a:ln>
+          <a:noFill/>
+        </a:ln>
+        <a:effectLst/>
+      </dsp:spPr>
+      <dsp:style>
+        <a:lnRef idx="0">
+          <a:scrgbClr r="0" g="0" b="0"/>
+        </a:lnRef>
+        <a:fillRef idx="1">
+          <a:scrgbClr r="0" g="0" b="0"/>
+        </a:fillRef>
+        <a:effectRef idx="0">
+          <a:scrgbClr r="0" g="0" b="0"/>
+        </a:effectRef>
+        <a:fontRef idx="minor">
+          <a:schemeClr val="lt1"/>
+        </a:fontRef>
+      </dsp:style>
+      <dsp:txBody>
+        <a:bodyPr spcFirstLastPara="0" vert="horz" wrap="square" lIns="0" tIns="0" rIns="0" bIns="0" numCol="1" spcCol="1270" anchor="ctr" anchorCtr="0">
+          <a:noAutofit/>
+        </a:bodyPr>
+        <a:lstStyle/>
+        <a:p>
+          <a:pPr marL="0" lvl="0" indent="0" algn="ctr" defTabSz="466725">
+            <a:lnSpc>
+              <a:spcPct val="90000"/>
+            </a:lnSpc>
+            <a:spcBef>
+              <a:spcPct val="0"/>
+            </a:spcBef>
+            <a:spcAft>
+              <a:spcPct val="35000"/>
+            </a:spcAft>
+            <a:buNone/>
+          </a:pPr>
+          <a:endParaRPr lang="en-US" sz="1050" b="1" kern="1200">
+            <a:solidFill>
+              <a:schemeClr val="tx1"/>
+            </a:solidFill>
+          </a:endParaRPr>
+        </a:p>
+      </dsp:txBody>
+      <dsp:txXfrm>
+        <a:off x="6161205" y="347943"/>
+        <a:ext cx="227725" cy="228338"/>
+      </dsp:txXfrm>
+    </dsp:sp>
+    <dsp:sp modelId="{2D0009B4-CAE1-F645-AEBA-FA58B87B7C42}">
+      <dsp:nvSpPr>
+        <dsp:cNvPr id="0" name=""/>
+        <dsp:cNvSpPr/>
+      </dsp:nvSpPr>
+      <dsp:spPr>
+        <a:xfrm>
+          <a:off x="6639980" y="1752"/>
+          <a:ext cx="1534535" cy="920721"/>
+        </a:xfrm>
+        <a:prstGeom prst="roundRect">
+          <a:avLst>
+            <a:gd name="adj" fmla="val 10000"/>
+          </a:avLst>
+        </a:prstGeom>
+        <a:solidFill>
+          <a:schemeClr val="accent3">
+            <a:hueOff val="3375079"/>
+            <a:satOff val="-5064"/>
+            <a:lumOff val="-824"/>
+            <a:alphaOff val="0"/>
+          </a:schemeClr>
+        </a:solidFill>
+        <a:ln w="25400" cap="flat" cmpd="sng" algn="ctr">
+          <a:solidFill>
+            <a:schemeClr val="lt1">
+              <a:hueOff val="0"/>
+              <a:satOff val="0"/>
+              <a:lumOff val="0"/>
+              <a:alphaOff val="0"/>
+            </a:schemeClr>
+          </a:solidFill>
+          <a:prstDash val="solid"/>
+        </a:ln>
+        <a:effectLst/>
+      </dsp:spPr>
+      <dsp:style>
+        <a:lnRef idx="2">
+          <a:scrgbClr r="0" g="0" b="0"/>
+        </a:lnRef>
+        <a:fillRef idx="1">
+          <a:scrgbClr r="0" g="0" b="0"/>
+        </a:fillRef>
+        <a:effectRef idx="0">
+          <a:scrgbClr r="0" g="0" b="0"/>
+        </a:effectRef>
+        <a:fontRef idx="minor">
+          <a:schemeClr val="lt1"/>
+        </a:fontRef>
+      </dsp:style>
+      <dsp:txBody>
+        <a:bodyPr spcFirstLastPara="0" vert="horz" wrap="square" lIns="60960" tIns="60960" rIns="60960" bIns="60960" numCol="1" spcCol="1270" anchor="ctr" anchorCtr="0">
+          <a:noAutofit/>
+        </a:bodyPr>
+        <a:lstStyle/>
+        <a:p>
+          <a:pPr marL="0" lvl="0" indent="0" algn="ctr" defTabSz="711200">
+            <a:lnSpc>
+              <a:spcPct val="90000"/>
+            </a:lnSpc>
+            <a:spcBef>
+              <a:spcPct val="0"/>
+            </a:spcBef>
+            <a:spcAft>
+              <a:spcPct val="35000"/>
+            </a:spcAft>
+            <a:buNone/>
+          </a:pPr>
+          <a:r>
+            <a:rPr lang="en-US" sz="1600" b="1" kern="1200" dirty="0"/>
+            <a:t>Link Data</a:t>
+          </a:r>
+        </a:p>
+      </dsp:txBody>
+      <dsp:txXfrm>
+        <a:off x="6666947" y="28719"/>
+        <a:ext cx="1480601" cy="866787"/>
+      </dsp:txXfrm>
+    </dsp:sp>
+    <dsp:sp modelId="{EC73A64E-1706-734E-A035-23C2D3C70124}">
+      <dsp:nvSpPr>
+        <dsp:cNvPr id="0" name=""/>
+        <dsp:cNvSpPr/>
+      </dsp:nvSpPr>
+      <dsp:spPr>
+        <a:xfrm rot="5400000">
+          <a:off x="7244587" y="1029891"/>
+          <a:ext cx="325321" cy="380564"/>
+        </a:xfrm>
+        <a:prstGeom prst="rightArrow">
+          <a:avLst>
+            <a:gd name="adj1" fmla="val 60000"/>
+            <a:gd name="adj2" fmla="val 50000"/>
+          </a:avLst>
+        </a:prstGeom>
+        <a:solidFill>
+          <a:schemeClr val="accent3">
+            <a:hueOff val="3750088"/>
+            <a:satOff val="-5627"/>
+            <a:lumOff val="-915"/>
+            <a:alphaOff val="0"/>
+          </a:schemeClr>
+        </a:solidFill>
+        <a:ln>
+          <a:noFill/>
+        </a:ln>
+        <a:effectLst/>
+      </dsp:spPr>
+      <dsp:style>
+        <a:lnRef idx="0">
+          <a:scrgbClr r="0" g="0" b="0"/>
+        </a:lnRef>
+        <a:fillRef idx="1">
+          <a:scrgbClr r="0" g="0" b="0"/>
+        </a:fillRef>
+        <a:effectRef idx="0">
+          <a:scrgbClr r="0" g="0" b="0"/>
+        </a:effectRef>
+        <a:fontRef idx="minor">
+          <a:schemeClr val="lt1"/>
+        </a:fontRef>
+      </dsp:style>
+      <dsp:txBody>
+        <a:bodyPr spcFirstLastPara="0" vert="horz" wrap="square" lIns="0" tIns="0" rIns="0" bIns="0" numCol="1" spcCol="1270" anchor="ctr" anchorCtr="0">
+          <a:noAutofit/>
+        </a:bodyPr>
+        <a:lstStyle/>
+        <a:p>
+          <a:pPr marL="0" lvl="0" indent="0" algn="ctr" defTabSz="711200">
+            <a:lnSpc>
+              <a:spcPct val="90000"/>
+            </a:lnSpc>
+            <a:spcBef>
+              <a:spcPct val="0"/>
+            </a:spcBef>
+            <a:spcAft>
+              <a:spcPct val="35000"/>
+            </a:spcAft>
+            <a:buNone/>
+          </a:pPr>
+          <a:endParaRPr lang="en-US" sz="1600" kern="1200"/>
+        </a:p>
+      </dsp:txBody>
+      <dsp:txXfrm rot="-5400000">
+        <a:off x="7293079" y="1057512"/>
+        <a:ext cx="228338" cy="227725"/>
+      </dsp:txXfrm>
+    </dsp:sp>
+    <dsp:sp modelId="{14F5D202-1C34-034F-AA68-F7898D5FBEB3}">
+      <dsp:nvSpPr>
+        <dsp:cNvPr id="0" name=""/>
+        <dsp:cNvSpPr/>
+      </dsp:nvSpPr>
+      <dsp:spPr>
+        <a:xfrm>
+          <a:off x="6639980" y="1536287"/>
+          <a:ext cx="1534535" cy="920721"/>
+        </a:xfrm>
+        <a:prstGeom prst="roundRect">
+          <a:avLst>
+            <a:gd name="adj" fmla="val 10000"/>
+          </a:avLst>
+        </a:prstGeom>
+        <a:solidFill>
+          <a:schemeClr val="accent3">
+            <a:hueOff val="4500106"/>
+            <a:satOff val="-6752"/>
+            <a:lumOff val="-1098"/>
+            <a:alphaOff val="0"/>
+          </a:schemeClr>
+        </a:solidFill>
+        <a:ln w="25400" cap="flat" cmpd="sng" algn="ctr">
+          <a:solidFill>
+            <a:schemeClr val="lt1">
+              <a:hueOff val="0"/>
+              <a:satOff val="0"/>
+              <a:lumOff val="0"/>
+              <a:alphaOff val="0"/>
+            </a:schemeClr>
+          </a:solidFill>
+          <a:prstDash val="solid"/>
+        </a:ln>
+        <a:effectLst/>
+      </dsp:spPr>
+      <dsp:style>
+        <a:lnRef idx="2">
+          <a:scrgbClr r="0" g="0" b="0"/>
+        </a:lnRef>
+        <a:fillRef idx="1">
+          <a:scrgbClr r="0" g="0" b="0"/>
+        </a:fillRef>
+        <a:effectRef idx="0">
+          <a:scrgbClr r="0" g="0" b="0"/>
+        </a:effectRef>
+        <a:fontRef idx="minor">
+          <a:schemeClr val="lt1"/>
+        </a:fontRef>
+      </dsp:style>
+      <dsp:txBody>
+        <a:bodyPr spcFirstLastPara="0" vert="horz" wrap="square" lIns="60960" tIns="60960" rIns="60960" bIns="60960" numCol="1" spcCol="1270" anchor="ctr" anchorCtr="0">
+          <a:noAutofit/>
+        </a:bodyPr>
+        <a:lstStyle/>
+        <a:p>
+          <a:pPr marL="0" lvl="0" indent="0" algn="ctr" defTabSz="711200">
+            <a:lnSpc>
+              <a:spcPct val="90000"/>
+            </a:lnSpc>
+            <a:spcBef>
+              <a:spcPct val="0"/>
+            </a:spcBef>
+            <a:spcAft>
+              <a:spcPct val="35000"/>
+            </a:spcAft>
+            <a:buNone/>
+          </a:pPr>
+          <a:r>
+            <a:rPr lang="en-US" sz="1600" b="1" kern="1200"/>
+            <a:t>Process Data</a:t>
+          </a:r>
+          <a:endParaRPr lang="en-US" sz="1600" b="1" kern="1200" dirty="0"/>
+        </a:p>
+      </dsp:txBody>
+      <dsp:txXfrm>
+        <a:off x="6666947" y="1563254"/>
+        <a:ext cx="1480601" cy="866787"/>
+      </dsp:txXfrm>
+    </dsp:sp>
+    <dsp:sp modelId="{F1F8502D-CBF9-0447-A23A-94F318C7BC4C}">
+      <dsp:nvSpPr>
+        <dsp:cNvPr id="0" name=""/>
+        <dsp:cNvSpPr/>
+      </dsp:nvSpPr>
+      <dsp:spPr>
+        <a:xfrm rot="10800000">
+          <a:off x="6179620" y="1806366"/>
+          <a:ext cx="325321" cy="380564"/>
+        </a:xfrm>
+        <a:prstGeom prst="rightArrow">
+          <a:avLst>
+            <a:gd name="adj1" fmla="val 60000"/>
+            <a:gd name="adj2" fmla="val 50000"/>
+          </a:avLst>
+        </a:prstGeom>
+        <a:solidFill>
+          <a:schemeClr val="accent3">
+            <a:hueOff val="5000117"/>
+            <a:satOff val="-7502"/>
+            <a:lumOff val="-1220"/>
+            <a:alphaOff val="0"/>
+          </a:schemeClr>
+        </a:solidFill>
+        <a:ln>
+          <a:noFill/>
+        </a:ln>
+        <a:effectLst/>
+      </dsp:spPr>
+      <dsp:style>
+        <a:lnRef idx="0">
+          <a:scrgbClr r="0" g="0" b="0"/>
+        </a:lnRef>
+        <a:fillRef idx="1">
+          <a:scrgbClr r="0" g="0" b="0"/>
+        </a:fillRef>
+        <a:effectRef idx="0">
+          <a:scrgbClr r="0" g="0" b="0"/>
+        </a:effectRef>
+        <a:fontRef idx="minor">
+          <a:schemeClr val="lt1"/>
+        </a:fontRef>
+      </dsp:style>
+      <dsp:txBody>
+        <a:bodyPr spcFirstLastPara="0" vert="horz" wrap="square" lIns="0" tIns="0" rIns="0" bIns="0" numCol="1" spcCol="1270" anchor="ctr" anchorCtr="0">
+          <a:noAutofit/>
+        </a:bodyPr>
+        <a:lstStyle/>
+        <a:p>
+          <a:pPr marL="0" lvl="0" indent="0" algn="ctr" defTabSz="466725">
+            <a:lnSpc>
+              <a:spcPct val="90000"/>
+            </a:lnSpc>
+            <a:spcBef>
+              <a:spcPct val="0"/>
+            </a:spcBef>
+            <a:spcAft>
+              <a:spcPct val="35000"/>
+            </a:spcAft>
+            <a:buNone/>
+          </a:pPr>
+          <a:endParaRPr lang="en-US" sz="1050" b="1" kern="1200">
+            <a:solidFill>
+              <a:schemeClr val="tx1"/>
+            </a:solidFill>
+          </a:endParaRPr>
+        </a:p>
+      </dsp:txBody>
+      <dsp:txXfrm rot="10800000">
+        <a:off x="6277216" y="1882479"/>
+        <a:ext cx="227725" cy="228338"/>
+      </dsp:txXfrm>
+    </dsp:sp>
+    <dsp:sp modelId="{98FE28C1-4158-1B47-8E40-D50CA0F02DA5}">
+      <dsp:nvSpPr>
+        <dsp:cNvPr id="0" name=""/>
+        <dsp:cNvSpPr/>
+      </dsp:nvSpPr>
+      <dsp:spPr>
+        <a:xfrm>
+          <a:off x="4491631" y="1536287"/>
+          <a:ext cx="1534535" cy="920721"/>
+        </a:xfrm>
+        <a:prstGeom prst="roundRect">
+          <a:avLst>
+            <a:gd name="adj" fmla="val 10000"/>
+          </a:avLst>
+        </a:prstGeom>
+        <a:solidFill>
+          <a:schemeClr val="accent3">
+            <a:hueOff val="5625132"/>
+            <a:satOff val="-8440"/>
+            <a:lumOff val="-1373"/>
+            <a:alphaOff val="0"/>
+          </a:schemeClr>
+        </a:solidFill>
+        <a:ln w="25400" cap="flat" cmpd="sng" algn="ctr">
+          <a:solidFill>
+            <a:schemeClr val="lt1">
+              <a:hueOff val="0"/>
+              <a:satOff val="0"/>
+              <a:lumOff val="0"/>
+              <a:alphaOff val="0"/>
+            </a:schemeClr>
+          </a:solidFill>
+          <a:prstDash val="solid"/>
+        </a:ln>
+        <a:effectLst/>
+      </dsp:spPr>
+      <dsp:style>
+        <a:lnRef idx="2">
+          <a:scrgbClr r="0" g="0" b="0"/>
+        </a:lnRef>
+        <a:fillRef idx="1">
+          <a:scrgbClr r="0" g="0" b="0"/>
+        </a:fillRef>
+        <a:effectRef idx="0">
+          <a:scrgbClr r="0" g="0" b="0"/>
+        </a:effectRef>
+        <a:fontRef idx="minor">
+          <a:schemeClr val="lt1"/>
+        </a:fontRef>
+      </dsp:style>
+      <dsp:txBody>
+        <a:bodyPr spcFirstLastPara="0" vert="horz" wrap="square" lIns="60960" tIns="60960" rIns="60960" bIns="60960" numCol="1" spcCol="1270" anchor="ctr" anchorCtr="0">
+          <a:noAutofit/>
+        </a:bodyPr>
+        <a:lstStyle/>
+        <a:p>
+          <a:pPr marL="0" lvl="0" indent="0" algn="ctr" defTabSz="711200">
+            <a:lnSpc>
+              <a:spcPct val="90000"/>
+            </a:lnSpc>
+            <a:spcBef>
+              <a:spcPct val="0"/>
+            </a:spcBef>
+            <a:spcAft>
+              <a:spcPct val="35000"/>
+            </a:spcAft>
+            <a:buNone/>
+          </a:pPr>
+          <a:r>
+            <a:rPr lang="en-US" sz="1600" b="1" kern="1200"/>
+            <a:t>Explore Data</a:t>
+          </a:r>
+          <a:endParaRPr lang="en-US" sz="1600" b="1" kern="1200" dirty="0"/>
+        </a:p>
+      </dsp:txBody>
+      <dsp:txXfrm>
+        <a:off x="4518598" y="1563254"/>
+        <a:ext cx="1480601" cy="866787"/>
+      </dsp:txXfrm>
+    </dsp:sp>
+    <dsp:sp modelId="{3D3EB6BB-F80A-3549-9395-3786070686C4}">
+      <dsp:nvSpPr>
+        <dsp:cNvPr id="0" name=""/>
+        <dsp:cNvSpPr/>
+      </dsp:nvSpPr>
+      <dsp:spPr>
+        <a:xfrm rot="10800000">
+          <a:off x="4031270" y="1806366"/>
+          <a:ext cx="325321" cy="380564"/>
+        </a:xfrm>
+        <a:prstGeom prst="rightArrow">
+          <a:avLst>
+            <a:gd name="adj1" fmla="val 60000"/>
+            <a:gd name="adj2" fmla="val 50000"/>
+          </a:avLst>
+        </a:prstGeom>
+        <a:solidFill>
+          <a:schemeClr val="accent3">
+            <a:hueOff val="6250147"/>
+            <a:satOff val="-9378"/>
+            <a:lumOff val="-1525"/>
+            <a:alphaOff val="0"/>
+          </a:schemeClr>
+        </a:solidFill>
+        <a:ln>
+          <a:noFill/>
+        </a:ln>
+        <a:effectLst/>
+      </dsp:spPr>
+      <dsp:style>
+        <a:lnRef idx="0">
+          <a:scrgbClr r="0" g="0" b="0"/>
+        </a:lnRef>
+        <a:fillRef idx="1">
+          <a:scrgbClr r="0" g="0" b="0"/>
+        </a:fillRef>
+        <a:effectRef idx="0">
+          <a:scrgbClr r="0" g="0" b="0"/>
+        </a:effectRef>
+        <a:fontRef idx="minor">
+          <a:schemeClr val="lt1"/>
+        </a:fontRef>
+      </dsp:style>
+      <dsp:txBody>
+        <a:bodyPr spcFirstLastPara="0" vert="horz" wrap="square" lIns="0" tIns="0" rIns="0" bIns="0" numCol="1" spcCol="1270" anchor="ctr" anchorCtr="0">
+          <a:noAutofit/>
+        </a:bodyPr>
+        <a:lstStyle/>
+        <a:p>
+          <a:pPr marL="0" lvl="0" indent="0" algn="ctr" defTabSz="466725">
+            <a:lnSpc>
+              <a:spcPct val="90000"/>
+            </a:lnSpc>
+            <a:spcBef>
+              <a:spcPct val="0"/>
+            </a:spcBef>
+            <a:spcAft>
+              <a:spcPct val="35000"/>
+            </a:spcAft>
+            <a:buNone/>
+          </a:pPr>
+          <a:endParaRPr lang="en-US" sz="1050" b="1" kern="1200">
+            <a:solidFill>
+              <a:schemeClr val="tx1"/>
+            </a:solidFill>
+          </a:endParaRPr>
+        </a:p>
+      </dsp:txBody>
+      <dsp:txXfrm rot="10800000">
+        <a:off x="4128866" y="1882479"/>
+        <a:ext cx="227725" cy="228338"/>
+      </dsp:txXfrm>
+    </dsp:sp>
+    <dsp:sp modelId="{3E62C04F-1FAA-3847-B99F-F53435CF3D9A}">
+      <dsp:nvSpPr>
+        <dsp:cNvPr id="0" name=""/>
+        <dsp:cNvSpPr/>
+      </dsp:nvSpPr>
+      <dsp:spPr>
+        <a:xfrm>
+          <a:off x="2343282" y="1536287"/>
+          <a:ext cx="1534535" cy="920721"/>
+        </a:xfrm>
+        <a:prstGeom prst="roundRect">
+          <a:avLst>
+            <a:gd name="adj" fmla="val 10000"/>
+          </a:avLst>
+        </a:prstGeom>
+        <a:solidFill>
+          <a:schemeClr val="accent3">
+            <a:hueOff val="6750158"/>
+            <a:satOff val="-10128"/>
+            <a:lumOff val="-1647"/>
+            <a:alphaOff val="0"/>
+          </a:schemeClr>
+        </a:solidFill>
+        <a:ln w="25400" cap="flat" cmpd="sng" algn="ctr">
+          <a:solidFill>
+            <a:schemeClr val="lt1">
+              <a:hueOff val="0"/>
+              <a:satOff val="0"/>
+              <a:lumOff val="0"/>
+              <a:alphaOff val="0"/>
+            </a:schemeClr>
+          </a:solidFill>
+          <a:prstDash val="solid"/>
+        </a:ln>
+        <a:effectLst/>
+      </dsp:spPr>
+      <dsp:style>
+        <a:lnRef idx="2">
+          <a:scrgbClr r="0" g="0" b="0"/>
+        </a:lnRef>
+        <a:fillRef idx="1">
+          <a:scrgbClr r="0" g="0" b="0"/>
+        </a:fillRef>
+        <a:effectRef idx="0">
+          <a:scrgbClr r="0" g="0" b="0"/>
+        </a:effectRef>
+        <a:fontRef idx="minor">
+          <a:schemeClr val="lt1"/>
+        </a:fontRef>
+      </dsp:style>
+      <dsp:txBody>
+        <a:bodyPr spcFirstLastPara="0" vert="horz" wrap="square" lIns="60960" tIns="60960" rIns="60960" bIns="60960" numCol="1" spcCol="1270" anchor="ctr" anchorCtr="0">
+          <a:noAutofit/>
+        </a:bodyPr>
+        <a:lstStyle/>
+        <a:p>
+          <a:pPr marL="0" lvl="0" indent="0" algn="ctr" defTabSz="711200">
+            <a:lnSpc>
+              <a:spcPct val="90000"/>
+            </a:lnSpc>
+            <a:spcBef>
+              <a:spcPct val="0"/>
+            </a:spcBef>
+            <a:spcAft>
+              <a:spcPct val="35000"/>
+            </a:spcAft>
+            <a:buNone/>
+          </a:pPr>
+          <a:r>
+            <a:rPr lang="en-US" sz="1600" b="1" kern="1200" dirty="0"/>
+            <a:t>Deeper Analysis (Modeling)</a:t>
+          </a:r>
+        </a:p>
+      </dsp:txBody>
+      <dsp:txXfrm>
+        <a:off x="2370249" y="1563254"/>
+        <a:ext cx="1480601" cy="866787"/>
+      </dsp:txXfrm>
+    </dsp:sp>
+    <dsp:sp modelId="{38898BEA-9284-D947-BAF2-42236F10A395}">
+      <dsp:nvSpPr>
+        <dsp:cNvPr id="0" name=""/>
+        <dsp:cNvSpPr/>
+      </dsp:nvSpPr>
+      <dsp:spPr>
+        <a:xfrm rot="10800000">
+          <a:off x="1882921" y="1806366"/>
+          <a:ext cx="325321" cy="380564"/>
+        </a:xfrm>
+        <a:prstGeom prst="rightArrow">
+          <a:avLst>
+            <a:gd name="adj1" fmla="val 60000"/>
+            <a:gd name="adj2" fmla="val 50000"/>
+          </a:avLst>
+        </a:prstGeom>
+        <a:solidFill>
+          <a:schemeClr val="accent3">
+            <a:hueOff val="7500176"/>
+            <a:satOff val="-11253"/>
+            <a:lumOff val="-1830"/>
+            <a:alphaOff val="0"/>
+          </a:schemeClr>
+        </a:solidFill>
+        <a:ln>
+          <a:noFill/>
+        </a:ln>
+        <a:effectLst/>
+      </dsp:spPr>
+      <dsp:style>
+        <a:lnRef idx="0">
+          <a:scrgbClr r="0" g="0" b="0"/>
+        </a:lnRef>
+        <a:fillRef idx="1">
+          <a:scrgbClr r="0" g="0" b="0"/>
+        </a:fillRef>
+        <a:effectRef idx="0">
+          <a:scrgbClr r="0" g="0" b="0"/>
+        </a:effectRef>
+        <a:fontRef idx="minor">
+          <a:schemeClr val="lt1"/>
+        </a:fontRef>
+      </dsp:style>
+      <dsp:txBody>
+        <a:bodyPr spcFirstLastPara="0" vert="horz" wrap="square" lIns="0" tIns="0" rIns="0" bIns="0" numCol="1" spcCol="1270" anchor="ctr" anchorCtr="0">
+          <a:noAutofit/>
+        </a:bodyPr>
+        <a:lstStyle/>
+        <a:p>
+          <a:pPr marL="0" lvl="0" indent="0" algn="ctr" defTabSz="466725">
+            <a:lnSpc>
+              <a:spcPct val="90000"/>
+            </a:lnSpc>
+            <a:spcBef>
+              <a:spcPct val="0"/>
+            </a:spcBef>
+            <a:spcAft>
+              <a:spcPct val="35000"/>
+            </a:spcAft>
+            <a:buNone/>
+          </a:pPr>
+          <a:endParaRPr lang="en-US" sz="1050" b="1" kern="1200">
+            <a:solidFill>
+              <a:schemeClr val="tx1"/>
+            </a:solidFill>
+          </a:endParaRPr>
+        </a:p>
+      </dsp:txBody>
+      <dsp:txXfrm rot="10800000">
+        <a:off x="1980517" y="1882479"/>
+        <a:ext cx="227725" cy="228338"/>
+      </dsp:txXfrm>
+    </dsp:sp>
+    <dsp:sp modelId="{BEE184A5-D4FD-5F44-93C1-4F56BB80C141}">
+      <dsp:nvSpPr>
+        <dsp:cNvPr id="0" name=""/>
+        <dsp:cNvSpPr/>
+      </dsp:nvSpPr>
+      <dsp:spPr>
+        <a:xfrm>
+          <a:off x="194932" y="1536287"/>
+          <a:ext cx="1534535" cy="920721"/>
+        </a:xfrm>
+        <a:prstGeom prst="roundRect">
+          <a:avLst>
+            <a:gd name="adj" fmla="val 10000"/>
+          </a:avLst>
+        </a:prstGeom>
+        <a:solidFill>
+          <a:schemeClr val="accent3">
+            <a:hueOff val="7875184"/>
+            <a:satOff val="-11816"/>
+            <a:lumOff val="-1922"/>
+            <a:alphaOff val="0"/>
+          </a:schemeClr>
+        </a:solidFill>
+        <a:ln w="25400" cap="flat" cmpd="sng" algn="ctr">
+          <a:solidFill>
+            <a:schemeClr val="lt1">
+              <a:hueOff val="0"/>
+              <a:satOff val="0"/>
+              <a:lumOff val="0"/>
+              <a:alphaOff val="0"/>
+            </a:schemeClr>
+          </a:solidFill>
+          <a:prstDash val="solid"/>
+        </a:ln>
+        <a:effectLst/>
+      </dsp:spPr>
+      <dsp:style>
+        <a:lnRef idx="2">
+          <a:scrgbClr r="0" g="0" b="0"/>
+        </a:lnRef>
+        <a:fillRef idx="1">
+          <a:scrgbClr r="0" g="0" b="0"/>
+        </a:fillRef>
+        <a:effectRef idx="0">
+          <a:scrgbClr r="0" g="0" b="0"/>
+        </a:effectRef>
+        <a:fontRef idx="minor">
+          <a:schemeClr val="lt1"/>
+        </a:fontRef>
+      </dsp:style>
+      <dsp:txBody>
+        <a:bodyPr spcFirstLastPara="0" vert="horz" wrap="square" lIns="60960" tIns="60960" rIns="60960" bIns="60960" numCol="1" spcCol="1270" anchor="ctr" anchorCtr="0">
+          <a:noAutofit/>
+        </a:bodyPr>
+        <a:lstStyle/>
+        <a:p>
+          <a:pPr marL="0" lvl="0" indent="0" algn="ctr" defTabSz="711200">
+            <a:lnSpc>
+              <a:spcPct val="90000"/>
+            </a:lnSpc>
+            <a:spcBef>
+              <a:spcPct val="0"/>
+            </a:spcBef>
+            <a:spcAft>
+              <a:spcPct val="35000"/>
+            </a:spcAft>
+            <a:buNone/>
+          </a:pPr>
+          <a:r>
+            <a:rPr lang="en-US" sz="1600" b="1" kern="1200"/>
+            <a:t>Evaluate</a:t>
+          </a:r>
+          <a:endParaRPr lang="en-US" sz="1600" b="1" kern="1200" dirty="0"/>
+        </a:p>
+      </dsp:txBody>
+      <dsp:txXfrm>
+        <a:off x="221899" y="1563254"/>
+        <a:ext cx="1480601" cy="866787"/>
+      </dsp:txXfrm>
+    </dsp:sp>
+    <dsp:sp modelId="{6F791A14-DB04-2746-9DD6-E691C3C2D70C}">
+      <dsp:nvSpPr>
+        <dsp:cNvPr id="0" name=""/>
+        <dsp:cNvSpPr/>
+      </dsp:nvSpPr>
+      <dsp:spPr>
+        <a:xfrm rot="5400000">
+          <a:off x="799539" y="2564426"/>
+          <a:ext cx="325321" cy="380564"/>
+        </a:xfrm>
+        <a:prstGeom prst="rightArrow">
+          <a:avLst>
+            <a:gd name="adj1" fmla="val 60000"/>
+            <a:gd name="adj2" fmla="val 50000"/>
+          </a:avLst>
+        </a:prstGeom>
+        <a:solidFill>
+          <a:schemeClr val="accent3">
+            <a:hueOff val="8750205"/>
+            <a:satOff val="-13129"/>
+            <a:lumOff val="-2135"/>
+            <a:alphaOff val="0"/>
+          </a:schemeClr>
+        </a:solidFill>
+        <a:ln>
+          <a:noFill/>
+        </a:ln>
+        <a:effectLst/>
+      </dsp:spPr>
+      <dsp:style>
+        <a:lnRef idx="0">
+          <a:scrgbClr r="0" g="0" b="0"/>
+        </a:lnRef>
+        <a:fillRef idx="1">
+          <a:scrgbClr r="0" g="0" b="0"/>
+        </a:fillRef>
+        <a:effectRef idx="0">
+          <a:scrgbClr r="0" g="0" b="0"/>
+        </a:effectRef>
+        <a:fontRef idx="minor">
+          <a:schemeClr val="lt1"/>
+        </a:fontRef>
+      </dsp:style>
+      <dsp:txBody>
+        <a:bodyPr spcFirstLastPara="0" vert="horz" wrap="square" lIns="0" tIns="0" rIns="0" bIns="0" numCol="1" spcCol="1270" anchor="ctr" anchorCtr="0">
+          <a:noAutofit/>
+        </a:bodyPr>
+        <a:lstStyle/>
+        <a:p>
+          <a:pPr marL="0" lvl="0" indent="0" algn="ctr" defTabSz="311150">
+            <a:lnSpc>
+              <a:spcPct val="90000"/>
+            </a:lnSpc>
+            <a:spcBef>
+              <a:spcPct val="0"/>
+            </a:spcBef>
+            <a:spcAft>
+              <a:spcPct val="35000"/>
+            </a:spcAft>
+            <a:buNone/>
+          </a:pPr>
+          <a:endParaRPr lang="en-US" sz="700" b="1" kern="1200">
+            <a:solidFill>
+              <a:schemeClr val="tx1"/>
+            </a:solidFill>
+          </a:endParaRPr>
+        </a:p>
+      </dsp:txBody>
+      <dsp:txXfrm rot="-5400000">
+        <a:off x="848031" y="2592047"/>
+        <a:ext cx="228338" cy="227725"/>
+      </dsp:txXfrm>
+    </dsp:sp>
+    <dsp:sp modelId="{E71CBCA6-0380-3144-839B-6CBA1C09AC61}">
+      <dsp:nvSpPr>
+        <dsp:cNvPr id="0" name=""/>
+        <dsp:cNvSpPr/>
+      </dsp:nvSpPr>
+      <dsp:spPr>
+        <a:xfrm>
+          <a:off x="194932" y="3070823"/>
+          <a:ext cx="1534535" cy="920721"/>
+        </a:xfrm>
+        <a:prstGeom prst="roundRect">
+          <a:avLst>
+            <a:gd name="adj" fmla="val 10000"/>
+          </a:avLst>
+        </a:prstGeom>
+        <a:solidFill>
+          <a:schemeClr val="accent3">
+            <a:hueOff val="9000211"/>
+            <a:satOff val="-13504"/>
+            <a:lumOff val="-2196"/>
+            <a:alphaOff val="0"/>
+          </a:schemeClr>
+        </a:solidFill>
+        <a:ln w="25400" cap="flat" cmpd="sng" algn="ctr">
+          <a:solidFill>
+            <a:schemeClr val="lt1">
+              <a:hueOff val="0"/>
+              <a:satOff val="0"/>
+              <a:lumOff val="0"/>
+              <a:alphaOff val="0"/>
+            </a:schemeClr>
+          </a:solidFill>
+          <a:prstDash val="solid"/>
+        </a:ln>
+        <a:effectLst/>
+      </dsp:spPr>
+      <dsp:style>
+        <a:lnRef idx="2">
+          <a:scrgbClr r="0" g="0" b="0"/>
+        </a:lnRef>
+        <a:fillRef idx="1">
+          <a:scrgbClr r="0" g="0" b="0"/>
+        </a:fillRef>
+        <a:effectRef idx="0">
+          <a:scrgbClr r="0" g="0" b="0"/>
+        </a:effectRef>
+        <a:fontRef idx="minor">
+          <a:schemeClr val="lt1"/>
+        </a:fontRef>
+      </dsp:style>
+      <dsp:txBody>
+        <a:bodyPr spcFirstLastPara="0" vert="horz" wrap="square" lIns="60960" tIns="60960" rIns="60960" bIns="60960" numCol="1" spcCol="1270" anchor="ctr" anchorCtr="0">
+          <a:noAutofit/>
+        </a:bodyPr>
+        <a:lstStyle/>
+        <a:p>
+          <a:pPr marL="0" lvl="0" indent="0" algn="ctr" defTabSz="711200">
+            <a:lnSpc>
+              <a:spcPct val="90000"/>
+            </a:lnSpc>
+            <a:spcBef>
+              <a:spcPct val="0"/>
+            </a:spcBef>
+            <a:spcAft>
+              <a:spcPct val="35000"/>
+            </a:spcAft>
+            <a:buNone/>
+          </a:pPr>
+          <a:r>
+            <a:rPr lang="en-US" sz="1600" b="1" kern="1200"/>
+            <a:t>Deploy</a:t>
+          </a:r>
+          <a:endParaRPr lang="en-US" sz="1600" b="1" kern="1200" dirty="0"/>
+        </a:p>
+      </dsp:txBody>
+      <dsp:txXfrm>
+        <a:off x="221899" y="3097790"/>
+        <a:ext cx="1480601" cy="866787"/>
+      </dsp:txXfrm>
+    </dsp:sp>
+    <dsp:sp modelId="{5C188913-A575-3545-A34C-B6145483AA04}">
+      <dsp:nvSpPr>
+        <dsp:cNvPr id="0" name=""/>
+        <dsp:cNvSpPr/>
+      </dsp:nvSpPr>
+      <dsp:spPr>
+        <a:xfrm>
+          <a:off x="1864507" y="3340901"/>
+          <a:ext cx="325321" cy="380564"/>
+        </a:xfrm>
+        <a:prstGeom prst="rightArrow">
+          <a:avLst>
+            <a:gd name="adj1" fmla="val 60000"/>
+            <a:gd name="adj2" fmla="val 50000"/>
+          </a:avLst>
+        </a:prstGeom>
+        <a:solidFill>
+          <a:schemeClr val="accent3">
+            <a:hueOff val="10000235"/>
+            <a:satOff val="-15004"/>
+            <a:lumOff val="-2440"/>
+            <a:alphaOff val="0"/>
+          </a:schemeClr>
+        </a:solidFill>
+        <a:ln>
+          <a:noFill/>
+        </a:ln>
+        <a:effectLst/>
+      </dsp:spPr>
+      <dsp:style>
+        <a:lnRef idx="0">
+          <a:scrgbClr r="0" g="0" b="0"/>
+        </a:lnRef>
+        <a:fillRef idx="1">
+          <a:scrgbClr r="0" g="0" b="0"/>
+        </a:fillRef>
+        <a:effectRef idx="0">
+          <a:scrgbClr r="0" g="0" b="0"/>
+        </a:effectRef>
+        <a:fontRef idx="minor">
+          <a:schemeClr val="lt1"/>
+        </a:fontRef>
+      </dsp:style>
+      <dsp:txBody>
+        <a:bodyPr spcFirstLastPara="0" vert="horz" wrap="square" lIns="0" tIns="0" rIns="0" bIns="0" numCol="1" spcCol="1270" anchor="ctr" anchorCtr="0">
+          <a:noAutofit/>
+        </a:bodyPr>
+        <a:lstStyle/>
+        <a:p>
+          <a:pPr marL="0" lvl="0" indent="0" algn="ctr" defTabSz="311150">
+            <a:lnSpc>
+              <a:spcPct val="90000"/>
+            </a:lnSpc>
+            <a:spcBef>
+              <a:spcPct val="0"/>
+            </a:spcBef>
+            <a:spcAft>
+              <a:spcPct val="35000"/>
+            </a:spcAft>
+            <a:buNone/>
+          </a:pPr>
+          <a:endParaRPr lang="en-US" sz="700" b="1" kern="1200">
+            <a:solidFill>
+              <a:schemeClr val="tx1"/>
+            </a:solidFill>
+          </a:endParaRPr>
+        </a:p>
+      </dsp:txBody>
+      <dsp:txXfrm>
+        <a:off x="1864507" y="3417014"/>
+        <a:ext cx="227725" cy="228338"/>
+      </dsp:txXfrm>
+    </dsp:sp>
+    <dsp:sp modelId="{A2377AC9-AA87-BC42-9FF4-12525AAFA1A4}">
+      <dsp:nvSpPr>
+        <dsp:cNvPr id="0" name=""/>
+        <dsp:cNvSpPr/>
+      </dsp:nvSpPr>
+      <dsp:spPr>
+        <a:xfrm>
+          <a:off x="2343282" y="3070823"/>
+          <a:ext cx="1534535" cy="920721"/>
+        </a:xfrm>
+        <a:prstGeom prst="roundRect">
+          <a:avLst>
+            <a:gd name="adj" fmla="val 10000"/>
+          </a:avLst>
+        </a:prstGeom>
+        <a:solidFill>
+          <a:schemeClr val="accent3">
+            <a:hueOff val="10125237"/>
+            <a:satOff val="-15192"/>
+            <a:lumOff val="-2471"/>
+            <a:alphaOff val="0"/>
+          </a:schemeClr>
+        </a:solidFill>
+        <a:ln w="25400" cap="flat" cmpd="sng" algn="ctr">
+          <a:solidFill>
+            <a:schemeClr val="lt1">
+              <a:hueOff val="0"/>
+              <a:satOff val="0"/>
+              <a:lumOff val="0"/>
+              <a:alphaOff val="0"/>
+            </a:schemeClr>
+          </a:solidFill>
+          <a:prstDash val="solid"/>
+        </a:ln>
+        <a:effectLst/>
+      </dsp:spPr>
+      <dsp:style>
+        <a:lnRef idx="2">
+          <a:scrgbClr r="0" g="0" b="0"/>
+        </a:lnRef>
+        <a:fillRef idx="1">
+          <a:scrgbClr r="0" g="0" b="0"/>
+        </a:fillRef>
+        <a:effectRef idx="0">
+          <a:scrgbClr r="0" g="0" b="0"/>
+        </a:effectRef>
+        <a:fontRef idx="minor">
+          <a:schemeClr val="lt1"/>
+        </a:fontRef>
+      </dsp:style>
+      <dsp:txBody>
+        <a:bodyPr spcFirstLastPara="0" vert="horz" wrap="square" lIns="60960" tIns="60960" rIns="60960" bIns="60960" numCol="1" spcCol="1270" anchor="ctr" anchorCtr="0">
+          <a:noAutofit/>
+        </a:bodyPr>
+        <a:lstStyle/>
+        <a:p>
+          <a:pPr marL="0" lvl="0" indent="0" algn="ctr" defTabSz="711200">
+            <a:lnSpc>
+              <a:spcPct val="90000"/>
+            </a:lnSpc>
+            <a:spcBef>
+              <a:spcPct val="0"/>
+            </a:spcBef>
+            <a:spcAft>
+              <a:spcPct val="35000"/>
+            </a:spcAft>
+            <a:buNone/>
+          </a:pPr>
+          <a:r>
+            <a:rPr lang="en-US" sz="1600" b="1" kern="1200"/>
+            <a:t>Maintain</a:t>
+          </a:r>
+          <a:endParaRPr lang="en-US" sz="1600" b="1" kern="1200" dirty="0"/>
+        </a:p>
+      </dsp:txBody>
+      <dsp:txXfrm>
+        <a:off x="2370249" y="3097790"/>
+        <a:ext cx="1480601" cy="866787"/>
+      </dsp:txXfrm>
+    </dsp:sp>
+    <dsp:sp modelId="{D4645FDA-B217-A842-9A48-E7F13C54665D}">
+      <dsp:nvSpPr>
+        <dsp:cNvPr id="0" name=""/>
+        <dsp:cNvSpPr/>
+      </dsp:nvSpPr>
+      <dsp:spPr>
+        <a:xfrm>
+          <a:off x="4012856" y="3340901"/>
+          <a:ext cx="325321" cy="380564"/>
+        </a:xfrm>
+        <a:prstGeom prst="rightArrow">
+          <a:avLst>
+            <a:gd name="adj1" fmla="val 60000"/>
+            <a:gd name="adj2" fmla="val 50000"/>
+          </a:avLst>
+        </a:prstGeom>
+        <a:solidFill>
+          <a:schemeClr val="accent3">
+            <a:hueOff val="11250264"/>
+            <a:satOff val="-16880"/>
+            <a:lumOff val="-2745"/>
+            <a:alphaOff val="0"/>
+          </a:schemeClr>
+        </a:solidFill>
+        <a:ln>
+          <a:noFill/>
+        </a:ln>
+        <a:effectLst/>
+      </dsp:spPr>
+      <dsp:style>
+        <a:lnRef idx="0">
+          <a:scrgbClr r="0" g="0" b="0"/>
+        </a:lnRef>
+        <a:fillRef idx="1">
+          <a:scrgbClr r="0" g="0" b="0"/>
+        </a:fillRef>
+        <a:effectRef idx="0">
+          <a:scrgbClr r="0" g="0" b="0"/>
+        </a:effectRef>
+        <a:fontRef idx="minor">
+          <a:schemeClr val="lt1"/>
+        </a:fontRef>
+      </dsp:style>
+      <dsp:txBody>
+        <a:bodyPr spcFirstLastPara="0" vert="horz" wrap="square" lIns="0" tIns="0" rIns="0" bIns="0" numCol="1" spcCol="1270" anchor="ctr" anchorCtr="0">
+          <a:noAutofit/>
+        </a:bodyPr>
+        <a:lstStyle/>
+        <a:p>
+          <a:pPr marL="0" lvl="0" indent="0" algn="ctr" defTabSz="311150">
+            <a:lnSpc>
+              <a:spcPct val="90000"/>
+            </a:lnSpc>
+            <a:spcBef>
+              <a:spcPct val="0"/>
+            </a:spcBef>
+            <a:spcAft>
+              <a:spcPct val="35000"/>
+            </a:spcAft>
+            <a:buNone/>
+          </a:pPr>
+          <a:endParaRPr lang="en-US" sz="700" b="1" kern="1200">
+            <a:solidFill>
+              <a:schemeClr val="tx1"/>
+            </a:solidFill>
+          </a:endParaRPr>
+        </a:p>
+      </dsp:txBody>
+      <dsp:txXfrm>
+        <a:off x="4012856" y="3417014"/>
+        <a:ext cx="227725" cy="228338"/>
+      </dsp:txXfrm>
+    </dsp:sp>
+    <dsp:sp modelId="{D72B0A0C-FB32-F641-A263-966E6A1F4BE9}">
+      <dsp:nvSpPr>
+        <dsp:cNvPr id="0" name=""/>
+        <dsp:cNvSpPr/>
+      </dsp:nvSpPr>
+      <dsp:spPr>
+        <a:xfrm>
+          <a:off x="4491631" y="3070823"/>
+          <a:ext cx="1534535" cy="920721"/>
+        </a:xfrm>
+        <a:prstGeom prst="roundRect">
+          <a:avLst>
+            <a:gd name="adj" fmla="val 10000"/>
+          </a:avLst>
+        </a:prstGeom>
+        <a:solidFill>
+          <a:schemeClr val="accent3">
+            <a:hueOff val="11250264"/>
+            <a:satOff val="-16880"/>
+            <a:lumOff val="-2745"/>
+            <a:alphaOff val="0"/>
+          </a:schemeClr>
+        </a:solidFill>
+        <a:ln w="25400" cap="flat" cmpd="sng" algn="ctr">
+          <a:solidFill>
+            <a:schemeClr val="lt1">
+              <a:hueOff val="0"/>
+              <a:satOff val="0"/>
+              <a:lumOff val="0"/>
+              <a:alphaOff val="0"/>
+            </a:schemeClr>
+          </a:solidFill>
+          <a:prstDash val="solid"/>
+        </a:ln>
+        <a:effectLst/>
+      </dsp:spPr>
+      <dsp:style>
+        <a:lnRef idx="2">
+          <a:scrgbClr r="0" g="0" b="0"/>
+        </a:lnRef>
+        <a:fillRef idx="1">
+          <a:scrgbClr r="0" g="0" b="0"/>
+        </a:fillRef>
+        <a:effectRef idx="0">
+          <a:scrgbClr r="0" g="0" b="0"/>
+        </a:effectRef>
+        <a:fontRef idx="minor">
+          <a:schemeClr val="lt1"/>
+        </a:fontRef>
+      </dsp:style>
+      <dsp:txBody>
+        <a:bodyPr spcFirstLastPara="0" vert="horz" wrap="square" lIns="53340" tIns="53340" rIns="53340" bIns="53340" numCol="1" spcCol="1270" anchor="ctr" anchorCtr="0">
+          <a:noAutofit/>
+        </a:bodyPr>
+        <a:lstStyle/>
+        <a:p>
+          <a:pPr marL="0" lvl="0" indent="0" algn="ctr" defTabSz="622300">
+            <a:lnSpc>
+              <a:spcPct val="90000"/>
+            </a:lnSpc>
+            <a:spcBef>
+              <a:spcPct val="0"/>
+            </a:spcBef>
+            <a:spcAft>
+              <a:spcPct val="35000"/>
+            </a:spcAft>
+            <a:buNone/>
+          </a:pPr>
+          <a:r>
+            <a:rPr lang="en-US" sz="1400" b="1" kern="1200" dirty="0"/>
+            <a:t>Communicate</a:t>
+          </a:r>
+        </a:p>
+      </dsp:txBody>
+      <dsp:txXfrm>
+        <a:off x="4518598" y="3097790"/>
+        <a:ext cx="1480601" cy="866787"/>
+      </dsp:txXfrm>
+    </dsp:sp>
+  </dsp:spTree>
+</dsp:drawing>
+</file>
+
+<file path=ppt/diagrams/layout1.xml><?xml version="1.0" encoding="utf-8"?>
+<dgm:layoutDef xmlns:dgm="http://schemas.openxmlformats.org/drawingml/2006/diagram" xmlns:a="http://schemas.openxmlformats.org/drawingml/2006/main" uniqueId="urn:microsoft.com/office/officeart/2005/8/layout/process5">
+  <dgm:title val=""/>
+  <dgm:desc val=""/>
+  <dgm:catLst>
+    <dgm:cat type="process" pri="17000"/>
+  </dgm:catLst>
+  <dgm:sampData>
+    <dgm:dataModel>
+      <dgm:ptLst>
+        <dgm:pt modelId="0" type="doc"/>
+        <dgm:pt modelId="1">
+          <dgm:prSet phldr="1"/>
+        </dgm:pt>
+        <dgm:pt modelId="2">
+          <dgm:prSet phldr="1"/>
+        </dgm:pt>
+        <dgm:pt modelId="3">
+          <dgm:prSet phldr="1"/>
+        </dgm:pt>
+        <dgm:pt modelId="4">
+          <dgm:prSet phldr="1"/>
+        </dgm:pt>
+        <dgm:pt modelId="5">
+          <dgm:prSet phldr="1"/>
+        </dgm:pt>
+      </dgm:ptLst>
+      <dgm:cxnLst>
+        <dgm:cxn modelId="7" srcId="0" destId="1" srcOrd="0" destOrd="0"/>
+        <dgm:cxn modelId="8" srcId="0" destId="2" srcOrd="1" destOrd="0"/>
+        <dgm:cxn modelId="9" srcId="0" destId="3" srcOrd="2" destOrd="0"/>
+        <dgm:cxn modelId="10" srcId="0" destId="4" srcOrd="3" destOrd="0"/>
+        <dgm:cxn modelId="11" srcId="0" destId="5" srcOrd="4" destOrd="0"/>
+      </dgm:cxnLst>
+      <dgm:bg/>
+      <dgm:whole/>
+    </dgm:dataModel>
+  </dgm:sampData>
+  <dgm:styleData>
+    <dgm:dataModel>
+      <dgm:ptLst>
+        <dgm:pt modelId="0" type="doc"/>
+        <dgm:pt modelId="1"/>
+        <dgm:pt modelId="2"/>
+      </dgm:ptLst>
+      <dgm:cxnLst>
+        <dgm:cxn modelId="3" srcId="0" destId="1" srcOrd="0" destOrd="0"/>
+        <dgm:cxn modelId="4" srcId="0" destId="2" srcOrd="1" destOrd="0"/>
+      </dgm:cxnLst>
+      <dgm:bg/>
+      <dgm:whole/>
+    </dgm:dataModel>
+  </dgm:styleData>
+  <dgm:clrData>
+    <dgm:dataModel>
+      <dgm:ptLst>
+        <dgm:pt modelId="0" type="doc"/>
+        <dgm:pt modelId="1"/>
+        <dgm:pt modelId="2"/>
+        <dgm:pt modelId="3"/>
+        <dgm:pt modelId="4"/>
+      </dgm:ptLst>
+      <dgm:cxnLst>
+        <dgm:cxn modelId="5" srcId="0" destId="1" srcOrd="0" destOrd="0"/>
+        <dgm:cxn modelId="6" srcId="0" destId="2" srcOrd="1" destOrd="0"/>
+        <dgm:cxn modelId="7" srcId="0" destId="3" srcOrd="2" destOrd="0"/>
+        <dgm:cxn modelId="8" srcId="0" destId="4" srcOrd="3" destOrd="0"/>
+      </dgm:cxnLst>
+      <dgm:bg/>
+      <dgm:whole/>
+    </dgm:dataModel>
+  </dgm:clrData>
+  <dgm:layoutNode name="diagram">
+    <dgm:varLst>
+      <dgm:dir/>
+      <dgm:resizeHandles val="exact"/>
+    </dgm:varLst>
+    <dgm:choose name="Name0">
+      <dgm:if name="Name1" axis="self" func="var" arg="dir" op="equ" val="norm">
+        <dgm:alg type="snake">
+          <dgm:param type="grDir" val="tL"/>
+          <dgm:param type="flowDir" val="row"/>
+          <dgm:param type="contDir" val="revDir"/>
+          <dgm:param type="bkpt" val="endCnv"/>
+        </dgm:alg>
+      </dgm:if>
+      <dgm:else name="Name2">
+        <dgm:alg type="snake">
+          <dgm:param type="grDir" val="tR"/>
+          <dgm:param type="flowDir" val="row"/>
+          <dgm:param type="contDir" val="revDir"/>
+          <dgm:param type="bkpt" val="endCnv"/>
+        </dgm:alg>
+      </dgm:else>
+    </dgm:choose>
+    <dgm:shape xmlns:r="http://schemas.openxmlformats.org/officeDocument/2006/relationships" r:blip="">
+      <dgm:adjLst/>
+    </dgm:shape>
+    <dgm:presOf/>
+    <dgm:constrLst>
+      <dgm:constr type="w" for="ch" ptType="node" refType="w"/>
+      <dgm:constr type="w" for="ch" forName="sibTrans" refType="w" refFor="ch" refPtType="node" op="equ" fact="0.4"/>
+      <dgm:constr type="sp" refType="w" refFor="ch" refForName="sibTrans" op="equ"/>
+      <dgm:constr type="primFontSz" for="ch" ptType="node" op="equ" val="65"/>
+      <dgm:constr type="primFontSz" for="des" forName="connectorText" op="equ" val="55"/>
+      <dgm:constr type="primFontSz" for="des" forName="connectorText" refType="primFontSz" refFor="ch" refPtType="node" op="lte" fact="0.8"/>
+    </dgm:constrLst>
+    <dgm:ruleLst/>
+    <dgm:forEach name="nodesForEach" axis="ch" ptType="node">
+      <dgm:layoutNode name="node">
+        <dgm:varLst>
+          <dgm:bulletEnabled val="1"/>
+        </dgm:varLst>
+        <dgm:alg type="tx"/>
+        <dgm:shape xmlns:r="http://schemas.openxmlformats.org/officeDocument/2006/relationships" type="roundRect" r:blip="">
+          <dgm:adjLst>
+            <dgm:adj idx="1" val="0.1"/>
+          </dgm:adjLst>
+        </dgm:shape>
+        <dgm:presOf axis="desOrSelf" ptType="node"/>
+        <dgm:constrLst>
+          <dgm:constr type="h" refType="w" fact="0.6"/>
+          <dgm:constr type="tMarg" refType="primFontSz" fact="0.3"/>
+          <dgm:constr type="bMarg" refType="primFontSz" fact="0.3"/>
+          <dgm:constr type="lMarg" refType="primFontSz" fact="0.3"/>
+          <dgm:constr type="rMarg" refType="primFontSz" fact="0.3"/>
+        </dgm:constrLst>
+        <dgm:ruleLst>
+          <dgm:rule type="primFontSz" val="5" fact="NaN" max="NaN"/>
+        </dgm:ruleLst>
+      </dgm:layoutNode>
+      <dgm:forEach name="sibTransForEach" axis="followSib" ptType="sibTrans" cnt="1">
+        <dgm:layoutNode name="sibTrans">
+          <dgm:alg type="conn">
+            <dgm:param type="begPts" val="auto"/>
+            <dgm:param type="endPts" val="auto"/>
+          </dgm:alg>
+          <dgm:shape xmlns:r="http://schemas.openxmlformats.org/officeDocument/2006/relationships" type="conn" r:blip="">
+            <dgm:adjLst/>
+          </dgm:shape>
+          <dgm:presOf axis="self"/>
+          <dgm:constrLst>
+            <dgm:constr type="h" refType="w" fact="0.62"/>
+            <dgm:constr type="connDist"/>
+          </dgm:constrLst>
+          <dgm:ruleLst/>
+          <dgm:layoutNode name="connectorText">
+            <dgm:alg type="tx">
+              <dgm:param type="autoTxRot" val="upr"/>
+            </dgm:alg>
+            <dgm:shape xmlns:r="http://schemas.openxmlformats.org/officeDocument/2006/relationships" type="conn" r:blip="" hideGeom="1">
+              <dgm:adjLst/>
+            </dgm:shape>
+            <dgm:presOf axis="self"/>
+            <dgm:constrLst>
+              <dgm:constr type="lMarg"/>
+              <dgm:constr type="rMarg"/>
+              <dgm:constr type="tMarg"/>
+              <dgm:constr type="bMarg"/>
+            </dgm:constrLst>
+            <dgm:ruleLst>
+              <dgm:rule type="primFontSz" val="5" fact="NaN" max="NaN"/>
+            </dgm:ruleLst>
+          </dgm:layoutNode>
+        </dgm:layoutNode>
+      </dgm:forEach>
+    </dgm:forEach>
+  </dgm:layoutNode>
+</dgm:layoutDef>
+</file>
+
+<file path=ppt/diagrams/quickStyle1.xml><?xml version="1.0" encoding="utf-8"?>
+<dgm:styleDef xmlns:dgm="http://schemas.openxmlformats.org/drawingml/2006/diagram" xmlns:a="http://schemas.openxmlformats.org/drawingml/2006/main" uniqueId="urn:microsoft.com/office/officeart/2005/8/quickstyle/simple1">
+  <dgm:title val=""/>
+  <dgm:desc val=""/>
+  <dgm:catLst>
+    <dgm:cat type="simple" pri="10100"/>
+  </dgm:catLst>
+  <dgm:scene3d>
+    <a:camera prst="orthographicFront"/>
+    <a:lightRig rig="threePt" dir="t"/>
+  </dgm:scene3d>
+  <dgm:styleLbl name="node0">
+    <dgm:scene3d>
+      <a:camera prst="orthographicFront"/>
+      <a:lightRig rig="threePt" dir="t"/>
+    </dgm:scene3d>
+    <dgm:sp3d/>
+    <dgm:txPr/>
+    <dgm:style>
+      <a:lnRef idx="2">
+        <a:scrgbClr r="0" g="0" b="0"/>
+      </a:lnRef>
+      <a:fillRef idx="1">
+        <a:scrgbClr r="0" g="0" b="0"/>
+      </a:fillRef>
+      <a:effectRef idx="0">
+        <a:scrgbClr r="0" g="0" b="0"/>
+      </a:effectRef>
+      <a:fontRef idx="minor">
+        <a:schemeClr val="lt1"/>
+      </a:fontRef>
+    </dgm:style>
+  </dgm:styleLbl>
+  <dgm:styleLbl name="lnNode1">
+    <dgm:scene3d>
+      <a:camera prst="orthographicFront"/>
+      <a:lightRig rig="threePt" dir="t"/>
+    </dgm:scene3d>
+    <dgm:sp3d/>
+    <dgm:txPr/>
+    <dgm:style>
+      <a:lnRef idx="2">
+        <a:scrgbClr r="0" g="0" b="0"/>
+      </a:lnRef>
+      <a:fillRef idx="1">
+        <a:scrgbClr r="0" g="0" b="0"/>
+      </a:fillRef>
+      <a:effectRef idx="0">
+        <a:scrgbClr r="0" g="0" b="0"/>
+      </a:effectRef>
+      <a:fontRef idx="minor">
+        <a:schemeClr val="lt1"/>
+      </a:fontRef>
+    </dgm:style>
+  </dgm:styleLbl>
+  <dgm:styleLbl name="vennNode1">
+    <dgm:scene3d>
+      <a:camera prst="orthographicFront"/>
+      <a:lightRig rig="threePt" dir="t"/>
+    </dgm:scene3d>
+    <dgm:sp3d/>
+    <dgm:txPr/>
+    <dgm:style>
+      <a:lnRef idx="2">
+        <a:scrgbClr r="0" g="0" b="0"/>
+      </a:lnRef>
+      <a:fillRef idx="1">
+        <a:scrgbClr r="0" g="0" b="0"/>
+      </a:fillRef>
+      <a:effectRef idx="0">
+        <a:scrgbClr r="0" g="0" b="0"/>
+      </a:effectRef>
+      <a:fontRef idx="minor">
+        <a:schemeClr val="tx1"/>
+      </a:fontRef>
+    </dgm:style>
+  </dgm:styleLbl>
+  <dgm:styleLbl name="alignNode1">
+    <dgm:scene3d>
+      <a:camera prst="orthographicFront"/>
+      <a:lightRig rig="threePt" dir="t"/>
+    </dgm:scene3d>
+    <dgm:sp3d/>
+    <dgm:txPr/>
+    <dgm:style>
+      <a:lnRef idx="2">
+        <a:scrgbClr r="0" g="0" b="0"/>
+      </a:lnRef>
+      <a:fillRef idx="1">
+        <a:scrgbClr r="0" g="0" b="0"/>
+      </a:fillRef>
+      <a:effectRef idx="0">
+        <a:scrgbClr r="0" g="0" b="0"/>
+      </a:effectRef>
+      <a:fontRef idx="minor">
+        <a:schemeClr val="lt1"/>
+      </a:fontRef>
+    </dgm:style>
+  </dgm:styleLbl>
+  <dgm:styleLbl name="node1">
+    <dgm:scene3d>
+      <a:camera prst="orthographicFront"/>
+      <a:lightRig rig="threePt" dir="t"/>
+    </dgm:scene3d>
+    <dgm:sp3d/>
+    <dgm:txPr/>
+    <dgm:style>
+      <a:lnRef idx="2">
+        <a:scrgbClr r="0" g="0" b="0"/>
+      </a:lnRef>
+      <a:fillRef idx="1">
+        <a:scrgbClr r="0" g="0" b="0"/>
+      </a:fillRef>
+      <a:effectRef idx="0">
+        <a:scrgbClr r="0" g="0" b="0"/>
+      </a:effectRef>
+      <a:fontRef idx="minor">
+        <a:schemeClr val="lt1"/>
+      </a:fontRef>
+    </dgm:style>
+  </dgm:styleLbl>
+  <dgm:styleLbl name="node2">
+    <dgm:scene3d>
+      <a:camera prst="orthographicFront"/>
+      <a:lightRig rig="threePt" dir="t"/>
+    </dgm:scene3d>
+    <dgm:sp3d/>
+    <dgm:txPr/>
+    <dgm:style>
+      <a:lnRef idx="2">
+        <a:scrgbClr r="0" g="0" b="0"/>
+      </a:lnRef>
+      <a:fillRef idx="1">
+        <a:scrgbClr r="0" g="0" b="0"/>
+      </a:fillRef>
+      <a:effectRef idx="0">
+        <a:scrgbClr r="0" g="0" b="0"/>
+      </a:effectRef>
+      <a:fontRef idx="minor">
+        <a:schemeClr val="lt1"/>
+      </a:fontRef>
+    </dgm:style>
+  </dgm:styleLbl>
+  <dgm:styleLbl name="node3">
+    <dgm:scene3d>
+      <a:camera prst="orthographicFront"/>
+      <a:lightRig rig="threePt" dir="t"/>
+    </dgm:scene3d>
+    <dgm:sp3d/>
+    <dgm:txPr/>
+    <dgm:style>
+      <a:lnRef idx="2">
+        <a:scrgbClr r="0" g="0" b="0"/>
+      </a:lnRef>
+      <a:fillRef idx="1">
+        <a:scrgbClr r="0" g="0" b="0"/>
+      </a:fillRef>
+      <a:effectRef idx="0">
+        <a:scrgbClr r="0" g="0" b="0"/>
+      </a:effectRef>
+      <a:fontRef idx="minor">
+        <a:schemeClr val="lt1"/>
+      </a:fontRef>
+    </dgm:style>
+  </dgm:styleLbl>
+  <dgm:styleLbl name="node4">
+    <dgm:scene3d>
+      <a:camera prst="orthographicFront"/>
+      <a:lightRig rig="threePt" dir="t"/>
+    </dgm:scene3d>
+    <dgm:sp3d/>
+    <dgm:txPr/>
+    <dgm:style>
+      <a:lnRef idx="2">
+        <a:scrgbClr r="0" g="0" b="0"/>
+      </a:lnRef>
+      <a:fillRef idx="1">
+        <a:scrgbClr r="0" g="0" b="0"/>
+      </a:fillRef>
+      <a:effectRef idx="0">
+        <a:scrgbClr r="0" g="0" b="0"/>
+      </a:effectRef>
+      <a:fontRef idx="minor">
+        <a:schemeClr val="lt1"/>
+      </a:fontRef>
+    </dgm:style>
+  </dgm:styleLbl>
+  <dgm:styleLbl name="fgImgPlace1">
+    <dgm:scene3d>
+      <a:camera prst="orthographicFront"/>
+      <a:lightRig rig="threePt" dir="t"/>
+    </dgm:scene3d>
+    <dgm:sp3d/>
+    <dgm:txPr/>
+    <dgm:style>
+      <a:lnRef idx="2">
+        <a:scrgbClr r="0" g="0" b="0"/>
+      </a:lnRef>
+      <a:fillRef idx="1">
+        <a:scrgbClr r="0" g="0" b="0"/>
+      </a:fillRef>
+      <a:effectRef idx="0">
+        <a:scrgbClr r="0" g="0" b="0"/>
+      </a:effectRef>
+      <a:fontRef idx="minor"/>
+    </dgm:style>
+  </dgm:styleLbl>
+  <dgm:styleLbl name="alignImgPlace1">
+    <dgm:scene3d>
+      <a:camera prst="orthographicFront"/>
+      <a:lightRig rig="threePt" dir="t"/>
+    </dgm:scene3d>
+    <dgm:sp3d/>
+    <dgm:txPr/>
+    <dgm:style>
+      <a:lnRef idx="2">
+        <a:scrgbClr r="0" g="0" b="0"/>
+      </a:lnRef>
+      <a:fillRef idx="1">
+        <a:scrgbClr r="0" g="0" b="0"/>
+      </a:fillRef>
+      <a:effectRef idx="0">
+        <a:scrgbClr r="0" g="0" b="0"/>
+      </a:effectRef>
+      <a:fontRef idx="minor"/>
+    </dgm:style>
+  </dgm:styleLbl>
+  <dgm:styleLbl name="bgImgPlace1">
+    <dgm:scene3d>
+      <a:camera prst="orthographicFront"/>
+      <a:lightRig rig="threePt" dir="t"/>
+    </dgm:scene3d>
+    <dgm:sp3d/>
+    <dgm:txPr/>
+    <dgm:style>
+      <a:lnRef idx="2">
+        <a:scrgbClr r="0" g="0" b="0"/>
+      </a:lnRef>
+      <a:fillRef idx="1">
+        <a:scrgbClr r="0" g="0" b="0"/>
+      </a:fillRef>
+      <a:effectRef idx="0">
+        <a:scrgbClr r="0" g="0" b="0"/>
+      </a:effectRef>
+      <a:fontRef idx="minor"/>
+    </dgm:style>
+  </dgm:styleLbl>
+  <dgm:styleLbl name="sibTrans2D1">
+    <dgm:scene3d>
+      <a:camera prst="orthographicFront"/>
+      <a:lightRig rig="threePt" dir="t"/>
+    </dgm:scene3d>
+    <dgm:sp3d/>
+    <dgm:txPr/>
+    <dgm:style>
+      <a:lnRef idx="0">
+        <a:scrgbClr r="0" g="0" b="0"/>
+      </a:lnRef>
+      <a:fillRef idx="1">
+        <a:scrgbClr r="0" g="0" b="0"/>
+      </a:fillRef>
+      <a:effectRef idx="0">
+        <a:scrgbClr r="0" g="0" b="0"/>
+      </a:effectRef>
+      <a:fontRef idx="minor">
+        <a:schemeClr val="lt1"/>
+      </a:fontRef>
+    </dgm:style>
+  </dgm:styleLbl>
+  <dgm:styleLbl name="fgSibTrans2D1">
+    <dgm:scene3d>
+      <a:camera prst="orthographicFront"/>
+      <a:lightRig rig="threePt" dir="t"/>
+    </dgm:scene3d>
+    <dgm:sp3d/>
+    <dgm:txPr/>
+    <dgm:style>
+      <a:lnRef idx="0">
+        <a:scrgbClr r="0" g="0" b="0"/>
+      </a:lnRef>
+      <a:fillRef idx="1">
+        <a:scrgbClr r="0" g="0" b="0"/>
+      </a:fillRef>
+      <a:effectRef idx="0">
+        <a:scrgbClr r="0" g="0" b="0"/>
+      </a:effectRef>
+      <a:fontRef idx="minor">
+        <a:schemeClr val="lt1"/>
+      </a:fontRef>
+    </dgm:style>
+  </dgm:styleLbl>
+  <dgm:styleLbl name="bgSibTrans2D1">
+    <dgm:scene3d>
+      <a:camera prst="orthographicFront"/>
+      <a:lightRig rig="threePt" dir="t"/>
+    </dgm:scene3d>
+    <dgm:sp3d/>
+    <dgm:txPr/>
+    <dgm:style>
+      <a:lnRef idx="0">
+        <a:scrgbClr r="0" g="0" b="0"/>
+      </a:lnRef>
+      <a:fillRef idx="1">
+        <a:scrgbClr r="0" g="0" b="0"/>
+      </a:fillRef>
+      <a:effectRef idx="0">
+        <a:scrgbClr r="0" g="0" b="0"/>
+      </a:effectRef>
+      <a:fontRef idx="minor">
+        <a:schemeClr val="lt1"/>
+      </a:fontRef>
+    </dgm:style>
+  </dgm:styleLbl>
+  <dgm:styleLbl name="sibTrans1D1">
+    <dgm:scene3d>
+      <a:camera prst="orthographicFront"/>
+      <a:lightRig rig="threePt" dir="t"/>
+    </dgm:scene3d>
+    <dgm:sp3d/>
+    <dgm:txPr/>
+    <dgm:style>
+      <a:lnRef idx="1">
+        <a:scrgbClr r="0" g="0" b="0"/>
+      </a:lnRef>
+      <a:fillRef idx="0">
+        <a:scrgbClr r="0" g="0" b="0"/>
+      </a:fillRef>
+      <a:effectRef idx="0">
+        <a:scrgbClr r="0" g="0" b="0"/>
+      </a:effectRef>
+      <a:fontRef idx="minor"/>
+    </dgm:style>
+  </dgm:styleLbl>
+  <dgm:styleLbl name="callout">
+    <dgm:scene3d>
+      <a:camera prst="orthographicFront"/>
+      <a:lightRig rig="threePt" dir="t"/>
+    </dgm:scene3d>
+    <dgm:sp3d/>
+    <dgm:txPr/>
+    <dgm:style>
+      <a:lnRef idx="2">
+        <a:scrgbClr r="0" g="0" b="0"/>
+      </a:lnRef>
+      <a:fillRef idx="1">
+        <a:scrgbClr r="0" g="0" b="0"/>
+      </a:fillRef>
+      <a:effectRef idx="0">
+        <a:scrgbClr r="0" g="0" b="0"/>
+      </a:effectRef>
+      <a:fontRef idx="minor"/>
+    </dgm:style>
+  </dgm:styleLbl>
+  <dgm:styleLbl name="asst0">
+    <dgm:scene3d>
+      <a:camera prst="orthographicFront"/>
+      <a:lightRig rig="threePt" dir="t"/>
+    </dgm:scene3d>
+    <dgm:sp3d/>
+    <dgm:txPr/>
+    <dgm:style>
+      <a:lnRef idx="2">
+        <a:scrgbClr r="0" g="0" b="0"/>
+      </a:lnRef>
+      <a:fillRef idx="1">
+        <a:scrgbClr r="0" g="0" b="0"/>
+      </a:fillRef>
+      <a:effectRef idx="0">
+        <a:scrgbClr r="0" g="0" b="0"/>
+      </a:effectRef>
+      <a:fontRef idx="minor">
+        <a:schemeClr val="lt1"/>
+      </a:fontRef>
+    </dgm:style>
+  </dgm:styleLbl>
+  <dgm:styleLbl name="asst1">
+    <dgm:scene3d>
+      <a:camera prst="orthographicFront"/>
+      <a:lightRig rig="threePt" dir="t"/>
+    </dgm:scene3d>
+    <dgm:sp3d/>
+    <dgm:txPr/>
+    <dgm:style>
+      <a:lnRef idx="2">
+        <a:scrgbClr r="0" g="0" b="0"/>
+      </a:lnRef>
+      <a:fillRef idx="1">
+        <a:scrgbClr r="0" g="0" b="0"/>
+      </a:fillRef>
+      <a:effectRef idx="0">
+        <a:scrgbClr r="0" g="0" b="0"/>
+      </a:effectRef>
+      <a:fontRef idx="minor">
+        <a:schemeClr val="lt1"/>
+      </a:fontRef>
+    </dgm:style>
+  </dgm:styleLbl>
+  <dgm:styleLbl name="asst2">
+    <dgm:scene3d>
+      <a:camera prst="orthographicFront"/>
+      <a:lightRig rig="threePt" dir="t"/>
+    </dgm:scene3d>
+    <dgm:sp3d/>
+    <dgm:txPr/>
+    <dgm:style>
+      <a:lnRef idx="2">
+        <a:scrgbClr r="0" g="0" b="0"/>
+      </a:lnRef>
+      <a:fillRef idx="1">
+        <a:scrgbClr r="0" g="0" b="0"/>
+      </a:fillRef>
+      <a:effectRef idx="0">
+        <a:scrgbClr r="0" g="0" b="0"/>
+      </a:effectRef>
+      <a:fontRef idx="minor">
+        <a:schemeClr val="lt1"/>
+      </a:fontRef>
+    </dgm:style>
+  </dgm:styleLbl>
+  <dgm:styleLbl name="asst3">
+    <dgm:scene3d>
+      <a:camera prst="orthographicFront"/>
+      <a:lightRig rig="threePt" dir="t"/>
+    </dgm:scene3d>
+    <dgm:sp3d/>
+    <dgm:txPr/>
+    <dgm:style>
+      <a:lnRef idx="2">
+        <a:scrgbClr r="0" g="0" b="0"/>
+      </a:lnRef>
+      <a:fillRef idx="1">
+        <a:scrgbClr r="0" g="0" b="0"/>
+      </a:fillRef>
+      <a:effectRef idx="0">
+        <a:scrgbClr r="0" g="0" b="0"/>
+      </a:effectRef>
+      <a:fontRef idx="minor">
+        <a:schemeClr val="lt1"/>
+      </a:fontRef>
+    </dgm:style>
+  </dgm:styleLbl>
+  <dgm:styleLbl name="asst4">
+    <dgm:scene3d>
+      <a:camera prst="orthographicFront"/>
+      <a:lightRig rig="threePt" dir="t"/>
+    </dgm:scene3d>
+    <dgm:sp3d/>
+    <dgm:txPr/>
+    <dgm:style>
+      <a:lnRef idx="2">
+        <a:scrgbClr r="0" g="0" b="0"/>
+      </a:lnRef>
+      <a:fillRef idx="1">
+        <a:scrgbClr r="0" g="0" b="0"/>
+      </a:fillRef>
+      <a:effectRef idx="0">
+        <a:scrgbClr r="0" g="0" b="0"/>
+      </a:effectRef>
+      <a:fontRef idx="minor">
+        <a:schemeClr val="lt1"/>
+      </a:fontRef>
+    </dgm:style>
+  </dgm:styleLbl>
+  <dgm:styleLbl name="parChTrans2D1">
+    <dgm:scene3d>
+      <a:camera prst="orthographicFront"/>
+      <a:lightRig rig="threePt" dir="t"/>
+    </dgm:scene3d>
+    <dgm:sp3d/>
+    <dgm:txPr/>
+    <dgm:style>
+      <a:lnRef idx="2">
+        <a:scrgbClr r="0" g="0" b="0"/>
+      </a:lnRef>
+      <a:fillRef idx="1">
+        <a:scrgbClr r="0" g="0" b="0"/>
+      </a:fillRef>
+      <a:effectRef idx="0">
+        <a:scrgbClr r="0" g="0" b="0"/>
+      </a:effectRef>
+      <a:fontRef idx="minor">
+        <a:schemeClr val="lt1"/>
+      </a:fontRef>
+    </dgm:style>
+  </dgm:styleLbl>
+  <dgm:styleLbl name="parChTrans2D2">
+    <dgm:scene3d>
+      <a:camera prst="orthographicFront"/>
+      <a:lightRig rig="threePt" dir="t"/>
+    </dgm:scene3d>
+    <dgm:sp3d/>
+    <dgm:txPr/>
+    <dgm:style>
+      <a:lnRef idx="2">
+        <a:scrgbClr r="0" g="0" b="0"/>
+      </a:lnRef>
+      <a:fillRef idx="1">
+        <a:scrgbClr r="0" g="0" b="0"/>
+      </a:fillRef>
+      <a:effectRef idx="0">
+        <a:scrgbClr r="0" g="0" b="0"/>
+      </a:effectRef>
+      <a:fontRef idx="minor">
+        <a:schemeClr val="lt1"/>
+      </a:fontRef>
+    </dgm:style>
+  </dgm:styleLbl>
+  <dgm:styleLbl name="parChTrans2D3">
+    <dgm:scene3d>
+      <a:camera prst="orthographicFront"/>
+      <a:lightRig rig="threePt" dir="t"/>
+    </dgm:scene3d>
+    <dgm:sp3d/>
+    <dgm:txPr/>
+    <dgm:style>
+      <a:lnRef idx="2">
+        <a:scrgbClr r="0" g="0" b="0"/>
+      </a:lnRef>
+      <a:fillRef idx="1">
+        <a:scrgbClr r="0" g="0" b="0"/>
+      </a:fillRef>
+      <a:effectRef idx="0">
+        <a:scrgbClr r="0" g="0" b="0"/>
+      </a:effectRef>
+      <a:fontRef idx="minor">
+        <a:schemeClr val="lt1"/>
+      </a:fontRef>
+    </dgm:style>
+  </dgm:styleLbl>
+  <dgm:styleLbl name="parChTrans2D4">
+    <dgm:scene3d>
+      <a:camera prst="orthographicFront"/>
+      <a:lightRig rig="threePt" dir="t"/>
+    </dgm:scene3d>
+    <dgm:sp3d/>
+    <dgm:txPr/>
+    <dgm:style>
+      <a:lnRef idx="2">
+        <a:scrgbClr r="0" g="0" b="0"/>
+      </a:lnRef>
+      <a:fillRef idx="1">
+        <a:scrgbClr r="0" g="0" b="0"/>
+      </a:fillRef>
+      <a:effectRef idx="0">
+        <a:scrgbClr r="0" g="0" b="0"/>
+      </a:effectRef>
+      <a:fontRef idx="minor">
+        <a:schemeClr val="lt1"/>
+      </a:fontRef>
+    </dgm:style>
+  </dgm:styleLbl>
+  <dgm:styleLbl name="parChTrans1D1">
+    <dgm:scene3d>
+      <a:camera prst="orthographicFront"/>
+      <a:lightRig rig="threePt" dir="t"/>
+    </dgm:scene3d>
+    <dgm:sp3d/>
+    <dgm:txPr/>
+    <dgm:style>
+      <a:lnRef idx="2">
+        <a:scrgbClr r="0" g="0" b="0"/>
+      </a:lnRef>
+      <a:fillRef idx="0">
+        <a:scrgbClr r="0" g="0" b="0"/>
+      </a:fillRef>
+      <a:effectRef idx="0">
+        <a:scrgbClr r="0" g="0" b="0"/>
+      </a:effectRef>
+      <a:fontRef idx="minor"/>
+    </dgm:style>
+  </dgm:styleLbl>
+  <dgm:styleLbl name="parChTrans1D2">
+    <dgm:scene3d>
+      <a:camera prst="orthographicFront"/>
+      <a:lightRig rig="threePt" dir="t"/>
+    </dgm:scene3d>
+    <dgm:sp3d/>
+    <dgm:txPr/>
+    <dgm:style>
+      <a:lnRef idx="2">
+        <a:scrgbClr r="0" g="0" b="0"/>
+      </a:lnRef>
+      <a:fillRef idx="0">
+        <a:scrgbClr r="0" g="0" b="0"/>
+      </a:fillRef>
+      <a:effectRef idx="0">
+        <a:scrgbClr r="0" g="0" b="0"/>
+      </a:effectRef>
+      <a:fontRef idx="minor"/>
+    </dgm:style>
+  </dgm:styleLbl>
+  <dgm:styleLbl name="parChTrans1D3">
+    <dgm:scene3d>
+      <a:camera prst="orthographicFront"/>
+      <a:lightRig rig="threePt" dir="t"/>
+    </dgm:scene3d>
+    <dgm:sp3d/>
+    <dgm:txPr/>
+    <dgm:style>
+      <a:lnRef idx="2">
+        <a:scrgbClr r="0" g="0" b="0"/>
+      </a:lnRef>
+      <a:fillRef idx="0">
+        <a:scrgbClr r="0" g="0" b="0"/>
+      </a:fillRef>
+      <a:effectRef idx="0">
+        <a:scrgbClr r="0" g="0" b="0"/>
+      </a:effectRef>
+      <a:fontRef idx="minor"/>
+    </dgm:style>
+  </dgm:styleLbl>
+  <dgm:styleLbl name="parChTrans1D4">
+    <dgm:scene3d>
+      <a:camera prst="orthographicFront"/>
+      <a:lightRig rig="threePt" dir="t"/>
+    </dgm:scene3d>
+    <dgm:sp3d/>
+    <dgm:txPr/>
+    <dgm:style>
+      <a:lnRef idx="2">
+        <a:scrgbClr r="0" g="0" b="0"/>
+      </a:lnRef>
+      <a:fillRef idx="0">
+        <a:scrgbClr r="0" g="0" b="0"/>
+      </a:fillRef>
+      <a:effectRef idx="0">
+        <a:scrgbClr r="0" g="0" b="0"/>
+      </a:effectRef>
+      <a:fontRef idx="minor"/>
+    </dgm:style>
+  </dgm:styleLbl>
+  <dgm:styleLbl name="fgAcc1">
+    <dgm:scene3d>
+      <a:camera prst="orthographicFront"/>
+      <a:lightRig rig="threePt" dir="t"/>
+    </dgm:scene3d>
+    <dgm:sp3d/>
+    <dgm:txPr/>
+    <dgm:style>
+      <a:lnRef idx="2">
+        <a:scrgbClr r="0" g="0" b="0"/>
+      </a:lnRef>
+      <a:fillRef idx="1">
+        <a:scrgbClr r="0" g="0" b="0"/>
+      </a:fillRef>
+      <a:effectRef idx="0">
+        <a:scrgbClr r="0" g="0" b="0"/>
+      </a:effectRef>
+      <a:fontRef idx="minor"/>
+    </dgm:style>
+  </dgm:styleLbl>
+  <dgm:styleLbl name="conFgAcc1">
+    <dgm:scene3d>
+      <a:camera prst="orthographicFront"/>
+      <a:lightRig rig="threePt" dir="t"/>
+    </dgm:scene3d>
+    <dgm:sp3d/>
+    <dgm:txPr/>
+    <dgm:style>
+      <a:lnRef idx="2">
+        <a:scrgbClr r="0" g="0" b="0"/>
+      </a:lnRef>
+      <a:fillRef idx="1">
+        <a:scrgbClr r="0" g="0" b="0"/>
+      </a:fillRef>
+      <a:effectRef idx="0">
+        <a:scrgbClr r="0" g="0" b="0"/>
+      </a:effectRef>
+      <a:fontRef idx="minor"/>
+    </dgm:style>
+  </dgm:styleLbl>
+  <dgm:styleLbl name="alignAcc1">
+    <dgm:scene3d>
+      <a:camera prst="orthographicFront"/>
+      <a:lightRig rig="threePt" dir="t"/>
+    </dgm:scene3d>
+    <dgm:sp3d/>
+    <dgm:txPr/>
+    <dgm:style>
+      <a:lnRef idx="2">
+        <a:scrgbClr r="0" g="0" b="0"/>
+      </a:lnRef>
+      <a:fillRef idx="1">
+        <a:scrgbClr r="0" g="0" b="0"/>
+      </a:fillRef>
+      <a:effectRef idx="0">
+        <a:scrgbClr r="0" g="0" b="0"/>
+      </a:effectRef>
+      <a:fontRef idx="minor"/>
+    </dgm:style>
+  </dgm:styleLbl>
+  <dgm:styleLbl name="trAlignAcc1">
+    <dgm:scene3d>
+      <a:camera prst="orthographicFront"/>
+      <a:lightRig rig="threePt" dir="t"/>
+    </dgm:scene3d>
+    <dgm:sp3d/>
+    <dgm:txPr/>
+    <dgm:style>
+      <a:lnRef idx="1">
+        <a:scrgbClr r="0" g="0" b="0"/>
+      </a:lnRef>
+      <a:fillRef idx="1">
+        <a:scrgbClr r="0" g="0" b="0"/>
+      </a:fillRef>
+      <a:effectRef idx="0">
+        <a:scrgbClr r="0" g="0" b="0"/>
+      </a:effectRef>
+      <a:fontRef idx="minor"/>
+    </dgm:style>
+  </dgm:styleLbl>
+  <dgm:styleLbl name="bgAcc1">
+    <dgm:scene3d>
+      <a:camera prst="orthographicFront"/>
+      <a:lightRig rig="threePt" dir="t"/>
+    </dgm:scene3d>
+    <dgm:sp3d/>
+    <dgm:txPr/>
+    <dgm:style>
+      <a:lnRef idx="2">
+        <a:scrgbClr r="0" g="0" b="0"/>
+      </a:lnRef>
+      <a:fillRef idx="1">
+        <a:scrgbClr r="0" g="0" b="0"/>
+      </a:fillRef>
+      <a:effectRef idx="0">
+        <a:scrgbClr r="0" g="0" b="0"/>
+      </a:effectRef>
+      <a:fontRef idx="minor"/>
+    </dgm:style>
+  </dgm:styleLbl>
+  <dgm:styleLbl name="solidFgAcc1">
+    <dgm:scene3d>
+      <a:camera prst="orthographicFront"/>
+      <a:lightRig rig="threePt" dir="t"/>
+    </dgm:scene3d>
+    <dgm:sp3d/>
+    <dgm:txPr/>
+    <dgm:style>
+      <a:lnRef idx="2">
+        <a:scrgbClr r="0" g="0" b="0"/>
+      </a:lnRef>
+      <a:fillRef idx="1">
+        <a:scrgbClr r="0" g="0" b="0"/>
+      </a:fillRef>
+      <a:effectRef idx="0">
+        <a:scrgbClr r="0" g="0" b="0"/>
+      </a:effectRef>
+      <a:fontRef idx="minor"/>
+    </dgm:style>
+  </dgm:styleLbl>
+  <dgm:styleLbl name="solidAlignAcc1">
+    <dgm:scene3d>
+      <a:camera prst="orthographicFront"/>
+      <a:lightRig rig="threePt" dir="t"/>
+    </dgm:scene3d>
+    <dgm:sp3d/>
+    <dgm:txPr/>
+    <dgm:style>
+      <a:lnRef idx="2">
+        <a:scrgbClr r="0" g="0" b="0"/>
+      </a:lnRef>
+      <a:fillRef idx="1">
+        <a:scrgbClr r="0" g="0" b="0"/>
+      </a:fillRef>
+      <a:effectRef idx="0">
+        <a:scrgbClr r="0" g="0" b="0"/>
+      </a:effectRef>
+      <a:fontRef idx="minor"/>
+    </dgm:style>
+  </dgm:styleLbl>
+  <dgm:styleLbl name="solidBgAcc1">
+    <dgm:scene3d>
+      <a:camera prst="orthographicFront"/>
+      <a:lightRig rig="threePt" dir="t"/>
+    </dgm:scene3d>
+    <dgm:sp3d/>
+    <dgm:txPr/>
+    <dgm:style>
+      <a:lnRef idx="2">
+        <a:scrgbClr r="0" g="0" b="0"/>
+      </a:lnRef>
+      <a:fillRef idx="1">
+        <a:scrgbClr r="0" g="0" b="0"/>
+      </a:fillRef>
+      <a:effectRef idx="0">
+        <a:scrgbClr r="0" g="0" b="0"/>
+      </a:effectRef>
+      <a:fontRef idx="minor"/>
+    </dgm:style>
+  </dgm:styleLbl>
+  <dgm:styleLbl name="fgAccFollowNode1">
+    <dgm:scene3d>
+      <a:camera prst="orthographicFront"/>
+      <a:lightRig rig="threePt" dir="t"/>
+    </dgm:scene3d>
+    <dgm:sp3d/>
+    <dgm:txPr/>
+    <dgm:style>
+      <a:lnRef idx="2">
+        <a:scrgbClr r="0" g="0" b="0"/>
+      </a:lnRef>
+      <a:fillRef idx="1">
+        <a:scrgbClr r="0" g="0" b="0"/>
+      </a:fillRef>
+      <a:effectRef idx="0">
+        <a:scrgbClr r="0" g="0" b="0"/>
+      </a:effectRef>
+      <a:fontRef idx="minor"/>
+    </dgm:style>
+  </dgm:styleLbl>
+  <dgm:styleLbl name="alignAccFollowNode1">
+    <dgm:scene3d>
+      <a:camera prst="orthographicFront"/>
+      <a:lightRig rig="threePt" dir="t"/>
+    </dgm:scene3d>
+    <dgm:sp3d/>
+    <dgm:txPr/>
+    <dgm:style>
+      <a:lnRef idx="2">
+        <a:scrgbClr r="0" g="0" b="0"/>
+      </a:lnRef>
+      <a:fillRef idx="1">
+        <a:scrgbClr r="0" g="0" b="0"/>
+      </a:fillRef>
+      <a:effectRef idx="0">
+        <a:scrgbClr r="0" g="0" b="0"/>
+      </a:effectRef>
+      <a:fontRef idx="minor"/>
+    </dgm:style>
+  </dgm:styleLbl>
+  <dgm:styleLbl name="bgAccFollowNode1">
+    <dgm:scene3d>
+      <a:camera prst="orthographicFront"/>
+      <a:lightRig rig="threePt" dir="t"/>
+    </dgm:scene3d>
+    <dgm:sp3d/>
+    <dgm:txPr/>
+    <dgm:style>
+      <a:lnRef idx="2">
+        <a:scrgbClr r="0" g="0" b="0"/>
+      </a:lnRef>
+      <a:fillRef idx="1">
+        <a:scrgbClr r="0" g="0" b="0"/>
+      </a:fillRef>
+      <a:effectRef idx="0">
+        <a:scrgbClr r="0" g="0" b="0"/>
+      </a:effectRef>
+      <a:fontRef idx="minor"/>
+    </dgm:style>
+  </dgm:styleLbl>
+  <dgm:styleLbl name="fgAcc0">
+    <dgm:scene3d>
+      <a:camera prst="orthographicFront"/>
+      <a:lightRig rig="threePt" dir="t"/>
+    </dgm:scene3d>
+    <dgm:sp3d/>
+    <dgm:txPr/>
+    <dgm:style>
+      <a:lnRef idx="2">
+        <a:scrgbClr r="0" g="0" b="0"/>
+      </a:lnRef>
+      <a:fillRef idx="1">
+        <a:scrgbClr r="0" g="0" b="0"/>
+      </a:fillRef>
+      <a:effectRef idx="0">
+        <a:scrgbClr r="0" g="0" b="0"/>
+      </a:effectRef>
+      <a:fontRef idx="minor"/>
+    </dgm:style>
+  </dgm:styleLbl>
+  <dgm:styleLbl name="fgAcc2">
+    <dgm:scene3d>
+      <a:camera prst="orthographicFront"/>
+      <a:lightRig rig="threePt" dir="t"/>
+    </dgm:scene3d>
+    <dgm:sp3d/>
+    <dgm:txPr/>
+    <dgm:style>
+      <a:lnRef idx="2">
+        <a:scrgbClr r="0" g="0" b="0"/>
+      </a:lnRef>
+      <a:fillRef idx="1">
+        <a:scrgbClr r="0" g="0" b="0"/>
+      </a:fillRef>
+      <a:effectRef idx="0">
+        <a:scrgbClr r="0" g="0" b="0"/>
+      </a:effectRef>
+      <a:fontRef idx="minor"/>
+    </dgm:style>
+  </dgm:styleLbl>
+  <dgm:styleLbl name="fgAcc3">
+    <dgm:scene3d>
+      <a:camera prst="orthographicFront"/>
+      <a:lightRig rig="threePt" dir="t"/>
+    </dgm:scene3d>
+    <dgm:sp3d/>
+    <dgm:txPr/>
+    <dgm:style>
+      <a:lnRef idx="2">
+        <a:scrgbClr r="0" g="0" b="0"/>
+      </a:lnRef>
+      <a:fillRef idx="1">
+        <a:scrgbClr r="0" g="0" b="0"/>
+      </a:fillRef>
+      <a:effectRef idx="0">
+        <a:scrgbClr r="0" g="0" b="0"/>
+      </a:effectRef>
+      <a:fontRef idx="minor"/>
+    </dgm:style>
+  </dgm:styleLbl>
+  <dgm:styleLbl name="fgAcc4">
+    <dgm:scene3d>
+      <a:camera prst="orthographicFront"/>
+      <a:lightRig rig="threePt" dir="t"/>
+    </dgm:scene3d>
+    <dgm:sp3d/>
+    <dgm:txPr/>
+    <dgm:style>
+      <a:lnRef idx="2">
+        <a:scrgbClr r="0" g="0" b="0"/>
+      </a:lnRef>
+      <a:fillRef idx="1">
+        <a:scrgbClr r="0" g="0" b="0"/>
+      </a:fillRef>
+      <a:effectRef idx="0">
+        <a:scrgbClr r="0" g="0" b="0"/>
+      </a:effectRef>
+      <a:fontRef idx="minor"/>
+    </dgm:style>
+  </dgm:styleLbl>
+  <dgm:styleLbl name="bgShp">
+    <dgm:scene3d>
+      <a:camera prst="orthographicFront"/>
+      <a:lightRig rig="threePt" dir="t"/>
+    </dgm:scene3d>
+    <dgm:sp3d/>
+    <dgm:txPr/>
+    <dgm:style>
+      <a:lnRef idx="0">
+        <a:scrgbClr r="0" g="0" b="0"/>
+      </a:lnRef>
+      <a:fillRef idx="1">
+        <a:scrgbClr r="0" g="0" b="0"/>
+      </a:fillRef>
+      <a:effectRef idx="0">
+        <a:scrgbClr r="0" g="0" b="0"/>
+      </a:effectRef>
+      <a:fontRef idx="minor"/>
+    </dgm:style>
+  </dgm:styleLbl>
+  <dgm:styleLbl name="dkBgShp">
+    <dgm:scene3d>
+      <a:camera prst="orthographicFront"/>
+      <a:lightRig rig="threePt" dir="t"/>
+    </dgm:scene3d>
+    <dgm:sp3d/>
+    <dgm:txPr/>
+    <dgm:style>
+      <a:lnRef idx="0">
+        <a:scrgbClr r="0" g="0" b="0"/>
+      </a:lnRef>
+      <a:fillRef idx="1">
+        <a:scrgbClr r="0" g="0" b="0"/>
+      </a:fillRef>
+      <a:effectRef idx="0">
+        <a:scrgbClr r="0" g="0" b="0"/>
+      </a:effectRef>
+      <a:fontRef idx="minor"/>
+    </dgm:style>
+  </dgm:styleLbl>
+  <dgm:styleLbl name="trBgShp">
+    <dgm:scene3d>
+      <a:camera prst="orthographicFront"/>
+      <a:lightRig rig="threePt" dir="t"/>
+    </dgm:scene3d>
+    <dgm:sp3d/>
+    <dgm:txPr/>
+    <dgm:style>
+      <a:lnRef idx="0">
+        <a:scrgbClr r="0" g="0" b="0"/>
+      </a:lnRef>
+      <a:fillRef idx="1">
+        <a:scrgbClr r="0" g="0" b="0"/>
+      </a:fillRef>
+      <a:effectRef idx="0">
+        <a:scrgbClr r="0" g="0" b="0"/>
+      </a:effectRef>
+      <a:fontRef idx="minor"/>
+    </dgm:style>
+  </dgm:styleLbl>
+  <dgm:styleLbl name="fgShp">
+    <dgm:scene3d>
+      <a:camera prst="orthographicFront"/>
+      <a:lightRig rig="threePt" dir="t"/>
+    </dgm:scene3d>
+    <dgm:sp3d/>
+    <dgm:txPr/>
+    <dgm:style>
+      <a:lnRef idx="2">
+        <a:scrgbClr r="0" g="0" b="0"/>
+      </a:lnRef>
+      <a:fillRef idx="1">
+        <a:scrgbClr r="0" g="0" b="0"/>
+      </a:fillRef>
+      <a:effectRef idx="0">
+        <a:scrgbClr r="0" g="0" b="0"/>
+      </a:effectRef>
+      <a:fontRef idx="minor"/>
+    </dgm:style>
+  </dgm:styleLbl>
+  <dgm:styleLbl name="revTx">
+    <dgm:scene3d>
+      <a:camera prst="orthographicFront"/>
+      <a:lightRig rig="threePt" dir="t"/>
+    </dgm:scene3d>
+    <dgm:sp3d/>
+    <dgm:txPr/>
+    <dgm:style>
+      <a:lnRef idx="0">
+        <a:scrgbClr r="0" g="0" b="0"/>
+      </a:lnRef>
+      <a:fillRef idx="0">
+        <a:scrgbClr r="0" g="0" b="0"/>
+      </a:fillRef>
+      <a:effectRef idx="0">
+        <a:scrgbClr r="0" g="0" b="0"/>
+      </a:effectRef>
+      <a:fontRef idx="minor"/>
+    </dgm:style>
+  </dgm:styleLbl>
+</dgm:styleDef>
+</file>
+
 <file path=ppt/notesMasters/notesMaster1.xml><?xml version="1.0" encoding="utf-8"?>
 <p:notesMaster xmlns:a="http://schemas.openxmlformats.org/drawingml/2006/main" xmlns:r="http://schemas.openxmlformats.org/officeDocument/2006/relationships" xmlns:p="http://schemas.openxmlformats.org/presentationml/2006/main">
   <p:cSld>
@@ -218,7 +4565,7 @@
           <a:p>
             <a:fld id="{9B69B9FF-71BF-6149-A0CB-459184DAAD9F}" type="datetimeFigureOut">
               <a:rPr lang="en-US" smtClean="0"/>
-              <a:t>4/5/17</a:t>
+              <a:t>4/1/19</a:t>
             </a:fld>
             <a:endParaRPr lang="en-US"/>
           </a:p>
@@ -282,38 +4629,37 @@
           <a:p>
             <a:pPr lvl="0"/>
             <a:r>
-              <a:rPr lang="en-US" smtClean="0"/>
+              <a:rPr lang="en-US"/>
               <a:t>Click to edit Master text styles</a:t>
             </a:r>
           </a:p>
           <a:p>
             <a:pPr lvl="1"/>
             <a:r>
-              <a:rPr lang="en-US" smtClean="0"/>
+              <a:rPr lang="en-US"/>
               <a:t>Second level</a:t>
             </a:r>
           </a:p>
           <a:p>
             <a:pPr lvl="2"/>
             <a:r>
-              <a:rPr lang="en-US" smtClean="0"/>
+              <a:rPr lang="en-US"/>
               <a:t>Third level</a:t>
             </a:r>
           </a:p>
           <a:p>
             <a:pPr lvl="3"/>
             <a:r>
-              <a:rPr lang="en-US" smtClean="0"/>
+              <a:rPr lang="en-US"/>
               <a:t>Fourth level</a:t>
             </a:r>
           </a:p>
           <a:p>
             <a:pPr lvl="4"/>
             <a:r>
-              <a:rPr lang="en-US" smtClean="0"/>
+              <a:rPr lang="en-US"/>
               <a:t>Fifth level</a:t>
             </a:r>
-            <a:endParaRPr lang="en-US"/>
           </a:p>
         </p:txBody>
       </p:sp>
@@ -524,10 +4870,9 @@
           <a:lstStyle/>
           <a:p>
             <a:r>
-              <a:rPr lang="en-US" smtClean="0"/>
+              <a:rPr lang="en-US"/>
               <a:t>Click to edit Master title style</a:t>
             </a:r>
-            <a:endParaRPr lang="en-US"/>
           </a:p>
         </p:txBody>
       </p:sp>
@@ -644,7 +4989,7 @@
           </a:lstStyle>
           <a:p>
             <a:r>
-              <a:rPr lang="en-US" smtClean="0"/>
+              <a:rPr lang="en-US"/>
               <a:t>Click to edit Master subtitle style</a:t>
             </a:r>
             <a:endParaRPr lang="en-US" dirty="0"/>
@@ -691,7 +5036,7 @@
           <a:lstStyle/>
           <a:p>
             <a:pPr algn="l"/>
-            <a:endParaRPr lang="en-US" sz="1400" dirty="0" smtClean="0">
+            <a:endParaRPr lang="en-US" sz="1400" dirty="0">
               <a:latin typeface="Arial"/>
               <a:cs typeface="Arial"/>
             </a:endParaRPr>
@@ -699,42 +5044,42 @@
           <a:p>
             <a:pPr algn="l"/>
             <a:r>
-              <a:rPr lang="en-US" sz="1400" dirty="0" err="1" smtClean="0">
+              <a:rPr lang="en-US" sz="1400" dirty="0" err="1">
                 <a:latin typeface="Arial"/>
                 <a:cs typeface="Arial"/>
               </a:rPr>
               <a:t>Rayid</a:t>
             </a:r>
             <a:r>
-              <a:rPr lang="en-US" sz="1400" baseline="0" dirty="0" smtClean="0">
+              <a:rPr lang="en-US" sz="1400" baseline="0" dirty="0">
                 <a:latin typeface="Arial"/>
                 <a:cs typeface="Arial"/>
               </a:rPr>
               <a:t> </a:t>
             </a:r>
             <a:r>
-              <a:rPr lang="en-US" sz="1400" baseline="0" dirty="0" err="1" smtClean="0">
+              <a:rPr lang="en-US" sz="1400" baseline="0" dirty="0" err="1">
                 <a:latin typeface="Arial"/>
                 <a:cs typeface="Arial"/>
               </a:rPr>
               <a:t>Ghani</a:t>
             </a:r>
             <a:r>
-              <a:rPr lang="en-US" sz="1400" baseline="0" dirty="0" smtClean="0">
+              <a:rPr lang="en-US" sz="1400" baseline="0" dirty="0">
                 <a:latin typeface="Arial"/>
                 <a:cs typeface="Arial"/>
               </a:rPr>
               <a:t>															@</a:t>
             </a:r>
             <a:r>
-              <a:rPr lang="en-US" sz="1400" baseline="0" dirty="0" err="1" smtClean="0">
+              <a:rPr lang="en-US" sz="1400" baseline="0" dirty="0" err="1">
                 <a:latin typeface="Arial"/>
                 <a:cs typeface="Arial"/>
               </a:rPr>
               <a:t>rayidghani</a:t>
             </a:r>
             <a:r>
-              <a:rPr lang="en-US" sz="1400" baseline="0" dirty="0" smtClean="0">
+              <a:rPr lang="en-US" sz="1400" baseline="0" dirty="0">
                 <a:latin typeface="Arial"/>
                 <a:cs typeface="Arial"/>
               </a:rPr>
@@ -823,10 +5168,9 @@
           <a:lstStyle/>
           <a:p>
             <a:r>
-              <a:rPr lang="en-US" smtClean="0"/>
+              <a:rPr lang="en-US"/>
               <a:t>Click to edit Master title style</a:t>
             </a:r>
-            <a:endParaRPr lang="en-US"/>
           </a:p>
         </p:txBody>
       </p:sp>
@@ -847,38 +5191,37 @@
           <a:p>
             <a:pPr lvl="0"/>
             <a:r>
-              <a:rPr lang="en-US" smtClean="0"/>
+              <a:rPr lang="en-US"/>
               <a:t>Click to edit Master text styles</a:t>
             </a:r>
           </a:p>
           <a:p>
             <a:pPr lvl="1"/>
             <a:r>
-              <a:rPr lang="en-US" smtClean="0"/>
+              <a:rPr lang="en-US"/>
               <a:t>Second level</a:t>
             </a:r>
           </a:p>
           <a:p>
             <a:pPr lvl="2"/>
             <a:r>
-              <a:rPr lang="en-US" smtClean="0"/>
+              <a:rPr lang="en-US"/>
               <a:t>Third level</a:t>
             </a:r>
           </a:p>
           <a:p>
             <a:pPr lvl="3"/>
             <a:r>
-              <a:rPr lang="en-US" smtClean="0"/>
+              <a:rPr lang="en-US"/>
               <a:t>Fourth level</a:t>
             </a:r>
           </a:p>
           <a:p>
             <a:pPr lvl="4"/>
             <a:r>
-              <a:rPr lang="en-US" smtClean="0"/>
+              <a:rPr lang="en-US"/>
               <a:t>Fifth level</a:t>
             </a:r>
-            <a:endParaRPr lang="en-US"/>
           </a:p>
         </p:txBody>
       </p:sp>
@@ -899,7 +5242,7 @@
           <a:p>
             <a:fld id="{7C0312F8-2DE2-6B40-83C5-731724CAE2B0}" type="datetimeFigureOut">
               <a:rPr lang="en-US" smtClean="0"/>
-              <a:t>4/5/17</a:t>
+              <a:t>4/1/19</a:t>
             </a:fld>
             <a:endParaRPr lang="en-US"/>
           </a:p>
@@ -998,10 +5341,9 @@
           <a:lstStyle/>
           <a:p>
             <a:r>
-              <a:rPr lang="en-US" smtClean="0"/>
+              <a:rPr lang="en-US"/>
               <a:t>Click to edit Master title style</a:t>
             </a:r>
-            <a:endParaRPr lang="en-US"/>
           </a:p>
         </p:txBody>
       </p:sp>
@@ -1027,38 +5369,37 @@
           <a:p>
             <a:pPr lvl="0"/>
             <a:r>
-              <a:rPr lang="en-US" smtClean="0"/>
+              <a:rPr lang="en-US"/>
               <a:t>Click to edit Master text styles</a:t>
             </a:r>
           </a:p>
           <a:p>
             <a:pPr lvl="1"/>
             <a:r>
-              <a:rPr lang="en-US" smtClean="0"/>
+              <a:rPr lang="en-US"/>
               <a:t>Second level</a:t>
             </a:r>
           </a:p>
           <a:p>
             <a:pPr lvl="2"/>
             <a:r>
-              <a:rPr lang="en-US" smtClean="0"/>
+              <a:rPr lang="en-US"/>
               <a:t>Third level</a:t>
             </a:r>
           </a:p>
           <a:p>
             <a:pPr lvl="3"/>
             <a:r>
-              <a:rPr lang="en-US" smtClean="0"/>
+              <a:rPr lang="en-US"/>
               <a:t>Fourth level</a:t>
             </a:r>
           </a:p>
           <a:p>
             <a:pPr lvl="4"/>
             <a:r>
-              <a:rPr lang="en-US" smtClean="0"/>
+              <a:rPr lang="en-US"/>
               <a:t>Fifth level</a:t>
             </a:r>
-            <a:endParaRPr lang="en-US"/>
           </a:p>
         </p:txBody>
       </p:sp>
@@ -1079,7 +5420,7 @@
           <a:p>
             <a:fld id="{7C0312F8-2DE2-6B40-83C5-731724CAE2B0}" type="datetimeFigureOut">
               <a:rPr lang="en-US" smtClean="0"/>
-              <a:t>4/5/17</a:t>
+              <a:t>4/1/19</a:t>
             </a:fld>
             <a:endParaRPr lang="en-US"/>
           </a:p>
@@ -1179,35 +5520,35 @@
           <a:p>
             <a:pPr lvl="0"/>
             <a:r>
-              <a:rPr lang="en-US" smtClean="0"/>
+              <a:rPr lang="en-US"/>
               <a:t>Click to edit Master text styles</a:t>
             </a:r>
           </a:p>
           <a:p>
             <a:pPr lvl="1"/>
             <a:r>
-              <a:rPr lang="en-US" smtClean="0"/>
+              <a:rPr lang="en-US"/>
               <a:t>Second level</a:t>
             </a:r>
           </a:p>
           <a:p>
             <a:pPr lvl="2"/>
             <a:r>
-              <a:rPr lang="en-US" smtClean="0"/>
+              <a:rPr lang="en-US"/>
               <a:t>Third level</a:t>
             </a:r>
           </a:p>
           <a:p>
             <a:pPr lvl="3"/>
             <a:r>
-              <a:rPr lang="en-US" smtClean="0"/>
+              <a:rPr lang="en-US"/>
               <a:t>Fourth level</a:t>
             </a:r>
           </a:p>
           <a:p>
             <a:pPr lvl="4"/>
             <a:r>
-              <a:rPr lang="en-US" smtClean="0"/>
+              <a:rPr lang="en-US"/>
               <a:t>Fifth level</a:t>
             </a:r>
             <a:endParaRPr lang="en-US" dirty="0"/>
@@ -1254,7 +5595,7 @@
           <a:lstStyle/>
           <a:p>
             <a:pPr algn="l"/>
-            <a:endParaRPr lang="en-US" sz="1400" dirty="0" smtClean="0">
+            <a:endParaRPr lang="en-US" sz="1400" dirty="0">
               <a:latin typeface="Arial"/>
               <a:cs typeface="Arial"/>
             </a:endParaRPr>
@@ -1262,42 +5603,42 @@
           <a:p>
             <a:pPr algn="l"/>
             <a:r>
-              <a:rPr lang="en-US" sz="1400" dirty="0" err="1" smtClean="0">
+              <a:rPr lang="en-US" sz="1400" dirty="0" err="1">
                 <a:latin typeface="Arial"/>
                 <a:cs typeface="Arial"/>
               </a:rPr>
               <a:t>Rayid</a:t>
             </a:r>
             <a:r>
-              <a:rPr lang="en-US" sz="1400" baseline="0" dirty="0" smtClean="0">
+              <a:rPr lang="en-US" sz="1400" baseline="0" dirty="0">
                 <a:latin typeface="Arial"/>
                 <a:cs typeface="Arial"/>
               </a:rPr>
               <a:t> </a:t>
             </a:r>
             <a:r>
-              <a:rPr lang="en-US" sz="1400" baseline="0" dirty="0" err="1" smtClean="0">
+              <a:rPr lang="en-US" sz="1400" baseline="0" dirty="0" err="1">
                 <a:latin typeface="Arial"/>
                 <a:cs typeface="Arial"/>
               </a:rPr>
               <a:t>Ghani</a:t>
             </a:r>
             <a:r>
-              <a:rPr lang="en-US" sz="1400" baseline="0" dirty="0" smtClean="0">
+              <a:rPr lang="en-US" sz="1400" baseline="0" dirty="0">
                 <a:latin typeface="Arial"/>
                 <a:cs typeface="Arial"/>
               </a:rPr>
               <a:t>															@</a:t>
             </a:r>
             <a:r>
-              <a:rPr lang="en-US" sz="1400" baseline="0" dirty="0" err="1" smtClean="0">
+              <a:rPr lang="en-US" sz="1400" baseline="0" dirty="0" err="1">
                 <a:latin typeface="Arial"/>
                 <a:cs typeface="Arial"/>
               </a:rPr>
               <a:t>rayidghani</a:t>
             </a:r>
             <a:r>
-              <a:rPr lang="en-US" sz="1400" baseline="0" dirty="0" smtClean="0">
+              <a:rPr lang="en-US" sz="1400" baseline="0" dirty="0">
                 <a:latin typeface="Arial"/>
                 <a:cs typeface="Arial"/>
               </a:rPr>
@@ -1350,7 +5691,7 @@
           <a:lstStyle/>
           <a:p>
             <a:pPr algn="l"/>
-            <a:endParaRPr lang="en-US" sz="1400" dirty="0" smtClean="0">
+            <a:endParaRPr lang="en-US" sz="1400" dirty="0">
               <a:latin typeface="Arial"/>
               <a:cs typeface="Arial"/>
             </a:endParaRPr>
@@ -1388,7 +5729,7 @@
           </a:lstStyle>
           <a:p>
             <a:r>
-              <a:rPr lang="en-US" smtClean="0"/>
+              <a:rPr lang="en-US"/>
               <a:t>Click to edit Master title style</a:t>
             </a:r>
             <a:endParaRPr lang="en-US" dirty="0"/>
@@ -1450,10 +5791,9 @@
           </a:lstStyle>
           <a:p>
             <a:r>
-              <a:rPr lang="en-US" smtClean="0"/>
+              <a:rPr lang="en-US"/>
               <a:t>Click to edit Master title style</a:t>
             </a:r>
-            <a:endParaRPr lang="en-US"/>
           </a:p>
         </p:txBody>
       </p:sp>
@@ -1570,7 +5910,7 @@
           <a:p>
             <a:pPr lvl="0"/>
             <a:r>
-              <a:rPr lang="en-US" smtClean="0"/>
+              <a:rPr lang="en-US"/>
               <a:t>Click to edit Master text styles</a:t>
             </a:r>
           </a:p>
@@ -1593,7 +5933,7 @@
           <a:p>
             <a:fld id="{7C0312F8-2DE2-6B40-83C5-731724CAE2B0}" type="datetimeFigureOut">
               <a:rPr lang="en-US" smtClean="0"/>
-              <a:t>4/5/17</a:t>
+              <a:t>4/1/19</a:t>
             </a:fld>
             <a:endParaRPr lang="en-US"/>
           </a:p>
@@ -1687,10 +6027,9 @@
           <a:lstStyle/>
           <a:p>
             <a:r>
-              <a:rPr lang="en-US" smtClean="0"/>
+              <a:rPr lang="en-US"/>
               <a:t>Click to edit Master title style</a:t>
             </a:r>
-            <a:endParaRPr lang="en-US"/>
           </a:p>
         </p:txBody>
       </p:sp>
@@ -1744,38 +6083,37 @@
           <a:p>
             <a:pPr lvl="0"/>
             <a:r>
-              <a:rPr lang="en-US" smtClean="0"/>
+              <a:rPr lang="en-US"/>
               <a:t>Click to edit Master text styles</a:t>
             </a:r>
           </a:p>
           <a:p>
             <a:pPr lvl="1"/>
             <a:r>
-              <a:rPr lang="en-US" smtClean="0"/>
+              <a:rPr lang="en-US"/>
               <a:t>Second level</a:t>
             </a:r>
           </a:p>
           <a:p>
             <a:pPr lvl="2"/>
             <a:r>
-              <a:rPr lang="en-US" smtClean="0"/>
+              <a:rPr lang="en-US"/>
               <a:t>Third level</a:t>
             </a:r>
           </a:p>
           <a:p>
             <a:pPr lvl="3"/>
             <a:r>
-              <a:rPr lang="en-US" smtClean="0"/>
+              <a:rPr lang="en-US"/>
               <a:t>Fourth level</a:t>
             </a:r>
           </a:p>
           <a:p>
             <a:pPr lvl="4"/>
             <a:r>
-              <a:rPr lang="en-US" smtClean="0"/>
+              <a:rPr lang="en-US"/>
               <a:t>Fifth level</a:t>
             </a:r>
-            <a:endParaRPr lang="en-US"/>
           </a:p>
         </p:txBody>
       </p:sp>
@@ -1829,38 +6167,37 @@
           <a:p>
             <a:pPr lvl="0"/>
             <a:r>
-              <a:rPr lang="en-US" smtClean="0"/>
+              <a:rPr lang="en-US"/>
               <a:t>Click to edit Master text styles</a:t>
             </a:r>
           </a:p>
           <a:p>
             <a:pPr lvl="1"/>
             <a:r>
-              <a:rPr lang="en-US" smtClean="0"/>
+              <a:rPr lang="en-US"/>
               <a:t>Second level</a:t>
             </a:r>
           </a:p>
           <a:p>
             <a:pPr lvl="2"/>
             <a:r>
-              <a:rPr lang="en-US" smtClean="0"/>
+              <a:rPr lang="en-US"/>
               <a:t>Third level</a:t>
             </a:r>
           </a:p>
           <a:p>
             <a:pPr lvl="3"/>
             <a:r>
-              <a:rPr lang="en-US" smtClean="0"/>
+              <a:rPr lang="en-US"/>
               <a:t>Fourth level</a:t>
             </a:r>
           </a:p>
           <a:p>
             <a:pPr lvl="4"/>
             <a:r>
-              <a:rPr lang="en-US" smtClean="0"/>
+              <a:rPr lang="en-US"/>
               <a:t>Fifth level</a:t>
             </a:r>
-            <a:endParaRPr lang="en-US"/>
           </a:p>
         </p:txBody>
       </p:sp>
@@ -1881,7 +6218,7 @@
           <a:p>
             <a:fld id="{7C0312F8-2DE2-6B40-83C5-731724CAE2B0}" type="datetimeFigureOut">
               <a:rPr lang="en-US" smtClean="0"/>
-              <a:t>4/5/17</a:t>
+              <a:t>4/1/19</a:t>
             </a:fld>
             <a:endParaRPr lang="en-US"/>
           </a:p>
@@ -1979,10 +6316,9 @@
           </a:lstStyle>
           <a:p>
             <a:r>
-              <a:rPr lang="en-US" smtClean="0"/>
+              <a:rPr lang="en-US"/>
               <a:t>Click to edit Master title style</a:t>
             </a:r>
-            <a:endParaRPr lang="en-US"/>
           </a:p>
         </p:txBody>
       </p:sp>
@@ -2045,7 +6381,7 @@
           <a:p>
             <a:pPr lvl="0"/>
             <a:r>
-              <a:rPr lang="en-US" smtClean="0"/>
+              <a:rPr lang="en-US"/>
               <a:t>Click to edit Master text styles</a:t>
             </a:r>
           </a:p>
@@ -2101,38 +6437,37 @@
           <a:p>
             <a:pPr lvl="0"/>
             <a:r>
-              <a:rPr lang="en-US" smtClean="0"/>
+              <a:rPr lang="en-US"/>
               <a:t>Click to edit Master text styles</a:t>
             </a:r>
           </a:p>
           <a:p>
             <a:pPr lvl="1"/>
             <a:r>
-              <a:rPr lang="en-US" smtClean="0"/>
+              <a:rPr lang="en-US"/>
               <a:t>Second level</a:t>
             </a:r>
           </a:p>
           <a:p>
             <a:pPr lvl="2"/>
             <a:r>
-              <a:rPr lang="en-US" smtClean="0"/>
+              <a:rPr lang="en-US"/>
               <a:t>Third level</a:t>
             </a:r>
           </a:p>
           <a:p>
             <a:pPr lvl="3"/>
             <a:r>
-              <a:rPr lang="en-US" smtClean="0"/>
+              <a:rPr lang="en-US"/>
               <a:t>Fourth level</a:t>
             </a:r>
           </a:p>
           <a:p>
             <a:pPr lvl="4"/>
             <a:r>
-              <a:rPr lang="en-US" smtClean="0"/>
+              <a:rPr lang="en-US"/>
               <a:t>Fifth level</a:t>
             </a:r>
-            <a:endParaRPr lang="en-US"/>
           </a:p>
         </p:txBody>
       </p:sp>
@@ -2195,7 +6530,7 @@
           <a:p>
             <a:pPr lvl="0"/>
             <a:r>
-              <a:rPr lang="en-US" smtClean="0"/>
+              <a:rPr lang="en-US"/>
               <a:t>Click to edit Master text styles</a:t>
             </a:r>
           </a:p>
@@ -2251,38 +6586,37 @@
           <a:p>
             <a:pPr lvl="0"/>
             <a:r>
-              <a:rPr lang="en-US" smtClean="0"/>
+              <a:rPr lang="en-US"/>
               <a:t>Click to edit Master text styles</a:t>
             </a:r>
           </a:p>
           <a:p>
             <a:pPr lvl="1"/>
             <a:r>
-              <a:rPr lang="en-US" smtClean="0"/>
+              <a:rPr lang="en-US"/>
               <a:t>Second level</a:t>
             </a:r>
           </a:p>
           <a:p>
             <a:pPr lvl="2"/>
             <a:r>
-              <a:rPr lang="en-US" smtClean="0"/>
+              <a:rPr lang="en-US"/>
               <a:t>Third level</a:t>
             </a:r>
           </a:p>
           <a:p>
             <a:pPr lvl="3"/>
             <a:r>
-              <a:rPr lang="en-US" smtClean="0"/>
+              <a:rPr lang="en-US"/>
               <a:t>Fourth level</a:t>
             </a:r>
           </a:p>
           <a:p>
             <a:pPr lvl="4"/>
             <a:r>
-              <a:rPr lang="en-US" smtClean="0"/>
+              <a:rPr lang="en-US"/>
               <a:t>Fifth level</a:t>
             </a:r>
-            <a:endParaRPr lang="en-US"/>
           </a:p>
         </p:txBody>
       </p:sp>
@@ -2303,7 +6637,7 @@
           <a:p>
             <a:fld id="{7C0312F8-2DE2-6B40-83C5-731724CAE2B0}" type="datetimeFigureOut">
               <a:rPr lang="en-US" smtClean="0"/>
-              <a:t>4/5/17</a:t>
+              <a:t>4/1/19</a:t>
             </a:fld>
             <a:endParaRPr lang="en-US"/>
           </a:p>
@@ -2397,10 +6731,9 @@
           <a:lstStyle/>
           <a:p>
             <a:r>
-              <a:rPr lang="en-US" smtClean="0"/>
+              <a:rPr lang="en-US"/>
               <a:t>Click to edit Master title style</a:t>
             </a:r>
-            <a:endParaRPr lang="en-US"/>
           </a:p>
         </p:txBody>
       </p:sp>
@@ -2444,7 +6777,7 @@
           <a:lstStyle/>
           <a:p>
             <a:pPr algn="l"/>
-            <a:endParaRPr lang="en-US" sz="1400" dirty="0" smtClean="0">
+            <a:endParaRPr lang="en-US" sz="1400" dirty="0">
               <a:latin typeface="Arial"/>
               <a:cs typeface="Arial"/>
             </a:endParaRPr>
@@ -2452,42 +6785,42 @@
           <a:p>
             <a:pPr algn="l"/>
             <a:r>
-              <a:rPr lang="en-US" sz="1400" dirty="0" err="1" smtClean="0">
+              <a:rPr lang="en-US" sz="1400" dirty="0" err="1">
                 <a:latin typeface="Arial"/>
                 <a:cs typeface="Arial"/>
               </a:rPr>
               <a:t>Rayid</a:t>
             </a:r>
             <a:r>
-              <a:rPr lang="en-US" sz="1400" baseline="0" dirty="0" smtClean="0">
+              <a:rPr lang="en-US" sz="1400" baseline="0" dirty="0">
                 <a:latin typeface="Arial"/>
                 <a:cs typeface="Arial"/>
               </a:rPr>
               <a:t> </a:t>
             </a:r>
             <a:r>
-              <a:rPr lang="en-US" sz="1400" baseline="0" dirty="0" err="1" smtClean="0">
+              <a:rPr lang="en-US" sz="1400" baseline="0" dirty="0" err="1">
                 <a:latin typeface="Arial"/>
                 <a:cs typeface="Arial"/>
               </a:rPr>
               <a:t>Ghani</a:t>
             </a:r>
             <a:r>
-              <a:rPr lang="en-US" sz="1400" baseline="0" dirty="0" smtClean="0">
+              <a:rPr lang="en-US" sz="1400" baseline="0" dirty="0">
                 <a:latin typeface="Arial"/>
                 <a:cs typeface="Arial"/>
               </a:rPr>
               <a:t>															@</a:t>
             </a:r>
             <a:r>
-              <a:rPr lang="en-US" sz="1400" baseline="0" dirty="0" err="1" smtClean="0">
+              <a:rPr lang="en-US" sz="1400" baseline="0" dirty="0" err="1">
                 <a:latin typeface="Arial"/>
                 <a:cs typeface="Arial"/>
               </a:rPr>
               <a:t>rayidghani</a:t>
             </a:r>
             <a:r>
-              <a:rPr lang="en-US" sz="1400" baseline="0" dirty="0" smtClean="0">
+              <a:rPr lang="en-US" sz="1400" baseline="0" dirty="0">
                 <a:latin typeface="Arial"/>
                 <a:cs typeface="Arial"/>
               </a:rPr>
@@ -2547,7 +6880,7 @@
           <a:p>
             <a:fld id="{7C0312F8-2DE2-6B40-83C5-731724CAE2B0}" type="datetimeFigureOut">
               <a:rPr lang="en-US" smtClean="0"/>
-              <a:t>4/5/17</a:t>
+              <a:t>4/1/19</a:t>
             </a:fld>
             <a:endParaRPr lang="en-US"/>
           </a:p>
@@ -2650,10 +6983,9 @@
           </a:lstStyle>
           <a:p>
             <a:r>
-              <a:rPr lang="en-US" smtClean="0"/>
+              <a:rPr lang="en-US"/>
               <a:t>Click to edit Master title style</a:t>
             </a:r>
-            <a:endParaRPr lang="en-US"/>
           </a:p>
         </p:txBody>
       </p:sp>
@@ -2707,38 +7039,37 @@
           <a:p>
             <a:pPr lvl="0"/>
             <a:r>
-              <a:rPr lang="en-US" smtClean="0"/>
+              <a:rPr lang="en-US"/>
               <a:t>Click to edit Master text styles</a:t>
             </a:r>
           </a:p>
           <a:p>
             <a:pPr lvl="1"/>
             <a:r>
-              <a:rPr lang="en-US" smtClean="0"/>
+              <a:rPr lang="en-US"/>
               <a:t>Second level</a:t>
             </a:r>
           </a:p>
           <a:p>
             <a:pPr lvl="2"/>
             <a:r>
-              <a:rPr lang="en-US" smtClean="0"/>
+              <a:rPr lang="en-US"/>
               <a:t>Third level</a:t>
             </a:r>
           </a:p>
           <a:p>
             <a:pPr lvl="3"/>
             <a:r>
-              <a:rPr lang="en-US" smtClean="0"/>
+              <a:rPr lang="en-US"/>
               <a:t>Fourth level</a:t>
             </a:r>
           </a:p>
           <a:p>
             <a:pPr lvl="4"/>
             <a:r>
-              <a:rPr lang="en-US" smtClean="0"/>
+              <a:rPr lang="en-US"/>
               <a:t>Fifth level</a:t>
             </a:r>
-            <a:endParaRPr lang="en-US"/>
           </a:p>
         </p:txBody>
       </p:sp>
@@ -2801,7 +7132,7 @@
           <a:p>
             <a:pPr lvl="0"/>
             <a:r>
-              <a:rPr lang="en-US" smtClean="0"/>
+              <a:rPr lang="en-US"/>
               <a:t>Click to edit Master text styles</a:t>
             </a:r>
           </a:p>
@@ -2824,7 +7155,7 @@
           <a:p>
             <a:fld id="{7C0312F8-2DE2-6B40-83C5-731724CAE2B0}" type="datetimeFigureOut">
               <a:rPr lang="en-US" smtClean="0"/>
-              <a:t>4/5/17</a:t>
+              <a:t>4/1/19</a:t>
             </a:fld>
             <a:endParaRPr lang="en-US"/>
           </a:p>
@@ -2927,10 +7258,9 @@
           </a:lstStyle>
           <a:p>
             <a:r>
-              <a:rPr lang="en-US" smtClean="0"/>
+              <a:rPr lang="en-US"/>
               <a:t>Click to edit Master title style</a:t>
             </a:r>
-            <a:endParaRPr lang="en-US"/>
           </a:p>
         </p:txBody>
       </p:sp>
@@ -2992,10 +7322,9 @@
           </a:lstStyle>
           <a:p>
             <a:r>
-              <a:rPr lang="en-US" smtClean="0"/>
+              <a:rPr lang="en-US"/>
               <a:t>Drag picture to placeholder or click icon to add</a:t>
             </a:r>
-            <a:endParaRPr lang="en-US"/>
           </a:p>
         </p:txBody>
       </p:sp>
@@ -3058,7 +7387,7 @@
           <a:p>
             <a:pPr lvl="0"/>
             <a:r>
-              <a:rPr lang="en-US" smtClean="0"/>
+              <a:rPr lang="en-US"/>
               <a:t>Click to edit Master text styles</a:t>
             </a:r>
           </a:p>
@@ -3081,7 +7410,7 @@
           <a:p>
             <a:fld id="{7C0312F8-2DE2-6B40-83C5-731724CAE2B0}" type="datetimeFigureOut">
               <a:rPr lang="en-US" smtClean="0"/>
-              <a:t>4/5/17</a:t>
+              <a:t>4/1/19</a:t>
             </a:fld>
             <a:endParaRPr lang="en-US"/>
           </a:p>
@@ -3190,10 +7519,9 @@
           <a:lstStyle/>
           <a:p>
             <a:r>
-              <a:rPr lang="en-US" smtClean="0"/>
+              <a:rPr lang="en-US"/>
               <a:t>Click to edit Master title style</a:t>
             </a:r>
-            <a:endParaRPr lang="en-US"/>
           </a:p>
         </p:txBody>
       </p:sp>
@@ -3224,38 +7552,37 @@
           <a:p>
             <a:pPr lvl="0"/>
             <a:r>
-              <a:rPr lang="en-US" smtClean="0"/>
+              <a:rPr lang="en-US"/>
               <a:t>Click to edit Master text styles</a:t>
             </a:r>
           </a:p>
           <a:p>
             <a:pPr lvl="1"/>
             <a:r>
-              <a:rPr lang="en-US" smtClean="0"/>
+              <a:rPr lang="en-US"/>
               <a:t>Second level</a:t>
             </a:r>
           </a:p>
           <a:p>
             <a:pPr lvl="2"/>
             <a:r>
-              <a:rPr lang="en-US" smtClean="0"/>
+              <a:rPr lang="en-US"/>
               <a:t>Third level</a:t>
             </a:r>
           </a:p>
           <a:p>
             <a:pPr lvl="3"/>
             <a:r>
-              <a:rPr lang="en-US" smtClean="0"/>
+              <a:rPr lang="en-US"/>
               <a:t>Fourth level</a:t>
             </a:r>
           </a:p>
           <a:p>
             <a:pPr lvl="4"/>
             <a:r>
-              <a:rPr lang="en-US" smtClean="0"/>
+              <a:rPr lang="en-US"/>
               <a:t>Fifth level</a:t>
             </a:r>
-            <a:endParaRPr lang="en-US"/>
           </a:p>
         </p:txBody>
       </p:sp>
@@ -3294,7 +7621,7 @@
           <a:p>
             <a:fld id="{7C0312F8-2DE2-6B40-83C5-731724CAE2B0}" type="datetimeFigureOut">
               <a:rPr lang="en-US" smtClean="0"/>
-              <a:t>4/5/17</a:t>
+              <a:t>4/1/19</a:t>
             </a:fld>
             <a:endParaRPr lang="en-US"/>
           </a:p>
@@ -3690,10 +8017,9 @@
           <a:lstStyle/>
           <a:p>
             <a:r>
-              <a:rPr lang="en-US" dirty="0" smtClean="0"/>
+              <a:rPr lang="en-US" dirty="0"/>
               <a:t>Machine Learning: Pipeline and Process</a:t>
             </a:r>
-            <a:endParaRPr lang="en-US" dirty="0"/>
           </a:p>
         </p:txBody>
       </p:sp>
@@ -3720,18 +8046,18 @@
           <a:lstStyle/>
           <a:p>
             <a:r>
-              <a:rPr lang="en-US" sz="3600" dirty="0" err="1" smtClean="0"/>
+              <a:rPr lang="en-US" sz="3600" dirty="0" err="1"/>
               <a:t>Rayid</a:t>
             </a:r>
             <a:r>
-              <a:rPr lang="en-US" sz="3600" dirty="0" smtClean="0"/>
+              <a:rPr lang="en-US" sz="3600" dirty="0"/>
               <a:t> </a:t>
             </a:r>
             <a:r>
-              <a:rPr lang="en-US" sz="3600" dirty="0" err="1" smtClean="0"/>
+              <a:rPr lang="en-US" sz="3600" dirty="0" err="1"/>
               <a:t>Ghani</a:t>
             </a:r>
-            <a:endParaRPr lang="en-US" sz="3600" dirty="0" smtClean="0"/>
+            <a:endParaRPr lang="en-US" sz="3600" dirty="0"/>
           </a:p>
           <a:p>
             <a:endParaRPr lang="en-US" sz="3600" dirty="0"/>
@@ -3751,13 +8077,6 @@
   <p:clrMapOvr>
     <a:masterClrMapping/>
   </p:clrMapOvr>
-  <p:timing>
-    <p:tnLst>
-      <p:par>
-        <p:cTn id="1" dur="indefinite" restart="never" nodeType="tmRoot"/>
-      </p:par>
-    </p:tnLst>
-  </p:timing>
 </p:sld>
 </file>
 
@@ -3794,29 +8113,49 @@
           <a:lstStyle/>
           <a:p>
             <a:r>
-              <a:rPr lang="en-US" dirty="0" smtClean="0"/>
-              <a:t>Re-training</a:t>
+              <a:rPr lang="en-US" dirty="0"/>
+              <a:t>Using historical data</a:t>
             </a:r>
           </a:p>
           <a:p>
             <a:pPr lvl="1"/>
             <a:r>
-              <a:rPr lang="en-US" dirty="0" smtClean="0"/>
-              <a:t>How often?</a:t>
+              <a:rPr lang="en-US" dirty="0"/>
+              <a:t>Methodology</a:t>
             </a:r>
           </a:p>
           <a:p>
             <a:pPr lvl="1"/>
             <a:r>
-              <a:rPr lang="en-US" dirty="0" smtClean="0"/>
-              <a:t>Re-select methods?</a:t>
-            </a:r>
-          </a:p>
-          <a:p>
-            <a:r>
-              <a:rPr lang="en-US" dirty="0" smtClean="0"/>
-              <a:t>Scoring</a:t>
-            </a:r>
+              <a:rPr lang="en-US" dirty="0"/>
+              <a:t>Metric</a:t>
+            </a:r>
+          </a:p>
+          <a:p>
+            <a:endParaRPr lang="en-US" dirty="0"/>
+          </a:p>
+          <a:p>
+            <a:r>
+              <a:rPr lang="en-US" dirty="0"/>
+              <a:t>Field Experiment</a:t>
+            </a:r>
+          </a:p>
+          <a:p>
+            <a:pPr lvl="1"/>
+            <a:r>
+              <a:rPr lang="en-US" dirty="0"/>
+              <a:t>Methodology</a:t>
+            </a:r>
+          </a:p>
+          <a:p>
+            <a:pPr lvl="1"/>
+            <a:r>
+              <a:rPr lang="en-US" dirty="0"/>
+              <a:t>Metric</a:t>
+            </a:r>
+          </a:p>
+          <a:p>
+            <a:pPr lvl="1"/>
             <a:endParaRPr lang="en-US" dirty="0"/>
           </a:p>
         </p:txBody>
@@ -3837,17 +8176,16 @@
           <a:lstStyle/>
           <a:p>
             <a:r>
-              <a:rPr lang="en-US" dirty="0" smtClean="0"/>
-              <a:t>Deployment</a:t>
-            </a:r>
-            <a:endParaRPr lang="en-US" dirty="0"/>
+              <a:rPr lang="en-US" dirty="0"/>
+              <a:t>Validation</a:t>
+            </a:r>
           </a:p>
         </p:txBody>
       </p:sp>
     </p:spTree>
     <p:extLst>
       <p:ext uri="{BB962C8B-B14F-4D97-AF65-F5344CB8AC3E}">
-        <p14:creationId xmlns:p14="http://schemas.microsoft.com/office/powerpoint/2010/main" val="3016864257"/>
+        <p14:creationId xmlns:p14="http://schemas.microsoft.com/office/powerpoint/2010/main" val="2372999781"/>
       </p:ext>
     </p:extLst>
   </p:cSld>
@@ -3886,107 +8224,33 @@
         </p:nvSpPr>
         <p:spPr/>
         <p:txBody>
-          <a:bodyPr>
-            <a:normAutofit fontScale="92500" lnSpcReduction="20000"/>
-          </a:bodyPr>
+          <a:bodyPr/>
           <a:lstStyle/>
           <a:p>
             <a:r>
-              <a:rPr lang="en-US" dirty="0" smtClean="0"/>
-              <a:t>Build a simple, modular, extensible, machine learning pipeline in Python</a:t>
+              <a:rPr lang="en-US" dirty="0"/>
+              <a:t>Re-training</a:t>
             </a:r>
           </a:p>
           <a:p>
             <a:pPr lvl="1"/>
             <a:r>
-              <a:rPr lang="en-US" dirty="0" smtClean="0"/>
-              <a:t>Read data (from </a:t>
-            </a:r>
-            <a:r>
-              <a:rPr lang="en-US" dirty="0" err="1" smtClean="0"/>
-              <a:t>csv</a:t>
-            </a:r>
-            <a:r>
-              <a:rPr lang="en-US" dirty="0" smtClean="0"/>
-              <a:t>)</a:t>
+              <a:rPr lang="en-US" dirty="0"/>
+              <a:t>How often?</a:t>
             </a:r>
           </a:p>
           <a:p>
             <a:pPr lvl="1"/>
             <a:r>
-              <a:rPr lang="en-US" dirty="0" smtClean="0"/>
-              <a:t>Explore data</a:t>
-            </a:r>
-          </a:p>
-          <a:p>
-            <a:pPr lvl="1"/>
-            <a:r>
-              <a:rPr lang="en-US" dirty="0" smtClean="0"/>
-              <a:t>Pre-process data</a:t>
-            </a:r>
-          </a:p>
-          <a:p>
-            <a:pPr lvl="1"/>
-            <a:r>
-              <a:rPr lang="en-US" dirty="0" smtClean="0"/>
-              <a:t>Create features</a:t>
-            </a:r>
-          </a:p>
-          <a:p>
-            <a:pPr lvl="1"/>
-            <a:r>
-              <a:rPr lang="en-US" dirty="0" smtClean="0"/>
-              <a:t>Use 1 classifier (Logistic Regression)</a:t>
-            </a:r>
-          </a:p>
-          <a:p>
-            <a:pPr lvl="1"/>
-            <a:r>
-              <a:rPr lang="en-US" dirty="0" smtClean="0"/>
-              <a:t>Validate (Accuracy)</a:t>
-            </a:r>
-          </a:p>
-          <a:p>
-            <a:pPr lvl="1"/>
-            <a:endParaRPr lang="en-US" dirty="0"/>
-          </a:p>
-          <a:p>
-            <a:r>
-              <a:rPr lang="en-US" dirty="0" smtClean="0"/>
-              <a:t>Data/Problem: modified from </a:t>
-            </a:r>
-            <a:r>
-              <a:rPr lang="en-US" dirty="0" err="1" smtClean="0"/>
-              <a:t>kaggle</a:t>
-            </a:r>
-            <a:r>
-              <a:rPr lang="en-US" dirty="0" smtClean="0"/>
-              <a:t> </a:t>
-            </a:r>
-            <a:endParaRPr lang="en-US" dirty="0" smtClean="0"/>
-          </a:p>
-          <a:p>
-            <a:r>
               <a:rPr lang="en-US" dirty="0"/>
-              <a:t>Useful code: </a:t>
-            </a:r>
-            <a:r>
-              <a:rPr lang="en-US" dirty="0">
-                <a:hlinkClick r:id="rId2"/>
-              </a:rPr>
-              <a:t>https://github.com/yhat/DataGotham2013</a:t>
-            </a:r>
-            <a:r>
-              <a:rPr lang="en-US" dirty="0" smtClean="0">
-                <a:hlinkClick r:id="rId2"/>
-              </a:rPr>
-              <a:t>/</a:t>
-            </a:r>
-            <a:r>
-              <a:rPr lang="en-US" dirty="0" smtClean="0"/>
-              <a:t> </a:t>
-            </a:r>
-            <a:endParaRPr lang="en-US" dirty="0"/>
+              <a:t>Re-select methods?</a:t>
+            </a:r>
+          </a:p>
+          <a:p>
+            <a:r>
+              <a:rPr lang="en-US" dirty="0"/>
+              <a:t>Scoring</a:t>
+            </a:r>
           </a:p>
         </p:txBody>
       </p:sp>
@@ -4006,10 +8270,169 @@
           <a:lstStyle/>
           <a:p>
             <a:r>
-              <a:rPr lang="en-US" dirty="0" smtClean="0"/>
+              <a:rPr lang="en-US" dirty="0"/>
+              <a:t>Deployment and Maintenance</a:t>
+            </a:r>
+          </a:p>
+        </p:txBody>
+      </p:sp>
+    </p:spTree>
+    <p:extLst>
+      <p:ext uri="{BB962C8B-B14F-4D97-AF65-F5344CB8AC3E}">
+        <p14:creationId xmlns:p14="http://schemas.microsoft.com/office/powerpoint/2010/main" val="3016864257"/>
+      </p:ext>
+    </p:extLst>
+  </p:cSld>
+  <p:clrMapOvr>
+    <a:masterClrMapping/>
+  </p:clrMapOvr>
+</p:sld>
+</file>
+
+<file path=ppt/slides/slide12.xml><?xml version="1.0" encoding="utf-8"?>
+<p:sld xmlns:a="http://schemas.openxmlformats.org/drawingml/2006/main" xmlns:r="http://schemas.openxmlformats.org/officeDocument/2006/relationships" xmlns:p="http://schemas.openxmlformats.org/presentationml/2006/main">
+  <p:cSld>
+    <p:spTree>
+      <p:nvGrpSpPr>
+        <p:cNvPr id="1" name=""/>
+        <p:cNvGrpSpPr/>
+        <p:nvPr/>
+      </p:nvGrpSpPr>
+      <p:grpSpPr>
+        <a:xfrm>
+          <a:off x="0" y="0"/>
+          <a:ext cx="0" cy="0"/>
+          <a:chOff x="0" y="0"/>
+          <a:chExt cx="0" cy="0"/>
+        </a:xfrm>
+      </p:grpSpPr>
+      <p:sp>
+        <p:nvSpPr>
+          <p:cNvPr id="2" name="Content Placeholder 1"/>
+          <p:cNvSpPr>
+            <a:spLocks noGrp="1"/>
+          </p:cNvSpPr>
+          <p:nvPr>
+            <p:ph idx="1"/>
+          </p:nvPr>
+        </p:nvSpPr>
+        <p:spPr/>
+        <p:txBody>
+          <a:bodyPr>
+            <a:normAutofit fontScale="92500" lnSpcReduction="20000"/>
+          </a:bodyPr>
+          <a:lstStyle/>
+          <a:p>
+            <a:r>
+              <a:rPr lang="en-US" dirty="0"/>
+              <a:t>Build a simple, modular, extensible, machine learning pipeline in Python</a:t>
+            </a:r>
+          </a:p>
+          <a:p>
+            <a:pPr lvl="1"/>
+            <a:r>
+              <a:rPr lang="en-US" dirty="0"/>
+              <a:t>Read data (from </a:t>
+            </a:r>
+            <a:r>
+              <a:rPr lang="en-US" dirty="0" err="1"/>
+              <a:t>csv</a:t>
+            </a:r>
+            <a:r>
+              <a:rPr lang="en-US" dirty="0"/>
+              <a:t>)</a:t>
+            </a:r>
+          </a:p>
+          <a:p>
+            <a:pPr lvl="1"/>
+            <a:r>
+              <a:rPr lang="en-US" dirty="0"/>
+              <a:t>Explore data</a:t>
+            </a:r>
+          </a:p>
+          <a:p>
+            <a:pPr lvl="1"/>
+            <a:r>
+              <a:rPr lang="en-US" dirty="0"/>
+              <a:t>Pre-process data</a:t>
+            </a:r>
+          </a:p>
+          <a:p>
+            <a:pPr lvl="1"/>
+            <a:r>
+              <a:rPr lang="en-US" dirty="0"/>
+              <a:t>Create features</a:t>
+            </a:r>
+          </a:p>
+          <a:p>
+            <a:pPr lvl="1"/>
+            <a:r>
+              <a:rPr lang="en-US" dirty="0"/>
+              <a:t>Use 1 classifier (Logistic Regression)</a:t>
+            </a:r>
+          </a:p>
+          <a:p>
+            <a:pPr lvl="1"/>
+            <a:r>
+              <a:rPr lang="en-US" dirty="0"/>
+              <a:t>Validate (Accuracy)</a:t>
+            </a:r>
+          </a:p>
+          <a:p>
+            <a:pPr lvl="1"/>
+            <a:endParaRPr lang="en-US" dirty="0"/>
+          </a:p>
+          <a:p>
+            <a:r>
+              <a:rPr lang="en-US" dirty="0"/>
+              <a:t>Data/Problem: modified from </a:t>
+            </a:r>
+            <a:r>
+              <a:rPr lang="en-US" dirty="0" err="1"/>
+              <a:t>kaggle</a:t>
+            </a:r>
+            <a:r>
+              <a:rPr lang="en-US" dirty="0"/>
+              <a:t> </a:t>
+            </a:r>
+          </a:p>
+          <a:p>
+            <a:r>
+              <a:rPr lang="en-US" dirty="0"/>
+              <a:t>Useful code: </a:t>
+            </a:r>
+            <a:r>
+              <a:rPr lang="en-US" dirty="0">
+                <a:hlinkClick r:id="rId2"/>
+              </a:rPr>
+              <a:t>https://github.com/yhat/DataGotham2013/</a:t>
+            </a:r>
+            <a:r>
+              <a:rPr lang="en-US" dirty="0"/>
+              <a:t> </a:t>
+            </a:r>
+          </a:p>
+        </p:txBody>
+      </p:sp>
+      <p:sp>
+        <p:nvSpPr>
+          <p:cNvPr id="3" name="Title 2"/>
+          <p:cNvSpPr>
+            <a:spLocks noGrp="1"/>
+          </p:cNvSpPr>
+          <p:nvPr>
+            <p:ph type="title"/>
+          </p:nvPr>
+        </p:nvSpPr>
+        <p:spPr/>
+        <p:txBody>
+          <a:bodyPr/>
+          <a:lstStyle/>
+          <a:p>
+            <a:r>
+              <a:rPr lang="en-US" dirty="0"/>
               <a:t>Homework</a:t>
             </a:r>
-            <a:endParaRPr lang="en-US" dirty="0"/>
           </a:p>
         </p:txBody>
       </p:sp>
@@ -4059,10 +8482,9 @@
           <a:lstStyle/>
           <a:p>
             <a:r>
-              <a:rPr lang="en-US" dirty="0" smtClean="0"/>
+              <a:rPr lang="en-US" dirty="0"/>
               <a:t>What we covered already</a:t>
             </a:r>
-            <a:endParaRPr lang="en-US" dirty="0"/>
           </a:p>
         </p:txBody>
       </p:sp>
@@ -4084,19 +8506,19 @@
           <a:lstStyle/>
           <a:p>
             <a:r>
-              <a:rPr lang="en-US" dirty="0" smtClean="0"/>
+              <a:rPr lang="en-US" dirty="0"/>
               <a:t>What is Machine Learning</a:t>
             </a:r>
           </a:p>
           <a:p>
             <a:r>
-              <a:rPr lang="en-US" dirty="0" smtClean="0"/>
+              <a:rPr lang="en-US" dirty="0"/>
               <a:t>Examples</a:t>
             </a:r>
           </a:p>
           <a:p>
             <a:r>
-              <a:rPr lang="en-US" dirty="0" smtClean="0"/>
+              <a:rPr lang="en-US" dirty="0"/>
               <a:t>Policy Project Scoping</a:t>
             </a:r>
           </a:p>
@@ -4116,13 +8538,6 @@
   <p:clrMapOvr>
     <a:masterClrMapping/>
   </p:clrMapOvr>
-  <p:timing>
-    <p:tnLst>
-      <p:par>
-        <p:cTn id="1" dur="indefinite" restart="never" nodeType="tmRoot"/>
-      </p:par>
-    </p:tnLst>
-  </p:timing>
 </p:sld>
 </file>
 
@@ -4159,10 +8574,9 @@
           <a:lstStyle/>
           <a:p>
             <a:r>
-              <a:rPr lang="en-US" dirty="0" smtClean="0"/>
+              <a:rPr lang="en-US" dirty="0"/>
               <a:t>Process</a:t>
             </a:r>
-            <a:endParaRPr lang="en-US" dirty="0"/>
           </a:p>
         </p:txBody>
       </p:sp>
@@ -4184,60 +8598,51 @@
           <a:lstStyle/>
           <a:p>
             <a:r>
-              <a:rPr lang="en-US" dirty="0" smtClean="0"/>
+              <a:rPr lang="en-US" dirty="0"/>
               <a:t>Understand “Business” problem</a:t>
             </a:r>
           </a:p>
           <a:p>
             <a:r>
-              <a:rPr lang="en-US" dirty="0" smtClean="0"/>
-              <a:t>Map to Machine </a:t>
-            </a:r>
-            <a:r>
               <a:rPr lang="en-US" dirty="0"/>
-              <a:t>L</a:t>
-            </a:r>
-            <a:r>
-              <a:rPr lang="en-US" dirty="0" smtClean="0"/>
-              <a:t>earning problem</a:t>
-            </a:r>
-          </a:p>
-          <a:p>
-            <a:r>
-              <a:rPr lang="en-US" dirty="0" smtClean="0"/>
+              <a:t>Map to Machine Learning problem</a:t>
+            </a:r>
+          </a:p>
+          <a:p>
+            <a:r>
+              <a:rPr lang="en-US" dirty="0"/>
               <a:t>Get (and integrate) the data</a:t>
             </a:r>
           </a:p>
           <a:p>
             <a:r>
-              <a:rPr lang="en-US" dirty="0" smtClean="0"/>
+              <a:rPr lang="en-US" dirty="0"/>
               <a:t>Explore and Process the data</a:t>
             </a:r>
           </a:p>
           <a:p>
             <a:r>
-              <a:rPr lang="en-US" dirty="0" smtClean="0"/>
+              <a:rPr lang="en-US" dirty="0"/>
               <a:t>Create “Features”</a:t>
             </a:r>
           </a:p>
           <a:p>
             <a:r>
-              <a:rPr lang="en-US" dirty="0" smtClean="0"/>
+              <a:rPr lang="en-US" dirty="0"/>
               <a:t>Select which methods to test </a:t>
             </a:r>
           </a:p>
           <a:p>
             <a:r>
-              <a:rPr lang="en-US" dirty="0" smtClean="0"/>
+              <a:rPr lang="en-US" dirty="0"/>
               <a:t>Evaluate methods</a:t>
             </a:r>
           </a:p>
           <a:p>
             <a:r>
-              <a:rPr lang="en-US" dirty="0" smtClean="0"/>
+              <a:rPr lang="en-US" dirty="0"/>
               <a:t>Deploy, Maintain, Update</a:t>
             </a:r>
-            <a:endParaRPr lang="en-US" dirty="0"/>
           </a:p>
         </p:txBody>
       </p:sp>
@@ -4351,66 +8756,13 @@
       </p:grpSpPr>
       <p:sp>
         <p:nvSpPr>
-          <p:cNvPr id="2" name="Content Placeholder 1"/>
-          <p:cNvSpPr>
-            <a:spLocks noGrp="1"/>
-          </p:cNvSpPr>
-          <p:nvPr>
-            <p:ph idx="1"/>
-          </p:nvPr>
-        </p:nvSpPr>
-        <p:spPr/>
-        <p:txBody>
-          <a:bodyPr/>
-          <a:lstStyle/>
-          <a:p>
-            <a:r>
-              <a:rPr lang="en-US" dirty="0" smtClean="0"/>
-              <a:t>Prediction</a:t>
-            </a:r>
-          </a:p>
-          <a:p>
-            <a:r>
-              <a:rPr lang="en-US" dirty="0" smtClean="0"/>
-              <a:t>Classification</a:t>
-            </a:r>
-          </a:p>
-          <a:p>
-            <a:r>
-              <a:rPr lang="en-US" dirty="0" smtClean="0"/>
-              <a:t>Regression</a:t>
-            </a:r>
-          </a:p>
-          <a:p>
-            <a:r>
-              <a:rPr lang="en-US" dirty="0" smtClean="0"/>
-              <a:t>Clustering</a:t>
-            </a:r>
-          </a:p>
-          <a:p>
-            <a:r>
-              <a:rPr lang="en-US" dirty="0" smtClean="0"/>
-              <a:t>Detection</a:t>
-            </a:r>
-          </a:p>
-          <a:p>
-            <a:r>
-              <a:rPr lang="en-US" dirty="0" smtClean="0"/>
-              <a:t>Recommendation</a:t>
-            </a:r>
-          </a:p>
-          <a:p>
-            <a:r>
-              <a:rPr lang="en-US" dirty="0" smtClean="0"/>
-              <a:t>…</a:t>
-            </a:r>
-            <a:endParaRPr lang="en-US" dirty="0"/>
-          </a:p>
-        </p:txBody>
-      </p:sp>
-      <p:sp>
-        <p:nvSpPr>
-          <p:cNvPr id="3" name="Title 2"/>
+          <p:cNvPr id="2" name="Title 1">
+            <a:extLst>
+              <a:ext uri="{FF2B5EF4-FFF2-40B4-BE49-F238E27FC236}">
+                <a16:creationId xmlns:a16="http://schemas.microsoft.com/office/drawing/2014/main" id="{263A6AC5-80FE-D849-95B7-A6DA1F7D58FE}"/>
+              </a:ext>
+            </a:extLst>
+          </p:cNvPr>
           <p:cNvSpPr>
             <a:spLocks noGrp="1"/>
           </p:cNvSpPr>
@@ -4420,27 +8772,48 @@
         </p:nvSpPr>
         <p:spPr/>
         <p:txBody>
-          <a:bodyPr>
-            <a:normAutofit/>
-          </a:bodyPr>
+          <a:bodyPr/>
           <a:lstStyle/>
           <a:p>
             <a:r>
               <a:rPr lang="en-US" dirty="0"/>
-              <a:t>Map to Machine Learning P</a:t>
-            </a:r>
-            <a:r>
-              <a:rPr lang="en-US" dirty="0" smtClean="0"/>
-              <a:t>roblem</a:t>
-            </a:r>
-            <a:endParaRPr lang="en-US" dirty="0"/>
+              <a:t>Typical Machine Learning Pipeline</a:t>
+            </a:r>
           </a:p>
         </p:txBody>
       </p:sp>
+      <p:graphicFrame>
+        <p:nvGraphicFramePr>
+          <p:cNvPr id="3" name="Diagram 2">
+            <a:extLst>
+              <a:ext uri="{FF2B5EF4-FFF2-40B4-BE49-F238E27FC236}">
+                <a16:creationId xmlns:a16="http://schemas.microsoft.com/office/drawing/2014/main" id="{69522D86-5D8B-FB42-AFF9-A6785D86347B}"/>
+              </a:ext>
+            </a:extLst>
+          </p:cNvPr>
+          <p:cNvGraphicFramePr/>
+          <p:nvPr>
+            <p:extLst>
+              <p:ext uri="{D42A27DB-BD31-4B8C-83A1-F6EECF244321}">
+                <p14:modId xmlns:p14="http://schemas.microsoft.com/office/powerpoint/2010/main" val="2128315565"/>
+              </p:ext>
+            </p:extLst>
+          </p:nvPr>
+        </p:nvGraphicFramePr>
+        <p:xfrm>
+          <a:off x="419548" y="1891135"/>
+          <a:ext cx="8369449" cy="3993297"/>
+        </p:xfrm>
+        <a:graphic>
+          <a:graphicData uri="http://schemas.openxmlformats.org/drawingml/2006/diagram">
+            <dgm:relIds xmlns:dgm="http://schemas.openxmlformats.org/drawingml/2006/diagram" xmlns:r="http://schemas.openxmlformats.org/officeDocument/2006/relationships" r:dm="rId2" r:lo="rId3" r:qs="rId4" r:cs="rId5"/>
+          </a:graphicData>
+        </a:graphic>
+      </p:graphicFrame>
     </p:spTree>
     <p:extLst>
       <p:ext uri="{BB962C8B-B14F-4D97-AF65-F5344CB8AC3E}">
-        <p14:creationId xmlns:p14="http://schemas.microsoft.com/office/powerpoint/2010/main" val="3561562509"/>
+        <p14:creationId xmlns:p14="http://schemas.microsoft.com/office/powerpoint/2010/main" val="260894315"/>
       </p:ext>
     </p:extLst>
   </p:cSld>
@@ -4483,45 +8856,45 @@
           <a:lstStyle/>
           <a:p>
             <a:r>
-              <a:rPr lang="en-US" dirty="0" smtClean="0"/>
-              <a:t>Get Data</a:t>
-            </a:r>
-          </a:p>
-          <a:p>
-            <a:pPr lvl="1"/>
-            <a:r>
-              <a:rPr lang="en-US" dirty="0" smtClean="0"/>
-              <a:t>API, CSV, Database</a:t>
-            </a:r>
-          </a:p>
-          <a:p>
-            <a:r>
-              <a:rPr lang="en-US" dirty="0" smtClean="0"/>
-              <a:t>Store Data</a:t>
-            </a:r>
-          </a:p>
-          <a:p>
-            <a:pPr lvl="1"/>
-            <a:r>
-              <a:rPr lang="en-US" dirty="0" smtClean="0"/>
-              <a:t>Database</a:t>
-            </a:r>
-          </a:p>
-          <a:p>
-            <a:r>
-              <a:rPr lang="en-US" dirty="0" smtClean="0"/>
-              <a:t>Integrate Data</a:t>
-            </a:r>
-          </a:p>
-          <a:p>
-            <a:pPr lvl="1"/>
-            <a:r>
-              <a:rPr lang="en-US" dirty="0" smtClean="0"/>
-              <a:t>Record Linkage</a:t>
-            </a:r>
-          </a:p>
-          <a:p>
-            <a:endParaRPr lang="en-US" dirty="0"/>
+              <a:rPr lang="en-US" dirty="0"/>
+              <a:t>Prediction</a:t>
+            </a:r>
+          </a:p>
+          <a:p>
+            <a:r>
+              <a:rPr lang="en-US" dirty="0"/>
+              <a:t>Classification</a:t>
+            </a:r>
+          </a:p>
+          <a:p>
+            <a:r>
+              <a:rPr lang="en-US" dirty="0"/>
+              <a:t>Regression</a:t>
+            </a:r>
+          </a:p>
+          <a:p>
+            <a:r>
+              <a:rPr lang="en-US" dirty="0"/>
+              <a:t>Clustering</a:t>
+            </a:r>
+          </a:p>
+          <a:p>
+            <a:r>
+              <a:rPr lang="en-US" dirty="0"/>
+              <a:t>Detection</a:t>
+            </a:r>
+          </a:p>
+          <a:p>
+            <a:r>
+              <a:rPr lang="en-US" dirty="0"/>
+              <a:t>Recommendation</a:t>
+            </a:r>
+          </a:p>
+          <a:p>
+            <a:r>
+              <a:rPr lang="en-US" dirty="0"/>
+              <a:t>…</a:t>
+            </a:r>
           </a:p>
         </p:txBody>
       </p:sp>
@@ -4538,22 +8911,21 @@
         <p:spPr/>
         <p:txBody>
           <a:bodyPr>
-            <a:normAutofit/>
+            <a:normAutofit fontScale="90000"/>
           </a:bodyPr>
           <a:lstStyle/>
           <a:p>
             <a:r>
-              <a:rPr lang="en-US" dirty="0" smtClean="0"/>
-              <a:t>Data Acquisition &amp; Integration</a:t>
-            </a:r>
-            <a:endParaRPr lang="en-US" dirty="0"/>
+              <a:rPr lang="en-US" dirty="0"/>
+              <a:t>Problem Formulation: Map to Machine Learning Problem</a:t>
+            </a:r>
           </a:p>
         </p:txBody>
       </p:sp>
     </p:spTree>
     <p:extLst>
       <p:ext uri="{BB962C8B-B14F-4D97-AF65-F5344CB8AC3E}">
-        <p14:creationId xmlns:p14="http://schemas.microsoft.com/office/powerpoint/2010/main" val="242260621"/>
+        <p14:creationId xmlns:p14="http://schemas.microsoft.com/office/powerpoint/2010/main" val="3561562509"/>
       </p:ext>
     </p:extLst>
   </p:cSld>
@@ -4592,80 +8964,48 @@
         </p:nvSpPr>
         <p:spPr/>
         <p:txBody>
-          <a:bodyPr>
-            <a:normAutofit lnSpcReduction="10000"/>
-          </a:bodyPr>
+          <a:bodyPr/>
           <a:lstStyle/>
           <a:p>
             <a:r>
-              <a:rPr lang="en-US" dirty="0" smtClean="0"/>
-              <a:t>Data Exploration</a:t>
+              <a:rPr lang="en-US" dirty="0"/>
+              <a:t>Get Data</a:t>
             </a:r>
           </a:p>
           <a:p>
             <a:pPr lvl="1"/>
             <a:r>
-              <a:rPr lang="en-US" dirty="0" smtClean="0"/>
-              <a:t>Distributions</a:t>
+              <a:rPr lang="en-US" dirty="0"/>
+              <a:t>API, CSV, Database</a:t>
+            </a:r>
+          </a:p>
+          <a:p>
+            <a:r>
+              <a:rPr lang="en-US" dirty="0"/>
+              <a:t>Store Data</a:t>
             </a:r>
           </a:p>
           <a:p>
             <a:pPr lvl="1"/>
             <a:r>
-              <a:rPr lang="en-US" dirty="0" smtClean="0"/>
-              <a:t>Missing Values</a:t>
+              <a:rPr lang="en-US" dirty="0"/>
+              <a:t>Database</a:t>
+            </a:r>
+          </a:p>
+          <a:p>
+            <a:r>
+              <a:rPr lang="en-US" dirty="0"/>
+              <a:t>Integrate Data</a:t>
             </a:r>
           </a:p>
           <a:p>
             <a:pPr lvl="1"/>
             <a:r>
-              <a:rPr lang="en-US" dirty="0" smtClean="0"/>
-              <a:t>Correlations</a:t>
-            </a:r>
-          </a:p>
-          <a:p>
-            <a:pPr lvl="1"/>
-            <a:r>
-              <a:rPr lang="en-US" dirty="0" smtClean="0"/>
-              <a:t>Other Patterns</a:t>
-            </a:r>
-          </a:p>
-          <a:p>
-            <a:r>
-              <a:rPr lang="en-US" dirty="0" smtClean="0"/>
-              <a:t>Pre-Processing</a:t>
-            </a:r>
-          </a:p>
-          <a:p>
-            <a:pPr lvl="1"/>
-            <a:r>
-              <a:rPr lang="en-US" dirty="0" smtClean="0"/>
-              <a:t>Leakage</a:t>
-            </a:r>
-          </a:p>
-          <a:p>
-            <a:pPr lvl="1"/>
-            <a:r>
-              <a:rPr lang="en-US" dirty="0" smtClean="0"/>
-              <a:t>Deal with Missing values</a:t>
-            </a:r>
-          </a:p>
-          <a:p>
-            <a:pPr lvl="1"/>
-            <a:r>
-              <a:rPr lang="en-US" dirty="0" smtClean="0"/>
-              <a:t>Scaling</a:t>
-            </a:r>
-          </a:p>
-          <a:p>
-            <a:pPr lvl="1"/>
-            <a:r>
-              <a:rPr lang="en-US" dirty="0" smtClean="0"/>
-              <a:t>Data errors</a:t>
-            </a:r>
-          </a:p>
-          <a:p>
-            <a:pPr lvl="1"/>
+              <a:rPr lang="en-US" dirty="0"/>
+              <a:t>Record Linkage</a:t>
+            </a:r>
+          </a:p>
+          <a:p>
             <a:endParaRPr lang="en-US" dirty="0"/>
           </a:p>
         </p:txBody>
@@ -4688,17 +9028,16 @@
           <a:lstStyle/>
           <a:p>
             <a:r>
-              <a:rPr lang="en-US" dirty="0" smtClean="0"/>
-              <a:t>Explore and Prepare data</a:t>
-            </a:r>
-            <a:endParaRPr lang="en-US" dirty="0"/>
+              <a:rPr lang="en-US" dirty="0"/>
+              <a:t>Data Acquisition &amp; Integration</a:t>
+            </a:r>
           </a:p>
         </p:txBody>
       </p:sp>
     </p:spTree>
     <p:extLst>
       <p:ext uri="{BB962C8B-B14F-4D97-AF65-F5344CB8AC3E}">
-        <p14:creationId xmlns:p14="http://schemas.microsoft.com/office/powerpoint/2010/main" val="67433789"/>
+        <p14:creationId xmlns:p14="http://schemas.microsoft.com/office/powerpoint/2010/main" val="242260621"/>
       </p:ext>
     </p:extLst>
   </p:cSld>
@@ -4737,65 +9076,80 @@
         </p:nvSpPr>
         <p:spPr/>
         <p:txBody>
-          <a:bodyPr/>
+          <a:bodyPr>
+            <a:normAutofit lnSpcReduction="10000"/>
+          </a:bodyPr>
           <a:lstStyle/>
           <a:p>
             <a:r>
-              <a:rPr lang="en-US" dirty="0" smtClean="0"/>
-              <a:t>Common Features</a:t>
+              <a:rPr lang="en-US" dirty="0"/>
+              <a:t>Data Exploration</a:t>
             </a:r>
           </a:p>
           <a:p>
             <a:pPr lvl="1"/>
             <a:r>
-              <a:rPr lang="en-US" dirty="0" smtClean="0"/>
-              <a:t>Discretization</a:t>
+              <a:rPr lang="en-US" dirty="0"/>
+              <a:t>Distributions</a:t>
             </a:r>
           </a:p>
           <a:p>
             <a:pPr lvl="1"/>
             <a:r>
-              <a:rPr lang="en-US" dirty="0" smtClean="0"/>
-              <a:t>Transformations</a:t>
+              <a:rPr lang="en-US" dirty="0"/>
+              <a:t>Missing Values</a:t>
             </a:r>
           </a:p>
           <a:p>
             <a:pPr lvl="1"/>
             <a:r>
-              <a:rPr lang="en-US" dirty="0" smtClean="0"/>
-              <a:t>Interactions/Conjunctions</a:t>
+              <a:rPr lang="en-US" dirty="0"/>
+              <a:t>Correlations</a:t>
             </a:r>
           </a:p>
           <a:p>
             <a:pPr lvl="1"/>
             <a:r>
-              <a:rPr lang="en-US" dirty="0" smtClean="0"/>
-              <a:t>Disaggregation</a:t>
+              <a:rPr lang="en-US" dirty="0"/>
+              <a:t>Other Patterns</a:t>
+            </a:r>
+          </a:p>
+          <a:p>
+            <a:r>
+              <a:rPr lang="en-US" dirty="0"/>
+              <a:t>Pre-Processing</a:t>
             </a:r>
           </a:p>
           <a:p>
             <a:pPr lvl="1"/>
             <a:r>
-              <a:rPr lang="en-US" dirty="0" smtClean="0"/>
-              <a:t>Aggregations</a:t>
-            </a:r>
-          </a:p>
-          <a:p>
-            <a:pPr lvl="2"/>
-            <a:r>
-              <a:rPr lang="en-US" dirty="0" smtClean="0"/>
-              <a:t>Temporal</a:t>
-            </a:r>
-          </a:p>
-          <a:p>
-            <a:pPr lvl="2"/>
-            <a:r>
-              <a:rPr lang="en-US" dirty="0" smtClean="0"/>
-              <a:t>Spatial</a:t>
-            </a:r>
-          </a:p>
-          <a:p>
-            <a:pPr lvl="2"/>
+              <a:rPr lang="en-US" dirty="0"/>
+              <a:t>Leakage</a:t>
+            </a:r>
+          </a:p>
+          <a:p>
+            <a:pPr lvl="1"/>
+            <a:r>
+              <a:rPr lang="en-US" dirty="0"/>
+              <a:t>Deal with Missing values</a:t>
+            </a:r>
+          </a:p>
+          <a:p>
+            <a:pPr lvl="1"/>
+            <a:r>
+              <a:rPr lang="en-US" dirty="0"/>
+              <a:t>Scaling</a:t>
+            </a:r>
+          </a:p>
+          <a:p>
+            <a:pPr lvl="1"/>
+            <a:r>
+              <a:rPr lang="en-US" dirty="0"/>
+              <a:t>Data errors</a:t>
+            </a:r>
+          </a:p>
+          <a:p>
+            <a:pPr lvl="1"/>
             <a:endParaRPr lang="en-US" dirty="0"/>
           </a:p>
         </p:txBody>
@@ -4818,10 +9172,9 @@
           <a:lstStyle/>
           <a:p>
             <a:r>
-              <a:rPr lang="en-US" dirty="0" smtClean="0"/>
-              <a:t>Feature Creation</a:t>
-            </a:r>
-            <a:endParaRPr lang="en-US" dirty="0"/>
+              <a:rPr lang="en-US" dirty="0"/>
+              <a:t>Explore and Prepare data</a:t>
+            </a:r>
           </a:p>
         </p:txBody>
       </p:sp>
@@ -4871,22 +9224,61 @@
           <a:lstStyle/>
           <a:p>
             <a:r>
-              <a:rPr lang="en-US" dirty="0" smtClean="0"/>
-              <a:t>Select pool of methods applicable for task</a:t>
-            </a:r>
-          </a:p>
-          <a:p>
-            <a:r>
-              <a:rPr lang="en-US" dirty="0" smtClean="0"/>
-              <a:t>For loop over a large number of methods</a:t>
+              <a:rPr lang="en-US" dirty="0"/>
+              <a:t>Common Features</a:t>
             </a:r>
           </a:p>
           <a:p>
             <a:pPr lvl="1"/>
             <a:r>
-              <a:rPr lang="en-US" dirty="0" smtClean="0"/>
-              <a:t>For loop over parameters</a:t>
-            </a:r>
+              <a:rPr lang="en-US" dirty="0"/>
+              <a:t>Discretization</a:t>
+            </a:r>
+          </a:p>
+          <a:p>
+            <a:pPr lvl="1"/>
+            <a:r>
+              <a:rPr lang="en-US" dirty="0"/>
+              <a:t>Transformations</a:t>
+            </a:r>
+          </a:p>
+          <a:p>
+            <a:pPr lvl="1"/>
+            <a:r>
+              <a:rPr lang="en-US" dirty="0"/>
+              <a:t>Interactions/Conjunctions</a:t>
+            </a:r>
+          </a:p>
+          <a:p>
+            <a:pPr lvl="1"/>
+            <a:r>
+              <a:rPr lang="en-US" dirty="0"/>
+              <a:t>Disaggregation</a:t>
+            </a:r>
+          </a:p>
+          <a:p>
+            <a:pPr lvl="1"/>
+            <a:r>
+              <a:rPr lang="en-US" dirty="0"/>
+              <a:t>Aggregations</a:t>
+            </a:r>
+          </a:p>
+          <a:p>
+            <a:pPr lvl="2"/>
+            <a:r>
+              <a:rPr lang="en-US" dirty="0"/>
+              <a:t>Temporal</a:t>
+            </a:r>
+          </a:p>
+          <a:p>
+            <a:pPr lvl="2"/>
+            <a:r>
+              <a:rPr lang="en-US" dirty="0"/>
+              <a:t>Spatial</a:t>
+            </a:r>
+          </a:p>
+          <a:p>
+            <a:pPr lvl="2"/>
             <a:endParaRPr lang="en-US" dirty="0"/>
           </a:p>
         </p:txBody>
@@ -4903,21 +9295,22 @@
         </p:nvSpPr>
         <p:spPr/>
         <p:txBody>
-          <a:bodyPr/>
+          <a:bodyPr>
+            <a:normAutofit/>
+          </a:bodyPr>
           <a:lstStyle/>
           <a:p>
             <a:r>
-              <a:rPr lang="en-US" dirty="0" smtClean="0"/>
-              <a:t>Method Selection</a:t>
-            </a:r>
-            <a:endParaRPr lang="en-US" dirty="0"/>
+              <a:rPr lang="en-US" dirty="0"/>
+              <a:t>Feature Creation</a:t>
+            </a:r>
           </a:p>
         </p:txBody>
       </p:sp>
     </p:spTree>
     <p:extLst>
       <p:ext uri="{BB962C8B-B14F-4D97-AF65-F5344CB8AC3E}">
-        <p14:creationId xmlns:p14="http://schemas.microsoft.com/office/powerpoint/2010/main" val="2587366820"/>
+        <p14:creationId xmlns:p14="http://schemas.microsoft.com/office/powerpoint/2010/main" val="67433789"/>
       </p:ext>
     </p:extLst>
   </p:cSld>
@@ -4960,50 +9353,22 @@
           <a:lstStyle/>
           <a:p>
             <a:r>
-              <a:rPr lang="en-US" dirty="0" smtClean="0"/>
-              <a:t>Using historical data</a:t>
+              <a:rPr lang="en-US" dirty="0"/>
+              <a:t>Select pool of methods applicable for task</a:t>
+            </a:r>
+          </a:p>
+          <a:p>
+            <a:r>
+              <a:rPr lang="en-US" dirty="0"/>
+              <a:t>For loop over a large number of methods</a:t>
             </a:r>
           </a:p>
           <a:p>
             <a:pPr lvl="1"/>
             <a:r>
-              <a:rPr lang="en-US" dirty="0" smtClean="0"/>
-              <a:t>Methodology</a:t>
-            </a:r>
-          </a:p>
-          <a:p>
-            <a:pPr lvl="1"/>
-            <a:r>
-              <a:rPr lang="en-US" dirty="0" smtClean="0"/>
-              <a:t>Metric</a:t>
-            </a:r>
-          </a:p>
-          <a:p>
-            <a:endParaRPr lang="en-US" dirty="0" smtClean="0"/>
-          </a:p>
-          <a:p>
-            <a:r>
-              <a:rPr lang="en-US" dirty="0" smtClean="0"/>
-              <a:t>Field Experiment</a:t>
-            </a:r>
-          </a:p>
-          <a:p>
-            <a:pPr lvl="1"/>
-            <a:r>
-              <a:rPr lang="en-US" dirty="0" smtClean="0"/>
-              <a:t>Methodology</a:t>
-            </a:r>
-          </a:p>
-          <a:p>
-            <a:pPr lvl="1"/>
-            <a:r>
-              <a:rPr lang="en-US" dirty="0" smtClean="0"/>
-              <a:t>Metric</a:t>
-            </a:r>
-          </a:p>
-          <a:p>
-            <a:pPr lvl="1"/>
-            <a:endParaRPr lang="en-US" dirty="0"/>
+              <a:rPr lang="en-US" dirty="0"/>
+              <a:t>For loop over parameters</a:t>
+            </a:r>
           </a:p>
         </p:txBody>
       </p:sp>
@@ -5023,17 +9388,16 @@
           <a:lstStyle/>
           <a:p>
             <a:r>
-              <a:rPr lang="en-US" dirty="0" smtClean="0"/>
-              <a:t>Validation</a:t>
-            </a:r>
-            <a:endParaRPr lang="en-US" dirty="0"/>
+              <a:rPr lang="en-US" dirty="0"/>
+              <a:t>Method Selection</a:t>
+            </a:r>
           </a:p>
         </p:txBody>
       </p:sp>
     </p:spTree>
     <p:extLst>
       <p:ext uri="{BB962C8B-B14F-4D97-AF65-F5344CB8AC3E}">
-        <p14:creationId xmlns:p14="http://schemas.microsoft.com/office/powerpoint/2010/main" val="2372999781"/>
+        <p14:creationId xmlns:p14="http://schemas.microsoft.com/office/powerpoint/2010/main" val="2587366820"/>
       </p:ext>
     </p:extLst>
   </p:cSld>

--- a/Lectures/Lecture 03 - Machine Learning Process.pptx
+++ b/Lectures/Lecture 03 - Machine Learning Process.pptx
@@ -5,7 +5,7 @@
     <p:sldMasterId id="2147483648" r:id="rId1"/>
   </p:sldMasterIdLst>
   <p:notesMasterIdLst>
-    <p:notesMasterId r:id="rId14"/>
+    <p:notesMasterId r:id="rId15"/>
   </p:notesMasterIdLst>
   <p:sldIdLst>
     <p:sldId id="272" r:id="rId2"/>
@@ -14,12 +14,13 @@
     <p:sldId id="417" r:id="rId5"/>
     <p:sldId id="356" r:id="rId6"/>
     <p:sldId id="357" r:id="rId7"/>
-    <p:sldId id="358" r:id="rId8"/>
-    <p:sldId id="359" r:id="rId9"/>
-    <p:sldId id="360" r:id="rId10"/>
-    <p:sldId id="361" r:id="rId11"/>
-    <p:sldId id="362" r:id="rId12"/>
-    <p:sldId id="363" r:id="rId13"/>
+    <p:sldId id="418" r:id="rId8"/>
+    <p:sldId id="358" r:id="rId9"/>
+    <p:sldId id="359" r:id="rId10"/>
+    <p:sldId id="360" r:id="rId11"/>
+    <p:sldId id="361" r:id="rId12"/>
+    <p:sldId id="362" r:id="rId13"/>
+    <p:sldId id="363" r:id="rId14"/>
   </p:sldIdLst>
   <p:sldSz cx="9144000" cy="6858000" type="screen4x3"/>
   <p:notesSz cx="6858000" cy="9144000"/>
@@ -985,10 +986,9 @@
         <a:lstStyle/>
         <a:p>
           <a:r>
-            <a:rPr lang="en-US" sz="1600" b="1"/>
+            <a:rPr lang="en-US" sz="1600" b="1" dirty="0"/>
             <a:t>Process Data</a:t>
           </a:r>
-          <a:endParaRPr lang="en-US" sz="1600" b="1" dirty="0"/>
         </a:p>
       </dgm:t>
     </dgm:pt>
@@ -1030,10 +1030,9 @@
         <a:lstStyle/>
         <a:p>
           <a:r>
-            <a:rPr lang="en-US" sz="1600" b="1"/>
+            <a:rPr lang="en-US" sz="1600" b="1" dirty="0"/>
             <a:t>Explore Data</a:t>
           </a:r>
-          <a:endParaRPr lang="en-US" sz="1600" b="1" dirty="0"/>
         </a:p>
       </dgm:t>
     </dgm:pt>
@@ -1104,50 +1103,6 @@
         <a:lstStyle/>
         <a:p>
           <a:endParaRPr lang="en-US" sz="1050" b="1">
-            <a:solidFill>
-              <a:schemeClr val="tx1"/>
-            </a:solidFill>
-          </a:endParaRPr>
-        </a:p>
-      </dgm:t>
-    </dgm:pt>
-    <dgm:pt modelId="{D6C2ACD1-A7D7-1D4A-82CE-6042782E6300}">
-      <dgm:prSet phldrT="[Text]" custT="1"/>
-      <dgm:spPr/>
-      <dgm:t>
-        <a:bodyPr/>
-        <a:lstStyle/>
-        <a:p>
-          <a:r>
-            <a:rPr lang="en-US" sz="1400" b="1" dirty="0"/>
-            <a:t>Communicate</a:t>
-          </a:r>
-        </a:p>
-      </dgm:t>
-    </dgm:pt>
-    <dgm:pt modelId="{8922CE11-293C-4146-BAB4-57D99669C679}" type="parTrans" cxnId="{38E4BB8D-F075-B24C-BDF6-DD795FF1B675}">
-      <dgm:prSet/>
-      <dgm:spPr/>
-      <dgm:t>
-        <a:bodyPr/>
-        <a:lstStyle/>
-        <a:p>
-          <a:endParaRPr lang="en-US" sz="2000" b="1">
-            <a:solidFill>
-              <a:schemeClr val="tx1"/>
-            </a:solidFill>
-          </a:endParaRPr>
-        </a:p>
-      </dgm:t>
-    </dgm:pt>
-    <dgm:pt modelId="{F9543D28-7F0D-CE42-94B6-DD5856434C94}" type="sibTrans" cxnId="{38E4BB8D-F075-B24C-BDF6-DD795FF1B675}">
-      <dgm:prSet/>
-      <dgm:spPr/>
-      <dgm:t>
-        <a:bodyPr/>
-        <a:lstStyle/>
-        <a:p>
-          <a:endParaRPr lang="en-US" sz="2000" b="1">
             <a:solidFill>
               <a:schemeClr val="tx1"/>
             </a:solidFill>
@@ -1252,10 +1207,9 @@
         <a:lstStyle/>
         <a:p>
           <a:r>
-            <a:rPr lang="en-US" sz="1600" b="1"/>
-            <a:t>Deploy</a:t>
+            <a:rPr lang="en-US" sz="1600" b="1" dirty="0"/>
+            <a:t>Deploy and Maintain</a:t>
           </a:r>
-          <a:endParaRPr lang="en-US" sz="1600" b="1" dirty="0"/>
         </a:p>
       </dgm:t>
     </dgm:pt>
@@ -1275,51 +1229,6 @@
       </dgm:t>
     </dgm:pt>
     <dgm:pt modelId="{43240E9F-F30D-E44A-8418-2A2174F86CC6}" type="sibTrans" cxnId="{94F10477-4663-334A-A5D7-44221ECD3D73}">
-      <dgm:prSet custT="1"/>
-      <dgm:spPr/>
-      <dgm:t>
-        <a:bodyPr/>
-        <a:lstStyle/>
-        <a:p>
-          <a:endParaRPr lang="en-US" sz="700" b="1">
-            <a:solidFill>
-              <a:schemeClr val="tx1"/>
-            </a:solidFill>
-          </a:endParaRPr>
-        </a:p>
-      </dgm:t>
-    </dgm:pt>
-    <dgm:pt modelId="{D2129B30-FF35-C84D-B432-5F41F7087B7F}">
-      <dgm:prSet phldrT="[Text]" custT="1"/>
-      <dgm:spPr/>
-      <dgm:t>
-        <a:bodyPr/>
-        <a:lstStyle/>
-        <a:p>
-          <a:r>
-            <a:rPr lang="en-US" sz="1600" b="1"/>
-            <a:t>Maintain</a:t>
-          </a:r>
-          <a:endParaRPr lang="en-US" sz="1600" b="1" dirty="0"/>
-        </a:p>
-      </dgm:t>
-    </dgm:pt>
-    <dgm:pt modelId="{4DFBE44A-A449-F44C-8211-0707D1C2FFE4}" type="parTrans" cxnId="{922D7778-CCE9-DA4B-A2EF-C9C80217A546}">
-      <dgm:prSet/>
-      <dgm:spPr/>
-      <dgm:t>
-        <a:bodyPr/>
-        <a:lstStyle/>
-        <a:p>
-          <a:endParaRPr lang="en-US" sz="2400" b="1">
-            <a:solidFill>
-              <a:schemeClr val="tx1"/>
-            </a:solidFill>
-          </a:endParaRPr>
-        </a:p>
-      </dgm:t>
-    </dgm:pt>
-    <dgm:pt modelId="{C93A218F-28B0-FC43-A6AB-594A177FB5F1}" type="sibTrans" cxnId="{922D7778-CCE9-DA4B-A2EF-C9C80217A546}">
       <dgm:prSet custT="1"/>
       <dgm:spPr/>
       <dgm:t>
@@ -1416,7 +1325,7 @@
       <dgm:spPr/>
     </dgm:pt>
     <dgm:pt modelId="{543313F2-7CF7-DE45-B6E2-030DFD0DEDC6}" type="pres">
-      <dgm:prSet presAssocID="{F02C9AE6-FE41-AD46-8274-AAD635B45771}" presName="node" presStyleLbl="node1" presStyleIdx="0" presStyleCnt="11">
+      <dgm:prSet presAssocID="{F02C9AE6-FE41-AD46-8274-AAD635B45771}" presName="node" presStyleLbl="node1" presStyleIdx="0" presStyleCnt="9">
         <dgm:presLayoutVars>
           <dgm:bulletEnabled val="1"/>
         </dgm:presLayoutVars>
@@ -1424,15 +1333,15 @@
       <dgm:spPr/>
     </dgm:pt>
     <dgm:pt modelId="{155F34C5-B90A-3E4F-96CC-BBF53DB31BFA}" type="pres">
-      <dgm:prSet presAssocID="{73CF9643-22CD-B24D-B3E1-E2E387316194}" presName="sibTrans" presStyleLbl="sibTrans2D1" presStyleIdx="0" presStyleCnt="10"/>
+      <dgm:prSet presAssocID="{73CF9643-22CD-B24D-B3E1-E2E387316194}" presName="sibTrans" presStyleLbl="sibTrans2D1" presStyleIdx="0" presStyleCnt="8"/>
       <dgm:spPr/>
     </dgm:pt>
     <dgm:pt modelId="{0FE9000C-1FFD-3D4B-A417-ACD6FB87E309}" type="pres">
-      <dgm:prSet presAssocID="{73CF9643-22CD-B24D-B3E1-E2E387316194}" presName="connectorText" presStyleLbl="sibTrans2D1" presStyleIdx="0" presStyleCnt="10"/>
+      <dgm:prSet presAssocID="{73CF9643-22CD-B24D-B3E1-E2E387316194}" presName="connectorText" presStyleLbl="sibTrans2D1" presStyleIdx="0" presStyleCnt="8"/>
       <dgm:spPr/>
     </dgm:pt>
     <dgm:pt modelId="{88323E7E-DF1F-C64B-AD64-134DC0ABA8FC}" type="pres">
-      <dgm:prSet presAssocID="{88AD9256-4394-7B42-833F-432DDA0A4531}" presName="node" presStyleLbl="node1" presStyleIdx="1" presStyleCnt="11">
+      <dgm:prSet presAssocID="{88AD9256-4394-7B42-833F-432DDA0A4531}" presName="node" presStyleLbl="node1" presStyleIdx="1" presStyleCnt="9">
         <dgm:presLayoutVars>
           <dgm:bulletEnabled val="1"/>
         </dgm:presLayoutVars>
@@ -1440,15 +1349,15 @@
       <dgm:spPr/>
     </dgm:pt>
     <dgm:pt modelId="{A4B3E483-E6AF-A041-8907-5DB134563E21}" type="pres">
-      <dgm:prSet presAssocID="{CC4A3A8C-9DD7-8D44-A4CC-CF2675A60505}" presName="sibTrans" presStyleLbl="sibTrans2D1" presStyleIdx="1" presStyleCnt="10"/>
+      <dgm:prSet presAssocID="{CC4A3A8C-9DD7-8D44-A4CC-CF2675A60505}" presName="sibTrans" presStyleLbl="sibTrans2D1" presStyleIdx="1" presStyleCnt="8"/>
       <dgm:spPr/>
     </dgm:pt>
     <dgm:pt modelId="{67D403F1-AF94-9B4A-B8FC-1DEDFDFD0C8E}" type="pres">
-      <dgm:prSet presAssocID="{CC4A3A8C-9DD7-8D44-A4CC-CF2675A60505}" presName="connectorText" presStyleLbl="sibTrans2D1" presStyleIdx="1" presStyleCnt="10"/>
+      <dgm:prSet presAssocID="{CC4A3A8C-9DD7-8D44-A4CC-CF2675A60505}" presName="connectorText" presStyleLbl="sibTrans2D1" presStyleIdx="1" presStyleCnt="8"/>
       <dgm:spPr/>
     </dgm:pt>
     <dgm:pt modelId="{BE3CE8E3-B154-0A45-8DD6-44C4897BE7A1}" type="pres">
-      <dgm:prSet presAssocID="{D5AF8D00-30FD-9C4E-A2FB-6BA0BCECA016}" presName="node" presStyleLbl="node1" presStyleIdx="2" presStyleCnt="11">
+      <dgm:prSet presAssocID="{D5AF8D00-30FD-9C4E-A2FB-6BA0BCECA016}" presName="node" presStyleLbl="node1" presStyleIdx="2" presStyleCnt="9">
         <dgm:presLayoutVars>
           <dgm:bulletEnabled val="1"/>
         </dgm:presLayoutVars>
@@ -1456,15 +1365,15 @@
       <dgm:spPr/>
     </dgm:pt>
     <dgm:pt modelId="{4BDDE39C-CCAF-DB45-B5E9-A3D9F1227FF1}" type="pres">
-      <dgm:prSet presAssocID="{C4725F26-C68B-4E48-9E1E-9D9205123D7A}" presName="sibTrans" presStyleLbl="sibTrans2D1" presStyleIdx="2" presStyleCnt="10"/>
+      <dgm:prSet presAssocID="{C4725F26-C68B-4E48-9E1E-9D9205123D7A}" presName="sibTrans" presStyleLbl="sibTrans2D1" presStyleIdx="2" presStyleCnt="8"/>
       <dgm:spPr/>
     </dgm:pt>
     <dgm:pt modelId="{C78F1AA9-F8E3-4B44-A4E9-53365C265856}" type="pres">
-      <dgm:prSet presAssocID="{C4725F26-C68B-4E48-9E1E-9D9205123D7A}" presName="connectorText" presStyleLbl="sibTrans2D1" presStyleIdx="2" presStyleCnt="10"/>
+      <dgm:prSet presAssocID="{C4725F26-C68B-4E48-9E1E-9D9205123D7A}" presName="connectorText" presStyleLbl="sibTrans2D1" presStyleIdx="2" presStyleCnt="8"/>
       <dgm:spPr/>
     </dgm:pt>
     <dgm:pt modelId="{2D0009B4-CAE1-F645-AEBA-FA58B87B7C42}" type="pres">
-      <dgm:prSet presAssocID="{D8D524DD-8F0E-854E-8AE2-5B8C96ED5A61}" presName="node" presStyleLbl="node1" presStyleIdx="3" presStyleCnt="11">
+      <dgm:prSet presAssocID="{D8D524DD-8F0E-854E-8AE2-5B8C96ED5A61}" presName="node" presStyleLbl="node1" presStyleIdx="3" presStyleCnt="9">
         <dgm:presLayoutVars>
           <dgm:bulletEnabled val="1"/>
         </dgm:presLayoutVars>
@@ -1472,15 +1381,15 @@
       <dgm:spPr/>
     </dgm:pt>
     <dgm:pt modelId="{EC73A64E-1706-734E-A035-23C2D3C70124}" type="pres">
-      <dgm:prSet presAssocID="{D8450E3D-95C8-774B-92A8-EC77307134CA}" presName="sibTrans" presStyleLbl="sibTrans2D1" presStyleIdx="3" presStyleCnt="10"/>
+      <dgm:prSet presAssocID="{D8450E3D-95C8-774B-92A8-EC77307134CA}" presName="sibTrans" presStyleLbl="sibTrans2D1" presStyleIdx="3" presStyleCnt="8"/>
       <dgm:spPr/>
     </dgm:pt>
     <dgm:pt modelId="{940489C5-416A-774F-B0D1-275A33301DF7}" type="pres">
-      <dgm:prSet presAssocID="{D8450E3D-95C8-774B-92A8-EC77307134CA}" presName="connectorText" presStyleLbl="sibTrans2D1" presStyleIdx="3" presStyleCnt="10"/>
+      <dgm:prSet presAssocID="{D8450E3D-95C8-774B-92A8-EC77307134CA}" presName="connectorText" presStyleLbl="sibTrans2D1" presStyleIdx="3" presStyleCnt="8"/>
       <dgm:spPr/>
     </dgm:pt>
     <dgm:pt modelId="{14F5D202-1C34-034F-AA68-F7898D5FBEB3}" type="pres">
-      <dgm:prSet presAssocID="{C34689EB-E9B9-9540-A093-2ED3E7D6DF16}" presName="node" presStyleLbl="node1" presStyleIdx="4" presStyleCnt="11">
+      <dgm:prSet presAssocID="{C34689EB-E9B9-9540-A093-2ED3E7D6DF16}" presName="node" presStyleLbl="node1" presStyleIdx="4" presStyleCnt="9">
         <dgm:presLayoutVars>
           <dgm:bulletEnabled val="1"/>
         </dgm:presLayoutVars>
@@ -1488,15 +1397,15 @@
       <dgm:spPr/>
     </dgm:pt>
     <dgm:pt modelId="{F1F8502D-CBF9-0447-A23A-94F318C7BC4C}" type="pres">
-      <dgm:prSet presAssocID="{55015449-EBAE-1446-AA8E-CFF3DB5FFBC6}" presName="sibTrans" presStyleLbl="sibTrans2D1" presStyleIdx="4" presStyleCnt="10"/>
+      <dgm:prSet presAssocID="{55015449-EBAE-1446-AA8E-CFF3DB5FFBC6}" presName="sibTrans" presStyleLbl="sibTrans2D1" presStyleIdx="4" presStyleCnt="8"/>
       <dgm:spPr/>
     </dgm:pt>
     <dgm:pt modelId="{D55316DD-A6A4-EB49-9E4D-0180A2CE67D0}" type="pres">
-      <dgm:prSet presAssocID="{55015449-EBAE-1446-AA8E-CFF3DB5FFBC6}" presName="connectorText" presStyleLbl="sibTrans2D1" presStyleIdx="4" presStyleCnt="10"/>
+      <dgm:prSet presAssocID="{55015449-EBAE-1446-AA8E-CFF3DB5FFBC6}" presName="connectorText" presStyleLbl="sibTrans2D1" presStyleIdx="4" presStyleCnt="8"/>
       <dgm:spPr/>
     </dgm:pt>
     <dgm:pt modelId="{98FE28C1-4158-1B47-8E40-D50CA0F02DA5}" type="pres">
-      <dgm:prSet presAssocID="{56EB3C6C-64A0-7F44-BD01-1020ACDDF527}" presName="node" presStyleLbl="node1" presStyleIdx="5" presStyleCnt="11">
+      <dgm:prSet presAssocID="{56EB3C6C-64A0-7F44-BD01-1020ACDDF527}" presName="node" presStyleLbl="node1" presStyleIdx="5" presStyleCnt="9">
         <dgm:presLayoutVars>
           <dgm:bulletEnabled val="1"/>
         </dgm:presLayoutVars>
@@ -1504,15 +1413,15 @@
       <dgm:spPr/>
     </dgm:pt>
     <dgm:pt modelId="{3D3EB6BB-F80A-3549-9395-3786070686C4}" type="pres">
-      <dgm:prSet presAssocID="{566B3B7C-D474-9F48-9F3B-D6F4419EBCF1}" presName="sibTrans" presStyleLbl="sibTrans2D1" presStyleIdx="5" presStyleCnt="10"/>
+      <dgm:prSet presAssocID="{566B3B7C-D474-9F48-9F3B-D6F4419EBCF1}" presName="sibTrans" presStyleLbl="sibTrans2D1" presStyleIdx="5" presStyleCnt="8"/>
       <dgm:spPr/>
     </dgm:pt>
     <dgm:pt modelId="{8DD2532D-BEE3-9D4A-A1AE-E254DEB63A77}" type="pres">
-      <dgm:prSet presAssocID="{566B3B7C-D474-9F48-9F3B-D6F4419EBCF1}" presName="connectorText" presStyleLbl="sibTrans2D1" presStyleIdx="5" presStyleCnt="10"/>
+      <dgm:prSet presAssocID="{566B3B7C-D474-9F48-9F3B-D6F4419EBCF1}" presName="connectorText" presStyleLbl="sibTrans2D1" presStyleIdx="5" presStyleCnt="8"/>
       <dgm:spPr/>
     </dgm:pt>
     <dgm:pt modelId="{3E62C04F-1FAA-3847-B99F-F53435CF3D9A}" type="pres">
-      <dgm:prSet presAssocID="{965EAA66-3902-B443-AEBB-8519BBB9CA01}" presName="node" presStyleLbl="node1" presStyleIdx="6" presStyleCnt="11">
+      <dgm:prSet presAssocID="{965EAA66-3902-B443-AEBB-8519BBB9CA01}" presName="node" presStyleLbl="node1" presStyleIdx="6" presStyleCnt="9">
         <dgm:presLayoutVars>
           <dgm:bulletEnabled val="1"/>
         </dgm:presLayoutVars>
@@ -1520,15 +1429,15 @@
       <dgm:spPr/>
     </dgm:pt>
     <dgm:pt modelId="{38898BEA-9284-D947-BAF2-42236F10A395}" type="pres">
-      <dgm:prSet presAssocID="{99E6C032-361E-F24E-8D4C-3E317A554C40}" presName="sibTrans" presStyleLbl="sibTrans2D1" presStyleIdx="6" presStyleCnt="10"/>
+      <dgm:prSet presAssocID="{99E6C032-361E-F24E-8D4C-3E317A554C40}" presName="sibTrans" presStyleLbl="sibTrans2D1" presStyleIdx="6" presStyleCnt="8"/>
       <dgm:spPr/>
     </dgm:pt>
     <dgm:pt modelId="{A99D6A02-DFD4-A848-AC74-B4368D4635C0}" type="pres">
-      <dgm:prSet presAssocID="{99E6C032-361E-F24E-8D4C-3E317A554C40}" presName="connectorText" presStyleLbl="sibTrans2D1" presStyleIdx="6" presStyleCnt="10"/>
+      <dgm:prSet presAssocID="{99E6C032-361E-F24E-8D4C-3E317A554C40}" presName="connectorText" presStyleLbl="sibTrans2D1" presStyleIdx="6" presStyleCnt="8"/>
       <dgm:spPr/>
     </dgm:pt>
     <dgm:pt modelId="{BEE184A5-D4FD-5F44-93C1-4F56BB80C141}" type="pres">
-      <dgm:prSet presAssocID="{DCCF28E0-FA5B-564B-973C-F3DD103F36A8}" presName="node" presStyleLbl="node1" presStyleIdx="7" presStyleCnt="11">
+      <dgm:prSet presAssocID="{DCCF28E0-FA5B-564B-973C-F3DD103F36A8}" presName="node" presStyleLbl="node1" presStyleIdx="7" presStyleCnt="9">
         <dgm:presLayoutVars>
           <dgm:bulletEnabled val="1"/>
         </dgm:presLayoutVars>
@@ -1536,47 +1445,15 @@
       <dgm:spPr/>
     </dgm:pt>
     <dgm:pt modelId="{6F791A14-DB04-2746-9DD6-E691C3C2D70C}" type="pres">
-      <dgm:prSet presAssocID="{55BF5C1E-1BB8-CD44-8ED8-F795DE29FE4C}" presName="sibTrans" presStyleLbl="sibTrans2D1" presStyleIdx="7" presStyleCnt="10"/>
+      <dgm:prSet presAssocID="{55BF5C1E-1BB8-CD44-8ED8-F795DE29FE4C}" presName="sibTrans" presStyleLbl="sibTrans2D1" presStyleIdx="7" presStyleCnt="8"/>
       <dgm:spPr/>
     </dgm:pt>
     <dgm:pt modelId="{AD72E87E-DF55-F243-8CAE-F3E3516107AC}" type="pres">
-      <dgm:prSet presAssocID="{55BF5C1E-1BB8-CD44-8ED8-F795DE29FE4C}" presName="connectorText" presStyleLbl="sibTrans2D1" presStyleIdx="7" presStyleCnt="10"/>
+      <dgm:prSet presAssocID="{55BF5C1E-1BB8-CD44-8ED8-F795DE29FE4C}" presName="connectorText" presStyleLbl="sibTrans2D1" presStyleIdx="7" presStyleCnt="8"/>
       <dgm:spPr/>
     </dgm:pt>
     <dgm:pt modelId="{E71CBCA6-0380-3144-839B-6CBA1C09AC61}" type="pres">
-      <dgm:prSet presAssocID="{FE84B306-EEA9-4A49-94B6-54B3023CCD35}" presName="node" presStyleLbl="node1" presStyleIdx="8" presStyleCnt="11">
-        <dgm:presLayoutVars>
-          <dgm:bulletEnabled val="1"/>
-        </dgm:presLayoutVars>
-      </dgm:prSet>
-      <dgm:spPr/>
-    </dgm:pt>
-    <dgm:pt modelId="{5C188913-A575-3545-A34C-B6145483AA04}" type="pres">
-      <dgm:prSet presAssocID="{43240E9F-F30D-E44A-8418-2A2174F86CC6}" presName="sibTrans" presStyleLbl="sibTrans2D1" presStyleIdx="8" presStyleCnt="10"/>
-      <dgm:spPr/>
-    </dgm:pt>
-    <dgm:pt modelId="{E92CC04D-C239-5A49-846A-04375645195D}" type="pres">
-      <dgm:prSet presAssocID="{43240E9F-F30D-E44A-8418-2A2174F86CC6}" presName="connectorText" presStyleLbl="sibTrans2D1" presStyleIdx="8" presStyleCnt="10"/>
-      <dgm:spPr/>
-    </dgm:pt>
-    <dgm:pt modelId="{A2377AC9-AA87-BC42-9FF4-12525AAFA1A4}" type="pres">
-      <dgm:prSet presAssocID="{D2129B30-FF35-C84D-B432-5F41F7087B7F}" presName="node" presStyleLbl="node1" presStyleIdx="9" presStyleCnt="11">
-        <dgm:presLayoutVars>
-          <dgm:bulletEnabled val="1"/>
-        </dgm:presLayoutVars>
-      </dgm:prSet>
-      <dgm:spPr/>
-    </dgm:pt>
-    <dgm:pt modelId="{D4645FDA-B217-A842-9A48-E7F13C54665D}" type="pres">
-      <dgm:prSet presAssocID="{C93A218F-28B0-FC43-A6AB-594A177FB5F1}" presName="sibTrans" presStyleLbl="sibTrans2D1" presStyleIdx="9" presStyleCnt="10"/>
-      <dgm:spPr/>
-    </dgm:pt>
-    <dgm:pt modelId="{AA62C145-A72A-6F4B-901F-D6D0DB97273D}" type="pres">
-      <dgm:prSet presAssocID="{C93A218F-28B0-FC43-A6AB-594A177FB5F1}" presName="connectorText" presStyleLbl="sibTrans2D1" presStyleIdx="9" presStyleCnt="10"/>
-      <dgm:spPr/>
-    </dgm:pt>
-    <dgm:pt modelId="{D72B0A0C-FB32-F641-A263-966E6A1F4BE9}" type="pres">
-      <dgm:prSet presAssocID="{D6C2ACD1-A7D7-1D4A-82CE-6042782E6300}" presName="node" presStyleLbl="node1" presStyleIdx="10" presStyleCnt="11">
+      <dgm:prSet presAssocID="{FE84B306-EEA9-4A49-94B6-54B3023CCD35}" presName="node" presStyleLbl="node1" presStyleIdx="8" presStyleCnt="9">
         <dgm:presLayoutVars>
           <dgm:bulletEnabled val="1"/>
         </dgm:presLayoutVars>
@@ -1594,8 +1471,6 @@
     <dgm:cxn modelId="{2D99352F-4862-5E42-9FA5-20856D5AEA47}" type="presOf" srcId="{C4725F26-C68B-4E48-9E1E-9D9205123D7A}" destId="{C78F1AA9-F8E3-4B44-A4E9-53365C265856}" srcOrd="1" destOrd="0" presId="urn:microsoft.com/office/officeart/2005/8/layout/process5"/>
     <dgm:cxn modelId="{38D6AB3C-5BB4-1D4F-836C-24531D1662EE}" type="presOf" srcId="{55015449-EBAE-1446-AA8E-CFF3DB5FFBC6}" destId="{F1F8502D-CBF9-0447-A23A-94F318C7BC4C}" srcOrd="0" destOrd="0" presId="urn:microsoft.com/office/officeart/2005/8/layout/process5"/>
     <dgm:cxn modelId="{235DB43E-5868-904F-A0C6-CE8A2914E9B3}" srcId="{3B8973F0-2F0B-BE4F-A039-5173CBF8CE26}" destId="{88AD9256-4394-7B42-833F-432DDA0A4531}" srcOrd="1" destOrd="0" parTransId="{72DC1036-A61A-9E48-81D2-BC4308A7A654}" sibTransId="{CC4A3A8C-9DD7-8D44-A4CC-CF2675A60505}"/>
-    <dgm:cxn modelId="{A62B1044-277B-6342-AF07-5BA53BEEDF98}" type="presOf" srcId="{D6C2ACD1-A7D7-1D4A-82CE-6042782E6300}" destId="{D72B0A0C-FB32-F641-A263-966E6A1F4BE9}" srcOrd="0" destOrd="0" presId="urn:microsoft.com/office/officeart/2005/8/layout/process5"/>
-    <dgm:cxn modelId="{E931B048-7E41-E441-B797-A5E19E166189}" type="presOf" srcId="{C93A218F-28B0-FC43-A6AB-594A177FB5F1}" destId="{AA62C145-A72A-6F4B-901F-D6D0DB97273D}" srcOrd="1" destOrd="0" presId="urn:microsoft.com/office/officeart/2005/8/layout/process5"/>
     <dgm:cxn modelId="{6D0E5A49-B85E-6E4C-B9CE-3521B479909C}" srcId="{3B8973F0-2F0B-BE4F-A039-5173CBF8CE26}" destId="{F02C9AE6-FE41-AD46-8274-AAD635B45771}" srcOrd="0" destOrd="0" parTransId="{BA2E8464-F1B1-BE4D-9B09-CF722FF0A2D7}" sibTransId="{73CF9643-22CD-B24D-B3E1-E2E387316194}"/>
     <dgm:cxn modelId="{ABD98B53-DA1A-5D4D-91F1-8B3B98B9CF12}" srcId="{3B8973F0-2F0B-BE4F-A039-5173CBF8CE26}" destId="{56EB3C6C-64A0-7F44-BD01-1020ACDDF527}" srcOrd="5" destOrd="0" parTransId="{5A1EF3E3-ED6C-4C49-A7AC-384F17A11658}" sibTransId="{566B3B7C-D474-9F48-9F3B-D6F4419EBCF1}"/>
     <dgm:cxn modelId="{E0507E55-E3E4-8046-88AA-2A06597EA124}" type="presOf" srcId="{DCCF28E0-FA5B-564B-973C-F3DD103F36A8}" destId="{BEE184A5-D4FD-5F44-93C1-4F56BB80C141}" srcOrd="0" destOrd="0" presId="urn:microsoft.com/office/officeart/2005/8/layout/process5"/>
@@ -1606,16 +1481,12 @@
     <dgm:cxn modelId="{1426D96F-FBF8-604C-9BC9-91385F8D8583}" type="presOf" srcId="{CC4A3A8C-9DD7-8D44-A4CC-CF2675A60505}" destId="{67D403F1-AF94-9B4A-B8FC-1DEDFDFD0C8E}" srcOrd="1" destOrd="0" presId="urn:microsoft.com/office/officeart/2005/8/layout/process5"/>
     <dgm:cxn modelId="{6E887075-3309-3149-924D-ACB7C4AD719D}" srcId="{3B8973F0-2F0B-BE4F-A039-5173CBF8CE26}" destId="{DCCF28E0-FA5B-564B-973C-F3DD103F36A8}" srcOrd="7" destOrd="0" parTransId="{56DCF930-E9B8-2C41-9BEB-14EDEAFFF6F5}" sibTransId="{55BF5C1E-1BB8-CD44-8ED8-F795DE29FE4C}"/>
     <dgm:cxn modelId="{94F10477-4663-334A-A5D7-44221ECD3D73}" srcId="{3B8973F0-2F0B-BE4F-A039-5173CBF8CE26}" destId="{FE84B306-EEA9-4A49-94B6-54B3023CCD35}" srcOrd="8" destOrd="0" parTransId="{C01C1DC4-0089-C044-8702-1E919C719C89}" sibTransId="{43240E9F-F30D-E44A-8418-2A2174F86CC6}"/>
-    <dgm:cxn modelId="{922D7778-CCE9-DA4B-A2EF-C9C80217A546}" srcId="{3B8973F0-2F0B-BE4F-A039-5173CBF8CE26}" destId="{D2129B30-FF35-C84D-B432-5F41F7087B7F}" srcOrd="9" destOrd="0" parTransId="{4DFBE44A-A449-F44C-8211-0707D1C2FFE4}" sibTransId="{C93A218F-28B0-FC43-A6AB-594A177FB5F1}"/>
-    <dgm:cxn modelId="{38E4BB8D-F075-B24C-BDF6-DD795FF1B675}" srcId="{3B8973F0-2F0B-BE4F-A039-5173CBF8CE26}" destId="{D6C2ACD1-A7D7-1D4A-82CE-6042782E6300}" srcOrd="10" destOrd="0" parTransId="{8922CE11-293C-4146-BAB4-57D99669C679}" sibTransId="{F9543D28-7F0D-CE42-94B6-DD5856434C94}"/>
     <dgm:cxn modelId="{ACBFD090-BF9B-8540-82D0-E54299C7EC6E}" type="presOf" srcId="{D5AF8D00-30FD-9C4E-A2FB-6BA0BCECA016}" destId="{BE3CE8E3-B154-0A45-8DD6-44C4897BE7A1}" srcOrd="0" destOrd="0" presId="urn:microsoft.com/office/officeart/2005/8/layout/process5"/>
     <dgm:cxn modelId="{0AF0F592-D0A5-2448-8934-C5F73F4AB2EB}" type="presOf" srcId="{99E6C032-361E-F24E-8D4C-3E317A554C40}" destId="{38898BEA-9284-D947-BAF2-42236F10A395}" srcOrd="0" destOrd="0" presId="urn:microsoft.com/office/officeart/2005/8/layout/process5"/>
     <dgm:cxn modelId="{9CE60393-377C-B546-B450-4646CA194821}" type="presOf" srcId="{C34689EB-E9B9-9540-A093-2ED3E7D6DF16}" destId="{14F5D202-1C34-034F-AA68-F7898D5FBEB3}" srcOrd="0" destOrd="0" presId="urn:microsoft.com/office/officeart/2005/8/layout/process5"/>
     <dgm:cxn modelId="{483BD39D-4FCF-B849-A878-ED1570F71284}" type="presOf" srcId="{965EAA66-3902-B443-AEBB-8519BBB9CA01}" destId="{3E62C04F-1FAA-3847-B99F-F53435CF3D9A}" srcOrd="0" destOrd="0" presId="urn:microsoft.com/office/officeart/2005/8/layout/process5"/>
     <dgm:cxn modelId="{00B309A2-09A0-7A4F-9F38-697668BF20F3}" srcId="{3B8973F0-2F0B-BE4F-A039-5173CBF8CE26}" destId="{965EAA66-3902-B443-AEBB-8519BBB9CA01}" srcOrd="6" destOrd="0" parTransId="{F0C760C3-3889-5140-8C1A-1634AFB32EF8}" sibTransId="{99E6C032-361E-F24E-8D4C-3E317A554C40}"/>
-    <dgm:cxn modelId="{85AA7DA2-5194-B740-BE9B-6534E70F8A1D}" type="presOf" srcId="{D2129B30-FF35-C84D-B432-5F41F7087B7F}" destId="{A2377AC9-AA87-BC42-9FF4-12525AAFA1A4}" srcOrd="0" destOrd="0" presId="urn:microsoft.com/office/officeart/2005/8/layout/process5"/>
     <dgm:cxn modelId="{D684B3A6-FDA2-E841-B542-F29BB762108D}" type="presOf" srcId="{56EB3C6C-64A0-7F44-BD01-1020ACDDF527}" destId="{98FE28C1-4158-1B47-8E40-D50CA0F02DA5}" srcOrd="0" destOrd="0" presId="urn:microsoft.com/office/officeart/2005/8/layout/process5"/>
-    <dgm:cxn modelId="{CE4480B1-5F23-4446-BE1B-592DE97A9099}" type="presOf" srcId="{43240E9F-F30D-E44A-8418-2A2174F86CC6}" destId="{5C188913-A575-3545-A34C-B6145483AA04}" srcOrd="0" destOrd="0" presId="urn:microsoft.com/office/officeart/2005/8/layout/process5"/>
     <dgm:cxn modelId="{9FA004C4-A796-BE4E-8955-43E51398C177}" type="presOf" srcId="{F02C9AE6-FE41-AD46-8274-AAD635B45771}" destId="{543313F2-7CF7-DE45-B6E2-030DFD0DEDC6}" srcOrd="0" destOrd="0" presId="urn:microsoft.com/office/officeart/2005/8/layout/process5"/>
     <dgm:cxn modelId="{1B00C4C4-AFBB-B44B-8243-892DF1B7AEEB}" type="presOf" srcId="{FE84B306-EEA9-4A49-94B6-54B3023CCD35}" destId="{E71CBCA6-0380-3144-839B-6CBA1C09AC61}" srcOrd="0" destOrd="0" presId="urn:microsoft.com/office/officeart/2005/8/layout/process5"/>
     <dgm:cxn modelId="{13311AC8-76A0-A647-83DA-10D9C74255E6}" type="presOf" srcId="{CC4A3A8C-9DD7-8D44-A4CC-CF2675A60505}" destId="{A4B3E483-E6AF-A041-8907-5DB134563E21}" srcOrd="0" destOrd="0" presId="urn:microsoft.com/office/officeart/2005/8/layout/process5"/>
@@ -1625,9 +1496,7 @@
     <dgm:cxn modelId="{7A5E9FDC-6699-654C-9170-E4616B0E2B15}" type="presOf" srcId="{55015449-EBAE-1446-AA8E-CFF3DB5FFBC6}" destId="{D55316DD-A6A4-EB49-9E4D-0180A2CE67D0}" srcOrd="1" destOrd="0" presId="urn:microsoft.com/office/officeart/2005/8/layout/process5"/>
     <dgm:cxn modelId="{E62AEFDC-FD47-8D4F-881D-D1E6A1788EE5}" type="presOf" srcId="{C4725F26-C68B-4E48-9E1E-9D9205123D7A}" destId="{4BDDE39C-CCAF-DB45-B5E9-A3D9F1227FF1}" srcOrd="0" destOrd="0" presId="urn:microsoft.com/office/officeart/2005/8/layout/process5"/>
     <dgm:cxn modelId="{12CA12E0-9515-8E47-98AE-CC8EF39E411C}" srcId="{3B8973F0-2F0B-BE4F-A039-5173CBF8CE26}" destId="{D5AF8D00-30FD-9C4E-A2FB-6BA0BCECA016}" srcOrd="2" destOrd="0" parTransId="{7000CB73-6A58-DB4B-8262-76D11653CA23}" sibTransId="{C4725F26-C68B-4E48-9E1E-9D9205123D7A}"/>
-    <dgm:cxn modelId="{B719DEEC-F3ED-EA48-B32D-7D5EDAC27AC7}" type="presOf" srcId="{43240E9F-F30D-E44A-8418-2A2174F86CC6}" destId="{E92CC04D-C239-5A49-846A-04375645195D}" srcOrd="1" destOrd="0" presId="urn:microsoft.com/office/officeart/2005/8/layout/process5"/>
     <dgm:cxn modelId="{3162EDEE-3622-584C-81E9-6B4132A9AFD9}" type="presOf" srcId="{55BF5C1E-1BB8-CD44-8ED8-F795DE29FE4C}" destId="{6F791A14-DB04-2746-9DD6-E691C3C2D70C}" srcOrd="0" destOrd="0" presId="urn:microsoft.com/office/officeart/2005/8/layout/process5"/>
-    <dgm:cxn modelId="{E48425FC-7096-064B-89AB-9299E2611C3E}" type="presOf" srcId="{C93A218F-28B0-FC43-A6AB-594A177FB5F1}" destId="{D4645FDA-B217-A842-9A48-E7F13C54665D}" srcOrd="0" destOrd="0" presId="urn:microsoft.com/office/officeart/2005/8/layout/process5"/>
     <dgm:cxn modelId="{64672FAE-EDB4-F140-9EAA-8003F2AACFFA}" type="presParOf" srcId="{0429EBDF-F314-0B41-859B-E587807266B9}" destId="{543313F2-7CF7-DE45-B6E2-030DFD0DEDC6}" srcOrd="0" destOrd="0" presId="urn:microsoft.com/office/officeart/2005/8/layout/process5"/>
     <dgm:cxn modelId="{99C804C7-4D94-F04B-B4D8-91E99E384FB5}" type="presParOf" srcId="{0429EBDF-F314-0B41-859B-E587807266B9}" destId="{155F34C5-B90A-3E4F-96CC-BBF53DB31BFA}" srcOrd="1" destOrd="0" presId="urn:microsoft.com/office/officeart/2005/8/layout/process5"/>
     <dgm:cxn modelId="{BB961FA0-8884-7C4F-97E0-6A0FFFA4A476}" type="presParOf" srcId="{155F34C5-B90A-3E4F-96CC-BBF53DB31BFA}" destId="{0FE9000C-1FFD-3D4B-A417-ACD6FB87E309}" srcOrd="0" destOrd="0" presId="urn:microsoft.com/office/officeart/2005/8/layout/process5"/>
@@ -1653,12 +1522,6 @@
     <dgm:cxn modelId="{AD24CFB4-FEE8-2C43-B197-A95C938FA609}" type="presParOf" srcId="{0429EBDF-F314-0B41-859B-E587807266B9}" destId="{6F791A14-DB04-2746-9DD6-E691C3C2D70C}" srcOrd="15" destOrd="0" presId="urn:microsoft.com/office/officeart/2005/8/layout/process5"/>
     <dgm:cxn modelId="{2D31D908-08E8-534A-86DF-CF3523686C4C}" type="presParOf" srcId="{6F791A14-DB04-2746-9DD6-E691C3C2D70C}" destId="{AD72E87E-DF55-F243-8CAE-F3E3516107AC}" srcOrd="0" destOrd="0" presId="urn:microsoft.com/office/officeart/2005/8/layout/process5"/>
     <dgm:cxn modelId="{75859789-C3AF-9146-8118-B46D203B17DC}" type="presParOf" srcId="{0429EBDF-F314-0B41-859B-E587807266B9}" destId="{E71CBCA6-0380-3144-839B-6CBA1C09AC61}" srcOrd="16" destOrd="0" presId="urn:microsoft.com/office/officeart/2005/8/layout/process5"/>
-    <dgm:cxn modelId="{F37E8B8F-719C-8C49-819D-E5543124F58E}" type="presParOf" srcId="{0429EBDF-F314-0B41-859B-E587807266B9}" destId="{5C188913-A575-3545-A34C-B6145483AA04}" srcOrd="17" destOrd="0" presId="urn:microsoft.com/office/officeart/2005/8/layout/process5"/>
-    <dgm:cxn modelId="{8770AF0E-2707-E64F-B4FC-79F88ED5C072}" type="presParOf" srcId="{5C188913-A575-3545-A34C-B6145483AA04}" destId="{E92CC04D-C239-5A49-846A-04375645195D}" srcOrd="0" destOrd="0" presId="urn:microsoft.com/office/officeart/2005/8/layout/process5"/>
-    <dgm:cxn modelId="{756D72E8-89F5-1A4F-BC11-F18CB08935E8}" type="presParOf" srcId="{0429EBDF-F314-0B41-859B-E587807266B9}" destId="{A2377AC9-AA87-BC42-9FF4-12525AAFA1A4}" srcOrd="18" destOrd="0" presId="urn:microsoft.com/office/officeart/2005/8/layout/process5"/>
-    <dgm:cxn modelId="{CA4B5617-2D2D-CF44-B59B-384AE6A68244}" type="presParOf" srcId="{0429EBDF-F314-0B41-859B-E587807266B9}" destId="{D4645FDA-B217-A842-9A48-E7F13C54665D}" srcOrd="19" destOrd="0" presId="urn:microsoft.com/office/officeart/2005/8/layout/process5"/>
-    <dgm:cxn modelId="{3AE76142-AA27-424F-A74F-BE57F3292224}" type="presParOf" srcId="{D4645FDA-B217-A842-9A48-E7F13C54665D}" destId="{AA62C145-A72A-6F4B-901F-D6D0DB97273D}" srcOrd="0" destOrd="0" presId="urn:microsoft.com/office/officeart/2005/8/layout/process5"/>
-    <dgm:cxn modelId="{CC92777E-D3A1-A348-8BFA-3F96D751CC59}" type="presParOf" srcId="{0429EBDF-F314-0B41-859B-E587807266B9}" destId="{D72B0A0C-FB32-F641-A263-966E6A1F4BE9}" srcOrd="20" destOrd="0" presId="urn:microsoft.com/office/officeart/2005/8/layout/process5"/>
   </dgm:cxnLst>
   <dgm:bg/>
   <dgm:whole/>
@@ -1685,8 +1548,8 @@
       </dsp:nvSpPr>
       <dsp:spPr>
         <a:xfrm>
-          <a:off x="194932" y="1752"/>
-          <a:ext cx="1534535" cy="920721"/>
+          <a:off x="768742" y="1660"/>
+          <a:ext cx="1534606" cy="920763"/>
         </a:xfrm>
         <a:prstGeom prst="roundRect">
           <a:avLst>
@@ -1753,8 +1616,8 @@
         </a:p>
       </dsp:txBody>
       <dsp:txXfrm>
-        <a:off x="221899" y="28719"/>
-        <a:ext cx="1480601" cy="866787"/>
+        <a:off x="795710" y="28628"/>
+        <a:ext cx="1480670" cy="866827"/>
       </dsp:txXfrm>
     </dsp:sp>
     <dsp:sp modelId="{155F34C5-B90A-3E4F-96CC-BBF53DB31BFA}">
@@ -1764,8 +1627,8 @@
       </dsp:nvSpPr>
       <dsp:spPr>
         <a:xfrm>
-          <a:off x="1864507" y="271830"/>
-          <a:ext cx="325321" cy="380564"/>
+          <a:off x="2438393" y="271751"/>
+          <a:ext cx="325336" cy="380582"/>
         </a:xfrm>
         <a:prstGeom prst="rightArrow">
           <a:avLst>
@@ -1826,8 +1689,8 @@
         </a:p>
       </dsp:txBody>
       <dsp:txXfrm>
-        <a:off x="1864507" y="347943"/>
-        <a:ext cx="227725" cy="228338"/>
+        <a:off x="2438393" y="347867"/>
+        <a:ext cx="227735" cy="228350"/>
       </dsp:txXfrm>
     </dsp:sp>
     <dsp:sp modelId="{88323E7E-DF1F-C64B-AD64-134DC0ABA8FC}">
@@ -1837,8 +1700,8 @@
       </dsp:nvSpPr>
       <dsp:spPr>
         <a:xfrm>
-          <a:off x="2343282" y="1752"/>
-          <a:ext cx="1534535" cy="920721"/>
+          <a:off x="2917190" y="1660"/>
+          <a:ext cx="1534606" cy="920763"/>
         </a:xfrm>
         <a:prstGeom prst="roundRect">
           <a:avLst>
@@ -1847,9 +1710,9 @@
         </a:prstGeom>
         <a:solidFill>
           <a:schemeClr val="accent3">
-            <a:hueOff val="1125026"/>
-            <a:satOff val="-1688"/>
-            <a:lumOff val="-275"/>
+            <a:hueOff val="1406283"/>
+            <a:satOff val="-2110"/>
+            <a:lumOff val="-343"/>
             <a:alphaOff val="0"/>
           </a:schemeClr>
         </a:solidFill>
@@ -1905,8 +1768,8 @@
         </a:p>
       </dsp:txBody>
       <dsp:txXfrm>
-        <a:off x="2370249" y="28719"/>
-        <a:ext cx="1480601" cy="866787"/>
+        <a:off x="2944158" y="28628"/>
+        <a:ext cx="1480670" cy="866827"/>
       </dsp:txXfrm>
     </dsp:sp>
     <dsp:sp modelId="{A4B3E483-E6AF-A041-8907-5DB134563E21}">
@@ -1916,8 +1779,8 @@
       </dsp:nvSpPr>
       <dsp:spPr>
         <a:xfrm>
-          <a:off x="4012856" y="271830"/>
-          <a:ext cx="325321" cy="380564"/>
+          <a:off x="4586842" y="271751"/>
+          <a:ext cx="325336" cy="380582"/>
         </a:xfrm>
         <a:prstGeom prst="rightArrow">
           <a:avLst>
@@ -1927,9 +1790,9 @@
         </a:prstGeom>
         <a:solidFill>
           <a:schemeClr val="accent3">
-            <a:hueOff val="1250029"/>
-            <a:satOff val="-1876"/>
-            <a:lumOff val="-305"/>
+            <a:hueOff val="1607181"/>
+            <a:satOff val="-2411"/>
+            <a:lumOff val="-392"/>
             <a:alphaOff val="0"/>
           </a:schemeClr>
         </a:solidFill>
@@ -1974,8 +1837,8 @@
         </a:p>
       </dsp:txBody>
       <dsp:txXfrm>
-        <a:off x="4012856" y="347943"/>
-        <a:ext cx="227725" cy="228338"/>
+        <a:off x="4586842" y="347867"/>
+        <a:ext cx="227735" cy="228350"/>
       </dsp:txXfrm>
     </dsp:sp>
     <dsp:sp modelId="{BE3CE8E3-B154-0A45-8DD6-44C4897BE7A1}">
@@ -1985,8 +1848,8 @@
       </dsp:nvSpPr>
       <dsp:spPr>
         <a:xfrm>
-          <a:off x="4491631" y="1752"/>
-          <a:ext cx="1534535" cy="920721"/>
+          <a:off x="5065639" y="1660"/>
+          <a:ext cx="1534606" cy="920763"/>
         </a:xfrm>
         <a:prstGeom prst="roundRect">
           <a:avLst>
@@ -1995,9 +1858,9 @@
         </a:prstGeom>
         <a:solidFill>
           <a:schemeClr val="accent3">
-            <a:hueOff val="2250053"/>
-            <a:satOff val="-3376"/>
-            <a:lumOff val="-549"/>
+            <a:hueOff val="2812566"/>
+            <a:satOff val="-4220"/>
+            <a:lumOff val="-686"/>
             <a:alphaOff val="0"/>
           </a:schemeClr>
         </a:solidFill>
@@ -2053,8 +1916,8 @@
         </a:p>
       </dsp:txBody>
       <dsp:txXfrm>
-        <a:off x="4518598" y="28719"/>
-        <a:ext cx="1480601" cy="866787"/>
+        <a:off x="5092607" y="28628"/>
+        <a:ext cx="1480670" cy="866827"/>
       </dsp:txXfrm>
     </dsp:sp>
     <dsp:sp modelId="{4BDDE39C-CCAF-DB45-B5E9-A3D9F1227FF1}">
@@ -2063,9 +1926,9 @@
         <dsp:cNvSpPr/>
       </dsp:nvSpPr>
       <dsp:spPr>
-        <a:xfrm>
-          <a:off x="6161205" y="271830"/>
-          <a:ext cx="325321" cy="380564"/>
+        <a:xfrm rot="5400000">
+          <a:off x="5670274" y="1029846"/>
+          <a:ext cx="325336" cy="380582"/>
         </a:xfrm>
         <a:prstGeom prst="rightArrow">
           <a:avLst>
@@ -2075,9 +1938,9 @@
         </a:prstGeom>
         <a:solidFill>
           <a:schemeClr val="accent3">
-            <a:hueOff val="2500059"/>
-            <a:satOff val="-3751"/>
-            <a:lumOff val="-610"/>
+            <a:hueOff val="3214361"/>
+            <a:satOff val="-4823"/>
+            <a:lumOff val="-784"/>
             <a:alphaOff val="0"/>
           </a:schemeClr>
         </a:solidFill>
@@ -2125,9 +1988,9 @@
           </a:endParaRPr>
         </a:p>
       </dsp:txBody>
-      <dsp:txXfrm>
-        <a:off x="6161205" y="347943"/>
-        <a:ext cx="227725" cy="228338"/>
+      <dsp:txXfrm rot="-5400000">
+        <a:off x="5718768" y="1057469"/>
+        <a:ext cx="228350" cy="227735"/>
       </dsp:txXfrm>
     </dsp:sp>
     <dsp:sp modelId="{2D0009B4-CAE1-F645-AEBA-FA58B87B7C42}">
@@ -2137,8 +2000,8 @@
       </dsp:nvSpPr>
       <dsp:spPr>
         <a:xfrm>
-          <a:off x="6639980" y="1752"/>
-          <a:ext cx="1534535" cy="920721"/>
+          <a:off x="5065639" y="1536266"/>
+          <a:ext cx="1534606" cy="920763"/>
         </a:xfrm>
         <a:prstGeom prst="roundRect">
           <a:avLst>
@@ -2147,9 +2010,9 @@
         </a:prstGeom>
         <a:solidFill>
           <a:schemeClr val="accent3">
-            <a:hueOff val="3375079"/>
-            <a:satOff val="-5064"/>
-            <a:lumOff val="-824"/>
+            <a:hueOff val="4218849"/>
+            <a:satOff val="-6330"/>
+            <a:lumOff val="-1029"/>
             <a:alphaOff val="0"/>
           </a:schemeClr>
         </a:solidFill>
@@ -2205,8 +2068,8 @@
         </a:p>
       </dsp:txBody>
       <dsp:txXfrm>
-        <a:off x="6666947" y="28719"/>
-        <a:ext cx="1480601" cy="866787"/>
+        <a:off x="5092607" y="1563234"/>
+        <a:ext cx="1480670" cy="866827"/>
       </dsp:txXfrm>
     </dsp:sp>
     <dsp:sp modelId="{EC73A64E-1706-734E-A035-23C2D3C70124}">
@@ -2215,9 +2078,9 @@
         <dsp:cNvSpPr/>
       </dsp:nvSpPr>
       <dsp:spPr>
-        <a:xfrm rot="5400000">
-          <a:off x="7244587" y="1029891"/>
-          <a:ext cx="325321" cy="380564"/>
+        <a:xfrm rot="10800000">
+          <a:off x="4605257" y="1806357"/>
+          <a:ext cx="325336" cy="380582"/>
         </a:xfrm>
         <a:prstGeom prst="rightArrow">
           <a:avLst>
@@ -2227,9 +2090,9 @@
         </a:prstGeom>
         <a:solidFill>
           <a:schemeClr val="accent3">
-            <a:hueOff val="3750088"/>
-            <a:satOff val="-5627"/>
-            <a:lumOff val="-915"/>
+            <a:hueOff val="4821541"/>
+            <a:satOff val="-7234"/>
+            <a:lumOff val="-1176"/>
             <a:alphaOff val="0"/>
           </a:schemeClr>
         </a:solidFill>
@@ -2273,9 +2136,9 @@
           <a:endParaRPr lang="en-US" sz="1600" kern="1200"/>
         </a:p>
       </dsp:txBody>
-      <dsp:txXfrm rot="-5400000">
-        <a:off x="7293079" y="1057512"/>
-        <a:ext cx="228338" cy="227725"/>
+      <dsp:txXfrm rot="10800000">
+        <a:off x="4702858" y="1882473"/>
+        <a:ext cx="227735" cy="228350"/>
       </dsp:txXfrm>
     </dsp:sp>
     <dsp:sp modelId="{14F5D202-1C34-034F-AA68-F7898D5FBEB3}">
@@ -2285,161 +2148,8 @@
       </dsp:nvSpPr>
       <dsp:spPr>
         <a:xfrm>
-          <a:off x="6639980" y="1536287"/>
-          <a:ext cx="1534535" cy="920721"/>
-        </a:xfrm>
-        <a:prstGeom prst="roundRect">
-          <a:avLst>
-            <a:gd name="adj" fmla="val 10000"/>
-          </a:avLst>
-        </a:prstGeom>
-        <a:solidFill>
-          <a:schemeClr val="accent3">
-            <a:hueOff val="4500106"/>
-            <a:satOff val="-6752"/>
-            <a:lumOff val="-1098"/>
-            <a:alphaOff val="0"/>
-          </a:schemeClr>
-        </a:solidFill>
-        <a:ln w="25400" cap="flat" cmpd="sng" algn="ctr">
-          <a:solidFill>
-            <a:schemeClr val="lt1">
-              <a:hueOff val="0"/>
-              <a:satOff val="0"/>
-              <a:lumOff val="0"/>
-              <a:alphaOff val="0"/>
-            </a:schemeClr>
-          </a:solidFill>
-          <a:prstDash val="solid"/>
-        </a:ln>
-        <a:effectLst/>
-      </dsp:spPr>
-      <dsp:style>
-        <a:lnRef idx="2">
-          <a:scrgbClr r="0" g="0" b="0"/>
-        </a:lnRef>
-        <a:fillRef idx="1">
-          <a:scrgbClr r="0" g="0" b="0"/>
-        </a:fillRef>
-        <a:effectRef idx="0">
-          <a:scrgbClr r="0" g="0" b="0"/>
-        </a:effectRef>
-        <a:fontRef idx="minor">
-          <a:schemeClr val="lt1"/>
-        </a:fontRef>
-      </dsp:style>
-      <dsp:txBody>
-        <a:bodyPr spcFirstLastPara="0" vert="horz" wrap="square" lIns="60960" tIns="60960" rIns="60960" bIns="60960" numCol="1" spcCol="1270" anchor="ctr" anchorCtr="0">
-          <a:noAutofit/>
-        </a:bodyPr>
-        <a:lstStyle/>
-        <a:p>
-          <a:pPr marL="0" lvl="0" indent="0" algn="ctr" defTabSz="711200">
-            <a:lnSpc>
-              <a:spcPct val="90000"/>
-            </a:lnSpc>
-            <a:spcBef>
-              <a:spcPct val="0"/>
-            </a:spcBef>
-            <a:spcAft>
-              <a:spcPct val="35000"/>
-            </a:spcAft>
-            <a:buNone/>
-          </a:pPr>
-          <a:r>
-            <a:rPr lang="en-US" sz="1600" b="1" kern="1200"/>
-            <a:t>Process Data</a:t>
-          </a:r>
-          <a:endParaRPr lang="en-US" sz="1600" b="1" kern="1200" dirty="0"/>
-        </a:p>
-      </dsp:txBody>
-      <dsp:txXfrm>
-        <a:off x="6666947" y="1563254"/>
-        <a:ext cx="1480601" cy="866787"/>
-      </dsp:txXfrm>
-    </dsp:sp>
-    <dsp:sp modelId="{F1F8502D-CBF9-0447-A23A-94F318C7BC4C}">
-      <dsp:nvSpPr>
-        <dsp:cNvPr id="0" name=""/>
-        <dsp:cNvSpPr/>
-      </dsp:nvSpPr>
-      <dsp:spPr>
-        <a:xfrm rot="10800000">
-          <a:off x="6179620" y="1806366"/>
-          <a:ext cx="325321" cy="380564"/>
-        </a:xfrm>
-        <a:prstGeom prst="rightArrow">
-          <a:avLst>
-            <a:gd name="adj1" fmla="val 60000"/>
-            <a:gd name="adj2" fmla="val 50000"/>
-          </a:avLst>
-        </a:prstGeom>
-        <a:solidFill>
-          <a:schemeClr val="accent3">
-            <a:hueOff val="5000117"/>
-            <a:satOff val="-7502"/>
-            <a:lumOff val="-1220"/>
-            <a:alphaOff val="0"/>
-          </a:schemeClr>
-        </a:solidFill>
-        <a:ln>
-          <a:noFill/>
-        </a:ln>
-        <a:effectLst/>
-      </dsp:spPr>
-      <dsp:style>
-        <a:lnRef idx="0">
-          <a:scrgbClr r="0" g="0" b="0"/>
-        </a:lnRef>
-        <a:fillRef idx="1">
-          <a:scrgbClr r="0" g="0" b="0"/>
-        </a:fillRef>
-        <a:effectRef idx="0">
-          <a:scrgbClr r="0" g="0" b="0"/>
-        </a:effectRef>
-        <a:fontRef idx="minor">
-          <a:schemeClr val="lt1"/>
-        </a:fontRef>
-      </dsp:style>
-      <dsp:txBody>
-        <a:bodyPr spcFirstLastPara="0" vert="horz" wrap="square" lIns="0" tIns="0" rIns="0" bIns="0" numCol="1" spcCol="1270" anchor="ctr" anchorCtr="0">
-          <a:noAutofit/>
-        </a:bodyPr>
-        <a:lstStyle/>
-        <a:p>
-          <a:pPr marL="0" lvl="0" indent="0" algn="ctr" defTabSz="466725">
-            <a:lnSpc>
-              <a:spcPct val="90000"/>
-            </a:lnSpc>
-            <a:spcBef>
-              <a:spcPct val="0"/>
-            </a:spcBef>
-            <a:spcAft>
-              <a:spcPct val="35000"/>
-            </a:spcAft>
-            <a:buNone/>
-          </a:pPr>
-          <a:endParaRPr lang="en-US" sz="1050" b="1" kern="1200">
-            <a:solidFill>
-              <a:schemeClr val="tx1"/>
-            </a:solidFill>
-          </a:endParaRPr>
-        </a:p>
-      </dsp:txBody>
-      <dsp:txXfrm rot="10800000">
-        <a:off x="6277216" y="1882479"/>
-        <a:ext cx="227725" cy="228338"/>
-      </dsp:txXfrm>
-    </dsp:sp>
-    <dsp:sp modelId="{98FE28C1-4158-1B47-8E40-D50CA0F02DA5}">
-      <dsp:nvSpPr>
-        <dsp:cNvPr id="0" name=""/>
-        <dsp:cNvSpPr/>
-      </dsp:nvSpPr>
-      <dsp:spPr>
-        <a:xfrm>
-          <a:off x="4491631" y="1536287"/>
-          <a:ext cx="1534535" cy="920721"/>
+          <a:off x="2917190" y="1536266"/>
+          <a:ext cx="1534606" cy="920763"/>
         </a:xfrm>
         <a:prstGeom prst="roundRect">
           <a:avLst>
@@ -2500,26 +2210,25 @@
             <a:buNone/>
           </a:pPr>
           <a:r>
-            <a:rPr lang="en-US" sz="1600" b="1" kern="1200"/>
-            <a:t>Explore Data</a:t>
+            <a:rPr lang="en-US" sz="1600" b="1" kern="1200" dirty="0"/>
+            <a:t>Process Data</a:t>
           </a:r>
-          <a:endParaRPr lang="en-US" sz="1600" b="1" kern="1200" dirty="0"/>
         </a:p>
       </dsp:txBody>
       <dsp:txXfrm>
-        <a:off x="4518598" y="1563254"/>
-        <a:ext cx="1480601" cy="866787"/>
+        <a:off x="2944158" y="1563234"/>
+        <a:ext cx="1480670" cy="866827"/>
       </dsp:txXfrm>
     </dsp:sp>
-    <dsp:sp modelId="{3D3EB6BB-F80A-3549-9395-3786070686C4}">
+    <dsp:sp modelId="{F1F8502D-CBF9-0447-A23A-94F318C7BC4C}">
       <dsp:nvSpPr>
         <dsp:cNvPr id="0" name=""/>
         <dsp:cNvSpPr/>
       </dsp:nvSpPr>
       <dsp:spPr>
         <a:xfrm rot="10800000">
-          <a:off x="4031270" y="1806366"/>
-          <a:ext cx="325321" cy="380564"/>
+          <a:off x="2456809" y="1806357"/>
+          <a:ext cx="325336" cy="380582"/>
         </a:xfrm>
         <a:prstGeom prst="rightArrow">
           <a:avLst>
@@ -2529,9 +2238,9 @@
         </a:prstGeom>
         <a:solidFill>
           <a:schemeClr val="accent3">
-            <a:hueOff val="6250147"/>
-            <a:satOff val="-9378"/>
-            <a:lumOff val="-1525"/>
+            <a:hueOff val="6428722"/>
+            <a:satOff val="-9646"/>
+            <a:lumOff val="-1569"/>
             <a:alphaOff val="0"/>
           </a:schemeClr>
         </a:solidFill>
@@ -2580,8 +2289,160 @@
         </a:p>
       </dsp:txBody>
       <dsp:txXfrm rot="10800000">
-        <a:off x="4128866" y="1882479"/>
-        <a:ext cx="227725" cy="228338"/>
+        <a:off x="2554410" y="1882473"/>
+        <a:ext cx="227735" cy="228350"/>
+      </dsp:txXfrm>
+    </dsp:sp>
+    <dsp:sp modelId="{98FE28C1-4158-1B47-8E40-D50CA0F02DA5}">
+      <dsp:nvSpPr>
+        <dsp:cNvPr id="0" name=""/>
+        <dsp:cNvSpPr/>
+      </dsp:nvSpPr>
+      <dsp:spPr>
+        <a:xfrm>
+          <a:off x="768742" y="1536266"/>
+          <a:ext cx="1534606" cy="920763"/>
+        </a:xfrm>
+        <a:prstGeom prst="roundRect">
+          <a:avLst>
+            <a:gd name="adj" fmla="val 10000"/>
+          </a:avLst>
+        </a:prstGeom>
+        <a:solidFill>
+          <a:schemeClr val="accent3">
+            <a:hueOff val="7031415"/>
+            <a:satOff val="-10550"/>
+            <a:lumOff val="-1716"/>
+            <a:alphaOff val="0"/>
+          </a:schemeClr>
+        </a:solidFill>
+        <a:ln w="25400" cap="flat" cmpd="sng" algn="ctr">
+          <a:solidFill>
+            <a:schemeClr val="lt1">
+              <a:hueOff val="0"/>
+              <a:satOff val="0"/>
+              <a:lumOff val="0"/>
+              <a:alphaOff val="0"/>
+            </a:schemeClr>
+          </a:solidFill>
+          <a:prstDash val="solid"/>
+        </a:ln>
+        <a:effectLst/>
+      </dsp:spPr>
+      <dsp:style>
+        <a:lnRef idx="2">
+          <a:scrgbClr r="0" g="0" b="0"/>
+        </a:lnRef>
+        <a:fillRef idx="1">
+          <a:scrgbClr r="0" g="0" b="0"/>
+        </a:fillRef>
+        <a:effectRef idx="0">
+          <a:scrgbClr r="0" g="0" b="0"/>
+        </a:effectRef>
+        <a:fontRef idx="minor">
+          <a:schemeClr val="lt1"/>
+        </a:fontRef>
+      </dsp:style>
+      <dsp:txBody>
+        <a:bodyPr spcFirstLastPara="0" vert="horz" wrap="square" lIns="60960" tIns="60960" rIns="60960" bIns="60960" numCol="1" spcCol="1270" anchor="ctr" anchorCtr="0">
+          <a:noAutofit/>
+        </a:bodyPr>
+        <a:lstStyle/>
+        <a:p>
+          <a:pPr marL="0" lvl="0" indent="0" algn="ctr" defTabSz="711200">
+            <a:lnSpc>
+              <a:spcPct val="90000"/>
+            </a:lnSpc>
+            <a:spcBef>
+              <a:spcPct val="0"/>
+            </a:spcBef>
+            <a:spcAft>
+              <a:spcPct val="35000"/>
+            </a:spcAft>
+            <a:buNone/>
+          </a:pPr>
+          <a:r>
+            <a:rPr lang="en-US" sz="1600" b="1" kern="1200" dirty="0"/>
+            <a:t>Explore Data</a:t>
+          </a:r>
+        </a:p>
+      </dsp:txBody>
+      <dsp:txXfrm>
+        <a:off x="795710" y="1563234"/>
+        <a:ext cx="1480670" cy="866827"/>
+      </dsp:txXfrm>
+    </dsp:sp>
+    <dsp:sp modelId="{3D3EB6BB-F80A-3549-9395-3786070686C4}">
+      <dsp:nvSpPr>
+        <dsp:cNvPr id="0" name=""/>
+        <dsp:cNvSpPr/>
+      </dsp:nvSpPr>
+      <dsp:spPr>
+        <a:xfrm rot="5400000">
+          <a:off x="1373377" y="2564452"/>
+          <a:ext cx="325336" cy="380582"/>
+        </a:xfrm>
+        <a:prstGeom prst="rightArrow">
+          <a:avLst>
+            <a:gd name="adj1" fmla="val 60000"/>
+            <a:gd name="adj2" fmla="val 50000"/>
+          </a:avLst>
+        </a:prstGeom>
+        <a:solidFill>
+          <a:schemeClr val="accent3">
+            <a:hueOff val="8035903"/>
+            <a:satOff val="-12057"/>
+            <a:lumOff val="-1961"/>
+            <a:alphaOff val="0"/>
+          </a:schemeClr>
+        </a:solidFill>
+        <a:ln>
+          <a:noFill/>
+        </a:ln>
+        <a:effectLst/>
+      </dsp:spPr>
+      <dsp:style>
+        <a:lnRef idx="0">
+          <a:scrgbClr r="0" g="0" b="0"/>
+        </a:lnRef>
+        <a:fillRef idx="1">
+          <a:scrgbClr r="0" g="0" b="0"/>
+        </a:fillRef>
+        <a:effectRef idx="0">
+          <a:scrgbClr r="0" g="0" b="0"/>
+        </a:effectRef>
+        <a:fontRef idx="minor">
+          <a:schemeClr val="lt1"/>
+        </a:fontRef>
+      </dsp:style>
+      <dsp:txBody>
+        <a:bodyPr spcFirstLastPara="0" vert="horz" wrap="square" lIns="0" tIns="0" rIns="0" bIns="0" numCol="1" spcCol="1270" anchor="ctr" anchorCtr="0">
+          <a:noAutofit/>
+        </a:bodyPr>
+        <a:lstStyle/>
+        <a:p>
+          <a:pPr marL="0" lvl="0" indent="0" algn="ctr" defTabSz="466725">
+            <a:lnSpc>
+              <a:spcPct val="90000"/>
+            </a:lnSpc>
+            <a:spcBef>
+              <a:spcPct val="0"/>
+            </a:spcBef>
+            <a:spcAft>
+              <a:spcPct val="35000"/>
+            </a:spcAft>
+            <a:buNone/>
+          </a:pPr>
+          <a:endParaRPr lang="en-US" sz="1050" b="1" kern="1200">
+            <a:solidFill>
+              <a:schemeClr val="tx1"/>
+            </a:solidFill>
+          </a:endParaRPr>
+        </a:p>
+      </dsp:txBody>
+      <dsp:txXfrm rot="-5400000">
+        <a:off x="1421871" y="2592075"/>
+        <a:ext cx="228350" cy="227735"/>
       </dsp:txXfrm>
     </dsp:sp>
     <dsp:sp modelId="{3E62C04F-1FAA-3847-B99F-F53435CF3D9A}">
@@ -2591,8 +2452,8 @@
       </dsp:nvSpPr>
       <dsp:spPr>
         <a:xfrm>
-          <a:off x="2343282" y="1536287"/>
-          <a:ext cx="1534535" cy="920721"/>
+          <a:off x="768742" y="3070872"/>
+          <a:ext cx="1534606" cy="920763"/>
         </a:xfrm>
         <a:prstGeom prst="roundRect">
           <a:avLst>
@@ -2601,9 +2462,9 @@
         </a:prstGeom>
         <a:solidFill>
           <a:schemeClr val="accent3">
-            <a:hueOff val="6750158"/>
-            <a:satOff val="-10128"/>
-            <a:lumOff val="-1647"/>
+            <a:hueOff val="8437698"/>
+            <a:satOff val="-12660"/>
+            <a:lumOff val="-2059"/>
             <a:alphaOff val="0"/>
           </a:schemeClr>
         </a:solidFill>
@@ -2659,8 +2520,8 @@
         </a:p>
       </dsp:txBody>
       <dsp:txXfrm>
-        <a:off x="2370249" y="1563254"/>
-        <a:ext cx="1480601" cy="866787"/>
+        <a:off x="795710" y="3097840"/>
+        <a:ext cx="1480670" cy="866827"/>
       </dsp:txXfrm>
     </dsp:sp>
     <dsp:sp modelId="{38898BEA-9284-D947-BAF2-42236F10A395}">
@@ -2669,9 +2530,9 @@
         <dsp:cNvSpPr/>
       </dsp:nvSpPr>
       <dsp:spPr>
-        <a:xfrm rot="10800000">
-          <a:off x="1882921" y="1806366"/>
-          <a:ext cx="325321" cy="380564"/>
+        <a:xfrm>
+          <a:off x="2438393" y="3340963"/>
+          <a:ext cx="325336" cy="380582"/>
         </a:xfrm>
         <a:prstGeom prst="rightArrow">
           <a:avLst>
@@ -2681,9 +2542,9 @@
         </a:prstGeom>
         <a:solidFill>
           <a:schemeClr val="accent3">
-            <a:hueOff val="7500176"/>
-            <a:satOff val="-11253"/>
-            <a:lumOff val="-1830"/>
+            <a:hueOff val="9643083"/>
+            <a:satOff val="-14469"/>
+            <a:lumOff val="-2353"/>
             <a:alphaOff val="0"/>
           </a:schemeClr>
         </a:solidFill>
@@ -2731,9 +2592,9 @@
           </a:endParaRPr>
         </a:p>
       </dsp:txBody>
-      <dsp:txXfrm rot="10800000">
-        <a:off x="1980517" y="1882479"/>
-        <a:ext cx="227725" cy="228338"/>
+      <dsp:txXfrm>
+        <a:off x="2438393" y="3417079"/>
+        <a:ext cx="227735" cy="228350"/>
       </dsp:txXfrm>
     </dsp:sp>
     <dsp:sp modelId="{BEE184A5-D4FD-5F44-93C1-4F56BB80C141}">
@@ -2743,8 +2604,8 @@
       </dsp:nvSpPr>
       <dsp:spPr>
         <a:xfrm>
-          <a:off x="194932" y="1536287"/>
-          <a:ext cx="1534535" cy="920721"/>
+          <a:off x="2917190" y="3070872"/>
+          <a:ext cx="1534606" cy="920763"/>
         </a:xfrm>
         <a:prstGeom prst="roundRect">
           <a:avLst>
@@ -2753,9 +2614,9 @@
         </a:prstGeom>
         <a:solidFill>
           <a:schemeClr val="accent3">
-            <a:hueOff val="7875184"/>
-            <a:satOff val="-11816"/>
-            <a:lumOff val="-1922"/>
+            <a:hueOff val="9843981"/>
+            <a:satOff val="-14770"/>
+            <a:lumOff val="-2402"/>
             <a:alphaOff val="0"/>
           </a:schemeClr>
         </a:solidFill>
@@ -2812,8 +2673,8 @@
         </a:p>
       </dsp:txBody>
       <dsp:txXfrm>
-        <a:off x="221899" y="1563254"/>
-        <a:ext cx="1480601" cy="866787"/>
+        <a:off x="2944158" y="3097840"/>
+        <a:ext cx="1480670" cy="866827"/>
       </dsp:txXfrm>
     </dsp:sp>
     <dsp:sp modelId="{6F791A14-DB04-2746-9DD6-E691C3C2D70C}">
@@ -2822,315 +2683,9 @@
         <dsp:cNvSpPr/>
       </dsp:nvSpPr>
       <dsp:spPr>
-        <a:xfrm rot="5400000">
-          <a:off x="799539" y="2564426"/>
-          <a:ext cx="325321" cy="380564"/>
-        </a:xfrm>
-        <a:prstGeom prst="rightArrow">
-          <a:avLst>
-            <a:gd name="adj1" fmla="val 60000"/>
-            <a:gd name="adj2" fmla="val 50000"/>
-          </a:avLst>
-        </a:prstGeom>
-        <a:solidFill>
-          <a:schemeClr val="accent3">
-            <a:hueOff val="8750205"/>
-            <a:satOff val="-13129"/>
-            <a:lumOff val="-2135"/>
-            <a:alphaOff val="0"/>
-          </a:schemeClr>
-        </a:solidFill>
-        <a:ln>
-          <a:noFill/>
-        </a:ln>
-        <a:effectLst/>
-      </dsp:spPr>
-      <dsp:style>
-        <a:lnRef idx="0">
-          <a:scrgbClr r="0" g="0" b="0"/>
-        </a:lnRef>
-        <a:fillRef idx="1">
-          <a:scrgbClr r="0" g="0" b="0"/>
-        </a:fillRef>
-        <a:effectRef idx="0">
-          <a:scrgbClr r="0" g="0" b="0"/>
-        </a:effectRef>
-        <a:fontRef idx="minor">
-          <a:schemeClr val="lt1"/>
-        </a:fontRef>
-      </dsp:style>
-      <dsp:txBody>
-        <a:bodyPr spcFirstLastPara="0" vert="horz" wrap="square" lIns="0" tIns="0" rIns="0" bIns="0" numCol="1" spcCol="1270" anchor="ctr" anchorCtr="0">
-          <a:noAutofit/>
-        </a:bodyPr>
-        <a:lstStyle/>
-        <a:p>
-          <a:pPr marL="0" lvl="0" indent="0" algn="ctr" defTabSz="311150">
-            <a:lnSpc>
-              <a:spcPct val="90000"/>
-            </a:lnSpc>
-            <a:spcBef>
-              <a:spcPct val="0"/>
-            </a:spcBef>
-            <a:spcAft>
-              <a:spcPct val="35000"/>
-            </a:spcAft>
-            <a:buNone/>
-          </a:pPr>
-          <a:endParaRPr lang="en-US" sz="700" b="1" kern="1200">
-            <a:solidFill>
-              <a:schemeClr val="tx1"/>
-            </a:solidFill>
-          </a:endParaRPr>
-        </a:p>
-      </dsp:txBody>
-      <dsp:txXfrm rot="-5400000">
-        <a:off x="848031" y="2592047"/>
-        <a:ext cx="228338" cy="227725"/>
-      </dsp:txXfrm>
-    </dsp:sp>
-    <dsp:sp modelId="{E71CBCA6-0380-3144-839B-6CBA1C09AC61}">
-      <dsp:nvSpPr>
-        <dsp:cNvPr id="0" name=""/>
-        <dsp:cNvSpPr/>
-      </dsp:nvSpPr>
-      <dsp:spPr>
         <a:xfrm>
-          <a:off x="194932" y="3070823"/>
-          <a:ext cx="1534535" cy="920721"/>
-        </a:xfrm>
-        <a:prstGeom prst="roundRect">
-          <a:avLst>
-            <a:gd name="adj" fmla="val 10000"/>
-          </a:avLst>
-        </a:prstGeom>
-        <a:solidFill>
-          <a:schemeClr val="accent3">
-            <a:hueOff val="9000211"/>
-            <a:satOff val="-13504"/>
-            <a:lumOff val="-2196"/>
-            <a:alphaOff val="0"/>
-          </a:schemeClr>
-        </a:solidFill>
-        <a:ln w="25400" cap="flat" cmpd="sng" algn="ctr">
-          <a:solidFill>
-            <a:schemeClr val="lt1">
-              <a:hueOff val="0"/>
-              <a:satOff val="0"/>
-              <a:lumOff val="0"/>
-              <a:alphaOff val="0"/>
-            </a:schemeClr>
-          </a:solidFill>
-          <a:prstDash val="solid"/>
-        </a:ln>
-        <a:effectLst/>
-      </dsp:spPr>
-      <dsp:style>
-        <a:lnRef idx="2">
-          <a:scrgbClr r="0" g="0" b="0"/>
-        </a:lnRef>
-        <a:fillRef idx="1">
-          <a:scrgbClr r="0" g="0" b="0"/>
-        </a:fillRef>
-        <a:effectRef idx="0">
-          <a:scrgbClr r="0" g="0" b="0"/>
-        </a:effectRef>
-        <a:fontRef idx="minor">
-          <a:schemeClr val="lt1"/>
-        </a:fontRef>
-      </dsp:style>
-      <dsp:txBody>
-        <a:bodyPr spcFirstLastPara="0" vert="horz" wrap="square" lIns="60960" tIns="60960" rIns="60960" bIns="60960" numCol="1" spcCol="1270" anchor="ctr" anchorCtr="0">
-          <a:noAutofit/>
-        </a:bodyPr>
-        <a:lstStyle/>
-        <a:p>
-          <a:pPr marL="0" lvl="0" indent="0" algn="ctr" defTabSz="711200">
-            <a:lnSpc>
-              <a:spcPct val="90000"/>
-            </a:lnSpc>
-            <a:spcBef>
-              <a:spcPct val="0"/>
-            </a:spcBef>
-            <a:spcAft>
-              <a:spcPct val="35000"/>
-            </a:spcAft>
-            <a:buNone/>
-          </a:pPr>
-          <a:r>
-            <a:rPr lang="en-US" sz="1600" b="1" kern="1200"/>
-            <a:t>Deploy</a:t>
-          </a:r>
-          <a:endParaRPr lang="en-US" sz="1600" b="1" kern="1200" dirty="0"/>
-        </a:p>
-      </dsp:txBody>
-      <dsp:txXfrm>
-        <a:off x="221899" y="3097790"/>
-        <a:ext cx="1480601" cy="866787"/>
-      </dsp:txXfrm>
-    </dsp:sp>
-    <dsp:sp modelId="{5C188913-A575-3545-A34C-B6145483AA04}">
-      <dsp:nvSpPr>
-        <dsp:cNvPr id="0" name=""/>
-        <dsp:cNvSpPr/>
-      </dsp:nvSpPr>
-      <dsp:spPr>
-        <a:xfrm>
-          <a:off x="1864507" y="3340901"/>
-          <a:ext cx="325321" cy="380564"/>
-        </a:xfrm>
-        <a:prstGeom prst="rightArrow">
-          <a:avLst>
-            <a:gd name="adj1" fmla="val 60000"/>
-            <a:gd name="adj2" fmla="val 50000"/>
-          </a:avLst>
-        </a:prstGeom>
-        <a:solidFill>
-          <a:schemeClr val="accent3">
-            <a:hueOff val="10000235"/>
-            <a:satOff val="-15004"/>
-            <a:lumOff val="-2440"/>
-            <a:alphaOff val="0"/>
-          </a:schemeClr>
-        </a:solidFill>
-        <a:ln>
-          <a:noFill/>
-        </a:ln>
-        <a:effectLst/>
-      </dsp:spPr>
-      <dsp:style>
-        <a:lnRef idx="0">
-          <a:scrgbClr r="0" g="0" b="0"/>
-        </a:lnRef>
-        <a:fillRef idx="1">
-          <a:scrgbClr r="0" g="0" b="0"/>
-        </a:fillRef>
-        <a:effectRef idx="0">
-          <a:scrgbClr r="0" g="0" b="0"/>
-        </a:effectRef>
-        <a:fontRef idx="minor">
-          <a:schemeClr val="lt1"/>
-        </a:fontRef>
-      </dsp:style>
-      <dsp:txBody>
-        <a:bodyPr spcFirstLastPara="0" vert="horz" wrap="square" lIns="0" tIns="0" rIns="0" bIns="0" numCol="1" spcCol="1270" anchor="ctr" anchorCtr="0">
-          <a:noAutofit/>
-        </a:bodyPr>
-        <a:lstStyle/>
-        <a:p>
-          <a:pPr marL="0" lvl="0" indent="0" algn="ctr" defTabSz="311150">
-            <a:lnSpc>
-              <a:spcPct val="90000"/>
-            </a:lnSpc>
-            <a:spcBef>
-              <a:spcPct val="0"/>
-            </a:spcBef>
-            <a:spcAft>
-              <a:spcPct val="35000"/>
-            </a:spcAft>
-            <a:buNone/>
-          </a:pPr>
-          <a:endParaRPr lang="en-US" sz="700" b="1" kern="1200">
-            <a:solidFill>
-              <a:schemeClr val="tx1"/>
-            </a:solidFill>
-          </a:endParaRPr>
-        </a:p>
-      </dsp:txBody>
-      <dsp:txXfrm>
-        <a:off x="1864507" y="3417014"/>
-        <a:ext cx="227725" cy="228338"/>
-      </dsp:txXfrm>
-    </dsp:sp>
-    <dsp:sp modelId="{A2377AC9-AA87-BC42-9FF4-12525AAFA1A4}">
-      <dsp:nvSpPr>
-        <dsp:cNvPr id="0" name=""/>
-        <dsp:cNvSpPr/>
-      </dsp:nvSpPr>
-      <dsp:spPr>
-        <a:xfrm>
-          <a:off x="2343282" y="3070823"/>
-          <a:ext cx="1534535" cy="920721"/>
-        </a:xfrm>
-        <a:prstGeom prst="roundRect">
-          <a:avLst>
-            <a:gd name="adj" fmla="val 10000"/>
-          </a:avLst>
-        </a:prstGeom>
-        <a:solidFill>
-          <a:schemeClr val="accent3">
-            <a:hueOff val="10125237"/>
-            <a:satOff val="-15192"/>
-            <a:lumOff val="-2471"/>
-            <a:alphaOff val="0"/>
-          </a:schemeClr>
-        </a:solidFill>
-        <a:ln w="25400" cap="flat" cmpd="sng" algn="ctr">
-          <a:solidFill>
-            <a:schemeClr val="lt1">
-              <a:hueOff val="0"/>
-              <a:satOff val="0"/>
-              <a:lumOff val="0"/>
-              <a:alphaOff val="0"/>
-            </a:schemeClr>
-          </a:solidFill>
-          <a:prstDash val="solid"/>
-        </a:ln>
-        <a:effectLst/>
-      </dsp:spPr>
-      <dsp:style>
-        <a:lnRef idx="2">
-          <a:scrgbClr r="0" g="0" b="0"/>
-        </a:lnRef>
-        <a:fillRef idx="1">
-          <a:scrgbClr r="0" g="0" b="0"/>
-        </a:fillRef>
-        <a:effectRef idx="0">
-          <a:scrgbClr r="0" g="0" b="0"/>
-        </a:effectRef>
-        <a:fontRef idx="minor">
-          <a:schemeClr val="lt1"/>
-        </a:fontRef>
-      </dsp:style>
-      <dsp:txBody>
-        <a:bodyPr spcFirstLastPara="0" vert="horz" wrap="square" lIns="60960" tIns="60960" rIns="60960" bIns="60960" numCol="1" spcCol="1270" anchor="ctr" anchorCtr="0">
-          <a:noAutofit/>
-        </a:bodyPr>
-        <a:lstStyle/>
-        <a:p>
-          <a:pPr marL="0" lvl="0" indent="0" algn="ctr" defTabSz="711200">
-            <a:lnSpc>
-              <a:spcPct val="90000"/>
-            </a:lnSpc>
-            <a:spcBef>
-              <a:spcPct val="0"/>
-            </a:spcBef>
-            <a:spcAft>
-              <a:spcPct val="35000"/>
-            </a:spcAft>
-            <a:buNone/>
-          </a:pPr>
-          <a:r>
-            <a:rPr lang="en-US" sz="1600" b="1" kern="1200"/>
-            <a:t>Maintain</a:t>
-          </a:r>
-          <a:endParaRPr lang="en-US" sz="1600" b="1" kern="1200" dirty="0"/>
-        </a:p>
-      </dsp:txBody>
-      <dsp:txXfrm>
-        <a:off x="2370249" y="3097790"/>
-        <a:ext cx="1480601" cy="866787"/>
-      </dsp:txXfrm>
-    </dsp:sp>
-    <dsp:sp modelId="{D4645FDA-B217-A842-9A48-E7F13C54665D}">
-      <dsp:nvSpPr>
-        <dsp:cNvPr id="0" name=""/>
-        <dsp:cNvSpPr/>
-      </dsp:nvSpPr>
-      <dsp:spPr>
-        <a:xfrm>
-          <a:off x="4012856" y="3340901"/>
-          <a:ext cx="325321" cy="380564"/>
+          <a:off x="4586842" y="3340963"/>
+          <a:ext cx="325336" cy="380582"/>
         </a:xfrm>
         <a:prstGeom prst="rightArrow">
           <a:avLst>
@@ -3191,19 +2746,19 @@
         </a:p>
       </dsp:txBody>
       <dsp:txXfrm>
-        <a:off x="4012856" y="3417014"/>
-        <a:ext cx="227725" cy="228338"/>
+        <a:off x="4586842" y="3417079"/>
+        <a:ext cx="227735" cy="228350"/>
       </dsp:txXfrm>
     </dsp:sp>
-    <dsp:sp modelId="{D72B0A0C-FB32-F641-A263-966E6A1F4BE9}">
+    <dsp:sp modelId="{E71CBCA6-0380-3144-839B-6CBA1C09AC61}">
       <dsp:nvSpPr>
         <dsp:cNvPr id="0" name=""/>
         <dsp:cNvSpPr/>
       </dsp:nvSpPr>
       <dsp:spPr>
         <a:xfrm>
-          <a:off x="4491631" y="3070823"/>
-          <a:ext cx="1534535" cy="920721"/>
+          <a:off x="5065639" y="3070872"/>
+          <a:ext cx="1534606" cy="920763"/>
         </a:xfrm>
         <a:prstGeom prst="roundRect">
           <a:avLst>
@@ -3246,12 +2801,12 @@
         </a:fontRef>
       </dsp:style>
       <dsp:txBody>
-        <a:bodyPr spcFirstLastPara="0" vert="horz" wrap="square" lIns="53340" tIns="53340" rIns="53340" bIns="53340" numCol="1" spcCol="1270" anchor="ctr" anchorCtr="0">
+        <a:bodyPr spcFirstLastPara="0" vert="horz" wrap="square" lIns="60960" tIns="60960" rIns="60960" bIns="60960" numCol="1" spcCol="1270" anchor="ctr" anchorCtr="0">
           <a:noAutofit/>
         </a:bodyPr>
         <a:lstStyle/>
         <a:p>
-          <a:pPr marL="0" lvl="0" indent="0" algn="ctr" defTabSz="622300">
+          <a:pPr marL="0" lvl="0" indent="0" algn="ctr" defTabSz="711200">
             <a:lnSpc>
               <a:spcPct val="90000"/>
             </a:lnSpc>
@@ -3264,14 +2819,14 @@
             <a:buNone/>
           </a:pPr>
           <a:r>
-            <a:rPr lang="en-US" sz="1400" b="1" kern="1200" dirty="0"/>
-            <a:t>Communicate</a:t>
+            <a:rPr lang="en-US" sz="1600" b="1" kern="1200" dirty="0"/>
+            <a:t>Deploy and Maintain</a:t>
           </a:r>
         </a:p>
       </dsp:txBody>
       <dsp:txXfrm>
-        <a:off x="4518598" y="3097790"/>
-        <a:ext cx="1480601" cy="866787"/>
+        <a:off x="5092607" y="3097840"/>
+        <a:ext cx="1480670" cy="866827"/>
       </dsp:txXfrm>
     </dsp:sp>
   </dsp:spTree>
@@ -4565,7 +4120,7 @@
           <a:p>
             <a:fld id="{9B69B9FF-71BF-6149-A0CB-459184DAAD9F}" type="datetimeFigureOut">
               <a:rPr lang="en-US" smtClean="0"/>
-              <a:t>4/1/19</a:t>
+              <a:t>4/9/19</a:t>
             </a:fld>
             <a:endParaRPr lang="en-US"/>
           </a:p>
@@ -5242,7 +4797,7 @@
           <a:p>
             <a:fld id="{7C0312F8-2DE2-6B40-83C5-731724CAE2B0}" type="datetimeFigureOut">
               <a:rPr lang="en-US" smtClean="0"/>
-              <a:t>4/1/19</a:t>
+              <a:t>4/9/19</a:t>
             </a:fld>
             <a:endParaRPr lang="en-US"/>
           </a:p>
@@ -5420,7 +4975,7 @@
           <a:p>
             <a:fld id="{7C0312F8-2DE2-6B40-83C5-731724CAE2B0}" type="datetimeFigureOut">
               <a:rPr lang="en-US" smtClean="0"/>
-              <a:t>4/1/19</a:t>
+              <a:t>4/9/19</a:t>
             </a:fld>
             <a:endParaRPr lang="en-US"/>
           </a:p>
@@ -5933,7 +5488,7 @@
           <a:p>
             <a:fld id="{7C0312F8-2DE2-6B40-83C5-731724CAE2B0}" type="datetimeFigureOut">
               <a:rPr lang="en-US" smtClean="0"/>
-              <a:t>4/1/19</a:t>
+              <a:t>4/9/19</a:t>
             </a:fld>
             <a:endParaRPr lang="en-US"/>
           </a:p>
@@ -6218,7 +5773,7 @@
           <a:p>
             <a:fld id="{7C0312F8-2DE2-6B40-83C5-731724CAE2B0}" type="datetimeFigureOut">
               <a:rPr lang="en-US" smtClean="0"/>
-              <a:t>4/1/19</a:t>
+              <a:t>4/9/19</a:t>
             </a:fld>
             <a:endParaRPr lang="en-US"/>
           </a:p>
@@ -6637,7 +6192,7 @@
           <a:p>
             <a:fld id="{7C0312F8-2DE2-6B40-83C5-731724CAE2B0}" type="datetimeFigureOut">
               <a:rPr lang="en-US" smtClean="0"/>
-              <a:t>4/1/19</a:t>
+              <a:t>4/9/19</a:t>
             </a:fld>
             <a:endParaRPr lang="en-US"/>
           </a:p>
@@ -6880,7 +6435,7 @@
           <a:p>
             <a:fld id="{7C0312F8-2DE2-6B40-83C5-731724CAE2B0}" type="datetimeFigureOut">
               <a:rPr lang="en-US" smtClean="0"/>
-              <a:t>4/1/19</a:t>
+              <a:t>4/9/19</a:t>
             </a:fld>
             <a:endParaRPr lang="en-US"/>
           </a:p>
@@ -7155,7 +6710,7 @@
           <a:p>
             <a:fld id="{7C0312F8-2DE2-6B40-83C5-731724CAE2B0}" type="datetimeFigureOut">
               <a:rPr lang="en-US" smtClean="0"/>
-              <a:t>4/1/19</a:t>
+              <a:t>4/9/19</a:t>
             </a:fld>
             <a:endParaRPr lang="en-US"/>
           </a:p>
@@ -7410,7 +6965,7 @@
           <a:p>
             <a:fld id="{7C0312F8-2DE2-6B40-83C5-731724CAE2B0}" type="datetimeFigureOut">
               <a:rPr lang="en-US" smtClean="0"/>
-              <a:t>4/1/19</a:t>
+              <a:t>4/9/19</a:t>
             </a:fld>
             <a:endParaRPr lang="en-US"/>
           </a:p>
@@ -7621,7 +7176,7 @@
           <a:p>
             <a:fld id="{7C0312F8-2DE2-6B40-83C5-731724CAE2B0}" type="datetimeFigureOut">
               <a:rPr lang="en-US" smtClean="0"/>
-              <a:t>4/1/19</a:t>
+              <a:t>4/9/19</a:t>
             </a:fld>
             <a:endParaRPr lang="en-US"/>
           </a:p>
@@ -8114,49 +7669,21 @@
           <a:p>
             <a:r>
               <a:rPr lang="en-US" dirty="0"/>
-              <a:t>Using historical data</a:t>
+              <a:t>Select pool of methods applicable for task</a:t>
+            </a:r>
+          </a:p>
+          <a:p>
+            <a:r>
+              <a:rPr lang="en-US" dirty="0"/>
+              <a:t>For loop over a large number of methods</a:t>
             </a:r>
           </a:p>
           <a:p>
             <a:pPr lvl="1"/>
             <a:r>
               <a:rPr lang="en-US" dirty="0"/>
-              <a:t>Methodology</a:t>
-            </a:r>
-          </a:p>
-          <a:p>
-            <a:pPr lvl="1"/>
-            <a:r>
-              <a:rPr lang="en-US" dirty="0"/>
-              <a:t>Metric</a:t>
-            </a:r>
-          </a:p>
-          <a:p>
-            <a:endParaRPr lang="en-US" dirty="0"/>
-          </a:p>
-          <a:p>
-            <a:r>
-              <a:rPr lang="en-US" dirty="0"/>
-              <a:t>Field Experiment</a:t>
-            </a:r>
-          </a:p>
-          <a:p>
-            <a:pPr lvl="1"/>
-            <a:r>
-              <a:rPr lang="en-US" dirty="0"/>
-              <a:t>Methodology</a:t>
-            </a:r>
-          </a:p>
-          <a:p>
-            <a:pPr lvl="1"/>
-            <a:r>
-              <a:rPr lang="en-US" dirty="0"/>
-              <a:t>Metric</a:t>
-            </a:r>
-          </a:p>
-          <a:p>
-            <a:pPr lvl="1"/>
-            <a:endParaRPr lang="en-US" dirty="0"/>
+              <a:t>For loop over parameters</a:t>
+            </a:r>
           </a:p>
         </p:txBody>
       </p:sp>
@@ -8177,7 +7704,7 @@
           <a:p>
             <a:r>
               <a:rPr lang="en-US" dirty="0"/>
-              <a:t>Validation</a:t>
+              <a:t>Method Selection</a:t>
             </a:r>
           </a:p>
         </p:txBody>
@@ -8185,7 +7712,7 @@
     </p:spTree>
     <p:extLst>
       <p:ext uri="{BB962C8B-B14F-4D97-AF65-F5344CB8AC3E}">
-        <p14:creationId xmlns:p14="http://schemas.microsoft.com/office/powerpoint/2010/main" val="2372999781"/>
+        <p14:creationId xmlns:p14="http://schemas.microsoft.com/office/powerpoint/2010/main" val="2587366820"/>
       </p:ext>
     </p:extLst>
   </p:cSld>
@@ -8229,28 +7756,49 @@
           <a:p>
             <a:r>
               <a:rPr lang="en-US" dirty="0"/>
-              <a:t>Re-training</a:t>
+              <a:t>Using historical data</a:t>
             </a:r>
           </a:p>
           <a:p>
             <a:pPr lvl="1"/>
             <a:r>
               <a:rPr lang="en-US" dirty="0"/>
-              <a:t>How often?</a:t>
+              <a:t>Methodology</a:t>
             </a:r>
           </a:p>
           <a:p>
             <a:pPr lvl="1"/>
             <a:r>
               <a:rPr lang="en-US" dirty="0"/>
-              <a:t>Re-select methods?</a:t>
-            </a:r>
+              <a:t>Metric</a:t>
+            </a:r>
+          </a:p>
+          <a:p>
+            <a:endParaRPr lang="en-US" dirty="0"/>
           </a:p>
           <a:p>
             <a:r>
               <a:rPr lang="en-US" dirty="0"/>
-              <a:t>Scoring</a:t>
-            </a:r>
+              <a:t>Field Experiment</a:t>
+            </a:r>
+          </a:p>
+          <a:p>
+            <a:pPr lvl="1"/>
+            <a:r>
+              <a:rPr lang="en-US" dirty="0"/>
+              <a:t>Methodology</a:t>
+            </a:r>
+          </a:p>
+          <a:p>
+            <a:pPr lvl="1"/>
+            <a:r>
+              <a:rPr lang="en-US" dirty="0"/>
+              <a:t>Metric</a:t>
+            </a:r>
+          </a:p>
+          <a:p>
+            <a:pPr lvl="1"/>
+            <a:endParaRPr lang="en-US" dirty="0"/>
           </a:p>
         </p:txBody>
       </p:sp>
@@ -8271,7 +7819,7 @@
           <a:p>
             <a:r>
               <a:rPr lang="en-US" dirty="0"/>
-              <a:t>Deployment and Maintenance</a:t>
+              <a:t>Validation</a:t>
             </a:r>
           </a:p>
         </p:txBody>
@@ -8279,7 +7827,7 @@
     </p:spTree>
     <p:extLst>
       <p:ext uri="{BB962C8B-B14F-4D97-AF65-F5344CB8AC3E}">
-        <p14:creationId xmlns:p14="http://schemas.microsoft.com/office/powerpoint/2010/main" val="3016864257"/>
+        <p14:creationId xmlns:p14="http://schemas.microsoft.com/office/powerpoint/2010/main" val="2372999781"/>
       </p:ext>
     </p:extLst>
   </p:cSld>
@@ -8318,8 +7866,102 @@
         </p:nvSpPr>
         <p:spPr/>
         <p:txBody>
+          <a:bodyPr/>
+          <a:lstStyle/>
+          <a:p>
+            <a:r>
+              <a:rPr lang="en-US" dirty="0"/>
+              <a:t>Re-training</a:t>
+            </a:r>
+          </a:p>
+          <a:p>
+            <a:pPr lvl="1"/>
+            <a:r>
+              <a:rPr lang="en-US" dirty="0"/>
+              <a:t>How often?</a:t>
+            </a:r>
+          </a:p>
+          <a:p>
+            <a:pPr lvl="1"/>
+            <a:r>
+              <a:rPr lang="en-US" dirty="0"/>
+              <a:t>Re-select methods?</a:t>
+            </a:r>
+          </a:p>
+          <a:p>
+            <a:r>
+              <a:rPr lang="en-US" dirty="0"/>
+              <a:t>Scoring</a:t>
+            </a:r>
+          </a:p>
+        </p:txBody>
+      </p:sp>
+      <p:sp>
+        <p:nvSpPr>
+          <p:cNvPr id="3" name="Title 2"/>
+          <p:cNvSpPr>
+            <a:spLocks noGrp="1"/>
+          </p:cNvSpPr>
+          <p:nvPr>
+            <p:ph type="title"/>
+          </p:nvPr>
+        </p:nvSpPr>
+        <p:spPr/>
+        <p:txBody>
+          <a:bodyPr/>
+          <a:lstStyle/>
+          <a:p>
+            <a:r>
+              <a:rPr lang="en-US" dirty="0"/>
+              <a:t>Deployment and Maintenance</a:t>
+            </a:r>
+          </a:p>
+        </p:txBody>
+      </p:sp>
+    </p:spTree>
+    <p:extLst>
+      <p:ext uri="{BB962C8B-B14F-4D97-AF65-F5344CB8AC3E}">
+        <p14:creationId xmlns:p14="http://schemas.microsoft.com/office/powerpoint/2010/main" val="3016864257"/>
+      </p:ext>
+    </p:extLst>
+  </p:cSld>
+  <p:clrMapOvr>
+    <a:masterClrMapping/>
+  </p:clrMapOvr>
+</p:sld>
+</file>
+
+<file path=ppt/slides/slide13.xml><?xml version="1.0" encoding="utf-8"?>
+<p:sld xmlns:a="http://schemas.openxmlformats.org/drawingml/2006/main" xmlns:r="http://schemas.openxmlformats.org/officeDocument/2006/relationships" xmlns:p="http://schemas.openxmlformats.org/presentationml/2006/main">
+  <p:cSld>
+    <p:spTree>
+      <p:nvGrpSpPr>
+        <p:cNvPr id="1" name=""/>
+        <p:cNvGrpSpPr/>
+        <p:nvPr/>
+      </p:nvGrpSpPr>
+      <p:grpSpPr>
+        <a:xfrm>
+          <a:off x="0" y="0"/>
+          <a:ext cx="0" cy="0"/>
+          <a:chOff x="0" y="0"/>
+          <a:chExt cx="0" cy="0"/>
+        </a:xfrm>
+      </p:grpSpPr>
+      <p:sp>
+        <p:nvSpPr>
+          <p:cNvPr id="2" name="Content Placeholder 1"/>
+          <p:cNvSpPr>
+            <a:spLocks noGrp="1"/>
+          </p:cNvSpPr>
+          <p:nvPr>
+            <p:ph idx="1"/>
+          </p:nvPr>
+        </p:nvSpPr>
+        <p:spPr/>
+        <p:txBody>
           <a:bodyPr>
-            <a:normAutofit fontScale="92500" lnSpcReduction="20000"/>
+            <a:normAutofit/>
           </a:bodyPr>
           <a:lstStyle/>
           <a:p>
@@ -8379,38 +8021,10 @@
             </a:r>
           </a:p>
           <a:p>
-            <a:pPr lvl="1"/>
+            <a:pPr marL="457200" lvl="1" indent="0">
+              <a:buNone/>
+            </a:pPr>
             <a:endParaRPr lang="en-US" dirty="0"/>
-          </a:p>
-          <a:p>
-            <a:r>
-              <a:rPr lang="en-US" dirty="0"/>
-              <a:t>Data/Problem: modified from </a:t>
-            </a:r>
-            <a:r>
-              <a:rPr lang="en-US" dirty="0" err="1"/>
-              <a:t>kaggle</a:t>
-            </a:r>
-            <a:r>
-              <a:rPr lang="en-US" dirty="0"/>
-              <a:t> </a:t>
-            </a:r>
-          </a:p>
-          <a:p>
-            <a:r>
-              <a:rPr lang="en-US" dirty="0"/>
-              <a:t>Useful code: </a:t>
-            </a:r>
-            <a:r>
-              <a:rPr lang="en-US" dirty="0">
-                <a:hlinkClick r:id="rId2"/>
-              </a:rPr>
-              <a:t>https://github.com/yhat/DataGotham2013/</a:t>
-            </a:r>
-            <a:r>
-              <a:rPr lang="en-US" dirty="0"/>
-              <a:t> </a:t>
-            </a:r>
           </a:p>
         </p:txBody>
       </p:sp>
@@ -8795,14 +8409,14 @@
           <p:nvPr>
             <p:extLst>
               <p:ext uri="{D42A27DB-BD31-4B8C-83A1-F6EECF244321}">
-                <p14:modId xmlns:p14="http://schemas.microsoft.com/office/powerpoint/2010/main" val="2128315565"/>
+                <p14:modId xmlns:p14="http://schemas.microsoft.com/office/powerpoint/2010/main" val="3661972188"/>
               </p:ext>
             </p:extLst>
           </p:nvPr>
         </p:nvGraphicFramePr>
         <p:xfrm>
-          <a:off x="419548" y="1891135"/>
-          <a:ext cx="8369449" cy="3993297"/>
+          <a:off x="828341" y="1869620"/>
+          <a:ext cx="7368988" cy="3993297"/>
         </p:xfrm>
         <a:graphic>
           <a:graphicData uri="http://schemas.openxmlformats.org/drawingml/2006/diagram">
@@ -9066,7 +8680,13 @@
       </p:grpSpPr>
       <p:sp>
         <p:nvSpPr>
-          <p:cNvPr id="2" name="Content Placeholder 1"/>
+          <p:cNvPr id="2" name="Content Placeholder 1">
+            <a:extLst>
+              <a:ext uri="{FF2B5EF4-FFF2-40B4-BE49-F238E27FC236}">
+                <a16:creationId xmlns:a16="http://schemas.microsoft.com/office/drawing/2014/main" id="{4593940F-C433-4640-828F-B41EE17F3C87}"/>
+              </a:ext>
+            </a:extLst>
+          </p:cNvPr>
           <p:cNvSpPr>
             <a:spLocks noGrp="1"/>
           </p:cNvSpPr>
@@ -9076,87 +8696,60 @@
         </p:nvSpPr>
         <p:spPr/>
         <p:txBody>
-          <a:bodyPr>
-            <a:normAutofit lnSpcReduction="10000"/>
-          </a:bodyPr>
+          <a:bodyPr/>
           <a:lstStyle/>
           <a:p>
             <a:r>
               <a:rPr lang="en-US" dirty="0"/>
-              <a:t>Data Exploration</a:t>
+              <a:t>Data Cleaning</a:t>
             </a:r>
           </a:p>
           <a:p>
             <a:pPr lvl="1"/>
             <a:r>
               <a:rPr lang="en-US" dirty="0"/>
-              <a:t>Distributions</a:t>
+              <a:t>Incorrect data types, values</a:t>
             </a:r>
           </a:p>
           <a:p>
             <a:pPr lvl="1"/>
             <a:r>
               <a:rPr lang="en-US" dirty="0"/>
-              <a:t>Missing Values</a:t>
+              <a:t>Missing data</a:t>
             </a:r>
           </a:p>
           <a:p>
             <a:pPr lvl="1"/>
             <a:r>
               <a:rPr lang="en-US" dirty="0"/>
-              <a:t>Correlations</a:t>
+              <a:t>Typos</a:t>
             </a:r>
           </a:p>
           <a:p>
             <a:pPr lvl="1"/>
             <a:r>
               <a:rPr lang="en-US" dirty="0"/>
-              <a:t>Other Patterns</a:t>
-            </a:r>
-          </a:p>
-          <a:p>
-            <a:r>
-              <a:rPr lang="en-US" dirty="0"/>
-              <a:t>Pre-Processing</a:t>
+              <a:t>Standardization</a:t>
             </a:r>
           </a:p>
           <a:p>
             <a:pPr lvl="1"/>
-            <a:r>
-              <a:rPr lang="en-US" dirty="0"/>
-              <a:t>Leakage</a:t>
-            </a:r>
-          </a:p>
-          <a:p>
-            <a:pPr lvl="1"/>
-            <a:r>
-              <a:rPr lang="en-US" dirty="0"/>
-              <a:t>Deal with Missing values</a:t>
-            </a:r>
-          </a:p>
-          <a:p>
-            <a:pPr lvl="1"/>
-            <a:r>
-              <a:rPr lang="en-US" dirty="0"/>
-              <a:t>Scaling</a:t>
-            </a:r>
-          </a:p>
-          <a:p>
-            <a:pPr lvl="1"/>
-            <a:r>
-              <a:rPr lang="en-US" dirty="0"/>
-              <a:t>Data errors</a:t>
-            </a:r>
-          </a:p>
-          <a:p>
-            <a:pPr lvl="1"/>
+            <a:endParaRPr lang="en-US" dirty="0"/>
+          </a:p>
+          <a:p>
             <a:endParaRPr lang="en-US" dirty="0"/>
           </a:p>
         </p:txBody>
       </p:sp>
       <p:sp>
         <p:nvSpPr>
-          <p:cNvPr id="3" name="Title 2"/>
+          <p:cNvPr id="3" name="Title 2">
+            <a:extLst>
+              <a:ext uri="{FF2B5EF4-FFF2-40B4-BE49-F238E27FC236}">
+                <a16:creationId xmlns:a16="http://schemas.microsoft.com/office/drawing/2014/main" id="{DE46DFE9-5E0E-7647-9F8B-BDCC029A65C0}"/>
+              </a:ext>
+            </a:extLst>
+          </p:cNvPr>
           <p:cNvSpPr>
             <a:spLocks noGrp="1"/>
           </p:cNvSpPr>
@@ -9166,14 +8759,12 @@
         </p:nvSpPr>
         <p:spPr/>
         <p:txBody>
-          <a:bodyPr>
-            <a:normAutofit/>
-          </a:bodyPr>
+          <a:bodyPr/>
           <a:lstStyle/>
           <a:p>
             <a:r>
               <a:rPr lang="en-US" dirty="0"/>
-              <a:t>Explore and Prepare data</a:t>
+              <a:t>Data Processing</a:t>
             </a:r>
           </a:p>
         </p:txBody>
@@ -9181,7 +8772,7 @@
     </p:spTree>
     <p:extLst>
       <p:ext uri="{BB962C8B-B14F-4D97-AF65-F5344CB8AC3E}">
-        <p14:creationId xmlns:p14="http://schemas.microsoft.com/office/powerpoint/2010/main" val="67433789"/>
+        <p14:creationId xmlns:p14="http://schemas.microsoft.com/office/powerpoint/2010/main" val="3663695874"/>
       </p:ext>
     </p:extLst>
   </p:cSld>
@@ -9220,65 +8811,50 @@
         </p:nvSpPr>
         <p:spPr/>
         <p:txBody>
-          <a:bodyPr/>
+          <a:bodyPr>
+            <a:normAutofit/>
+          </a:bodyPr>
           <a:lstStyle/>
           <a:p>
             <a:r>
               <a:rPr lang="en-US" dirty="0"/>
-              <a:t>Common Features</a:t>
+              <a:t>Data Exploration</a:t>
             </a:r>
           </a:p>
           <a:p>
             <a:pPr lvl="1"/>
             <a:r>
               <a:rPr lang="en-US" dirty="0"/>
-              <a:t>Discretization</a:t>
+              <a:t>Distributions</a:t>
             </a:r>
           </a:p>
           <a:p>
             <a:pPr lvl="1"/>
             <a:r>
               <a:rPr lang="en-US" dirty="0"/>
-              <a:t>Transformations</a:t>
+              <a:t>Correlations</a:t>
             </a:r>
           </a:p>
           <a:p>
             <a:pPr lvl="1"/>
             <a:r>
               <a:rPr lang="en-US" dirty="0"/>
-              <a:t>Interactions/Conjunctions</a:t>
+              <a:t>Temporal patterns</a:t>
             </a:r>
           </a:p>
           <a:p>
             <a:pPr lvl="1"/>
             <a:r>
               <a:rPr lang="en-US" dirty="0"/>
-              <a:t>Disaggregation</a:t>
-            </a:r>
+              <a:t>Data stories</a:t>
+            </a:r>
+          </a:p>
+          <a:p>
+            <a:pPr lvl="2"/>
+            <a:endParaRPr lang="en-US" dirty="0"/>
           </a:p>
           <a:p>
             <a:pPr lvl="1"/>
-            <a:r>
-              <a:rPr lang="en-US" dirty="0"/>
-              <a:t>Aggregations</a:t>
-            </a:r>
-          </a:p>
-          <a:p>
-            <a:pPr lvl="2"/>
-            <a:r>
-              <a:rPr lang="en-US" dirty="0"/>
-              <a:t>Temporal</a:t>
-            </a:r>
-          </a:p>
-          <a:p>
-            <a:pPr lvl="2"/>
-            <a:r>
-              <a:rPr lang="en-US" dirty="0"/>
-              <a:t>Spatial</a:t>
-            </a:r>
-          </a:p>
-          <a:p>
-            <a:pPr lvl="2"/>
             <a:endParaRPr lang="en-US" dirty="0"/>
           </a:p>
         </p:txBody>
@@ -9302,7 +8878,7 @@
           <a:p>
             <a:r>
               <a:rPr lang="en-US" dirty="0"/>
-              <a:t>Feature Creation</a:t>
+              <a:t>Explore data</a:t>
             </a:r>
           </a:p>
         </p:txBody>
@@ -9354,21 +8930,61 @@
           <a:p>
             <a:r>
               <a:rPr lang="en-US" dirty="0"/>
-              <a:t>Select pool of methods applicable for task</a:t>
-            </a:r>
-          </a:p>
-          <a:p>
+              <a:t>Common Features</a:t>
+            </a:r>
+          </a:p>
+          <a:p>
+            <a:pPr lvl="1"/>
             <a:r>
               <a:rPr lang="en-US" dirty="0"/>
-              <a:t>For loop over a large number of methods</a:t>
+              <a:t>Discretization</a:t>
             </a:r>
           </a:p>
           <a:p>
             <a:pPr lvl="1"/>
             <a:r>
               <a:rPr lang="en-US" dirty="0"/>
-              <a:t>For loop over parameters</a:t>
-            </a:r>
+              <a:t>Transformations</a:t>
+            </a:r>
+          </a:p>
+          <a:p>
+            <a:pPr lvl="1"/>
+            <a:r>
+              <a:rPr lang="en-US" dirty="0"/>
+              <a:t>Interactions/Conjunctions</a:t>
+            </a:r>
+          </a:p>
+          <a:p>
+            <a:pPr lvl="1"/>
+            <a:r>
+              <a:rPr lang="en-US" dirty="0"/>
+              <a:t>Disaggregation</a:t>
+            </a:r>
+          </a:p>
+          <a:p>
+            <a:pPr lvl="1"/>
+            <a:r>
+              <a:rPr lang="en-US" dirty="0"/>
+              <a:t>Aggregations</a:t>
+            </a:r>
+          </a:p>
+          <a:p>
+            <a:pPr lvl="2"/>
+            <a:r>
+              <a:rPr lang="en-US" dirty="0"/>
+              <a:t>Temporal</a:t>
+            </a:r>
+          </a:p>
+          <a:p>
+            <a:pPr lvl="2"/>
+            <a:r>
+              <a:rPr lang="en-US" dirty="0"/>
+              <a:t>Spatial</a:t>
+            </a:r>
+          </a:p>
+          <a:p>
+            <a:pPr lvl="2"/>
+            <a:endParaRPr lang="en-US" dirty="0"/>
           </a:p>
         </p:txBody>
       </p:sp>
@@ -9384,12 +9000,14 @@
         </p:nvSpPr>
         <p:spPr/>
         <p:txBody>
-          <a:bodyPr/>
+          <a:bodyPr>
+            <a:normAutofit/>
+          </a:bodyPr>
           <a:lstStyle/>
           <a:p>
             <a:r>
               <a:rPr lang="en-US" dirty="0"/>
-              <a:t>Method Selection</a:t>
+              <a:t>Feature Creation</a:t>
             </a:r>
           </a:p>
         </p:txBody>
@@ -9397,7 +9015,7 @@
     </p:spTree>
     <p:extLst>
       <p:ext uri="{BB962C8B-B14F-4D97-AF65-F5344CB8AC3E}">
-        <p14:creationId xmlns:p14="http://schemas.microsoft.com/office/powerpoint/2010/main" val="2587366820"/>
+        <p14:creationId xmlns:p14="http://schemas.microsoft.com/office/powerpoint/2010/main" val="67433789"/>
       </p:ext>
     </p:extLst>
   </p:cSld>
